--- a/react/study_materials/React.pptx
+++ b/react/study_materials/React.pptx
@@ -17,13 +17,15 @@
     <p:sldId id="266" r:id="rId11"/>
     <p:sldId id="267" r:id="rId12"/>
     <p:sldId id="268" r:id="rId13"/>
-    <p:sldId id="269" r:id="rId14"/>
-    <p:sldId id="270" r:id="rId15"/>
-    <p:sldId id="271" r:id="rId16"/>
-    <p:sldId id="272" r:id="rId17"/>
-    <p:sldId id="273" r:id="rId18"/>
-    <p:sldId id="274" r:id="rId19"/>
-    <p:sldId id="275" r:id="rId20"/>
+    <p:sldId id="276" r:id="rId14"/>
+    <p:sldId id="269" r:id="rId15"/>
+    <p:sldId id="277" r:id="rId16"/>
+    <p:sldId id="270" r:id="rId17"/>
+    <p:sldId id="271" r:id="rId18"/>
+    <p:sldId id="272" r:id="rId19"/>
+    <p:sldId id="273" r:id="rId20"/>
+    <p:sldId id="274" r:id="rId21"/>
+    <p:sldId id="275" r:id="rId22"/>
   </p:sldIdLst>
   <p:sldSz cx="12192000" cy="6858000"/>
   <p:notesSz cx="6858000" cy="9144000"/>
@@ -133,6 +135,7 @@
 <file path=ppt/revisionInfo.xml><?xml version="1.0" encoding="utf-8"?>
 <p1510:revInfo xmlns:a="http://schemas.openxmlformats.org/drawingml/2006/main" xmlns:r="http://schemas.openxmlformats.org/officeDocument/2006/relationships" xmlns:p1510="http://schemas.microsoft.com/office/powerpoint/2015/10/main">
   <p1510:revLst>
+    <p1510:client id="{22ABDAFC-7C43-42EF-B8FA-22C02C265143}" v="178" dt="2023-11-06T16:28:16.470"/>
     <p1510:client id="{55428BC7-990C-4BC1-8B64-3DA6EB586F36}" v="540" dt="2023-11-05T16:58:34.041"/>
     <p1510:client id="{6BD5CC1B-2CFC-4CC5-88E8-F9DE27E94B28}" v="305" dt="2023-11-06T15:50:18.124"/>
   </p1510:revLst>
@@ -1739,6 +1742,148 @@
           <ac:cxnSpMkLst>
             <pc:docMk/>
             <pc:sldMk cId="1373347020" sldId="267"/>
+            <ac:cxnSpMk id="12" creationId="{4AD7FFC6-42A9-49CB-B5E9-B3F6B038331B}"/>
+          </ac:cxnSpMkLst>
+        </pc:cxnChg>
+      </pc:sldChg>
+    </pc:docChg>
+  </pc:docChgLst>
+  <pc:docChgLst>
+    <pc:chgData name="Siva Prasanna S" userId="S::sivaprasanna.s@iamneo.ai::3f99ddd6-8f78-41d3-b6e2-fa1d0164a322" providerId="AD" clId="Web-{22ABDAFC-7C43-42EF-B8FA-22C02C265143}"/>
+    <pc:docChg chg="addSld delSld modSld">
+      <pc:chgData name="Siva Prasanna S" userId="S::sivaprasanna.s@iamneo.ai::3f99ddd6-8f78-41d3-b6e2-fa1d0164a322" providerId="AD" clId="Web-{22ABDAFC-7C43-42EF-B8FA-22C02C265143}" dt="2023-11-06T16:28:16.470" v="156" actId="20577"/>
+      <pc:docMkLst>
+        <pc:docMk/>
+      </pc:docMkLst>
+      <pc:sldChg chg="modSp add replId">
+        <pc:chgData name="Siva Prasanna S" userId="S::sivaprasanna.s@iamneo.ai::3f99ddd6-8f78-41d3-b6e2-fa1d0164a322" providerId="AD" clId="Web-{22ABDAFC-7C43-42EF-B8FA-22C02C265143}" dt="2023-11-06T16:14:05.443" v="38" actId="20577"/>
+        <pc:sldMkLst>
+          <pc:docMk/>
+          <pc:sldMk cId="1486928099" sldId="276"/>
+        </pc:sldMkLst>
+        <pc:spChg chg="mod">
+          <ac:chgData name="Siva Prasanna S" userId="S::sivaprasanna.s@iamneo.ai::3f99ddd6-8f78-41d3-b6e2-fa1d0164a322" providerId="AD" clId="Web-{22ABDAFC-7C43-42EF-B8FA-22C02C265143}" dt="2023-11-06T16:13:06.442" v="35" actId="20577"/>
+          <ac:spMkLst>
+            <pc:docMk/>
+            <pc:sldMk cId="1486928099" sldId="276"/>
+            <ac:spMk id="2" creationId="{0833764A-6054-E198-9B9B-D9EBC1F4D245}"/>
+          </ac:spMkLst>
+        </pc:spChg>
+        <pc:spChg chg="mod">
+          <ac:chgData name="Siva Prasanna S" userId="S::sivaprasanna.s@iamneo.ai::3f99ddd6-8f78-41d3-b6e2-fa1d0164a322" providerId="AD" clId="Web-{22ABDAFC-7C43-42EF-B8FA-22C02C265143}" dt="2023-11-06T16:14:05.443" v="38" actId="20577"/>
+          <ac:spMkLst>
+            <pc:docMk/>
+            <pc:sldMk cId="1486928099" sldId="276"/>
+            <ac:spMk id="3" creationId="{BF6387C6-3A3A-ED00-D649-6CCE37F720FD}"/>
+          </ac:spMkLst>
+        </pc:spChg>
+      </pc:sldChg>
+      <pc:sldChg chg="modSp add replId">
+        <pc:chgData name="Siva Prasanna S" userId="S::sivaprasanna.s@iamneo.ai::3f99ddd6-8f78-41d3-b6e2-fa1d0164a322" providerId="AD" clId="Web-{22ABDAFC-7C43-42EF-B8FA-22C02C265143}" dt="2023-11-06T16:28:16.470" v="156" actId="20577"/>
+        <pc:sldMkLst>
+          <pc:docMk/>
+          <pc:sldMk cId="2393684056" sldId="277"/>
+        </pc:sldMkLst>
+        <pc:spChg chg="mod">
+          <ac:chgData name="Siva Prasanna S" userId="S::sivaprasanna.s@iamneo.ai::3f99ddd6-8f78-41d3-b6e2-fa1d0164a322" providerId="AD" clId="Web-{22ABDAFC-7C43-42EF-B8FA-22C02C265143}" dt="2023-11-06T16:14:26.147" v="43" actId="20577"/>
+          <ac:spMkLst>
+            <pc:docMk/>
+            <pc:sldMk cId="2393684056" sldId="277"/>
+            <ac:spMk id="2" creationId="{0833764A-6054-E198-9B9B-D9EBC1F4D245}"/>
+          </ac:spMkLst>
+        </pc:spChg>
+        <pc:spChg chg="mod">
+          <ac:chgData name="Siva Prasanna S" userId="S::sivaprasanna.s@iamneo.ai::3f99ddd6-8f78-41d3-b6e2-fa1d0164a322" providerId="AD" clId="Web-{22ABDAFC-7C43-42EF-B8FA-22C02C265143}" dt="2023-11-06T16:28:16.470" v="156" actId="20577"/>
+          <ac:spMkLst>
+            <pc:docMk/>
+            <pc:sldMk cId="2393684056" sldId="277"/>
+            <ac:spMk id="3" creationId="{BF6387C6-3A3A-ED00-D649-6CCE37F720FD}"/>
+          </ac:spMkLst>
+        </pc:spChg>
+      </pc:sldChg>
+      <pc:sldChg chg="addSp delSp modSp add del replId">
+        <pc:chgData name="Siva Prasanna S" userId="S::sivaprasanna.s@iamneo.ai::3f99ddd6-8f78-41d3-b6e2-fa1d0164a322" providerId="AD" clId="Web-{22ABDAFC-7C43-42EF-B8FA-22C02C265143}" dt="2023-11-06T16:21:12.925" v="155"/>
+        <pc:sldMkLst>
+          <pc:docMk/>
+          <pc:sldMk cId="2279585627" sldId="278"/>
+        </pc:sldMkLst>
+        <pc:spChg chg="mod">
+          <ac:chgData name="Siva Prasanna S" userId="S::sivaprasanna.s@iamneo.ai::3f99ddd6-8f78-41d3-b6e2-fa1d0164a322" providerId="AD" clId="Web-{22ABDAFC-7C43-42EF-B8FA-22C02C265143}" dt="2023-11-06T16:17:52.153" v="131"/>
+          <ac:spMkLst>
+            <pc:docMk/>
+            <pc:sldMk cId="2279585627" sldId="278"/>
+            <ac:spMk id="2" creationId="{0833764A-6054-E198-9B9B-D9EBC1F4D245}"/>
+          </ac:spMkLst>
+        </pc:spChg>
+        <pc:spChg chg="mod">
+          <ac:chgData name="Siva Prasanna S" userId="S::sivaprasanna.s@iamneo.ai::3f99ddd6-8f78-41d3-b6e2-fa1d0164a322" providerId="AD" clId="Web-{22ABDAFC-7C43-42EF-B8FA-22C02C265143}" dt="2023-11-06T16:20:58.300" v="154" actId="20577"/>
+          <ac:spMkLst>
+            <pc:docMk/>
+            <pc:sldMk cId="2279585627" sldId="278"/>
+            <ac:spMk id="3" creationId="{BF6387C6-3A3A-ED00-D649-6CCE37F720FD}"/>
+          </ac:spMkLst>
+        </pc:spChg>
+        <pc:spChg chg="add del">
+          <ac:chgData name="Siva Prasanna S" userId="S::sivaprasanna.s@iamneo.ai::3f99ddd6-8f78-41d3-b6e2-fa1d0164a322" providerId="AD" clId="Web-{22ABDAFC-7C43-42EF-B8FA-22C02C265143}" dt="2023-11-06T16:17:52.153" v="131"/>
+          <ac:spMkLst>
+            <pc:docMk/>
+            <pc:sldMk cId="2279585627" sldId="278"/>
+            <ac:spMk id="8" creationId="{E8A8EAB8-D2FF-444D-B34B-7D32F106AD0E}"/>
+          </ac:spMkLst>
+        </pc:spChg>
+        <pc:spChg chg="add del">
+          <ac:chgData name="Siva Prasanna S" userId="S::sivaprasanna.s@iamneo.ai::3f99ddd6-8f78-41d3-b6e2-fa1d0164a322" providerId="AD" clId="Web-{22ABDAFC-7C43-42EF-B8FA-22C02C265143}" dt="2023-11-06T16:17:52.153" v="131"/>
+          <ac:spMkLst>
+            <pc:docMk/>
+            <pc:sldMk cId="2279585627" sldId="278"/>
+            <ac:spMk id="17" creationId="{57AA3065-908F-4990-AE53-A40A58D208D7}"/>
+          </ac:spMkLst>
+        </pc:spChg>
+        <pc:spChg chg="add del">
+          <ac:chgData name="Siva Prasanna S" userId="S::sivaprasanna.s@iamneo.ai::3f99ddd6-8f78-41d3-b6e2-fa1d0164a322" providerId="AD" clId="Web-{22ABDAFC-7C43-42EF-B8FA-22C02C265143}" dt="2023-11-06T16:17:52.153" v="131"/>
+          <ac:spMkLst>
+            <pc:docMk/>
+            <pc:sldMk cId="2279585627" sldId="278"/>
+            <ac:spMk id="19" creationId="{5B7778FC-632E-4DCA-A7CB-0D7731CCF970}"/>
+          </ac:spMkLst>
+        </pc:spChg>
+        <pc:spChg chg="add del">
+          <ac:chgData name="Siva Prasanna S" userId="S::sivaprasanna.s@iamneo.ai::3f99ddd6-8f78-41d3-b6e2-fa1d0164a322" providerId="AD" clId="Web-{22ABDAFC-7C43-42EF-B8FA-22C02C265143}" dt="2023-11-06T16:17:52.153" v="131"/>
+          <ac:spMkLst>
+            <pc:docMk/>
+            <pc:sldMk cId="2279585627" sldId="278"/>
+            <ac:spMk id="21" creationId="{B10BB131-AC8E-4A8E-A5D1-36260F720C3B}"/>
+          </ac:spMkLst>
+        </pc:spChg>
+        <pc:spChg chg="add del">
+          <ac:chgData name="Siva Prasanna S" userId="S::sivaprasanna.s@iamneo.ai::3f99ddd6-8f78-41d3-b6e2-fa1d0164a322" providerId="AD" clId="Web-{22ABDAFC-7C43-42EF-B8FA-22C02C265143}" dt="2023-11-06T16:17:52.153" v="131"/>
+          <ac:spMkLst>
+            <pc:docMk/>
+            <pc:sldMk cId="2279585627" sldId="278"/>
+            <ac:spMk id="23" creationId="{FA23A907-97FB-4A8F-880A-DD77401C4296}"/>
+          </ac:spMkLst>
+        </pc:spChg>
+        <pc:picChg chg="mod ord">
+          <ac:chgData name="Siva Prasanna S" userId="S::sivaprasanna.s@iamneo.ai::3f99ddd6-8f78-41d3-b6e2-fa1d0164a322" providerId="AD" clId="Web-{22ABDAFC-7C43-42EF-B8FA-22C02C265143}" dt="2023-11-06T16:17:52.153" v="131"/>
+          <ac:picMkLst>
+            <pc:docMk/>
+            <pc:sldMk cId="2279585627" sldId="278"/>
+            <ac:picMk id="6" creationId="{613F53E4-F588-E339-4238-FD6621D61BA8}"/>
+          </ac:picMkLst>
+        </pc:picChg>
+        <pc:cxnChg chg="add del">
+          <ac:chgData name="Siva Prasanna S" userId="S::sivaprasanna.s@iamneo.ai::3f99ddd6-8f78-41d3-b6e2-fa1d0164a322" providerId="AD" clId="Web-{22ABDAFC-7C43-42EF-B8FA-22C02C265143}" dt="2023-11-06T16:17:52.153" v="131"/>
+          <ac:cxnSpMkLst>
+            <pc:docMk/>
+            <pc:sldMk cId="2279585627" sldId="278"/>
+            <ac:cxnSpMk id="10" creationId="{067633D1-6EE6-4118-B9F0-B363477BEE7A}"/>
+          </ac:cxnSpMkLst>
+        </pc:cxnChg>
+        <pc:cxnChg chg="add del">
+          <ac:chgData name="Siva Prasanna S" userId="S::sivaprasanna.s@iamneo.ai::3f99ddd6-8f78-41d3-b6e2-fa1d0164a322" providerId="AD" clId="Web-{22ABDAFC-7C43-42EF-B8FA-22C02C265143}" dt="2023-11-06T16:17:52.153" v="131"/>
+          <ac:cxnSpMkLst>
+            <pc:docMk/>
+            <pc:sldMk cId="2279585627" sldId="278"/>
             <ac:cxnSpMk id="12" creationId="{4AD7FFC6-42A9-49CB-B5E9-B3F6B038331B}"/>
           </ac:cxnSpMkLst>
         </pc:cxnChg>
@@ -6648,12 +6793,15 @@
             <a:r>
               <a:rPr lang="en-GB" sz="8000" dirty="0">
                 <a:solidFill>
-                  <a:schemeClr val="bg1"/>
-                </a:solidFill>
+                  <a:srgbClr val="FFFFFF"/>
+                </a:solidFill>
+                <a:latin typeface="Calibri Light"/>
+                <a:ea typeface="Calibri Light"/>
                 <a:cs typeface="Calibri Light"/>
               </a:rPr>
-              <a:t>Babel</a:t>
-            </a:r>
+              <a:t>Install Webpack</a:t>
+            </a:r>
+            <a:endParaRPr lang="en-US" dirty="0"/>
           </a:p>
         </p:txBody>
       </p:sp>
@@ -6779,6 +6927,483 @@
         </p:nvSpPr>
         <p:spPr>
           <a:xfrm>
+            <a:off x="5241564" y="1853001"/>
+            <a:ext cx="6581538" cy="4571972"/>
+          </a:xfrm>
+        </p:spPr>
+        <p:txBody>
+          <a:bodyPr vert="horz" lIns="91440" tIns="45720" rIns="91440" bIns="45720" rtlCol="0" anchor="ctr">
+            <a:normAutofit/>
+          </a:bodyPr>
+          <a:lstStyle/>
+          <a:p>
+            <a:pPr marL="0" indent="0">
+              <a:buNone/>
+            </a:pPr>
+            <a:r>
+              <a:rPr lang="en-GB" sz="2000" dirty="0">
+                <a:solidFill>
+                  <a:srgbClr val="D1D5DB"/>
+                </a:solidFill>
+                <a:latin typeface="Arial"/>
+                <a:ea typeface="+mn-lt"/>
+                <a:cs typeface="+mn-lt"/>
+              </a:rPr>
+              <a:t>Install Webpack and necessary loaders and plugins:</a:t>
+            </a:r>
+          </a:p>
+          <a:p>
+            <a:pPr marL="342900" indent="-342900">
+              <a:buAutoNum type="arabicPeriod"/>
+            </a:pPr>
+            <a:r>
+              <a:rPr lang="en-GB" sz="2000" err="1">
+                <a:solidFill>
+                  <a:srgbClr val="D1D5DB"/>
+                </a:solidFill>
+                <a:latin typeface="Arial"/>
+                <a:ea typeface="+mn-lt"/>
+                <a:cs typeface="Arial"/>
+              </a:rPr>
+              <a:t>npm</a:t>
+            </a:r>
+            <a:r>
+              <a:rPr lang="en-GB" sz="2000" dirty="0">
+                <a:solidFill>
+                  <a:srgbClr val="D1D5DB"/>
+                </a:solidFill>
+                <a:latin typeface="Arial"/>
+                <a:ea typeface="+mn-lt"/>
+                <a:cs typeface="Arial"/>
+              </a:rPr>
+              <a:t> install --save-dev webpack webpack-cli </a:t>
+            </a:r>
+            <a:r>
+              <a:rPr lang="en-GB" sz="2000">
+                <a:solidFill>
+                  <a:srgbClr val="D1D5DB"/>
+                </a:solidFill>
+                <a:latin typeface="Arial"/>
+                <a:ea typeface="+mn-lt"/>
+                <a:cs typeface="Arial"/>
+              </a:rPr>
+              <a:t>webpack-dev-server</a:t>
+            </a:r>
+            <a:r>
+              <a:rPr lang="en-GB" sz="2000" dirty="0">
+                <a:solidFill>
+                  <a:srgbClr val="D1D5DB"/>
+                </a:solidFill>
+                <a:latin typeface="Arial"/>
+                <a:ea typeface="+mn-lt"/>
+                <a:cs typeface="Arial"/>
+              </a:rPr>
+              <a:t> html-webpack-plugin</a:t>
+            </a:r>
+            <a:endParaRPr lang="en-GB" sz="2000">
+              <a:latin typeface="Arial"/>
+              <a:ea typeface="Calibri" panose="020F0502020204030204"/>
+              <a:cs typeface="Calibri" panose="020F0502020204030204"/>
+            </a:endParaRPr>
+          </a:p>
+          <a:p>
+            <a:pPr marL="342900" indent="-342900">
+              <a:buAutoNum type="arabicPeriod"/>
+            </a:pPr>
+            <a:r>
+              <a:rPr lang="en-GB" sz="2000" dirty="0" err="1">
+                <a:solidFill>
+                  <a:srgbClr val="D1D5DB"/>
+                </a:solidFill>
+                <a:latin typeface="Arial"/>
+                <a:ea typeface="+mn-lt"/>
+                <a:cs typeface="+mn-lt"/>
+              </a:rPr>
+              <a:t>npm</a:t>
+            </a:r>
+            <a:r>
+              <a:rPr lang="en-GB" sz="2000" dirty="0">
+                <a:solidFill>
+                  <a:srgbClr val="D1D5DB"/>
+                </a:solidFill>
+                <a:latin typeface="Arial"/>
+                <a:ea typeface="+mn-lt"/>
+                <a:cs typeface="+mn-lt"/>
+              </a:rPr>
+              <a:t> install --save-dev style-loader </a:t>
+            </a:r>
+            <a:r>
+              <a:rPr lang="en-GB" sz="2000" dirty="0" err="1">
+                <a:solidFill>
+                  <a:srgbClr val="D1D5DB"/>
+                </a:solidFill>
+                <a:latin typeface="Arial"/>
+                <a:ea typeface="+mn-lt"/>
+                <a:cs typeface="+mn-lt"/>
+              </a:rPr>
+              <a:t>css</a:t>
+            </a:r>
+            <a:r>
+              <a:rPr lang="en-GB" sz="2000" dirty="0">
+                <a:solidFill>
+                  <a:srgbClr val="D1D5DB"/>
+                </a:solidFill>
+                <a:latin typeface="Arial"/>
+                <a:ea typeface="+mn-lt"/>
+                <a:cs typeface="+mn-lt"/>
+              </a:rPr>
+              <a:t>-loader file-loader</a:t>
+            </a:r>
+            <a:endParaRPr lang="en-GB" sz="2000" dirty="0">
+              <a:solidFill>
+                <a:srgbClr val="D1D5DB"/>
+              </a:solidFill>
+              <a:latin typeface="Arial"/>
+              <a:ea typeface="Calibri"/>
+              <a:cs typeface="Arial"/>
+            </a:endParaRPr>
+          </a:p>
+          <a:p>
+            <a:pPr marL="342900" indent="-342900">
+              <a:buAutoNum type="arabicPeriod"/>
+            </a:pPr>
+            <a:endParaRPr lang="en-GB" sz="2000" dirty="0">
+              <a:solidFill>
+                <a:srgbClr val="D1D5DB"/>
+              </a:solidFill>
+              <a:latin typeface="Arial"/>
+              <a:ea typeface="Calibri"/>
+              <a:cs typeface="Arial"/>
+            </a:endParaRPr>
+          </a:p>
+          <a:p>
+            <a:pPr marL="342900" indent="-342900">
+              <a:buAutoNum type="arabicPeriod"/>
+            </a:pPr>
+            <a:endParaRPr lang="en-GB" sz="2000" dirty="0">
+              <a:solidFill>
+                <a:srgbClr val="D1D5DB"/>
+              </a:solidFill>
+              <a:latin typeface="Arial"/>
+              <a:ea typeface="Calibri"/>
+              <a:cs typeface="Arial"/>
+            </a:endParaRPr>
+          </a:p>
+          <a:p>
+            <a:pPr marL="0" indent="0">
+              <a:buNone/>
+            </a:pPr>
+            <a:endParaRPr lang="en-GB" sz="2000" dirty="0">
+              <a:solidFill>
+                <a:srgbClr val="D1D5DB"/>
+              </a:solidFill>
+              <a:latin typeface="Arial"/>
+              <a:ea typeface="Calibri"/>
+              <a:cs typeface="Calibri"/>
+            </a:endParaRPr>
+          </a:p>
+        </p:txBody>
+      </p:sp>
+      <p:pic>
+        <p:nvPicPr>
+          <p:cNvPr id="6" name="Picture 5" descr="A couple of yellow cartoon characters&#10;&#10;Description automatically generated">
+            <a:extLst>
+              <a:ext uri="{FF2B5EF4-FFF2-40B4-BE49-F238E27FC236}">
+                <a16:creationId xmlns:a16="http://schemas.microsoft.com/office/drawing/2014/main" id="{613F53E4-F588-E339-4238-FD6621D61BA8}"/>
+              </a:ext>
+            </a:extLst>
+          </p:cNvPr>
+          <p:cNvPicPr>
+            <a:picLocks noChangeAspect="1"/>
+          </p:cNvPicPr>
+          <p:nvPr/>
+        </p:nvPicPr>
+        <p:blipFill>
+          <a:blip r:embed="rId2"/>
+          <a:stretch>
+            <a:fillRect/>
+          </a:stretch>
+        </p:blipFill>
+        <p:spPr>
+          <a:xfrm>
+            <a:off x="9380294" y="5041490"/>
+            <a:ext cx="3425735" cy="1751976"/>
+          </a:xfrm>
+          <a:prstGeom prst="rect">
+            <a:avLst/>
+          </a:prstGeom>
+        </p:spPr>
+      </p:pic>
+    </p:spTree>
+    <p:extLst>
+      <p:ext uri="{BB962C8B-B14F-4D97-AF65-F5344CB8AC3E}">
+        <p14:creationId xmlns:p14="http://schemas.microsoft.com/office/powerpoint/2010/main" val="1486928099"/>
+      </p:ext>
+    </p:extLst>
+  </p:cSld>
+  <p:clrMapOvr>
+    <a:masterClrMapping/>
+  </p:clrMapOvr>
+</p:sld>
+</file>
+
+<file path=ppt/slides/slide14.xml><?xml version="1.0" encoding="utf-8"?>
+<p:sld xmlns:a="http://schemas.openxmlformats.org/drawingml/2006/main" xmlns:r="http://schemas.openxmlformats.org/officeDocument/2006/relationships" xmlns:p="http://schemas.openxmlformats.org/presentationml/2006/main">
+  <p:cSld>
+    <p:bg>
+      <p:bgPr>
+        <a:solidFill>
+          <a:schemeClr val="bg1"/>
+        </a:solidFill>
+        <a:effectLst/>
+      </p:bgPr>
+    </p:bg>
+    <p:spTree>
+      <p:nvGrpSpPr>
+        <p:cNvPr id="1" name=""/>
+        <p:cNvGrpSpPr/>
+        <p:nvPr/>
+      </p:nvGrpSpPr>
+      <p:grpSpPr>
+        <a:xfrm>
+          <a:off x="0" y="0"/>
+          <a:ext cx="0" cy="0"/>
+          <a:chOff x="0" y="0"/>
+          <a:chExt cx="0" cy="0"/>
+        </a:xfrm>
+      </p:grpSpPr>
+      <p:sp>
+        <p:nvSpPr>
+          <p:cNvPr id="8" name="Rectangle 7">
+            <a:extLst>
+              <a:ext uri="{FF2B5EF4-FFF2-40B4-BE49-F238E27FC236}">
+                <a16:creationId xmlns:a16="http://schemas.microsoft.com/office/drawing/2014/main" id="{E8A8EAB8-D2FF-444D-B34B-7D32F106AD0E}"/>
+              </a:ext>
+              <a:ext uri="{C183D7F6-B498-43B3-948B-1728B52AA6E4}">
+                <adec:decorative xmlns:adec="http://schemas.microsoft.com/office/drawing/2017/decorative" val="1"/>
+              </a:ext>
+            </a:extLst>
+          </p:cNvPr>
+          <p:cNvSpPr>
+            <a:spLocks noGrp="1" noRot="1" noChangeAspect="1" noMove="1" noResize="1" noEditPoints="1" noAdjustHandles="1" noChangeArrowheads="1" noChangeShapeType="1" noTextEdit="1"/>
+          </p:cNvSpPr>
+          <p:nvPr>
+            <p:extLst>
+              <p:ext uri="{386F3935-93C4-4BCD-93E2-E3B085C9AB24}">
+                <p16:designElem xmlns:p16="http://schemas.microsoft.com/office/powerpoint/2015/main" val="1"/>
+              </p:ext>
+            </p:extLst>
+          </p:nvPr>
+        </p:nvSpPr>
+        <p:spPr>
+          <a:xfrm>
+            <a:off x="0" y="0"/>
+            <a:ext cx="12192000" cy="6858000"/>
+          </a:xfrm>
+          <a:prstGeom prst="rect">
+            <a:avLst/>
+          </a:prstGeom>
+          <a:solidFill>
+            <a:schemeClr val="tx1">
+              <a:lumMod val="95000"/>
+              <a:lumOff val="5000"/>
+            </a:schemeClr>
+          </a:solidFill>
+          <a:ln>
+            <a:noFill/>
+          </a:ln>
+        </p:spPr>
+        <p:style>
+          <a:lnRef idx="2">
+            <a:schemeClr val="accent1">
+              <a:shade val="50000"/>
+            </a:schemeClr>
+          </a:lnRef>
+          <a:fillRef idx="1">
+            <a:schemeClr val="accent1"/>
+          </a:fillRef>
+          <a:effectRef idx="0">
+            <a:schemeClr val="accent1"/>
+          </a:effectRef>
+          <a:fontRef idx="minor">
+            <a:schemeClr val="lt1"/>
+          </a:fontRef>
+        </p:style>
+        <p:txBody>
+          <a:bodyPr rtlCol="0" anchor="ctr"/>
+          <a:lstStyle/>
+          <a:p>
+            <a:pPr algn="ctr"/>
+            <a:endParaRPr lang="en-US" dirty="0">
+              <a:solidFill>
+                <a:schemeClr val="bg1"/>
+              </a:solidFill>
+            </a:endParaRPr>
+          </a:p>
+        </p:txBody>
+      </p:sp>
+      <p:sp>
+        <p:nvSpPr>
+          <p:cNvPr id="2" name="Title 1">
+            <a:extLst>
+              <a:ext uri="{FF2B5EF4-FFF2-40B4-BE49-F238E27FC236}">
+                <a16:creationId xmlns:a16="http://schemas.microsoft.com/office/drawing/2014/main" id="{0833764A-6054-E198-9B9B-D9EBC1F4D245}"/>
+              </a:ext>
+            </a:extLst>
+          </p:cNvPr>
+          <p:cNvSpPr>
+            <a:spLocks noGrp="1"/>
+          </p:cNvSpPr>
+          <p:nvPr>
+            <p:ph type="title"/>
+          </p:nvPr>
+        </p:nvSpPr>
+        <p:spPr>
+          <a:xfrm>
+            <a:off x="852014" y="1491187"/>
+            <a:ext cx="4515689" cy="3916159"/>
+          </a:xfrm>
+        </p:spPr>
+        <p:txBody>
+          <a:bodyPr anchor="ctr">
+            <a:normAutofit/>
+          </a:bodyPr>
+          <a:lstStyle/>
+          <a:p>
+            <a:r>
+              <a:rPr lang="en-GB" sz="8000" dirty="0">
+                <a:solidFill>
+                  <a:schemeClr val="bg1"/>
+                </a:solidFill>
+                <a:cs typeface="Calibri Light"/>
+              </a:rPr>
+              <a:t>Babel</a:t>
+            </a:r>
+          </a:p>
+        </p:txBody>
+      </p:sp>
+      <p:cxnSp>
+        <p:nvCxnSpPr>
+          <p:cNvPr id="10" name="Straight Connector 9">
+            <a:extLst>
+              <a:ext uri="{FF2B5EF4-FFF2-40B4-BE49-F238E27FC236}">
+                <a16:creationId xmlns:a16="http://schemas.microsoft.com/office/drawing/2014/main" id="{067633D1-6EE6-4118-B9F0-B363477BEE7A}"/>
+              </a:ext>
+              <a:ext uri="{C183D7F6-B498-43B3-948B-1728B52AA6E4}">
+                <adec:decorative xmlns:adec="http://schemas.microsoft.com/office/drawing/2017/decorative" val="1"/>
+              </a:ext>
+            </a:extLst>
+          </p:cNvPr>
+          <p:cNvCxnSpPr>
+            <a:cxnSpLocks noGrp="1" noRot="1" noChangeAspect="1" noMove="1" noResize="1" noEditPoints="1" noAdjustHandles="1" noChangeArrowheads="1" noChangeShapeType="1"/>
+          </p:cNvCxnSpPr>
+          <p:nvPr>
+            <p:extLst>
+              <p:ext uri="{386F3935-93C4-4BCD-93E2-E3B085C9AB24}">
+                <p16:designElem xmlns:p16="http://schemas.microsoft.com/office/powerpoint/2015/main" val="1"/>
+              </p:ext>
+            </p:extLst>
+          </p:nvPr>
+        </p:nvCxnSpPr>
+        <p:spPr>
+          <a:xfrm flipH="1">
+            <a:off x="1014141" y="1450655"/>
+            <a:ext cx="3932030" cy="0"/>
+          </a:xfrm>
+          <a:prstGeom prst="line">
+            <a:avLst/>
+          </a:prstGeom>
+          <a:ln w="12700">
+            <a:solidFill>
+              <a:schemeClr val="accent2"/>
+            </a:solidFill>
+          </a:ln>
+        </p:spPr>
+        <p:style>
+          <a:lnRef idx="1">
+            <a:schemeClr val="accent1"/>
+          </a:lnRef>
+          <a:fillRef idx="0">
+            <a:schemeClr val="accent1"/>
+          </a:fillRef>
+          <a:effectRef idx="0">
+            <a:schemeClr val="accent1"/>
+          </a:effectRef>
+          <a:fontRef idx="minor">
+            <a:schemeClr val="tx1"/>
+          </a:fontRef>
+        </p:style>
+      </p:cxnSp>
+      <p:cxnSp>
+        <p:nvCxnSpPr>
+          <p:cNvPr id="12" name="Straight Connector 11">
+            <a:extLst>
+              <a:ext uri="{FF2B5EF4-FFF2-40B4-BE49-F238E27FC236}">
+                <a16:creationId xmlns:a16="http://schemas.microsoft.com/office/drawing/2014/main" id="{4AD7FFC6-42A9-49CB-B5E9-B3F6B038331B}"/>
+              </a:ext>
+              <a:ext uri="{C183D7F6-B498-43B3-948B-1728B52AA6E4}">
+                <adec:decorative xmlns:adec="http://schemas.microsoft.com/office/drawing/2017/decorative" val="1"/>
+              </a:ext>
+            </a:extLst>
+          </p:cNvPr>
+          <p:cNvCxnSpPr>
+            <a:cxnSpLocks noGrp="1" noRot="1" noChangeAspect="1" noMove="1" noResize="1" noEditPoints="1" noAdjustHandles="1" noChangeArrowheads="1" noChangeShapeType="1"/>
+          </p:cNvCxnSpPr>
+          <p:nvPr>
+            <p:extLst>
+              <p:ext uri="{386F3935-93C4-4BCD-93E2-E3B085C9AB24}">
+                <p16:designElem xmlns:p16="http://schemas.microsoft.com/office/powerpoint/2015/main" val="1"/>
+              </p:ext>
+            </p:extLst>
+          </p:nvPr>
+        </p:nvCxnSpPr>
+        <p:spPr>
+          <a:xfrm flipH="1">
+            <a:off x="1014141" y="5408571"/>
+            <a:ext cx="3932030" cy="0"/>
+          </a:xfrm>
+          <a:prstGeom prst="line">
+            <a:avLst/>
+          </a:prstGeom>
+          <a:ln w="12700">
+            <a:solidFill>
+              <a:schemeClr val="accent2"/>
+            </a:solidFill>
+          </a:ln>
+        </p:spPr>
+        <p:style>
+          <a:lnRef idx="1">
+            <a:schemeClr val="accent1"/>
+          </a:lnRef>
+          <a:fillRef idx="0">
+            <a:schemeClr val="accent1"/>
+          </a:fillRef>
+          <a:effectRef idx="0">
+            <a:schemeClr val="accent1"/>
+          </a:effectRef>
+          <a:fontRef idx="minor">
+            <a:schemeClr val="tx1"/>
+          </a:fontRef>
+        </p:style>
+      </p:cxnSp>
+      <p:sp>
+        <p:nvSpPr>
+          <p:cNvPr id="3" name="Content Placeholder 2">
+            <a:extLst>
+              <a:ext uri="{FF2B5EF4-FFF2-40B4-BE49-F238E27FC236}">
+                <a16:creationId xmlns:a16="http://schemas.microsoft.com/office/drawing/2014/main" id="{BF6387C6-3A3A-ED00-D649-6CCE37F720FD}"/>
+              </a:ext>
+            </a:extLst>
+          </p:cNvPr>
+          <p:cNvSpPr>
+            <a:spLocks noGrp="1"/>
+          </p:cNvSpPr>
+          <p:nvPr>
+            <p:ph idx="1"/>
+          </p:nvPr>
+        </p:nvSpPr>
+        <p:spPr>
+          <a:xfrm>
             <a:off x="5252937" y="1108061"/>
             <a:ext cx="6581538" cy="4571972"/>
           </a:xfrm>
@@ -6876,7 +7501,686 @@
 </p:sld>
 </file>
 
-<file path=ppt/slides/slide14.xml><?xml version="1.0" encoding="utf-8"?>
+<file path=ppt/slides/slide15.xml><?xml version="1.0" encoding="utf-8"?>
+<p:sld xmlns:a="http://schemas.openxmlformats.org/drawingml/2006/main" xmlns:r="http://schemas.openxmlformats.org/officeDocument/2006/relationships" xmlns:p="http://schemas.openxmlformats.org/presentationml/2006/main">
+  <p:cSld>
+    <p:bg>
+      <p:bgPr>
+        <a:solidFill>
+          <a:schemeClr val="bg1"/>
+        </a:solidFill>
+        <a:effectLst/>
+      </p:bgPr>
+    </p:bg>
+    <p:spTree>
+      <p:nvGrpSpPr>
+        <p:cNvPr id="1" name=""/>
+        <p:cNvGrpSpPr/>
+        <p:nvPr/>
+      </p:nvGrpSpPr>
+      <p:grpSpPr>
+        <a:xfrm>
+          <a:off x="0" y="0"/>
+          <a:ext cx="0" cy="0"/>
+          <a:chOff x="0" y="0"/>
+          <a:chExt cx="0" cy="0"/>
+        </a:xfrm>
+      </p:grpSpPr>
+      <p:sp>
+        <p:nvSpPr>
+          <p:cNvPr id="8" name="Rectangle 7">
+            <a:extLst>
+              <a:ext uri="{FF2B5EF4-FFF2-40B4-BE49-F238E27FC236}">
+                <a16:creationId xmlns:a16="http://schemas.microsoft.com/office/drawing/2014/main" id="{E8A8EAB8-D2FF-444D-B34B-7D32F106AD0E}"/>
+              </a:ext>
+              <a:ext uri="{C183D7F6-B498-43B3-948B-1728B52AA6E4}">
+                <adec:decorative xmlns:adec="http://schemas.microsoft.com/office/drawing/2017/decorative" val="1"/>
+              </a:ext>
+            </a:extLst>
+          </p:cNvPr>
+          <p:cNvSpPr>
+            <a:spLocks noGrp="1" noRot="1" noChangeAspect="1" noMove="1" noResize="1" noEditPoints="1" noAdjustHandles="1" noChangeArrowheads="1" noChangeShapeType="1" noTextEdit="1"/>
+          </p:cNvSpPr>
+          <p:nvPr>
+            <p:extLst>
+              <p:ext uri="{386F3935-93C4-4BCD-93E2-E3B085C9AB24}">
+                <p16:designElem xmlns:p16="http://schemas.microsoft.com/office/powerpoint/2015/main" val="1"/>
+              </p:ext>
+            </p:extLst>
+          </p:nvPr>
+        </p:nvSpPr>
+        <p:spPr>
+          <a:xfrm>
+            <a:off x="0" y="0"/>
+            <a:ext cx="12192000" cy="6858000"/>
+          </a:xfrm>
+          <a:prstGeom prst="rect">
+            <a:avLst/>
+          </a:prstGeom>
+          <a:solidFill>
+            <a:schemeClr val="tx1">
+              <a:lumMod val="95000"/>
+              <a:lumOff val="5000"/>
+            </a:schemeClr>
+          </a:solidFill>
+          <a:ln>
+            <a:noFill/>
+          </a:ln>
+        </p:spPr>
+        <p:style>
+          <a:lnRef idx="2">
+            <a:schemeClr val="accent1">
+              <a:shade val="50000"/>
+            </a:schemeClr>
+          </a:lnRef>
+          <a:fillRef idx="1">
+            <a:schemeClr val="accent1"/>
+          </a:fillRef>
+          <a:effectRef idx="0">
+            <a:schemeClr val="accent1"/>
+          </a:effectRef>
+          <a:fontRef idx="minor">
+            <a:schemeClr val="lt1"/>
+          </a:fontRef>
+        </p:style>
+        <p:txBody>
+          <a:bodyPr rtlCol="0" anchor="ctr"/>
+          <a:lstStyle/>
+          <a:p>
+            <a:pPr algn="ctr"/>
+            <a:endParaRPr lang="en-US" dirty="0">
+              <a:solidFill>
+                <a:schemeClr val="bg1"/>
+              </a:solidFill>
+            </a:endParaRPr>
+          </a:p>
+        </p:txBody>
+      </p:sp>
+      <p:sp>
+        <p:nvSpPr>
+          <p:cNvPr id="2" name="Title 1">
+            <a:extLst>
+              <a:ext uri="{FF2B5EF4-FFF2-40B4-BE49-F238E27FC236}">
+                <a16:creationId xmlns:a16="http://schemas.microsoft.com/office/drawing/2014/main" id="{0833764A-6054-E198-9B9B-D9EBC1F4D245}"/>
+              </a:ext>
+            </a:extLst>
+          </p:cNvPr>
+          <p:cNvSpPr>
+            <a:spLocks noGrp="1"/>
+          </p:cNvSpPr>
+          <p:nvPr>
+            <p:ph type="title"/>
+          </p:nvPr>
+        </p:nvSpPr>
+        <p:spPr>
+          <a:xfrm>
+            <a:off x="852014" y="1491187"/>
+            <a:ext cx="4515689" cy="3916159"/>
+          </a:xfrm>
+        </p:spPr>
+        <p:txBody>
+          <a:bodyPr anchor="ctr">
+            <a:normAutofit/>
+          </a:bodyPr>
+          <a:lstStyle/>
+          <a:p>
+            <a:r>
+              <a:rPr lang="en-GB" sz="8000" dirty="0">
+                <a:solidFill>
+                  <a:srgbClr val="FFFFFF"/>
+                </a:solidFill>
+                <a:latin typeface="Calibri Light"/>
+                <a:ea typeface="Calibri Light"/>
+                <a:cs typeface="Calibri Light"/>
+              </a:rPr>
+              <a:t>Install Babel</a:t>
+            </a:r>
+            <a:endParaRPr lang="en-US" dirty="0"/>
+          </a:p>
+        </p:txBody>
+      </p:sp>
+      <p:cxnSp>
+        <p:nvCxnSpPr>
+          <p:cNvPr id="10" name="Straight Connector 9">
+            <a:extLst>
+              <a:ext uri="{FF2B5EF4-FFF2-40B4-BE49-F238E27FC236}">
+                <a16:creationId xmlns:a16="http://schemas.microsoft.com/office/drawing/2014/main" id="{067633D1-6EE6-4118-B9F0-B363477BEE7A}"/>
+              </a:ext>
+              <a:ext uri="{C183D7F6-B498-43B3-948B-1728B52AA6E4}">
+                <adec:decorative xmlns:adec="http://schemas.microsoft.com/office/drawing/2017/decorative" val="1"/>
+              </a:ext>
+            </a:extLst>
+          </p:cNvPr>
+          <p:cNvCxnSpPr>
+            <a:cxnSpLocks noGrp="1" noRot="1" noChangeAspect="1" noMove="1" noResize="1" noEditPoints="1" noAdjustHandles="1" noChangeArrowheads="1" noChangeShapeType="1"/>
+          </p:cNvCxnSpPr>
+          <p:nvPr>
+            <p:extLst>
+              <p:ext uri="{386F3935-93C4-4BCD-93E2-E3B085C9AB24}">
+                <p16:designElem xmlns:p16="http://schemas.microsoft.com/office/powerpoint/2015/main" val="1"/>
+              </p:ext>
+            </p:extLst>
+          </p:nvPr>
+        </p:nvCxnSpPr>
+        <p:spPr>
+          <a:xfrm flipH="1">
+            <a:off x="1014141" y="1450655"/>
+            <a:ext cx="3932030" cy="0"/>
+          </a:xfrm>
+          <a:prstGeom prst="line">
+            <a:avLst/>
+          </a:prstGeom>
+          <a:ln w="12700">
+            <a:solidFill>
+              <a:schemeClr val="accent2"/>
+            </a:solidFill>
+          </a:ln>
+        </p:spPr>
+        <p:style>
+          <a:lnRef idx="1">
+            <a:schemeClr val="accent1"/>
+          </a:lnRef>
+          <a:fillRef idx="0">
+            <a:schemeClr val="accent1"/>
+          </a:fillRef>
+          <a:effectRef idx="0">
+            <a:schemeClr val="accent1"/>
+          </a:effectRef>
+          <a:fontRef idx="minor">
+            <a:schemeClr val="tx1"/>
+          </a:fontRef>
+        </p:style>
+      </p:cxnSp>
+      <p:cxnSp>
+        <p:nvCxnSpPr>
+          <p:cNvPr id="12" name="Straight Connector 11">
+            <a:extLst>
+              <a:ext uri="{FF2B5EF4-FFF2-40B4-BE49-F238E27FC236}">
+                <a16:creationId xmlns:a16="http://schemas.microsoft.com/office/drawing/2014/main" id="{4AD7FFC6-42A9-49CB-B5E9-B3F6B038331B}"/>
+              </a:ext>
+              <a:ext uri="{C183D7F6-B498-43B3-948B-1728B52AA6E4}">
+                <adec:decorative xmlns:adec="http://schemas.microsoft.com/office/drawing/2017/decorative" val="1"/>
+              </a:ext>
+            </a:extLst>
+          </p:cNvPr>
+          <p:cNvCxnSpPr>
+            <a:cxnSpLocks noGrp="1" noRot="1" noChangeAspect="1" noMove="1" noResize="1" noEditPoints="1" noAdjustHandles="1" noChangeArrowheads="1" noChangeShapeType="1"/>
+          </p:cNvCxnSpPr>
+          <p:nvPr>
+            <p:extLst>
+              <p:ext uri="{386F3935-93C4-4BCD-93E2-E3B085C9AB24}">
+                <p16:designElem xmlns:p16="http://schemas.microsoft.com/office/powerpoint/2015/main" val="1"/>
+              </p:ext>
+            </p:extLst>
+          </p:nvPr>
+        </p:nvCxnSpPr>
+        <p:spPr>
+          <a:xfrm flipH="1">
+            <a:off x="1014141" y="5408571"/>
+            <a:ext cx="3932030" cy="0"/>
+          </a:xfrm>
+          <a:prstGeom prst="line">
+            <a:avLst/>
+          </a:prstGeom>
+          <a:ln w="12700">
+            <a:solidFill>
+              <a:schemeClr val="accent2"/>
+            </a:solidFill>
+          </a:ln>
+        </p:spPr>
+        <p:style>
+          <a:lnRef idx="1">
+            <a:schemeClr val="accent1"/>
+          </a:lnRef>
+          <a:fillRef idx="0">
+            <a:schemeClr val="accent1"/>
+          </a:fillRef>
+          <a:effectRef idx="0">
+            <a:schemeClr val="accent1"/>
+          </a:effectRef>
+          <a:fontRef idx="minor">
+            <a:schemeClr val="tx1"/>
+          </a:fontRef>
+        </p:style>
+      </p:cxnSp>
+      <p:sp>
+        <p:nvSpPr>
+          <p:cNvPr id="3" name="Content Placeholder 2">
+            <a:extLst>
+              <a:ext uri="{FF2B5EF4-FFF2-40B4-BE49-F238E27FC236}">
+                <a16:creationId xmlns:a16="http://schemas.microsoft.com/office/drawing/2014/main" id="{BF6387C6-3A3A-ED00-D649-6CCE37F720FD}"/>
+              </a:ext>
+            </a:extLst>
+          </p:cNvPr>
+          <p:cNvSpPr>
+            <a:spLocks noGrp="1"/>
+          </p:cNvSpPr>
+          <p:nvPr>
+            <p:ph idx="1"/>
+          </p:nvPr>
+        </p:nvSpPr>
+        <p:spPr>
+          <a:xfrm>
+            <a:off x="5366668" y="1921240"/>
+            <a:ext cx="6581538" cy="4571972"/>
+          </a:xfrm>
+        </p:spPr>
+        <p:txBody>
+          <a:bodyPr vert="horz" lIns="91440" tIns="45720" rIns="91440" bIns="45720" rtlCol="0" anchor="ctr">
+            <a:normAutofit/>
+          </a:bodyPr>
+          <a:lstStyle/>
+          <a:p>
+            <a:pPr marL="0" indent="0">
+              <a:buNone/>
+            </a:pPr>
+            <a:r>
+              <a:rPr lang="en-GB" sz="2000" dirty="0">
+                <a:solidFill>
+                  <a:srgbClr val="D1D5DB"/>
+                </a:solidFill>
+                <a:latin typeface="Arial"/>
+                <a:ea typeface="+mn-lt"/>
+                <a:cs typeface="+mn-lt"/>
+              </a:rPr>
+              <a:t>Install Babel and necessary loaders and plugins:</a:t>
+            </a:r>
+          </a:p>
+          <a:p>
+            <a:pPr marL="457200" indent="-457200">
+              <a:buAutoNum type="arabicPeriod"/>
+            </a:pPr>
+            <a:r>
+              <a:rPr lang="en-GB" sz="2000" dirty="0" err="1">
+                <a:solidFill>
+                  <a:srgbClr val="D1D5DB"/>
+                </a:solidFill>
+                <a:latin typeface="Arial"/>
+                <a:ea typeface="+mn-lt"/>
+                <a:cs typeface="Arial"/>
+              </a:rPr>
+              <a:t>npm</a:t>
+            </a:r>
+            <a:r>
+              <a:rPr lang="en-GB" sz="2000" dirty="0">
+                <a:solidFill>
+                  <a:srgbClr val="D1D5DB"/>
+                </a:solidFill>
+                <a:latin typeface="Arial"/>
+                <a:ea typeface="+mn-lt"/>
+                <a:cs typeface="Arial"/>
+              </a:rPr>
+              <a:t> install --save-dev babel-loader @babel/core @babel/preset-env @babel/preset-react</a:t>
+            </a:r>
+          </a:p>
+          <a:p>
+            <a:pPr marL="457200" indent="-457200">
+              <a:buAutoNum type="arabicPeriod"/>
+            </a:pPr>
+            <a:endParaRPr lang="en-GB" sz="2000" dirty="0">
+              <a:solidFill>
+                <a:srgbClr val="D1D5DB"/>
+              </a:solidFill>
+              <a:latin typeface="Arial"/>
+              <a:ea typeface="Calibri"/>
+              <a:cs typeface="Arial"/>
+            </a:endParaRPr>
+          </a:p>
+          <a:p>
+            <a:pPr marL="0" indent="0">
+              <a:buNone/>
+            </a:pPr>
+            <a:r>
+              <a:rPr lang="en-GB" sz="2000" dirty="0">
+                <a:solidFill>
+                  <a:srgbClr val="D1D5DB"/>
+                </a:solidFill>
+                <a:latin typeface="Arial"/>
+                <a:ea typeface="Calibri"/>
+                <a:cs typeface="Arial"/>
+              </a:rPr>
+              <a:t>Create a file .</a:t>
+            </a:r>
+            <a:r>
+              <a:rPr lang="en-GB" sz="2000" dirty="0" err="1">
+                <a:solidFill>
+                  <a:srgbClr val="D1D5DB"/>
+                </a:solidFill>
+                <a:latin typeface="Arial"/>
+                <a:ea typeface="Calibri"/>
+                <a:cs typeface="Arial"/>
+              </a:rPr>
+              <a:t>babelrc</a:t>
+            </a:r>
+            <a:endParaRPr lang="en-GB" sz="2000" dirty="0">
+              <a:solidFill>
+                <a:srgbClr val="D1D5DB"/>
+              </a:solidFill>
+              <a:latin typeface="Arial"/>
+              <a:ea typeface="Calibri"/>
+              <a:cs typeface="Arial"/>
+            </a:endParaRPr>
+          </a:p>
+          <a:p>
+            <a:pPr marL="0" indent="0">
+              <a:buNone/>
+            </a:pPr>
+            <a:endParaRPr lang="en-GB" sz="2000" dirty="0">
+              <a:solidFill>
+                <a:srgbClr val="D1D5DB"/>
+              </a:solidFill>
+              <a:latin typeface="Arial"/>
+              <a:ea typeface="Calibri"/>
+              <a:cs typeface="Arial"/>
+            </a:endParaRPr>
+          </a:p>
+          <a:p>
+            <a:pPr>
+              <a:buNone/>
+            </a:pPr>
+            <a:r>
+              <a:rPr lang="en-GB" sz="1800" dirty="0">
+                <a:solidFill>
+                  <a:srgbClr val="89DDFF"/>
+                </a:solidFill>
+                <a:latin typeface="Menlo"/>
+                <a:ea typeface="Calibri"/>
+                <a:cs typeface="Arial"/>
+              </a:rPr>
+              <a:t>{</a:t>
+            </a:r>
+            <a:endParaRPr lang="en-GB" sz="1800" dirty="0">
+              <a:ea typeface="Calibri"/>
+              <a:cs typeface="Calibri"/>
+            </a:endParaRPr>
+          </a:p>
+          <a:p>
+            <a:pPr>
+              <a:buNone/>
+            </a:pPr>
+            <a:r>
+              <a:rPr lang="en-GB" sz="1800" dirty="0">
+                <a:solidFill>
+                  <a:srgbClr val="89DDFF"/>
+                </a:solidFill>
+                <a:latin typeface="Menlo"/>
+                <a:ea typeface="Calibri"/>
+                <a:cs typeface="Arial"/>
+              </a:rPr>
+              <a:t>  "</a:t>
+            </a:r>
+            <a:r>
+              <a:rPr lang="en-GB" sz="1800" dirty="0">
+                <a:solidFill>
+                  <a:srgbClr val="C792EA"/>
+                </a:solidFill>
+                <a:latin typeface="Menlo"/>
+                <a:ea typeface="Calibri"/>
+                <a:cs typeface="Arial"/>
+              </a:rPr>
+              <a:t>presets</a:t>
+            </a:r>
+            <a:r>
+              <a:rPr lang="en-GB" sz="1800" dirty="0">
+                <a:solidFill>
+                  <a:srgbClr val="89DDFF"/>
+                </a:solidFill>
+                <a:latin typeface="Menlo"/>
+                <a:ea typeface="Calibri"/>
+                <a:cs typeface="Arial"/>
+              </a:rPr>
+              <a:t>":</a:t>
+            </a:r>
+            <a:r>
+              <a:rPr lang="en-GB" sz="1800" dirty="0">
+                <a:solidFill>
+                  <a:srgbClr val="BABED8"/>
+                </a:solidFill>
+                <a:latin typeface="Menlo"/>
+                <a:ea typeface="Calibri"/>
+                <a:cs typeface="Arial"/>
+              </a:rPr>
+              <a:t> </a:t>
+            </a:r>
+            <a:r>
+              <a:rPr lang="en-GB" sz="1800" dirty="0">
+                <a:solidFill>
+                  <a:srgbClr val="89DDFF"/>
+                </a:solidFill>
+                <a:latin typeface="Menlo"/>
+                <a:ea typeface="Calibri"/>
+                <a:cs typeface="Arial"/>
+              </a:rPr>
+              <a:t>[</a:t>
+            </a:r>
+            <a:endParaRPr lang="en-GB" sz="1800" dirty="0">
+              <a:ea typeface="Calibri"/>
+              <a:cs typeface="Calibri"/>
+            </a:endParaRPr>
+          </a:p>
+          <a:p>
+            <a:pPr>
+              <a:buNone/>
+            </a:pPr>
+            <a:r>
+              <a:rPr lang="en-GB" sz="1800" dirty="0">
+                <a:solidFill>
+                  <a:srgbClr val="89DDFF"/>
+                </a:solidFill>
+                <a:latin typeface="Menlo"/>
+                <a:ea typeface="Calibri"/>
+                <a:cs typeface="Arial"/>
+              </a:rPr>
+              <a:t>     "</a:t>
+            </a:r>
+            <a:r>
+              <a:rPr lang="en-GB" sz="1800" dirty="0">
+                <a:solidFill>
+                  <a:srgbClr val="C3E88D"/>
+                </a:solidFill>
+                <a:latin typeface="Menlo"/>
+                <a:ea typeface="Calibri"/>
+                <a:cs typeface="Arial"/>
+              </a:rPr>
+              <a:t>@babel/preset-env</a:t>
+            </a:r>
+            <a:r>
+              <a:rPr lang="en-GB" sz="1800" dirty="0">
+                <a:solidFill>
+                  <a:srgbClr val="89DDFF"/>
+                </a:solidFill>
+                <a:latin typeface="Menlo"/>
+                <a:ea typeface="Calibri"/>
+                <a:cs typeface="Arial"/>
+              </a:rPr>
+              <a:t>",</a:t>
+            </a:r>
+            <a:endParaRPr lang="en-GB" sz="1800" dirty="0">
+              <a:solidFill>
+                <a:srgbClr val="000000"/>
+              </a:solidFill>
+              <a:latin typeface="Calibri" panose="020F0502020204030204"/>
+              <a:ea typeface="Calibri"/>
+              <a:cs typeface="Calibri"/>
+            </a:endParaRPr>
+          </a:p>
+          <a:p>
+            <a:pPr>
+              <a:buNone/>
+            </a:pPr>
+            <a:r>
+              <a:rPr lang="en-GB" sz="1800" dirty="0">
+                <a:solidFill>
+                  <a:srgbClr val="89DDFF"/>
+                </a:solidFill>
+                <a:latin typeface="Menlo"/>
+                <a:ea typeface="Calibri"/>
+                <a:cs typeface="Arial"/>
+              </a:rPr>
+              <a:t>     "</a:t>
+            </a:r>
+            <a:r>
+              <a:rPr lang="en-GB" sz="1800" dirty="0">
+                <a:solidFill>
+                  <a:srgbClr val="C3E88D"/>
+                </a:solidFill>
+                <a:latin typeface="Menlo"/>
+                <a:ea typeface="Calibri"/>
+                <a:cs typeface="Arial"/>
+              </a:rPr>
+              <a:t>@babel/preset-react</a:t>
+            </a:r>
+            <a:r>
+              <a:rPr lang="en-GB" sz="1800" dirty="0">
+                <a:solidFill>
+                  <a:srgbClr val="89DDFF"/>
+                </a:solidFill>
+                <a:latin typeface="Menlo"/>
+                <a:ea typeface="Calibri"/>
+                <a:cs typeface="Arial"/>
+              </a:rPr>
+              <a:t>"</a:t>
+            </a:r>
+            <a:endParaRPr lang="en-GB" sz="1800" dirty="0">
+              <a:ea typeface="Calibri"/>
+              <a:cs typeface="Calibri"/>
+            </a:endParaRPr>
+          </a:p>
+          <a:p>
+            <a:pPr>
+              <a:buNone/>
+            </a:pPr>
+            <a:r>
+              <a:rPr lang="en-GB" sz="1800" dirty="0">
+                <a:solidFill>
+                  <a:srgbClr val="89DDFF"/>
+                </a:solidFill>
+                <a:latin typeface="Menlo"/>
+                <a:ea typeface="Calibri"/>
+                <a:cs typeface="Arial"/>
+              </a:rPr>
+              <a:t>   ]</a:t>
+            </a:r>
+            <a:endParaRPr lang="en-GB" sz="1800" dirty="0">
+              <a:ea typeface="Calibri"/>
+              <a:cs typeface="Calibri"/>
+            </a:endParaRPr>
+          </a:p>
+          <a:p>
+            <a:pPr>
+              <a:buNone/>
+            </a:pPr>
+            <a:r>
+              <a:rPr lang="en-GB" sz="1800" dirty="0">
+                <a:solidFill>
+                  <a:srgbClr val="89DDFF"/>
+                </a:solidFill>
+                <a:latin typeface="Menlo"/>
+                <a:ea typeface="Calibri"/>
+                <a:cs typeface="Arial"/>
+              </a:rPr>
+              <a:t>}</a:t>
+            </a:r>
+            <a:endParaRPr lang="en-GB" sz="1800" dirty="0"/>
+          </a:p>
+          <a:p>
+            <a:pPr marL="0" indent="0">
+              <a:buNone/>
+            </a:pPr>
+            <a:endParaRPr lang="en-GB" sz="2000" dirty="0">
+              <a:solidFill>
+                <a:srgbClr val="D1D5DB"/>
+              </a:solidFill>
+              <a:latin typeface="Arial"/>
+              <a:ea typeface="Calibri"/>
+              <a:cs typeface="Arial"/>
+            </a:endParaRPr>
+          </a:p>
+          <a:p>
+            <a:pPr marL="342900" indent="-342900">
+              <a:buAutoNum type="arabicPeriod"/>
+            </a:pPr>
+            <a:endParaRPr lang="en-GB" sz="2000" dirty="0">
+              <a:solidFill>
+                <a:srgbClr val="D1D5DB"/>
+              </a:solidFill>
+              <a:latin typeface="Arial"/>
+              <a:ea typeface="Calibri"/>
+              <a:cs typeface="Arial"/>
+            </a:endParaRPr>
+          </a:p>
+          <a:p>
+            <a:pPr marL="342900" indent="-342900">
+              <a:buAutoNum type="arabicPeriod"/>
+            </a:pPr>
+            <a:endParaRPr lang="en-GB" sz="2000" dirty="0">
+              <a:solidFill>
+                <a:srgbClr val="D1D5DB"/>
+              </a:solidFill>
+              <a:latin typeface="Arial"/>
+              <a:ea typeface="Calibri"/>
+              <a:cs typeface="Arial"/>
+            </a:endParaRPr>
+          </a:p>
+          <a:p>
+            <a:pPr marL="0" indent="0">
+              <a:buNone/>
+            </a:pPr>
+            <a:endParaRPr lang="en-GB" sz="2000" dirty="0">
+              <a:solidFill>
+                <a:srgbClr val="D1D5DB"/>
+              </a:solidFill>
+              <a:latin typeface="Arial"/>
+              <a:ea typeface="Calibri"/>
+              <a:cs typeface="Calibri"/>
+            </a:endParaRPr>
+          </a:p>
+        </p:txBody>
+      </p:sp>
+      <p:pic>
+        <p:nvPicPr>
+          <p:cNvPr id="6" name="Picture 5" descr="A couple of yellow cartoon characters&#10;&#10;Description automatically generated">
+            <a:extLst>
+              <a:ext uri="{FF2B5EF4-FFF2-40B4-BE49-F238E27FC236}">
+                <a16:creationId xmlns:a16="http://schemas.microsoft.com/office/drawing/2014/main" id="{613F53E4-F588-E339-4238-FD6621D61BA8}"/>
+              </a:ext>
+            </a:extLst>
+          </p:cNvPr>
+          <p:cNvPicPr>
+            <a:picLocks noChangeAspect="1"/>
+          </p:cNvPicPr>
+          <p:nvPr/>
+        </p:nvPicPr>
+        <p:blipFill>
+          <a:blip r:embed="rId2"/>
+          <a:stretch>
+            <a:fillRect/>
+          </a:stretch>
+        </p:blipFill>
+        <p:spPr>
+          <a:xfrm>
+            <a:off x="9380294" y="5041490"/>
+            <a:ext cx="3425735" cy="1751976"/>
+          </a:xfrm>
+          <a:prstGeom prst="rect">
+            <a:avLst/>
+          </a:prstGeom>
+        </p:spPr>
+      </p:pic>
+    </p:spTree>
+    <p:extLst>
+      <p:ext uri="{BB962C8B-B14F-4D97-AF65-F5344CB8AC3E}">
+        <p14:creationId xmlns:p14="http://schemas.microsoft.com/office/powerpoint/2010/main" val="2393684056"/>
+      </p:ext>
+    </p:extLst>
+  </p:cSld>
+  <p:clrMapOvr>
+    <a:masterClrMapping/>
+  </p:clrMapOvr>
+</p:sld>
+</file>
+
+<file path=ppt/slides/slide16.xml><?xml version="1.0" encoding="utf-8"?>
 <p:sld xmlns:a="http://schemas.openxmlformats.org/drawingml/2006/main" xmlns:r="http://schemas.openxmlformats.org/officeDocument/2006/relationships" xmlns:p="http://schemas.openxmlformats.org/presentationml/2006/main">
   <p:cSld>
     <p:bg>
@@ -7326,7 +8630,7 @@
 </p:sld>
 </file>
 
-<file path=ppt/slides/slide15.xml><?xml version="1.0" encoding="utf-8"?>
+<file path=ppt/slides/slide17.xml><?xml version="1.0" encoding="utf-8"?>
 <p:sld xmlns:a="http://schemas.openxmlformats.org/drawingml/2006/main" xmlns:r="http://schemas.openxmlformats.org/officeDocument/2006/relationships" xmlns:p="http://schemas.openxmlformats.org/presentationml/2006/main">
   <p:cSld>
     <p:bg>
@@ -7762,7 +9066,7 @@
 </p:sld>
 </file>
 
-<file path=ppt/slides/slide16.xml><?xml version="1.0" encoding="utf-8"?>
+<file path=ppt/slides/slide18.xml><?xml version="1.0" encoding="utf-8"?>
 <p:sld xmlns:a="http://schemas.openxmlformats.org/drawingml/2006/main" xmlns:r="http://schemas.openxmlformats.org/officeDocument/2006/relationships" xmlns:p="http://schemas.openxmlformats.org/presentationml/2006/main">
   <p:cSld>
     <p:bg>
@@ -8237,7 +9541,7 @@
 </p:sld>
 </file>
 
-<file path=ppt/slides/slide17.xml><?xml version="1.0" encoding="utf-8"?>
+<file path=ppt/slides/slide19.xml><?xml version="1.0" encoding="utf-8"?>
 <p:sld xmlns:a="http://schemas.openxmlformats.org/drawingml/2006/main" xmlns:r="http://schemas.openxmlformats.org/officeDocument/2006/relationships" xmlns:p="http://schemas.openxmlformats.org/presentationml/2006/main">
   <p:cSld>
     <p:bg>
@@ -8695,7 +9999,7 @@
 </p:sld>
 </file>
 
-<file path=ppt/slides/slide18.xml><?xml version="1.0" encoding="utf-8"?>
+<file path=ppt/slides/slide2.xml><?xml version="1.0" encoding="utf-8"?>
 <p:sld xmlns:a="http://schemas.openxmlformats.org/drawingml/2006/main" xmlns:r="http://schemas.openxmlformats.org/officeDocument/2006/relationships" xmlns:p="http://schemas.openxmlformats.org/presentationml/2006/main">
   <p:cSld>
     <p:bg>
@@ -8722,7 +10026,7 @@
       </p:grpSpPr>
       <p:sp>
         <p:nvSpPr>
-          <p:cNvPr id="26" name="Rectangle 25">
+          <p:cNvPr id="37" name="Rectangle 36">
             <a:extLst>
               <a:ext uri="{FF2B5EF4-FFF2-40B4-BE49-F238E27FC236}">
                 <a16:creationId xmlns:a16="http://schemas.microsoft.com/office/drawing/2014/main" id="{B250C39F-3F6C-4D53-86D2-7BC6B2FF609C}"/>
@@ -8788,10 +10092,10 @@
       </p:sp>
       <p:pic>
         <p:nvPicPr>
-          <p:cNvPr id="6" name="Picture 5" descr="A couple of yellow cartoon characters&#10;&#10;Description automatically generated">
+          <p:cNvPr id="4" name="Picture 3" descr="A cartoon character holding a notebook&#10;&#10;Description automatically generated">
             <a:extLst>
               <a:ext uri="{FF2B5EF4-FFF2-40B4-BE49-F238E27FC236}">
-                <a16:creationId xmlns:a16="http://schemas.microsoft.com/office/drawing/2014/main" id="{613F53E4-F588-E339-4238-FD6621D61BA8}"/>
+                <a16:creationId xmlns:a16="http://schemas.microsoft.com/office/drawing/2014/main" id="{FFAFD5CF-45DC-0120-1519-A4DD0C9F8F39}"/>
               </a:ext>
             </a:extLst>
           </p:cNvPr>
@@ -8802,13 +10106,13 @@
         </p:nvPicPr>
         <p:blipFill rotWithShape="1">
           <a:blip r:embed="rId2"/>
-          <a:srcRect l="7001" r="2333" b="1"/>
+          <a:srcRect t="16784" b="37794"/>
           <a:stretch/>
         </p:blipFill>
         <p:spPr>
           <a:xfrm>
-            <a:off x="20" y="10"/>
-            <a:ext cx="12191980" cy="6857990"/>
+            <a:off x="5155680" y="907925"/>
+            <a:ext cx="9160193" cy="5155650"/>
           </a:xfrm>
           <a:prstGeom prst="rect">
             <a:avLst/>
@@ -8817,7 +10121,7 @@
       </p:pic>
       <p:sp>
         <p:nvSpPr>
-          <p:cNvPr id="28" name="Rectangle 27">
+          <p:cNvPr id="39" name="Rectangle 38">
             <a:extLst>
               <a:ext uri="{FF2B5EF4-FFF2-40B4-BE49-F238E27FC236}">
                 <a16:creationId xmlns:a16="http://schemas.microsoft.com/office/drawing/2014/main" id="{70A48D59-8581-41F7-B529-F4617FE07A9A}"/>
@@ -8898,7 +10202,7 @@
           <p:cNvPr id="2" name="Title 1">
             <a:extLst>
               <a:ext uri="{FF2B5EF4-FFF2-40B4-BE49-F238E27FC236}">
-                <a16:creationId xmlns:a16="http://schemas.microsoft.com/office/drawing/2014/main" id="{0833764A-6054-E198-9B9B-D9EBC1F4D245}"/>
+                <a16:creationId xmlns:a16="http://schemas.microsoft.com/office/drawing/2014/main" id="{F79E16CB-DAC4-717E-0E7D-DD909F18D66F}"/>
               </a:ext>
             </a:extLst>
           </p:cNvPr>
@@ -8911,7 +10215,7 @@
         </p:nvSpPr>
         <p:spPr>
           <a:xfrm>
-            <a:off x="1104900" y="910431"/>
+            <a:off x="1104900" y="-127186"/>
             <a:ext cx="4724400" cy="1466455"/>
           </a:xfrm>
         </p:spPr>
@@ -8926,10 +10230,16 @@
                 <a:solidFill>
                   <a:schemeClr val="bg1"/>
                 </a:solidFill>
+                <a:ea typeface="Calibri Light"/>
                 <a:cs typeface="Calibri Light"/>
               </a:rPr>
-              <a:t>Example</a:t>
-            </a:r>
+              <a:t>Agenda</a:t>
+            </a:r>
+            <a:endParaRPr lang="en-GB">
+              <a:solidFill>
+                <a:schemeClr val="bg1"/>
+              </a:solidFill>
+            </a:endParaRPr>
           </a:p>
         </p:txBody>
       </p:sp>
@@ -8938,7 +10248,7 @@
           <p:cNvPr id="3" name="Content Placeholder 2">
             <a:extLst>
               <a:ext uri="{FF2B5EF4-FFF2-40B4-BE49-F238E27FC236}">
-                <a16:creationId xmlns:a16="http://schemas.microsoft.com/office/drawing/2014/main" id="{BF6387C6-3A3A-ED00-D649-6CCE37F720FD}"/>
+                <a16:creationId xmlns:a16="http://schemas.microsoft.com/office/drawing/2014/main" id="{6BC158D1-70BE-32F3-7EAB-1E4704A43B35}"/>
               </a:ext>
             </a:extLst>
           </p:cNvPr>
@@ -8951,238 +10261,185 @@
         </p:nvSpPr>
         <p:spPr>
           <a:xfrm>
-            <a:off x="1104900" y="2702846"/>
-            <a:ext cx="5081080" cy="3242827"/>
+            <a:off x="1104900" y="1486888"/>
+            <a:ext cx="4724400" cy="3015849"/>
           </a:xfrm>
         </p:spPr>
         <p:txBody>
           <a:bodyPr vert="horz" lIns="91440" tIns="45720" rIns="91440" bIns="45720" rtlCol="0" anchor="t">
-            <a:normAutofit/>
+            <a:noAutofit/>
           </a:bodyPr>
           <a:lstStyle/>
           <a:p>
-            <a:pPr>
-              <a:lnSpc>
-                <a:spcPct val="70000"/>
-              </a:lnSpc>
-              <a:buNone/>
-            </a:pPr>
-            <a:r>
-              <a:rPr lang="en-GB" sz="1800" dirty="0">
+            <a:r>
+              <a:rPr lang="en-GB" sz="2000" dirty="0">
                 <a:solidFill>
                   <a:schemeClr val="bg1"/>
                 </a:solidFill>
                 <a:latin typeface="Arial"/>
-                <a:ea typeface="+mn-lt"/>
-                <a:cs typeface="+mn-lt"/>
-              </a:rPr>
-              <a:t>import React, { Component } from 'react';</a:t>
-            </a:r>
-            <a:endParaRPr lang="en-US" sz="1800">
-              <a:solidFill>
-                <a:schemeClr val="bg1"/>
-              </a:solidFill>
-              <a:latin typeface="Arial"/>
-              <a:cs typeface="Arial"/>
-            </a:endParaRPr>
-          </a:p>
-          <a:p>
-            <a:pPr>
-              <a:lnSpc>
-                <a:spcPct val="70000"/>
-              </a:lnSpc>
-              <a:buNone/>
-            </a:pPr>
-            <a:endParaRPr lang="en-GB" sz="1800" dirty="0">
-              <a:latin typeface="Arial"/>
-              <a:cs typeface="Arial"/>
-            </a:endParaRPr>
-          </a:p>
-          <a:p>
-            <a:pPr>
-              <a:lnSpc>
-                <a:spcPct val="70000"/>
-              </a:lnSpc>
-              <a:buNone/>
-            </a:pPr>
-            <a:r>
-              <a:rPr lang="en-GB" sz="1800" dirty="0">
+                <a:ea typeface="Calibri"/>
+                <a:cs typeface="Calibri"/>
+              </a:rPr>
+              <a:t>JavaScript Essentials</a:t>
+            </a:r>
+          </a:p>
+          <a:p>
+            <a:r>
+              <a:rPr lang="en-GB" sz="2000" dirty="0">
                 <a:solidFill>
                   <a:schemeClr val="bg1"/>
                 </a:solidFill>
                 <a:latin typeface="Arial"/>
-                <a:ea typeface="+mn-lt"/>
-                <a:cs typeface="+mn-lt"/>
-              </a:rPr>
-              <a:t>class HelloWorld extends Component {</a:t>
-            </a:r>
-            <a:endParaRPr lang="en-GB" sz="1800">
-              <a:solidFill>
-                <a:schemeClr val="bg1"/>
-              </a:solidFill>
-              <a:latin typeface="Arial"/>
-              <a:cs typeface="Arial"/>
-            </a:endParaRPr>
-          </a:p>
-          <a:p>
-            <a:pPr>
-              <a:lnSpc>
-                <a:spcPct val="70000"/>
-              </a:lnSpc>
-              <a:buNone/>
-            </a:pPr>
-            <a:r>
-              <a:rPr lang="en-GB" sz="1800" dirty="0">
+                <a:ea typeface="Calibri"/>
+                <a:cs typeface="Calibri"/>
+              </a:rPr>
+              <a:t>Event loop</a:t>
+            </a:r>
+          </a:p>
+          <a:p>
+            <a:r>
+              <a:rPr lang="en-GB" sz="2000" dirty="0">
                 <a:solidFill>
                   <a:schemeClr val="bg1"/>
                 </a:solidFill>
                 <a:latin typeface="Arial"/>
-                <a:ea typeface="+mn-lt"/>
-                <a:cs typeface="+mn-lt"/>
-              </a:rPr>
-              <a:t>  render() {</a:t>
-            </a:r>
-            <a:endParaRPr lang="en-GB" sz="1800">
-              <a:solidFill>
-                <a:schemeClr val="bg1"/>
-              </a:solidFill>
-              <a:latin typeface="Arial"/>
-              <a:cs typeface="Arial"/>
-            </a:endParaRPr>
-          </a:p>
-          <a:p>
-            <a:pPr>
-              <a:lnSpc>
-                <a:spcPct val="70000"/>
-              </a:lnSpc>
-              <a:buNone/>
-            </a:pPr>
-            <a:r>
-              <a:rPr lang="en-GB" sz="1800" dirty="0">
+                <a:ea typeface="Calibri"/>
+                <a:cs typeface="Calibri"/>
+              </a:rPr>
+              <a:t>React JSX</a:t>
+            </a:r>
+          </a:p>
+          <a:p>
+            <a:r>
+              <a:rPr lang="en-GB" sz="2000" dirty="0">
                 <a:solidFill>
                   <a:schemeClr val="bg1"/>
                 </a:solidFill>
                 <a:latin typeface="Arial"/>
-                <a:ea typeface="+mn-lt"/>
-                <a:cs typeface="+mn-lt"/>
-              </a:rPr>
-              <a:t>    return &lt;div&gt;Hello, World!&lt;/div&gt;;</a:t>
-            </a:r>
-            <a:endParaRPr lang="en-GB" sz="1800">
-              <a:solidFill>
-                <a:schemeClr val="bg1"/>
-              </a:solidFill>
-              <a:latin typeface="Arial"/>
-              <a:cs typeface="Arial"/>
-            </a:endParaRPr>
-          </a:p>
-          <a:p>
-            <a:pPr>
-              <a:lnSpc>
-                <a:spcPct val="70000"/>
-              </a:lnSpc>
-              <a:buNone/>
-            </a:pPr>
-            <a:r>
-              <a:rPr lang="en-GB" sz="1800" dirty="0">
+                <a:ea typeface="Calibri"/>
+                <a:cs typeface="Calibri"/>
+              </a:rPr>
+              <a:t>Libraries for </a:t>
+            </a:r>
+            <a:r>
+              <a:rPr lang="en-GB" sz="2000" err="1">
                 <a:solidFill>
                   <a:schemeClr val="bg1"/>
                 </a:solidFill>
                 <a:latin typeface="Arial"/>
-                <a:ea typeface="+mn-lt"/>
-                <a:cs typeface="+mn-lt"/>
-              </a:rPr>
-              <a:t>  }</a:t>
-            </a:r>
-            <a:endParaRPr lang="en-GB" sz="1800">
-              <a:solidFill>
-                <a:schemeClr val="bg1"/>
-              </a:solidFill>
-              <a:latin typeface="Arial"/>
-              <a:cs typeface="Arial"/>
-            </a:endParaRPr>
-          </a:p>
-          <a:p>
-            <a:pPr>
-              <a:lnSpc>
-                <a:spcPct val="70000"/>
-              </a:lnSpc>
-              <a:buNone/>
-            </a:pPr>
-            <a:r>
-              <a:rPr lang="en-GB" sz="1800" dirty="0">
+                <a:ea typeface="Calibri"/>
+                <a:cs typeface="Calibri"/>
+              </a:rPr>
+              <a:t>ClientSide</a:t>
+            </a:r>
+            <a:r>
+              <a:rPr lang="en-GB" sz="2000" dirty="0">
                 <a:solidFill>
                   <a:schemeClr val="bg1"/>
                 </a:solidFill>
                 <a:latin typeface="Arial"/>
-                <a:ea typeface="+mn-lt"/>
-                <a:cs typeface="+mn-lt"/>
-              </a:rPr>
-              <a:t>}</a:t>
-            </a:r>
-            <a:endParaRPr lang="en-GB" sz="1800">
-              <a:solidFill>
-                <a:schemeClr val="bg1"/>
-              </a:solidFill>
-              <a:latin typeface="Arial"/>
-              <a:cs typeface="Arial"/>
-            </a:endParaRPr>
-          </a:p>
-          <a:p>
-            <a:pPr>
-              <a:lnSpc>
-                <a:spcPct val="70000"/>
-              </a:lnSpc>
-              <a:buNone/>
-            </a:pPr>
-            <a:endParaRPr lang="en-GB" sz="1800" dirty="0">
-              <a:latin typeface="Arial"/>
-              <a:cs typeface="Arial"/>
-            </a:endParaRPr>
-          </a:p>
-          <a:p>
-            <a:pPr>
-              <a:lnSpc>
-                <a:spcPct val="70000"/>
-              </a:lnSpc>
-              <a:buNone/>
-            </a:pPr>
-            <a:r>
-              <a:rPr lang="en-GB" sz="1800" dirty="0">
+                <a:ea typeface="Calibri"/>
+                <a:cs typeface="Calibri"/>
+              </a:rPr>
+              <a:t> Web Applications</a:t>
+            </a:r>
+          </a:p>
+          <a:p>
+            <a:r>
+              <a:rPr lang="en-GB" sz="2000" dirty="0">
                 <a:solidFill>
                   <a:schemeClr val="bg1"/>
                 </a:solidFill>
                 <a:latin typeface="Arial"/>
-                <a:ea typeface="+mn-lt"/>
-                <a:cs typeface="+mn-lt"/>
-              </a:rPr>
-              <a:t>export default HelloWorld;</a:t>
-            </a:r>
-            <a:endParaRPr lang="en-GB" sz="1800" dirty="0">
-              <a:solidFill>
-                <a:schemeClr val="bg1"/>
-              </a:solidFill>
-              <a:latin typeface="Arial"/>
-              <a:cs typeface="Arial"/>
-            </a:endParaRPr>
-          </a:p>
-          <a:p>
-            <a:pPr>
-              <a:buNone/>
-            </a:pPr>
-            <a:endParaRPr lang="en-GB" sz="1800" dirty="0">
-              <a:solidFill>
-                <a:schemeClr val="bg1"/>
-              </a:solidFill>
-              <a:latin typeface="Arial"/>
-              <a:cs typeface="Calibri"/>
-            </a:endParaRPr>
+                <a:ea typeface="Calibri"/>
+                <a:cs typeface="Calibri"/>
+              </a:rPr>
+              <a:t>React DOM</a:t>
+            </a:r>
+          </a:p>
+          <a:p>
+            <a:r>
+              <a:rPr lang="en-GB" sz="2000" dirty="0">
+                <a:solidFill>
+                  <a:schemeClr val="bg1"/>
+                </a:solidFill>
+                <a:latin typeface="Arial"/>
+                <a:ea typeface="Calibri"/>
+                <a:cs typeface="Calibri"/>
+              </a:rPr>
+              <a:t>Environmental Setup</a:t>
+            </a:r>
+          </a:p>
+          <a:p>
+            <a:r>
+              <a:rPr lang="en-GB" sz="2000" dirty="0">
+                <a:solidFill>
+                  <a:schemeClr val="bg1"/>
+                </a:solidFill>
+                <a:latin typeface="Arial"/>
+                <a:ea typeface="Calibri"/>
+                <a:cs typeface="Calibri"/>
+              </a:rPr>
+              <a:t>NPM commands</a:t>
+            </a:r>
+          </a:p>
+          <a:p>
+            <a:r>
+              <a:rPr lang="en-GB" sz="2000" dirty="0">
+                <a:solidFill>
+                  <a:schemeClr val="bg1"/>
+                </a:solidFill>
+                <a:latin typeface="Arial"/>
+                <a:ea typeface="Calibri"/>
+                <a:cs typeface="Calibri"/>
+              </a:rPr>
+              <a:t>Overview of webpack</a:t>
+            </a:r>
+          </a:p>
+          <a:p>
+            <a:r>
+              <a:rPr lang="en-GB" sz="2000" dirty="0">
+                <a:solidFill>
+                  <a:schemeClr val="bg1"/>
+                </a:solidFill>
+                <a:latin typeface="Arial"/>
+                <a:ea typeface="Calibri"/>
+                <a:cs typeface="Calibri"/>
+              </a:rPr>
+              <a:t>Babel</a:t>
+            </a:r>
+          </a:p>
+          <a:p>
+            <a:r>
+              <a:rPr lang="en-GB" sz="2000" dirty="0">
+                <a:solidFill>
+                  <a:schemeClr val="bg1"/>
+                </a:solidFill>
+                <a:latin typeface="Arial"/>
+                <a:ea typeface="Calibri"/>
+                <a:cs typeface="Calibri"/>
+              </a:rPr>
+              <a:t>React Component</a:t>
+            </a:r>
+          </a:p>
+          <a:p>
+            <a:r>
+              <a:rPr lang="en-GB" sz="2000" dirty="0">
+                <a:solidFill>
+                  <a:schemeClr val="bg1"/>
+                </a:solidFill>
+                <a:latin typeface="Arial"/>
+                <a:ea typeface="Calibri"/>
+                <a:cs typeface="Calibri"/>
+              </a:rPr>
+              <a:t>Limitations of JSX</a:t>
+            </a:r>
           </a:p>
         </p:txBody>
       </p:sp>
       <p:sp>
         <p:nvSpPr>
-          <p:cNvPr id="30" name="Rectangle 29">
+          <p:cNvPr id="41" name="Rectangle 40">
             <a:extLst>
               <a:ext uri="{FF2B5EF4-FFF2-40B4-BE49-F238E27FC236}">
                 <a16:creationId xmlns:a16="http://schemas.microsoft.com/office/drawing/2014/main" id="{9DD005C1-8C51-42D6-9BEE-B9B83849743D}"/>
@@ -9246,7 +10503,7 @@
     </p:spTree>
     <p:extLst>
       <p:ext uri="{BB962C8B-B14F-4D97-AF65-F5344CB8AC3E}">
-        <p14:creationId xmlns:p14="http://schemas.microsoft.com/office/powerpoint/2010/main" val="768529477"/>
+        <p14:creationId xmlns:p14="http://schemas.microsoft.com/office/powerpoint/2010/main" val="1756907565"/>
       </p:ext>
     </p:extLst>
   </p:cSld>
@@ -9256,7 +10513,7 @@
 </p:sld>
 </file>
 
-<file path=ppt/slides/slide19.xml><?xml version="1.0" encoding="utf-8"?>
+<file path=ppt/slides/slide20.xml><?xml version="1.0" encoding="utf-8"?>
 <p:sld xmlns:a="http://schemas.openxmlformats.org/drawingml/2006/main" xmlns:r="http://schemas.openxmlformats.org/officeDocument/2006/relationships" xmlns:p="http://schemas.openxmlformats.org/presentationml/2006/main">
   <p:cSld>
     <p:bg>
@@ -9283,10 +10540,10 @@
       </p:grpSpPr>
       <p:sp>
         <p:nvSpPr>
-          <p:cNvPr id="75" name="Rectangle 74">
+          <p:cNvPr id="26" name="Rectangle 25">
             <a:extLst>
               <a:ext uri="{FF2B5EF4-FFF2-40B4-BE49-F238E27FC236}">
-                <a16:creationId xmlns:a16="http://schemas.microsoft.com/office/drawing/2014/main" id="{375B19E4-0108-41C4-8DB1-11BAE0B49D9B}"/>
+                <a16:creationId xmlns:a16="http://schemas.microsoft.com/office/drawing/2014/main" id="{B250C39F-3F6C-4D53-86D2-7BC6B2FF609C}"/>
               </a:ext>
               <a:ext uri="{C183D7F6-B498-43B3-948B-1728B52AA6E4}">
                 <adec:decorative xmlns:adec="http://schemas.microsoft.com/office/drawing/2017/decorative" val="1"/>
@@ -9343,453 +10600,7 @@
           <a:lstStyle/>
           <a:p>
             <a:pPr algn="ctr"/>
-            <a:endParaRPr lang="en-US" dirty="0">
-              <a:solidFill>
-                <a:schemeClr val="bg1"/>
-              </a:solidFill>
-            </a:endParaRPr>
-          </a:p>
-        </p:txBody>
-      </p:sp>
-      <p:sp>
-        <p:nvSpPr>
-          <p:cNvPr id="2" name="Title 1">
-            <a:extLst>
-              <a:ext uri="{FF2B5EF4-FFF2-40B4-BE49-F238E27FC236}">
-                <a16:creationId xmlns:a16="http://schemas.microsoft.com/office/drawing/2014/main" id="{0833764A-6054-E198-9B9B-D9EBC1F4D245}"/>
-              </a:ext>
-            </a:extLst>
-          </p:cNvPr>
-          <p:cNvSpPr>
-            <a:spLocks noGrp="1"/>
-          </p:cNvSpPr>
-          <p:nvPr>
-            <p:ph type="title"/>
-          </p:nvPr>
-        </p:nvSpPr>
-        <p:spPr>
-          <a:xfrm>
-            <a:off x="1295398" y="669925"/>
-            <a:ext cx="4686295" cy="1325563"/>
-          </a:xfrm>
-        </p:spPr>
-        <p:txBody>
-          <a:bodyPr anchor="b">
-            <a:normAutofit/>
-          </a:bodyPr>
-          <a:lstStyle/>
-          <a:p>
-            <a:r>
-              <a:rPr lang="en-GB" sz="3800">
-                <a:solidFill>
-                  <a:schemeClr val="bg1"/>
-                </a:solidFill>
-                <a:cs typeface="Calibri Light"/>
-              </a:rPr>
-              <a:t>Limitations of JSX</a:t>
-            </a:r>
-          </a:p>
-        </p:txBody>
-      </p:sp>
-      <p:sp>
-        <p:nvSpPr>
-          <p:cNvPr id="3" name="Content Placeholder 2">
-            <a:extLst>
-              <a:ext uri="{FF2B5EF4-FFF2-40B4-BE49-F238E27FC236}">
-                <a16:creationId xmlns:a16="http://schemas.microsoft.com/office/drawing/2014/main" id="{BF6387C6-3A3A-ED00-D649-6CCE37F720FD}"/>
-              </a:ext>
-            </a:extLst>
-          </p:cNvPr>
-          <p:cNvSpPr>
-            <a:spLocks noGrp="1"/>
-          </p:cNvSpPr>
-          <p:nvPr>
-            <p:ph idx="1"/>
-          </p:nvPr>
-        </p:nvSpPr>
-        <p:spPr>
-          <a:xfrm>
-            <a:off x="1295398" y="2350698"/>
-            <a:ext cx="7296550" cy="3466011"/>
-          </a:xfrm>
-        </p:spPr>
-        <p:txBody>
-          <a:bodyPr vert="horz" lIns="91440" tIns="45720" rIns="91440" bIns="45720" rtlCol="0" anchor="t">
-            <a:noAutofit/>
-          </a:bodyPr>
-          <a:lstStyle/>
-          <a:p>
-            <a:pPr marL="342900" indent="-342900">
-              <a:buAutoNum type="arabicPeriod"/>
-            </a:pPr>
-            <a:r>
-              <a:rPr lang="en-GB" sz="1600" dirty="0">
-                <a:solidFill>
-                  <a:schemeClr val="bg1"/>
-                </a:solidFill>
-                <a:latin typeface="Arial"/>
-                <a:ea typeface="+mn-lt"/>
-                <a:cs typeface="+mn-lt"/>
-              </a:rPr>
-              <a:t>JSX requires compilation before running in the browser.</a:t>
-            </a:r>
-            <a:endParaRPr lang="en-US" sz="1600">
-              <a:solidFill>
-                <a:schemeClr val="bg1"/>
-              </a:solidFill>
-              <a:latin typeface="Arial"/>
-              <a:cs typeface="Arial"/>
-            </a:endParaRPr>
-          </a:p>
-          <a:p>
-            <a:pPr marL="342900" indent="-342900">
-              <a:buAutoNum type="arabicPeriod"/>
-            </a:pPr>
-            <a:r>
-              <a:rPr lang="en-GB" sz="1600" dirty="0">
-                <a:solidFill>
-                  <a:schemeClr val="bg1"/>
-                </a:solidFill>
-                <a:latin typeface="Arial"/>
-                <a:ea typeface="+mn-lt"/>
-                <a:cs typeface="+mn-lt"/>
-              </a:rPr>
-              <a:t>Complex logic and control structures can make JSX code verbose and harder to read.</a:t>
-            </a:r>
-            <a:endParaRPr lang="en-GB" sz="1600">
-              <a:solidFill>
-                <a:schemeClr val="bg1"/>
-              </a:solidFill>
-              <a:latin typeface="Arial"/>
-              <a:cs typeface="Arial"/>
-            </a:endParaRPr>
-          </a:p>
-          <a:p>
-            <a:pPr>
-              <a:buNone/>
-            </a:pPr>
-            <a:r>
-              <a:rPr lang="en-GB" sz="1600" b="1" dirty="0">
-                <a:solidFill>
-                  <a:schemeClr val="bg1"/>
-                </a:solidFill>
-                <a:latin typeface="Arial"/>
-                <a:ea typeface="+mn-lt"/>
-                <a:cs typeface="+mn-lt"/>
-              </a:rPr>
-              <a:t>Important Points:</a:t>
-            </a:r>
-            <a:endParaRPr lang="en-GB" sz="1600">
-              <a:solidFill>
-                <a:schemeClr val="bg1"/>
-              </a:solidFill>
-              <a:latin typeface="Arial"/>
-              <a:cs typeface="Arial"/>
-            </a:endParaRPr>
-          </a:p>
-          <a:p>
-            <a:pPr>
-              <a:buFont typeface="Arial"/>
-              <a:buChar char="•"/>
-            </a:pPr>
-            <a:r>
-              <a:rPr lang="en-GB" sz="1600" dirty="0">
-                <a:solidFill>
-                  <a:schemeClr val="bg1"/>
-                </a:solidFill>
-                <a:latin typeface="Arial"/>
-                <a:ea typeface="+mn-lt"/>
-                <a:cs typeface="+mn-lt"/>
-              </a:rPr>
-              <a:t>Learning curve for newcomers.</a:t>
-            </a:r>
-            <a:endParaRPr lang="en-GB" sz="1600">
-              <a:solidFill>
-                <a:schemeClr val="bg1"/>
-              </a:solidFill>
-              <a:latin typeface="Arial"/>
-              <a:cs typeface="Arial"/>
-            </a:endParaRPr>
-          </a:p>
-          <a:p>
-            <a:pPr>
-              <a:buFont typeface="Arial"/>
-              <a:buChar char="•"/>
-            </a:pPr>
-            <a:r>
-              <a:rPr lang="en-GB" sz="1600" dirty="0">
-                <a:solidFill>
-                  <a:schemeClr val="bg1"/>
-                </a:solidFill>
-                <a:latin typeface="Arial"/>
-                <a:ea typeface="+mn-lt"/>
-                <a:cs typeface="+mn-lt"/>
-              </a:rPr>
-              <a:t>No direct HTML comments; use </a:t>
-            </a:r>
-            <a:r>
-              <a:rPr lang="en-GB" sz="1600" b="1" dirty="0">
-                <a:solidFill>
-                  <a:schemeClr val="bg1"/>
-                </a:solidFill>
-                <a:latin typeface="Arial"/>
-                <a:ea typeface="+mn-lt"/>
-                <a:cs typeface="+mn-lt"/>
-              </a:rPr>
-              <a:t>{/* ... */}</a:t>
-            </a:r>
-            <a:r>
-              <a:rPr lang="en-GB" sz="1600" dirty="0">
-                <a:solidFill>
-                  <a:schemeClr val="bg1"/>
-                </a:solidFill>
-                <a:latin typeface="Arial"/>
-                <a:ea typeface="+mn-lt"/>
-                <a:cs typeface="+mn-lt"/>
-              </a:rPr>
-              <a:t>.</a:t>
-            </a:r>
-            <a:endParaRPr lang="en-GB" sz="1600">
-              <a:solidFill>
-                <a:schemeClr val="bg1"/>
-              </a:solidFill>
-              <a:latin typeface="Arial"/>
-              <a:cs typeface="Arial"/>
-            </a:endParaRPr>
-          </a:p>
-          <a:p>
-            <a:pPr>
-              <a:buFont typeface="Arial"/>
-              <a:buChar char="•"/>
-            </a:pPr>
-            <a:r>
-              <a:rPr lang="en-GB" sz="1600" dirty="0">
-                <a:solidFill>
-                  <a:schemeClr val="bg1"/>
-                </a:solidFill>
-                <a:latin typeface="Arial"/>
-                <a:ea typeface="+mn-lt"/>
-                <a:cs typeface="+mn-lt"/>
-              </a:rPr>
-              <a:t>Self-closing tags should include a trailing slash.</a:t>
-            </a:r>
-            <a:endParaRPr lang="en-GB" sz="1600">
-              <a:solidFill>
-                <a:schemeClr val="bg1"/>
-              </a:solidFill>
-              <a:latin typeface="Arial"/>
-              <a:cs typeface="Arial"/>
-            </a:endParaRPr>
-          </a:p>
-          <a:p>
-            <a:pPr>
-              <a:buFont typeface="Arial"/>
-              <a:buChar char="•"/>
-            </a:pPr>
-            <a:r>
-              <a:rPr lang="en-GB" sz="1600" dirty="0">
-                <a:solidFill>
-                  <a:schemeClr val="bg1"/>
-                </a:solidFill>
-                <a:latin typeface="Arial"/>
-                <a:ea typeface="+mn-lt"/>
-                <a:cs typeface="+mn-lt"/>
-              </a:rPr>
-              <a:t>Use </a:t>
-            </a:r>
-            <a:r>
-              <a:rPr lang="en-GB" sz="1600" b="1" dirty="0" err="1">
-                <a:solidFill>
-                  <a:schemeClr val="bg1"/>
-                </a:solidFill>
-                <a:latin typeface="Arial"/>
-                <a:ea typeface="+mn-lt"/>
-                <a:cs typeface="+mn-lt"/>
-              </a:rPr>
-              <a:t>className</a:t>
-            </a:r>
-            <a:r>
-              <a:rPr lang="en-GB" sz="1600" dirty="0">
-                <a:solidFill>
-                  <a:schemeClr val="bg1"/>
-                </a:solidFill>
-                <a:latin typeface="Arial"/>
-                <a:ea typeface="+mn-lt"/>
-                <a:cs typeface="+mn-lt"/>
-              </a:rPr>
-              <a:t> for CSS classes.</a:t>
-            </a:r>
-            <a:endParaRPr lang="en-GB" sz="1600">
-              <a:solidFill>
-                <a:schemeClr val="bg1"/>
-              </a:solidFill>
-              <a:latin typeface="Arial"/>
-              <a:cs typeface="Arial"/>
-            </a:endParaRPr>
-          </a:p>
-          <a:p>
-            <a:pPr>
-              <a:buFont typeface="Arial"/>
-              <a:buChar char="•"/>
-            </a:pPr>
-            <a:r>
-              <a:rPr lang="en-GB" sz="1600" dirty="0">
-                <a:solidFill>
-                  <a:schemeClr val="bg1"/>
-                </a:solidFill>
-                <a:latin typeface="Arial"/>
-                <a:ea typeface="+mn-lt"/>
-                <a:cs typeface="+mn-lt"/>
-              </a:rPr>
-              <a:t>Wrapping elements in parentheses when multiple elements are returned.</a:t>
-            </a:r>
-            <a:endParaRPr lang="en-GB" sz="1600">
-              <a:solidFill>
-                <a:schemeClr val="bg1"/>
-              </a:solidFill>
-              <a:latin typeface="Arial"/>
-              <a:cs typeface="Arial"/>
-            </a:endParaRPr>
-          </a:p>
-          <a:p>
-            <a:pPr>
-              <a:buFont typeface="Arial"/>
-              <a:buChar char="•"/>
-            </a:pPr>
-            <a:r>
-              <a:rPr lang="en-GB" sz="1600" dirty="0">
-                <a:solidFill>
-                  <a:schemeClr val="bg1"/>
-                </a:solidFill>
-                <a:latin typeface="Arial"/>
-                <a:ea typeface="+mn-lt"/>
-                <a:cs typeface="+mn-lt"/>
-              </a:rPr>
-              <a:t>Potential naming conflicts with reserved words (e.g., </a:t>
-            </a:r>
-            <a:r>
-              <a:rPr lang="en-GB" sz="1600" b="1" dirty="0">
-                <a:solidFill>
-                  <a:schemeClr val="bg1"/>
-                </a:solidFill>
-                <a:latin typeface="Arial"/>
-                <a:ea typeface="+mn-lt"/>
-                <a:cs typeface="+mn-lt"/>
-              </a:rPr>
-              <a:t>class</a:t>
-            </a:r>
-            <a:r>
-              <a:rPr lang="en-GB" sz="1600" dirty="0">
-                <a:solidFill>
-                  <a:schemeClr val="bg1"/>
-                </a:solidFill>
-                <a:latin typeface="Arial"/>
-                <a:ea typeface="+mn-lt"/>
-                <a:cs typeface="+mn-lt"/>
-              </a:rPr>
-              <a:t> vs. </a:t>
-            </a:r>
-            <a:r>
-              <a:rPr lang="en-GB" sz="1600" b="1" dirty="0" err="1">
-                <a:solidFill>
-                  <a:schemeClr val="bg1"/>
-                </a:solidFill>
-                <a:latin typeface="Arial"/>
-                <a:ea typeface="+mn-lt"/>
-                <a:cs typeface="+mn-lt"/>
-              </a:rPr>
-              <a:t>className</a:t>
-            </a:r>
-            <a:r>
-              <a:rPr lang="en-GB" sz="1600" dirty="0">
-                <a:solidFill>
-                  <a:schemeClr val="bg1"/>
-                </a:solidFill>
-                <a:latin typeface="Arial"/>
-                <a:ea typeface="+mn-lt"/>
-                <a:cs typeface="+mn-lt"/>
-              </a:rPr>
-              <a:t>).</a:t>
-            </a:r>
-            <a:endParaRPr lang="en-GB" sz="1600">
-              <a:solidFill>
-                <a:schemeClr val="bg1"/>
-              </a:solidFill>
-              <a:latin typeface="Arial"/>
-              <a:cs typeface="Arial"/>
-            </a:endParaRPr>
-          </a:p>
-          <a:p>
-            <a:pPr>
-              <a:buFont typeface="Arial"/>
-              <a:buChar char="•"/>
-            </a:pPr>
-            <a:r>
-              <a:rPr lang="en-GB" sz="1600" dirty="0">
-                <a:solidFill>
-                  <a:schemeClr val="bg1"/>
-                </a:solidFill>
-                <a:latin typeface="Arial"/>
-                <a:ea typeface="+mn-lt"/>
-                <a:cs typeface="+mn-lt"/>
-              </a:rPr>
-              <a:t>Not enforcing accessibility; developers need to ensure accessibility manually.</a:t>
-            </a:r>
-            <a:endParaRPr lang="en-GB" sz="1600">
-              <a:solidFill>
-                <a:schemeClr val="bg1"/>
-              </a:solidFill>
-              <a:latin typeface="Arial"/>
-              <a:cs typeface="Arial"/>
-            </a:endParaRPr>
-          </a:p>
-          <a:p>
-            <a:pPr>
-              <a:buFont typeface="Arial"/>
-              <a:buChar char="•"/>
-            </a:pPr>
-            <a:r>
-              <a:rPr lang="en-GB" sz="1600" dirty="0">
-                <a:solidFill>
-                  <a:schemeClr val="bg1"/>
-                </a:solidFill>
-                <a:latin typeface="Arial"/>
-                <a:ea typeface="+mn-lt"/>
-                <a:cs typeface="+mn-lt"/>
-              </a:rPr>
-              <a:t>JSX is primarily used with React for UI development.</a:t>
-            </a:r>
-            <a:endParaRPr lang="en-GB" sz="1600">
-              <a:solidFill>
-                <a:schemeClr val="bg1"/>
-              </a:solidFill>
-              <a:latin typeface="Arial"/>
-              <a:cs typeface="Arial"/>
-            </a:endParaRPr>
-          </a:p>
-          <a:p>
-            <a:pPr marL="0" indent="0">
-              <a:buNone/>
-            </a:pPr>
-            <a:endParaRPr lang="en-GB" sz="1600" dirty="0">
-              <a:solidFill>
-                <a:schemeClr val="bg1"/>
-              </a:solidFill>
-              <a:latin typeface="Arial"/>
-              <a:cs typeface="Calibri"/>
-            </a:endParaRPr>
-          </a:p>
-          <a:p>
-            <a:pPr>
-              <a:buNone/>
-            </a:pPr>
-            <a:endParaRPr lang="en-GB" sz="1600" dirty="0">
-              <a:solidFill>
-                <a:schemeClr val="bg1"/>
-              </a:solidFill>
-              <a:latin typeface="Arial"/>
-              <a:cs typeface="Calibri"/>
-            </a:endParaRPr>
+            <a:endParaRPr lang="en-US" dirty="0"/>
           </a:p>
         </p:txBody>
       </p:sp>
@@ -9814,245 +10625,8 @@
         </p:blipFill>
         <p:spPr>
           <a:xfrm>
-            <a:off x="8781642" y="4627081"/>
-            <a:ext cx="3961592" cy="2230918"/>
-          </a:xfrm>
-          <a:prstGeom prst="rect">
-            <a:avLst/>
-          </a:prstGeom>
-        </p:spPr>
-      </p:pic>
-      <p:cxnSp>
-        <p:nvCxnSpPr>
-          <p:cNvPr id="76" name="Straight Connector 75">
-            <a:extLst>
-              <a:ext uri="{FF2B5EF4-FFF2-40B4-BE49-F238E27FC236}">
-                <a16:creationId xmlns:a16="http://schemas.microsoft.com/office/drawing/2014/main" id="{C727A21A-62F5-405C-B7A5-439FD3993289}"/>
-              </a:ext>
-              <a:ext uri="{C183D7F6-B498-43B3-948B-1728B52AA6E4}">
-                <adec:decorative xmlns:adec="http://schemas.microsoft.com/office/drawing/2017/decorative" val="1"/>
-              </a:ext>
-            </a:extLst>
-          </p:cNvPr>
-          <p:cNvCxnSpPr>
-            <a:cxnSpLocks noGrp="1" noRot="1" noChangeAspect="1" noMove="1" noResize="1" noEditPoints="1" noAdjustHandles="1" noChangeArrowheads="1" noChangeShapeType="1"/>
-          </p:cNvCxnSpPr>
-          <p:nvPr>
-            <p:extLst>
-              <p:ext uri="{386F3935-93C4-4BCD-93E2-E3B085C9AB24}">
-                <p16:designElem xmlns:p16="http://schemas.microsoft.com/office/powerpoint/2015/main" val="1"/>
-              </p:ext>
-            </p:extLst>
-          </p:nvPr>
-        </p:nvCxnSpPr>
-        <p:spPr>
-          <a:xfrm>
-            <a:off x="11829053" y="0"/>
-            <a:ext cx="0" cy="6858000"/>
-          </a:xfrm>
-          <a:prstGeom prst="line">
-            <a:avLst/>
-          </a:prstGeom>
-          <a:ln w="12700">
-            <a:solidFill>
-              <a:schemeClr val="accent2"/>
-            </a:solidFill>
-          </a:ln>
-        </p:spPr>
-        <p:style>
-          <a:lnRef idx="1">
-            <a:schemeClr val="accent1"/>
-          </a:lnRef>
-          <a:fillRef idx="0">
-            <a:schemeClr val="accent1"/>
-          </a:fillRef>
-          <a:effectRef idx="0">
-            <a:schemeClr val="accent1"/>
-          </a:effectRef>
-          <a:fontRef idx="minor">
-            <a:schemeClr val="tx1"/>
-          </a:fontRef>
-        </p:style>
-      </p:cxnSp>
-      <p:cxnSp>
-        <p:nvCxnSpPr>
-          <p:cNvPr id="77" name="Straight Connector 76">
-            <a:extLst>
-              <a:ext uri="{FF2B5EF4-FFF2-40B4-BE49-F238E27FC236}">
-                <a16:creationId xmlns:a16="http://schemas.microsoft.com/office/drawing/2014/main" id="{F641577A-888F-4E56-B9E4-CC57AC7B7BDB}"/>
-              </a:ext>
-              <a:ext uri="{C183D7F6-B498-43B3-948B-1728B52AA6E4}">
-                <adec:decorative xmlns:adec="http://schemas.microsoft.com/office/drawing/2017/decorative" val="1"/>
-              </a:ext>
-            </a:extLst>
-          </p:cNvPr>
-          <p:cNvCxnSpPr>
-            <a:cxnSpLocks noGrp="1" noRot="1" noChangeAspect="1" noMove="1" noResize="1" noEditPoints="1" noAdjustHandles="1" noChangeArrowheads="1" noChangeShapeType="1"/>
-          </p:cNvCxnSpPr>
-          <p:nvPr>
-            <p:extLst>
-              <p:ext uri="{386F3935-93C4-4BCD-93E2-E3B085C9AB24}">
-                <p16:designElem xmlns:p16="http://schemas.microsoft.com/office/powerpoint/2015/main" val="1"/>
-              </p:ext>
-            </p:extLst>
-          </p:nvPr>
-        </p:nvCxnSpPr>
-        <p:spPr>
-          <a:xfrm flipH="1">
-            <a:off x="1295399" y="2026340"/>
-            <a:ext cx="10896601" cy="0"/>
-          </a:xfrm>
-          <a:prstGeom prst="line">
-            <a:avLst/>
-          </a:prstGeom>
-          <a:ln w="12700">
-            <a:solidFill>
-              <a:schemeClr val="accent2"/>
-            </a:solidFill>
-          </a:ln>
-        </p:spPr>
-        <p:style>
-          <a:lnRef idx="1">
-            <a:schemeClr val="accent1"/>
-          </a:lnRef>
-          <a:fillRef idx="0">
-            <a:schemeClr val="accent1"/>
-          </a:fillRef>
-          <a:effectRef idx="0">
-            <a:schemeClr val="accent1"/>
-          </a:effectRef>
-          <a:fontRef idx="minor">
-            <a:schemeClr val="tx1"/>
-          </a:fontRef>
-        </p:style>
-      </p:cxnSp>
-    </p:spTree>
-    <p:extLst>
-      <p:ext uri="{BB962C8B-B14F-4D97-AF65-F5344CB8AC3E}">
-        <p14:creationId xmlns:p14="http://schemas.microsoft.com/office/powerpoint/2010/main" val="2053485375"/>
-      </p:ext>
-    </p:extLst>
-  </p:cSld>
-  <p:clrMapOvr>
-    <a:masterClrMapping/>
-  </p:clrMapOvr>
-</p:sld>
-</file>
-
-<file path=ppt/slides/slide2.xml><?xml version="1.0" encoding="utf-8"?>
-<p:sld xmlns:a="http://schemas.openxmlformats.org/drawingml/2006/main" xmlns:r="http://schemas.openxmlformats.org/officeDocument/2006/relationships" xmlns:p="http://schemas.openxmlformats.org/presentationml/2006/main">
-  <p:cSld>
-    <p:bg>
-      <p:bgPr>
-        <a:solidFill>
-          <a:schemeClr val="bg1"/>
-        </a:solidFill>
-        <a:effectLst/>
-      </p:bgPr>
-    </p:bg>
-    <p:spTree>
-      <p:nvGrpSpPr>
-        <p:cNvPr id="1" name=""/>
-        <p:cNvGrpSpPr/>
-        <p:nvPr/>
-      </p:nvGrpSpPr>
-      <p:grpSpPr>
-        <a:xfrm>
-          <a:off x="0" y="0"/>
-          <a:ext cx="0" cy="0"/>
-          <a:chOff x="0" y="0"/>
-          <a:chExt cx="0" cy="0"/>
-        </a:xfrm>
-      </p:grpSpPr>
-      <p:sp>
-        <p:nvSpPr>
-          <p:cNvPr id="37" name="Rectangle 36">
-            <a:extLst>
-              <a:ext uri="{FF2B5EF4-FFF2-40B4-BE49-F238E27FC236}">
-                <a16:creationId xmlns:a16="http://schemas.microsoft.com/office/drawing/2014/main" id="{B250C39F-3F6C-4D53-86D2-7BC6B2FF609C}"/>
-              </a:ext>
-              <a:ext uri="{C183D7F6-B498-43B3-948B-1728B52AA6E4}">
-                <adec:decorative xmlns:adec="http://schemas.microsoft.com/office/drawing/2017/decorative" val="1"/>
-              </a:ext>
-            </a:extLst>
-          </p:cNvPr>
-          <p:cNvSpPr>
-            <a:spLocks noGrp="1" noRot="1" noChangeAspect="1" noMove="1" noResize="1" noEditPoints="1" noAdjustHandles="1" noChangeArrowheads="1" noChangeShapeType="1" noTextEdit="1"/>
-          </p:cNvSpPr>
-          <p:nvPr>
-            <p:extLst>
-              <p:ext uri="{386F3935-93C4-4BCD-93E2-E3B085C9AB24}">
-                <p16:designElem xmlns:p16="http://schemas.microsoft.com/office/powerpoint/2015/main" val="1"/>
-              </p:ext>
-            </p:extLst>
-          </p:nvPr>
-        </p:nvSpPr>
-        <p:spPr>
-          <a:xfrm>
-            <a:off x="0" y="0"/>
-            <a:ext cx="12192000" cy="6858000"/>
-          </a:xfrm>
-          <a:prstGeom prst="rect">
-            <a:avLst/>
-          </a:prstGeom>
-          <a:solidFill>
-            <a:schemeClr val="tx1">
-              <a:lumMod val="95000"/>
-              <a:lumOff val="5000"/>
-            </a:schemeClr>
-          </a:solidFill>
-          <a:ln>
-            <a:noFill/>
-          </a:ln>
-        </p:spPr>
-        <p:style>
-          <a:lnRef idx="2">
-            <a:schemeClr val="accent1">
-              <a:shade val="50000"/>
-            </a:schemeClr>
-          </a:lnRef>
-          <a:fillRef idx="1">
-            <a:schemeClr val="accent1"/>
-          </a:fillRef>
-          <a:effectRef idx="0">
-            <a:schemeClr val="accent1"/>
-          </a:effectRef>
-          <a:fontRef idx="minor">
-            <a:schemeClr val="lt1"/>
-          </a:fontRef>
-        </p:style>
-        <p:txBody>
-          <a:bodyPr rtlCol="0" anchor="ctr"/>
-          <a:lstStyle/>
-          <a:p>
-            <a:pPr algn="ctr"/>
-            <a:endParaRPr lang="en-US" dirty="0"/>
-          </a:p>
-        </p:txBody>
-      </p:sp>
-      <p:pic>
-        <p:nvPicPr>
-          <p:cNvPr id="4" name="Picture 3" descr="A cartoon character holding a notebook&#10;&#10;Description automatically generated">
-            <a:extLst>
-              <a:ext uri="{FF2B5EF4-FFF2-40B4-BE49-F238E27FC236}">
-                <a16:creationId xmlns:a16="http://schemas.microsoft.com/office/drawing/2014/main" id="{FFAFD5CF-45DC-0120-1519-A4DD0C9F8F39}"/>
-              </a:ext>
-            </a:extLst>
-          </p:cNvPr>
-          <p:cNvPicPr>
-            <a:picLocks noChangeAspect="1"/>
-          </p:cNvPicPr>
-          <p:nvPr/>
-        </p:nvPicPr>
-        <p:blipFill rotWithShape="1">
-          <a:blip r:embed="rId2"/>
-          <a:srcRect t="16784" b="37794"/>
-          <a:stretch/>
-        </p:blipFill>
-        <p:spPr>
-          <a:xfrm>
-            <a:off x="5155680" y="907925"/>
-            <a:ext cx="9160193" cy="5155650"/>
+            <a:off x="20" y="10"/>
+            <a:ext cx="12191980" cy="6857990"/>
           </a:xfrm>
           <a:prstGeom prst="rect">
             <a:avLst/>
@@ -10061,7 +10635,7 @@
       </p:pic>
       <p:sp>
         <p:nvSpPr>
-          <p:cNvPr id="39" name="Rectangle 38">
+          <p:cNvPr id="28" name="Rectangle 27">
             <a:extLst>
               <a:ext uri="{FF2B5EF4-FFF2-40B4-BE49-F238E27FC236}">
                 <a16:creationId xmlns:a16="http://schemas.microsoft.com/office/drawing/2014/main" id="{70A48D59-8581-41F7-B529-F4617FE07A9A}"/>
@@ -10142,7 +10716,7 @@
           <p:cNvPr id="2" name="Title 1">
             <a:extLst>
               <a:ext uri="{FF2B5EF4-FFF2-40B4-BE49-F238E27FC236}">
-                <a16:creationId xmlns:a16="http://schemas.microsoft.com/office/drawing/2014/main" id="{F79E16CB-DAC4-717E-0E7D-DD909F18D66F}"/>
+                <a16:creationId xmlns:a16="http://schemas.microsoft.com/office/drawing/2014/main" id="{0833764A-6054-E198-9B9B-D9EBC1F4D245}"/>
               </a:ext>
             </a:extLst>
           </p:cNvPr>
@@ -10155,7 +10729,7 @@
         </p:nvSpPr>
         <p:spPr>
           <a:xfrm>
-            <a:off x="1104900" y="-127186"/>
+            <a:off x="1104900" y="910431"/>
             <a:ext cx="4724400" cy="1466455"/>
           </a:xfrm>
         </p:spPr>
@@ -10170,16 +10744,10 @@
                 <a:solidFill>
                   <a:schemeClr val="bg1"/>
                 </a:solidFill>
-                <a:ea typeface="Calibri Light"/>
                 <a:cs typeface="Calibri Light"/>
               </a:rPr>
-              <a:t>Agenda</a:t>
-            </a:r>
-            <a:endParaRPr lang="en-GB">
-              <a:solidFill>
-                <a:schemeClr val="bg1"/>
-              </a:solidFill>
-            </a:endParaRPr>
+              <a:t>Example</a:t>
+            </a:r>
           </a:p>
         </p:txBody>
       </p:sp>
@@ -10188,7 +10756,7 @@
           <p:cNvPr id="3" name="Content Placeholder 2">
             <a:extLst>
               <a:ext uri="{FF2B5EF4-FFF2-40B4-BE49-F238E27FC236}">
-                <a16:creationId xmlns:a16="http://schemas.microsoft.com/office/drawing/2014/main" id="{6BC158D1-70BE-32F3-7EAB-1E4704A43B35}"/>
+                <a16:creationId xmlns:a16="http://schemas.microsoft.com/office/drawing/2014/main" id="{BF6387C6-3A3A-ED00-D649-6CCE37F720FD}"/>
               </a:ext>
             </a:extLst>
           </p:cNvPr>
@@ -10201,185 +10769,238 @@
         </p:nvSpPr>
         <p:spPr>
           <a:xfrm>
-            <a:off x="1104900" y="1486888"/>
-            <a:ext cx="4724400" cy="3015849"/>
+            <a:off x="1104900" y="2702846"/>
+            <a:ext cx="5081080" cy="3242827"/>
           </a:xfrm>
         </p:spPr>
         <p:txBody>
           <a:bodyPr vert="horz" lIns="91440" tIns="45720" rIns="91440" bIns="45720" rtlCol="0" anchor="t">
-            <a:noAutofit/>
+            <a:normAutofit/>
           </a:bodyPr>
           <a:lstStyle/>
           <a:p>
-            <a:r>
-              <a:rPr lang="en-GB" sz="2000" dirty="0">
+            <a:pPr>
+              <a:lnSpc>
+                <a:spcPct val="70000"/>
+              </a:lnSpc>
+              <a:buNone/>
+            </a:pPr>
+            <a:r>
+              <a:rPr lang="en-GB" sz="1800" dirty="0">
                 <a:solidFill>
                   <a:schemeClr val="bg1"/>
                 </a:solidFill>
                 <a:latin typeface="Arial"/>
-                <a:ea typeface="Calibri"/>
-                <a:cs typeface="Calibri"/>
-              </a:rPr>
-              <a:t>JavaScript Essentials</a:t>
-            </a:r>
-          </a:p>
-          <a:p>
-            <a:r>
-              <a:rPr lang="en-GB" sz="2000" dirty="0">
+                <a:ea typeface="+mn-lt"/>
+                <a:cs typeface="+mn-lt"/>
+              </a:rPr>
+              <a:t>import React, { Component } from 'react';</a:t>
+            </a:r>
+            <a:endParaRPr lang="en-US" sz="1800">
+              <a:solidFill>
+                <a:schemeClr val="bg1"/>
+              </a:solidFill>
+              <a:latin typeface="Arial"/>
+              <a:cs typeface="Arial"/>
+            </a:endParaRPr>
+          </a:p>
+          <a:p>
+            <a:pPr>
+              <a:lnSpc>
+                <a:spcPct val="70000"/>
+              </a:lnSpc>
+              <a:buNone/>
+            </a:pPr>
+            <a:endParaRPr lang="en-GB" sz="1800" dirty="0">
+              <a:latin typeface="Arial"/>
+              <a:cs typeface="Arial"/>
+            </a:endParaRPr>
+          </a:p>
+          <a:p>
+            <a:pPr>
+              <a:lnSpc>
+                <a:spcPct val="70000"/>
+              </a:lnSpc>
+              <a:buNone/>
+            </a:pPr>
+            <a:r>
+              <a:rPr lang="en-GB" sz="1800" dirty="0">
                 <a:solidFill>
                   <a:schemeClr val="bg1"/>
                 </a:solidFill>
                 <a:latin typeface="Arial"/>
-                <a:ea typeface="Calibri"/>
-                <a:cs typeface="Calibri"/>
-              </a:rPr>
-              <a:t>Event loop</a:t>
-            </a:r>
-          </a:p>
-          <a:p>
-            <a:r>
-              <a:rPr lang="en-GB" sz="2000" dirty="0">
+                <a:ea typeface="+mn-lt"/>
+                <a:cs typeface="+mn-lt"/>
+              </a:rPr>
+              <a:t>class HelloWorld extends Component {</a:t>
+            </a:r>
+            <a:endParaRPr lang="en-GB" sz="1800">
+              <a:solidFill>
+                <a:schemeClr val="bg1"/>
+              </a:solidFill>
+              <a:latin typeface="Arial"/>
+              <a:cs typeface="Arial"/>
+            </a:endParaRPr>
+          </a:p>
+          <a:p>
+            <a:pPr>
+              <a:lnSpc>
+                <a:spcPct val="70000"/>
+              </a:lnSpc>
+              <a:buNone/>
+            </a:pPr>
+            <a:r>
+              <a:rPr lang="en-GB" sz="1800" dirty="0">
                 <a:solidFill>
                   <a:schemeClr val="bg1"/>
                 </a:solidFill>
                 <a:latin typeface="Arial"/>
-                <a:ea typeface="Calibri"/>
-                <a:cs typeface="Calibri"/>
-              </a:rPr>
-              <a:t>React JSX</a:t>
-            </a:r>
-          </a:p>
-          <a:p>
-            <a:r>
-              <a:rPr lang="en-GB" sz="2000" dirty="0">
+                <a:ea typeface="+mn-lt"/>
+                <a:cs typeface="+mn-lt"/>
+              </a:rPr>
+              <a:t>  render() {</a:t>
+            </a:r>
+            <a:endParaRPr lang="en-GB" sz="1800">
+              <a:solidFill>
+                <a:schemeClr val="bg1"/>
+              </a:solidFill>
+              <a:latin typeface="Arial"/>
+              <a:cs typeface="Arial"/>
+            </a:endParaRPr>
+          </a:p>
+          <a:p>
+            <a:pPr>
+              <a:lnSpc>
+                <a:spcPct val="70000"/>
+              </a:lnSpc>
+              <a:buNone/>
+            </a:pPr>
+            <a:r>
+              <a:rPr lang="en-GB" sz="1800" dirty="0">
                 <a:solidFill>
                   <a:schemeClr val="bg1"/>
                 </a:solidFill>
                 <a:latin typeface="Arial"/>
-                <a:ea typeface="Calibri"/>
-                <a:cs typeface="Calibri"/>
-              </a:rPr>
-              <a:t>Libraries for </a:t>
-            </a:r>
-            <a:r>
-              <a:rPr lang="en-GB" sz="2000" err="1">
+                <a:ea typeface="+mn-lt"/>
+                <a:cs typeface="+mn-lt"/>
+              </a:rPr>
+              <a:t>    return &lt;div&gt;Hello, World!&lt;/div&gt;;</a:t>
+            </a:r>
+            <a:endParaRPr lang="en-GB" sz="1800">
+              <a:solidFill>
+                <a:schemeClr val="bg1"/>
+              </a:solidFill>
+              <a:latin typeface="Arial"/>
+              <a:cs typeface="Arial"/>
+            </a:endParaRPr>
+          </a:p>
+          <a:p>
+            <a:pPr>
+              <a:lnSpc>
+                <a:spcPct val="70000"/>
+              </a:lnSpc>
+              <a:buNone/>
+            </a:pPr>
+            <a:r>
+              <a:rPr lang="en-GB" sz="1800" dirty="0">
                 <a:solidFill>
                   <a:schemeClr val="bg1"/>
                 </a:solidFill>
                 <a:latin typeface="Arial"/>
-                <a:ea typeface="Calibri"/>
-                <a:cs typeface="Calibri"/>
-              </a:rPr>
-              <a:t>ClientSide</a:t>
-            </a:r>
-            <a:r>
-              <a:rPr lang="en-GB" sz="2000" dirty="0">
+                <a:ea typeface="+mn-lt"/>
+                <a:cs typeface="+mn-lt"/>
+              </a:rPr>
+              <a:t>  }</a:t>
+            </a:r>
+            <a:endParaRPr lang="en-GB" sz="1800">
+              <a:solidFill>
+                <a:schemeClr val="bg1"/>
+              </a:solidFill>
+              <a:latin typeface="Arial"/>
+              <a:cs typeface="Arial"/>
+            </a:endParaRPr>
+          </a:p>
+          <a:p>
+            <a:pPr>
+              <a:lnSpc>
+                <a:spcPct val="70000"/>
+              </a:lnSpc>
+              <a:buNone/>
+            </a:pPr>
+            <a:r>
+              <a:rPr lang="en-GB" sz="1800" dirty="0">
                 <a:solidFill>
                   <a:schemeClr val="bg1"/>
                 </a:solidFill>
                 <a:latin typeface="Arial"/>
-                <a:ea typeface="Calibri"/>
-                <a:cs typeface="Calibri"/>
-              </a:rPr>
-              <a:t> Web Applications</a:t>
-            </a:r>
-          </a:p>
-          <a:p>
-            <a:r>
-              <a:rPr lang="en-GB" sz="2000" dirty="0">
+                <a:ea typeface="+mn-lt"/>
+                <a:cs typeface="+mn-lt"/>
+              </a:rPr>
+              <a:t>}</a:t>
+            </a:r>
+            <a:endParaRPr lang="en-GB" sz="1800">
+              <a:solidFill>
+                <a:schemeClr val="bg1"/>
+              </a:solidFill>
+              <a:latin typeface="Arial"/>
+              <a:cs typeface="Arial"/>
+            </a:endParaRPr>
+          </a:p>
+          <a:p>
+            <a:pPr>
+              <a:lnSpc>
+                <a:spcPct val="70000"/>
+              </a:lnSpc>
+              <a:buNone/>
+            </a:pPr>
+            <a:endParaRPr lang="en-GB" sz="1800" dirty="0">
+              <a:latin typeface="Arial"/>
+              <a:cs typeface="Arial"/>
+            </a:endParaRPr>
+          </a:p>
+          <a:p>
+            <a:pPr>
+              <a:lnSpc>
+                <a:spcPct val="70000"/>
+              </a:lnSpc>
+              <a:buNone/>
+            </a:pPr>
+            <a:r>
+              <a:rPr lang="en-GB" sz="1800" dirty="0">
                 <a:solidFill>
                   <a:schemeClr val="bg1"/>
                 </a:solidFill>
                 <a:latin typeface="Arial"/>
-                <a:ea typeface="Calibri"/>
-                <a:cs typeface="Calibri"/>
-              </a:rPr>
-              <a:t>React DOM</a:t>
-            </a:r>
-          </a:p>
-          <a:p>
-            <a:r>
-              <a:rPr lang="en-GB" sz="2000" dirty="0">
-                <a:solidFill>
-                  <a:schemeClr val="bg1"/>
-                </a:solidFill>
-                <a:latin typeface="Arial"/>
-                <a:ea typeface="Calibri"/>
-                <a:cs typeface="Calibri"/>
-              </a:rPr>
-              <a:t>Environmental Setup</a:t>
-            </a:r>
-          </a:p>
-          <a:p>
-            <a:r>
-              <a:rPr lang="en-GB" sz="2000" dirty="0">
-                <a:solidFill>
-                  <a:schemeClr val="bg1"/>
-                </a:solidFill>
-                <a:latin typeface="Arial"/>
-                <a:ea typeface="Calibri"/>
-                <a:cs typeface="Calibri"/>
-              </a:rPr>
-              <a:t>NPM commands</a:t>
-            </a:r>
-          </a:p>
-          <a:p>
-            <a:r>
-              <a:rPr lang="en-GB" sz="2000" dirty="0">
-                <a:solidFill>
-                  <a:schemeClr val="bg1"/>
-                </a:solidFill>
-                <a:latin typeface="Arial"/>
-                <a:ea typeface="Calibri"/>
-                <a:cs typeface="Calibri"/>
-              </a:rPr>
-              <a:t>Overview of webpack</a:t>
-            </a:r>
-          </a:p>
-          <a:p>
-            <a:r>
-              <a:rPr lang="en-GB" sz="2000" dirty="0">
-                <a:solidFill>
-                  <a:schemeClr val="bg1"/>
-                </a:solidFill>
-                <a:latin typeface="Arial"/>
-                <a:ea typeface="Calibri"/>
-                <a:cs typeface="Calibri"/>
-              </a:rPr>
-              <a:t>Babel</a:t>
-            </a:r>
-          </a:p>
-          <a:p>
-            <a:r>
-              <a:rPr lang="en-GB" sz="2000" dirty="0">
-                <a:solidFill>
-                  <a:schemeClr val="bg1"/>
-                </a:solidFill>
-                <a:latin typeface="Arial"/>
-                <a:ea typeface="Calibri"/>
-                <a:cs typeface="Calibri"/>
-              </a:rPr>
-              <a:t>React Component</a:t>
-            </a:r>
-          </a:p>
-          <a:p>
-            <a:r>
-              <a:rPr lang="en-GB" sz="2000" dirty="0">
-                <a:solidFill>
-                  <a:schemeClr val="bg1"/>
-                </a:solidFill>
-                <a:latin typeface="Arial"/>
-                <a:ea typeface="Calibri"/>
-                <a:cs typeface="Calibri"/>
-              </a:rPr>
-              <a:t>Limitations of JSX</a:t>
-            </a:r>
+                <a:ea typeface="+mn-lt"/>
+                <a:cs typeface="+mn-lt"/>
+              </a:rPr>
+              <a:t>export default HelloWorld;</a:t>
+            </a:r>
+            <a:endParaRPr lang="en-GB" sz="1800" dirty="0">
+              <a:solidFill>
+                <a:schemeClr val="bg1"/>
+              </a:solidFill>
+              <a:latin typeface="Arial"/>
+              <a:cs typeface="Arial"/>
+            </a:endParaRPr>
+          </a:p>
+          <a:p>
+            <a:pPr>
+              <a:buNone/>
+            </a:pPr>
+            <a:endParaRPr lang="en-GB" sz="1800" dirty="0">
+              <a:solidFill>
+                <a:schemeClr val="bg1"/>
+              </a:solidFill>
+              <a:latin typeface="Arial"/>
+              <a:cs typeface="Calibri"/>
+            </a:endParaRPr>
           </a:p>
         </p:txBody>
       </p:sp>
       <p:sp>
         <p:nvSpPr>
-          <p:cNvPr id="41" name="Rectangle 40">
+          <p:cNvPr id="30" name="Rectangle 29">
             <a:extLst>
               <a:ext uri="{FF2B5EF4-FFF2-40B4-BE49-F238E27FC236}">
                 <a16:creationId xmlns:a16="http://schemas.microsoft.com/office/drawing/2014/main" id="{9DD005C1-8C51-42D6-9BEE-B9B83849743D}"/>
@@ -10443,7 +11064,690 @@
     </p:spTree>
     <p:extLst>
       <p:ext uri="{BB962C8B-B14F-4D97-AF65-F5344CB8AC3E}">
-        <p14:creationId xmlns:p14="http://schemas.microsoft.com/office/powerpoint/2010/main" val="1756907565"/>
+        <p14:creationId xmlns:p14="http://schemas.microsoft.com/office/powerpoint/2010/main" val="768529477"/>
+      </p:ext>
+    </p:extLst>
+  </p:cSld>
+  <p:clrMapOvr>
+    <a:masterClrMapping/>
+  </p:clrMapOvr>
+</p:sld>
+</file>
+
+<file path=ppt/slides/slide21.xml><?xml version="1.0" encoding="utf-8"?>
+<p:sld xmlns:a="http://schemas.openxmlformats.org/drawingml/2006/main" xmlns:r="http://schemas.openxmlformats.org/officeDocument/2006/relationships" xmlns:p="http://schemas.openxmlformats.org/presentationml/2006/main">
+  <p:cSld>
+    <p:bg>
+      <p:bgPr>
+        <a:solidFill>
+          <a:schemeClr val="bg1"/>
+        </a:solidFill>
+        <a:effectLst/>
+      </p:bgPr>
+    </p:bg>
+    <p:spTree>
+      <p:nvGrpSpPr>
+        <p:cNvPr id="1" name=""/>
+        <p:cNvGrpSpPr/>
+        <p:nvPr/>
+      </p:nvGrpSpPr>
+      <p:grpSpPr>
+        <a:xfrm>
+          <a:off x="0" y="0"/>
+          <a:ext cx="0" cy="0"/>
+          <a:chOff x="0" y="0"/>
+          <a:chExt cx="0" cy="0"/>
+        </a:xfrm>
+      </p:grpSpPr>
+      <p:sp>
+        <p:nvSpPr>
+          <p:cNvPr id="75" name="Rectangle 74">
+            <a:extLst>
+              <a:ext uri="{FF2B5EF4-FFF2-40B4-BE49-F238E27FC236}">
+                <a16:creationId xmlns:a16="http://schemas.microsoft.com/office/drawing/2014/main" id="{375B19E4-0108-41C4-8DB1-11BAE0B49D9B}"/>
+              </a:ext>
+              <a:ext uri="{C183D7F6-B498-43B3-948B-1728B52AA6E4}">
+                <adec:decorative xmlns:adec="http://schemas.microsoft.com/office/drawing/2017/decorative" val="1"/>
+              </a:ext>
+            </a:extLst>
+          </p:cNvPr>
+          <p:cNvSpPr>
+            <a:spLocks noGrp="1" noRot="1" noChangeAspect="1" noMove="1" noResize="1" noEditPoints="1" noAdjustHandles="1" noChangeArrowheads="1" noChangeShapeType="1" noTextEdit="1"/>
+          </p:cNvSpPr>
+          <p:nvPr>
+            <p:extLst>
+              <p:ext uri="{386F3935-93C4-4BCD-93E2-E3B085C9AB24}">
+                <p16:designElem xmlns:p16="http://schemas.microsoft.com/office/powerpoint/2015/main" val="1"/>
+              </p:ext>
+            </p:extLst>
+          </p:nvPr>
+        </p:nvSpPr>
+        <p:spPr>
+          <a:xfrm>
+            <a:off x="0" y="0"/>
+            <a:ext cx="12192000" cy="6858000"/>
+          </a:xfrm>
+          <a:prstGeom prst="rect">
+            <a:avLst/>
+          </a:prstGeom>
+          <a:solidFill>
+            <a:schemeClr val="tx1">
+              <a:lumMod val="95000"/>
+              <a:lumOff val="5000"/>
+            </a:schemeClr>
+          </a:solidFill>
+          <a:ln>
+            <a:noFill/>
+          </a:ln>
+        </p:spPr>
+        <p:style>
+          <a:lnRef idx="2">
+            <a:schemeClr val="accent1">
+              <a:shade val="50000"/>
+            </a:schemeClr>
+          </a:lnRef>
+          <a:fillRef idx="1">
+            <a:schemeClr val="accent1"/>
+          </a:fillRef>
+          <a:effectRef idx="0">
+            <a:schemeClr val="accent1"/>
+          </a:effectRef>
+          <a:fontRef idx="minor">
+            <a:schemeClr val="lt1"/>
+          </a:fontRef>
+        </p:style>
+        <p:txBody>
+          <a:bodyPr rtlCol="0" anchor="ctr"/>
+          <a:lstStyle/>
+          <a:p>
+            <a:pPr algn="ctr"/>
+            <a:endParaRPr lang="en-US" dirty="0">
+              <a:solidFill>
+                <a:schemeClr val="bg1"/>
+              </a:solidFill>
+            </a:endParaRPr>
+          </a:p>
+        </p:txBody>
+      </p:sp>
+      <p:sp>
+        <p:nvSpPr>
+          <p:cNvPr id="2" name="Title 1">
+            <a:extLst>
+              <a:ext uri="{FF2B5EF4-FFF2-40B4-BE49-F238E27FC236}">
+                <a16:creationId xmlns:a16="http://schemas.microsoft.com/office/drawing/2014/main" id="{0833764A-6054-E198-9B9B-D9EBC1F4D245}"/>
+              </a:ext>
+            </a:extLst>
+          </p:cNvPr>
+          <p:cNvSpPr>
+            <a:spLocks noGrp="1"/>
+          </p:cNvSpPr>
+          <p:nvPr>
+            <p:ph type="title"/>
+          </p:nvPr>
+        </p:nvSpPr>
+        <p:spPr>
+          <a:xfrm>
+            <a:off x="1295398" y="669925"/>
+            <a:ext cx="4686295" cy="1325563"/>
+          </a:xfrm>
+        </p:spPr>
+        <p:txBody>
+          <a:bodyPr anchor="b">
+            <a:normAutofit/>
+          </a:bodyPr>
+          <a:lstStyle/>
+          <a:p>
+            <a:r>
+              <a:rPr lang="en-GB" sz="3800">
+                <a:solidFill>
+                  <a:schemeClr val="bg1"/>
+                </a:solidFill>
+                <a:cs typeface="Calibri Light"/>
+              </a:rPr>
+              <a:t>Limitations of JSX</a:t>
+            </a:r>
+          </a:p>
+        </p:txBody>
+      </p:sp>
+      <p:sp>
+        <p:nvSpPr>
+          <p:cNvPr id="3" name="Content Placeholder 2">
+            <a:extLst>
+              <a:ext uri="{FF2B5EF4-FFF2-40B4-BE49-F238E27FC236}">
+                <a16:creationId xmlns:a16="http://schemas.microsoft.com/office/drawing/2014/main" id="{BF6387C6-3A3A-ED00-D649-6CCE37F720FD}"/>
+              </a:ext>
+            </a:extLst>
+          </p:cNvPr>
+          <p:cNvSpPr>
+            <a:spLocks noGrp="1"/>
+          </p:cNvSpPr>
+          <p:nvPr>
+            <p:ph idx="1"/>
+          </p:nvPr>
+        </p:nvSpPr>
+        <p:spPr>
+          <a:xfrm>
+            <a:off x="1295398" y="2350698"/>
+            <a:ext cx="7296550" cy="3466011"/>
+          </a:xfrm>
+        </p:spPr>
+        <p:txBody>
+          <a:bodyPr vert="horz" lIns="91440" tIns="45720" rIns="91440" bIns="45720" rtlCol="0" anchor="t">
+            <a:noAutofit/>
+          </a:bodyPr>
+          <a:lstStyle/>
+          <a:p>
+            <a:pPr marL="342900" indent="-342900">
+              <a:buAutoNum type="arabicPeriod"/>
+            </a:pPr>
+            <a:r>
+              <a:rPr lang="en-GB" sz="1600" dirty="0">
+                <a:solidFill>
+                  <a:schemeClr val="bg1"/>
+                </a:solidFill>
+                <a:latin typeface="Arial"/>
+                <a:ea typeface="+mn-lt"/>
+                <a:cs typeface="+mn-lt"/>
+              </a:rPr>
+              <a:t>JSX requires compilation before running in the browser.</a:t>
+            </a:r>
+            <a:endParaRPr lang="en-US" sz="1600">
+              <a:solidFill>
+                <a:schemeClr val="bg1"/>
+              </a:solidFill>
+              <a:latin typeface="Arial"/>
+              <a:cs typeface="Arial"/>
+            </a:endParaRPr>
+          </a:p>
+          <a:p>
+            <a:pPr marL="342900" indent="-342900">
+              <a:buAutoNum type="arabicPeriod"/>
+            </a:pPr>
+            <a:r>
+              <a:rPr lang="en-GB" sz="1600" dirty="0">
+                <a:solidFill>
+                  <a:schemeClr val="bg1"/>
+                </a:solidFill>
+                <a:latin typeface="Arial"/>
+                <a:ea typeface="+mn-lt"/>
+                <a:cs typeface="+mn-lt"/>
+              </a:rPr>
+              <a:t>Complex logic and control structures can make JSX code verbose and harder to read.</a:t>
+            </a:r>
+            <a:endParaRPr lang="en-GB" sz="1600">
+              <a:solidFill>
+                <a:schemeClr val="bg1"/>
+              </a:solidFill>
+              <a:latin typeface="Arial"/>
+              <a:cs typeface="Arial"/>
+            </a:endParaRPr>
+          </a:p>
+          <a:p>
+            <a:pPr>
+              <a:buNone/>
+            </a:pPr>
+            <a:r>
+              <a:rPr lang="en-GB" sz="1600" b="1" dirty="0">
+                <a:solidFill>
+                  <a:schemeClr val="bg1"/>
+                </a:solidFill>
+                <a:latin typeface="Arial"/>
+                <a:ea typeface="+mn-lt"/>
+                <a:cs typeface="+mn-lt"/>
+              </a:rPr>
+              <a:t>Important Points:</a:t>
+            </a:r>
+            <a:endParaRPr lang="en-GB" sz="1600">
+              <a:solidFill>
+                <a:schemeClr val="bg1"/>
+              </a:solidFill>
+              <a:latin typeface="Arial"/>
+              <a:cs typeface="Arial"/>
+            </a:endParaRPr>
+          </a:p>
+          <a:p>
+            <a:pPr>
+              <a:buFont typeface="Arial"/>
+              <a:buChar char="•"/>
+            </a:pPr>
+            <a:r>
+              <a:rPr lang="en-GB" sz="1600" dirty="0">
+                <a:solidFill>
+                  <a:schemeClr val="bg1"/>
+                </a:solidFill>
+                <a:latin typeface="Arial"/>
+                <a:ea typeface="+mn-lt"/>
+                <a:cs typeface="+mn-lt"/>
+              </a:rPr>
+              <a:t>Learning curve for newcomers.</a:t>
+            </a:r>
+            <a:endParaRPr lang="en-GB" sz="1600">
+              <a:solidFill>
+                <a:schemeClr val="bg1"/>
+              </a:solidFill>
+              <a:latin typeface="Arial"/>
+              <a:cs typeface="Arial"/>
+            </a:endParaRPr>
+          </a:p>
+          <a:p>
+            <a:pPr>
+              <a:buFont typeface="Arial"/>
+              <a:buChar char="•"/>
+            </a:pPr>
+            <a:r>
+              <a:rPr lang="en-GB" sz="1600" dirty="0">
+                <a:solidFill>
+                  <a:schemeClr val="bg1"/>
+                </a:solidFill>
+                <a:latin typeface="Arial"/>
+                <a:ea typeface="+mn-lt"/>
+                <a:cs typeface="+mn-lt"/>
+              </a:rPr>
+              <a:t>No direct HTML comments; use </a:t>
+            </a:r>
+            <a:r>
+              <a:rPr lang="en-GB" sz="1600" b="1" dirty="0">
+                <a:solidFill>
+                  <a:schemeClr val="bg1"/>
+                </a:solidFill>
+                <a:latin typeface="Arial"/>
+                <a:ea typeface="+mn-lt"/>
+                <a:cs typeface="+mn-lt"/>
+              </a:rPr>
+              <a:t>{/* ... */}</a:t>
+            </a:r>
+            <a:r>
+              <a:rPr lang="en-GB" sz="1600" dirty="0">
+                <a:solidFill>
+                  <a:schemeClr val="bg1"/>
+                </a:solidFill>
+                <a:latin typeface="Arial"/>
+                <a:ea typeface="+mn-lt"/>
+                <a:cs typeface="+mn-lt"/>
+              </a:rPr>
+              <a:t>.</a:t>
+            </a:r>
+            <a:endParaRPr lang="en-GB" sz="1600">
+              <a:solidFill>
+                <a:schemeClr val="bg1"/>
+              </a:solidFill>
+              <a:latin typeface="Arial"/>
+              <a:cs typeface="Arial"/>
+            </a:endParaRPr>
+          </a:p>
+          <a:p>
+            <a:pPr>
+              <a:buFont typeface="Arial"/>
+              <a:buChar char="•"/>
+            </a:pPr>
+            <a:r>
+              <a:rPr lang="en-GB" sz="1600" dirty="0">
+                <a:solidFill>
+                  <a:schemeClr val="bg1"/>
+                </a:solidFill>
+                <a:latin typeface="Arial"/>
+                <a:ea typeface="+mn-lt"/>
+                <a:cs typeface="+mn-lt"/>
+              </a:rPr>
+              <a:t>Self-closing tags should include a trailing slash.</a:t>
+            </a:r>
+            <a:endParaRPr lang="en-GB" sz="1600">
+              <a:solidFill>
+                <a:schemeClr val="bg1"/>
+              </a:solidFill>
+              <a:latin typeface="Arial"/>
+              <a:cs typeface="Arial"/>
+            </a:endParaRPr>
+          </a:p>
+          <a:p>
+            <a:pPr>
+              <a:buFont typeface="Arial"/>
+              <a:buChar char="•"/>
+            </a:pPr>
+            <a:r>
+              <a:rPr lang="en-GB" sz="1600" dirty="0">
+                <a:solidFill>
+                  <a:schemeClr val="bg1"/>
+                </a:solidFill>
+                <a:latin typeface="Arial"/>
+                <a:ea typeface="+mn-lt"/>
+                <a:cs typeface="+mn-lt"/>
+              </a:rPr>
+              <a:t>Use </a:t>
+            </a:r>
+            <a:r>
+              <a:rPr lang="en-GB" sz="1600" b="1" dirty="0" err="1">
+                <a:solidFill>
+                  <a:schemeClr val="bg1"/>
+                </a:solidFill>
+                <a:latin typeface="Arial"/>
+                <a:ea typeface="+mn-lt"/>
+                <a:cs typeface="+mn-lt"/>
+              </a:rPr>
+              <a:t>className</a:t>
+            </a:r>
+            <a:r>
+              <a:rPr lang="en-GB" sz="1600" dirty="0">
+                <a:solidFill>
+                  <a:schemeClr val="bg1"/>
+                </a:solidFill>
+                <a:latin typeface="Arial"/>
+                <a:ea typeface="+mn-lt"/>
+                <a:cs typeface="+mn-lt"/>
+              </a:rPr>
+              <a:t> for CSS classes.</a:t>
+            </a:r>
+            <a:endParaRPr lang="en-GB" sz="1600">
+              <a:solidFill>
+                <a:schemeClr val="bg1"/>
+              </a:solidFill>
+              <a:latin typeface="Arial"/>
+              <a:cs typeface="Arial"/>
+            </a:endParaRPr>
+          </a:p>
+          <a:p>
+            <a:pPr>
+              <a:buFont typeface="Arial"/>
+              <a:buChar char="•"/>
+            </a:pPr>
+            <a:r>
+              <a:rPr lang="en-GB" sz="1600" dirty="0">
+                <a:solidFill>
+                  <a:schemeClr val="bg1"/>
+                </a:solidFill>
+                <a:latin typeface="Arial"/>
+                <a:ea typeface="+mn-lt"/>
+                <a:cs typeface="+mn-lt"/>
+              </a:rPr>
+              <a:t>Wrapping elements in parentheses when multiple elements are returned.</a:t>
+            </a:r>
+            <a:endParaRPr lang="en-GB" sz="1600">
+              <a:solidFill>
+                <a:schemeClr val="bg1"/>
+              </a:solidFill>
+              <a:latin typeface="Arial"/>
+              <a:cs typeface="Arial"/>
+            </a:endParaRPr>
+          </a:p>
+          <a:p>
+            <a:pPr>
+              <a:buFont typeface="Arial"/>
+              <a:buChar char="•"/>
+            </a:pPr>
+            <a:r>
+              <a:rPr lang="en-GB" sz="1600" dirty="0">
+                <a:solidFill>
+                  <a:schemeClr val="bg1"/>
+                </a:solidFill>
+                <a:latin typeface="Arial"/>
+                <a:ea typeface="+mn-lt"/>
+                <a:cs typeface="+mn-lt"/>
+              </a:rPr>
+              <a:t>Potential naming conflicts with reserved words (e.g., </a:t>
+            </a:r>
+            <a:r>
+              <a:rPr lang="en-GB" sz="1600" b="1" dirty="0">
+                <a:solidFill>
+                  <a:schemeClr val="bg1"/>
+                </a:solidFill>
+                <a:latin typeface="Arial"/>
+                <a:ea typeface="+mn-lt"/>
+                <a:cs typeface="+mn-lt"/>
+              </a:rPr>
+              <a:t>class</a:t>
+            </a:r>
+            <a:r>
+              <a:rPr lang="en-GB" sz="1600" dirty="0">
+                <a:solidFill>
+                  <a:schemeClr val="bg1"/>
+                </a:solidFill>
+                <a:latin typeface="Arial"/>
+                <a:ea typeface="+mn-lt"/>
+                <a:cs typeface="+mn-lt"/>
+              </a:rPr>
+              <a:t> vs. </a:t>
+            </a:r>
+            <a:r>
+              <a:rPr lang="en-GB" sz="1600" b="1" dirty="0" err="1">
+                <a:solidFill>
+                  <a:schemeClr val="bg1"/>
+                </a:solidFill>
+                <a:latin typeface="Arial"/>
+                <a:ea typeface="+mn-lt"/>
+                <a:cs typeface="+mn-lt"/>
+              </a:rPr>
+              <a:t>className</a:t>
+            </a:r>
+            <a:r>
+              <a:rPr lang="en-GB" sz="1600" dirty="0">
+                <a:solidFill>
+                  <a:schemeClr val="bg1"/>
+                </a:solidFill>
+                <a:latin typeface="Arial"/>
+                <a:ea typeface="+mn-lt"/>
+                <a:cs typeface="+mn-lt"/>
+              </a:rPr>
+              <a:t>).</a:t>
+            </a:r>
+            <a:endParaRPr lang="en-GB" sz="1600">
+              <a:solidFill>
+                <a:schemeClr val="bg1"/>
+              </a:solidFill>
+              <a:latin typeface="Arial"/>
+              <a:cs typeface="Arial"/>
+            </a:endParaRPr>
+          </a:p>
+          <a:p>
+            <a:pPr>
+              <a:buFont typeface="Arial"/>
+              <a:buChar char="•"/>
+            </a:pPr>
+            <a:r>
+              <a:rPr lang="en-GB" sz="1600" dirty="0">
+                <a:solidFill>
+                  <a:schemeClr val="bg1"/>
+                </a:solidFill>
+                <a:latin typeface="Arial"/>
+                <a:ea typeface="+mn-lt"/>
+                <a:cs typeface="+mn-lt"/>
+              </a:rPr>
+              <a:t>Not enforcing accessibility; developers need to ensure accessibility manually.</a:t>
+            </a:r>
+            <a:endParaRPr lang="en-GB" sz="1600">
+              <a:solidFill>
+                <a:schemeClr val="bg1"/>
+              </a:solidFill>
+              <a:latin typeface="Arial"/>
+              <a:cs typeface="Arial"/>
+            </a:endParaRPr>
+          </a:p>
+          <a:p>
+            <a:pPr>
+              <a:buFont typeface="Arial"/>
+              <a:buChar char="•"/>
+            </a:pPr>
+            <a:r>
+              <a:rPr lang="en-GB" sz="1600" dirty="0">
+                <a:solidFill>
+                  <a:schemeClr val="bg1"/>
+                </a:solidFill>
+                <a:latin typeface="Arial"/>
+                <a:ea typeface="+mn-lt"/>
+                <a:cs typeface="+mn-lt"/>
+              </a:rPr>
+              <a:t>JSX is primarily used with React for UI development.</a:t>
+            </a:r>
+            <a:endParaRPr lang="en-GB" sz="1600">
+              <a:solidFill>
+                <a:schemeClr val="bg1"/>
+              </a:solidFill>
+              <a:latin typeface="Arial"/>
+              <a:cs typeface="Arial"/>
+            </a:endParaRPr>
+          </a:p>
+          <a:p>
+            <a:pPr marL="0" indent="0">
+              <a:buNone/>
+            </a:pPr>
+            <a:endParaRPr lang="en-GB" sz="1600" dirty="0">
+              <a:solidFill>
+                <a:schemeClr val="bg1"/>
+              </a:solidFill>
+              <a:latin typeface="Arial"/>
+              <a:cs typeface="Calibri"/>
+            </a:endParaRPr>
+          </a:p>
+          <a:p>
+            <a:pPr>
+              <a:buNone/>
+            </a:pPr>
+            <a:endParaRPr lang="en-GB" sz="1600" dirty="0">
+              <a:solidFill>
+                <a:schemeClr val="bg1"/>
+              </a:solidFill>
+              <a:latin typeface="Arial"/>
+              <a:cs typeface="Calibri"/>
+            </a:endParaRPr>
+          </a:p>
+        </p:txBody>
+      </p:sp>
+      <p:pic>
+        <p:nvPicPr>
+          <p:cNvPr id="6" name="Picture 5" descr="A couple of yellow cartoon characters&#10;&#10;Description automatically generated">
+            <a:extLst>
+              <a:ext uri="{FF2B5EF4-FFF2-40B4-BE49-F238E27FC236}">
+                <a16:creationId xmlns:a16="http://schemas.microsoft.com/office/drawing/2014/main" id="{613F53E4-F588-E339-4238-FD6621D61BA8}"/>
+              </a:ext>
+            </a:extLst>
+          </p:cNvPr>
+          <p:cNvPicPr>
+            <a:picLocks noChangeAspect="1"/>
+          </p:cNvPicPr>
+          <p:nvPr/>
+        </p:nvPicPr>
+        <p:blipFill rotWithShape="1">
+          <a:blip r:embed="rId2"/>
+          <a:srcRect l="7001" r="2333" b="1"/>
+          <a:stretch/>
+        </p:blipFill>
+        <p:spPr>
+          <a:xfrm>
+            <a:off x="8781642" y="4627081"/>
+            <a:ext cx="3961592" cy="2230918"/>
+          </a:xfrm>
+          <a:prstGeom prst="rect">
+            <a:avLst/>
+          </a:prstGeom>
+        </p:spPr>
+      </p:pic>
+      <p:cxnSp>
+        <p:nvCxnSpPr>
+          <p:cNvPr id="76" name="Straight Connector 75">
+            <a:extLst>
+              <a:ext uri="{FF2B5EF4-FFF2-40B4-BE49-F238E27FC236}">
+                <a16:creationId xmlns:a16="http://schemas.microsoft.com/office/drawing/2014/main" id="{C727A21A-62F5-405C-B7A5-439FD3993289}"/>
+              </a:ext>
+              <a:ext uri="{C183D7F6-B498-43B3-948B-1728B52AA6E4}">
+                <adec:decorative xmlns:adec="http://schemas.microsoft.com/office/drawing/2017/decorative" val="1"/>
+              </a:ext>
+            </a:extLst>
+          </p:cNvPr>
+          <p:cNvCxnSpPr>
+            <a:cxnSpLocks noGrp="1" noRot="1" noChangeAspect="1" noMove="1" noResize="1" noEditPoints="1" noAdjustHandles="1" noChangeArrowheads="1" noChangeShapeType="1"/>
+          </p:cNvCxnSpPr>
+          <p:nvPr>
+            <p:extLst>
+              <p:ext uri="{386F3935-93C4-4BCD-93E2-E3B085C9AB24}">
+                <p16:designElem xmlns:p16="http://schemas.microsoft.com/office/powerpoint/2015/main" val="1"/>
+              </p:ext>
+            </p:extLst>
+          </p:nvPr>
+        </p:nvCxnSpPr>
+        <p:spPr>
+          <a:xfrm>
+            <a:off x="11829053" y="0"/>
+            <a:ext cx="0" cy="6858000"/>
+          </a:xfrm>
+          <a:prstGeom prst="line">
+            <a:avLst/>
+          </a:prstGeom>
+          <a:ln w="12700">
+            <a:solidFill>
+              <a:schemeClr val="accent2"/>
+            </a:solidFill>
+          </a:ln>
+        </p:spPr>
+        <p:style>
+          <a:lnRef idx="1">
+            <a:schemeClr val="accent1"/>
+          </a:lnRef>
+          <a:fillRef idx="0">
+            <a:schemeClr val="accent1"/>
+          </a:fillRef>
+          <a:effectRef idx="0">
+            <a:schemeClr val="accent1"/>
+          </a:effectRef>
+          <a:fontRef idx="minor">
+            <a:schemeClr val="tx1"/>
+          </a:fontRef>
+        </p:style>
+      </p:cxnSp>
+      <p:cxnSp>
+        <p:nvCxnSpPr>
+          <p:cNvPr id="77" name="Straight Connector 76">
+            <a:extLst>
+              <a:ext uri="{FF2B5EF4-FFF2-40B4-BE49-F238E27FC236}">
+                <a16:creationId xmlns:a16="http://schemas.microsoft.com/office/drawing/2014/main" id="{F641577A-888F-4E56-B9E4-CC57AC7B7BDB}"/>
+              </a:ext>
+              <a:ext uri="{C183D7F6-B498-43B3-948B-1728B52AA6E4}">
+                <adec:decorative xmlns:adec="http://schemas.microsoft.com/office/drawing/2017/decorative" val="1"/>
+              </a:ext>
+            </a:extLst>
+          </p:cNvPr>
+          <p:cNvCxnSpPr>
+            <a:cxnSpLocks noGrp="1" noRot="1" noChangeAspect="1" noMove="1" noResize="1" noEditPoints="1" noAdjustHandles="1" noChangeArrowheads="1" noChangeShapeType="1"/>
+          </p:cNvCxnSpPr>
+          <p:nvPr>
+            <p:extLst>
+              <p:ext uri="{386F3935-93C4-4BCD-93E2-E3B085C9AB24}">
+                <p16:designElem xmlns:p16="http://schemas.microsoft.com/office/powerpoint/2015/main" val="1"/>
+              </p:ext>
+            </p:extLst>
+          </p:nvPr>
+        </p:nvCxnSpPr>
+        <p:spPr>
+          <a:xfrm flipH="1">
+            <a:off x="1295399" y="2026340"/>
+            <a:ext cx="10896601" cy="0"/>
+          </a:xfrm>
+          <a:prstGeom prst="line">
+            <a:avLst/>
+          </a:prstGeom>
+          <a:ln w="12700">
+            <a:solidFill>
+              <a:schemeClr val="accent2"/>
+            </a:solidFill>
+          </a:ln>
+        </p:spPr>
+        <p:style>
+          <a:lnRef idx="1">
+            <a:schemeClr val="accent1"/>
+          </a:lnRef>
+          <a:fillRef idx="0">
+            <a:schemeClr val="accent1"/>
+          </a:fillRef>
+          <a:effectRef idx="0">
+            <a:schemeClr val="accent1"/>
+          </a:effectRef>
+          <a:fontRef idx="minor">
+            <a:schemeClr val="tx1"/>
+          </a:fontRef>
+        </p:style>
+      </p:cxnSp>
+    </p:spTree>
+    <p:extLst>
+      <p:ext uri="{BB962C8B-B14F-4D97-AF65-F5344CB8AC3E}">
+        <p14:creationId xmlns:p14="http://schemas.microsoft.com/office/powerpoint/2010/main" val="2053485375"/>
       </p:ext>
     </p:extLst>
   </p:cSld>

--- a/react/study_materials/React.pptx
+++ b/react/study_materials/React.pptx
@@ -35,6 +35,9 @@
     <p:sldId id="283" r:id="rId29"/>
     <p:sldId id="285" r:id="rId30"/>
     <p:sldId id="286" r:id="rId31"/>
+    <p:sldId id="287" r:id="rId32"/>
+    <p:sldId id="288" r:id="rId33"/>
+    <p:sldId id="289" r:id="rId34"/>
   </p:sldIdLst>
   <p:sldSz cx="12192000" cy="6858000"/>
   <p:notesSz cx="6858000" cy="9144000"/>
@@ -146,6 +149,7 @@
   <p1510:revLst>
     <p1510:client id="{22ABDAFC-7C43-42EF-B8FA-22C02C265143}" v="178" dt="2023-11-06T16:28:16.470"/>
     <p1510:client id="{55428BC7-990C-4BC1-8B64-3DA6EB586F36}" v="540" dt="2023-11-05T16:58:34.041"/>
+    <p1510:client id="{5C24E4FF-DE3C-409A-89E4-15DD45490F71}" v="220" dt="2023-11-12T12:51:56.775"/>
     <p1510:client id="{6BD5CC1B-2CFC-4CC5-88E8-F9DE27E94B28}" v="305" dt="2023-11-06T15:50:18.124"/>
     <p1510:client id="{869CD75B-EA26-415F-B2E2-EF1B7F9B1CA4}" v="341" dt="2023-11-07T13:49:42.475"/>
   </p1510:revLst>
@@ -2242,6 +2246,246 @@
             <ac:cxnSpMk id="12" creationId="{4AD7FFC6-42A9-49CB-B5E9-B3F6B038331B}"/>
           </ac:cxnSpMkLst>
         </pc:cxnChg>
+      </pc:sldChg>
+    </pc:docChg>
+  </pc:docChgLst>
+  <pc:docChgLst>
+    <pc:chgData name="Siva Prasanna S" userId="S::sivaprasanna.s@iamneo.ai::3f99ddd6-8f78-41d3-b6e2-fa1d0164a322" providerId="AD" clId="Web-{5C24E4FF-DE3C-409A-89E4-15DD45490F71}"/>
+    <pc:docChg chg="addSld delSld modSld">
+      <pc:chgData name="Siva Prasanna S" userId="S::sivaprasanna.s@iamneo.ai::3f99ddd6-8f78-41d3-b6e2-fa1d0164a322" providerId="AD" clId="Web-{5C24E4FF-DE3C-409A-89E4-15DD45490F71}" dt="2023-11-12T12:51:56.525" v="202" actId="20577"/>
+      <pc:docMkLst>
+        <pc:docMk/>
+      </pc:docMkLst>
+      <pc:sldChg chg="modSp">
+        <pc:chgData name="Siva Prasanna S" userId="S::sivaprasanna.s@iamneo.ai::3f99ddd6-8f78-41d3-b6e2-fa1d0164a322" providerId="AD" clId="Web-{5C24E4FF-DE3C-409A-89E4-15DD45490F71}" dt="2023-11-12T12:51:56.525" v="202" actId="20577"/>
+        <pc:sldMkLst>
+          <pc:docMk/>
+          <pc:sldMk cId="839395626" sldId="278"/>
+        </pc:sldMkLst>
+        <pc:spChg chg="mod">
+          <ac:chgData name="Siva Prasanna S" userId="S::sivaprasanna.s@iamneo.ai::3f99ddd6-8f78-41d3-b6e2-fa1d0164a322" providerId="AD" clId="Web-{5C24E4FF-DE3C-409A-89E4-15DD45490F71}" dt="2023-11-12T12:51:56.525" v="202" actId="20577"/>
+          <ac:spMkLst>
+            <pc:docMk/>
+            <pc:sldMk cId="839395626" sldId="278"/>
+            <ac:spMk id="3" creationId="{6BC158D1-70BE-32F3-7EAB-1E4704A43B35}"/>
+          </ac:spMkLst>
+        </pc:spChg>
+      </pc:sldChg>
+      <pc:sldChg chg="addSp delSp modSp add">
+        <pc:chgData name="Siva Prasanna S" userId="S::sivaprasanna.s@iamneo.ai::3f99ddd6-8f78-41d3-b6e2-fa1d0164a322" providerId="AD" clId="Web-{5C24E4FF-DE3C-409A-89E4-15DD45490F71}" dt="2023-11-12T12:44:30.156" v="122" actId="20577"/>
+        <pc:sldMkLst>
+          <pc:docMk/>
+          <pc:sldMk cId="3486926194" sldId="287"/>
+        </pc:sldMkLst>
+        <pc:spChg chg="mod">
+          <ac:chgData name="Siva Prasanna S" userId="S::sivaprasanna.s@iamneo.ai::3f99ddd6-8f78-41d3-b6e2-fa1d0164a322" providerId="AD" clId="Web-{5C24E4FF-DE3C-409A-89E4-15DD45490F71}" dt="2023-11-12T12:43:45.983" v="113"/>
+          <ac:spMkLst>
+            <pc:docMk/>
+            <pc:sldMk cId="3486926194" sldId="287"/>
+            <ac:spMk id="2" creationId="{0833764A-6054-E198-9B9B-D9EBC1F4D245}"/>
+          </ac:spMkLst>
+        </pc:spChg>
+        <pc:spChg chg="mod ord">
+          <ac:chgData name="Siva Prasanna S" userId="S::sivaprasanna.s@iamneo.ai::3f99ddd6-8f78-41d3-b6e2-fa1d0164a322" providerId="AD" clId="Web-{5C24E4FF-DE3C-409A-89E4-15DD45490F71}" dt="2023-11-12T12:44:30.156" v="122" actId="20577"/>
+          <ac:spMkLst>
+            <pc:docMk/>
+            <pc:sldMk cId="3486926194" sldId="287"/>
+            <ac:spMk id="3" creationId="{BF6387C6-3A3A-ED00-D649-6CCE37F720FD}"/>
+          </ac:spMkLst>
+        </pc:spChg>
+        <pc:spChg chg="add del">
+          <ac:chgData name="Siva Prasanna S" userId="S::sivaprasanna.s@iamneo.ai::3f99ddd6-8f78-41d3-b6e2-fa1d0164a322" providerId="AD" clId="Web-{5C24E4FF-DE3C-409A-89E4-15DD45490F71}" dt="2023-11-12T12:43:26.155" v="110"/>
+          <ac:spMkLst>
+            <pc:docMk/>
+            <pc:sldMk cId="3486926194" sldId="287"/>
+            <ac:spMk id="9" creationId="{2EB492CD-616E-47F8-933B-5E2D952A0593}"/>
+          </ac:spMkLst>
+        </pc:spChg>
+        <pc:spChg chg="add del">
+          <ac:chgData name="Siva Prasanna S" userId="S::sivaprasanna.s@iamneo.ai::3f99ddd6-8f78-41d3-b6e2-fa1d0164a322" providerId="AD" clId="Web-{5C24E4FF-DE3C-409A-89E4-15DD45490F71}" dt="2023-11-12T12:43:26.155" v="110"/>
+          <ac:spMkLst>
+            <pc:docMk/>
+            <pc:sldMk cId="3486926194" sldId="287"/>
+            <ac:spMk id="11" creationId="{59383CF9-23B5-4335-9B21-1791C4CF1C75}"/>
+          </ac:spMkLst>
+        </pc:spChg>
+        <pc:spChg chg="add del">
+          <ac:chgData name="Siva Prasanna S" userId="S::sivaprasanna.s@iamneo.ai::3f99ddd6-8f78-41d3-b6e2-fa1d0164a322" providerId="AD" clId="Web-{5C24E4FF-DE3C-409A-89E4-15DD45490F71}" dt="2023-11-12T12:43:26.155" v="110"/>
+          <ac:spMkLst>
+            <pc:docMk/>
+            <pc:sldMk cId="3486926194" sldId="287"/>
+            <ac:spMk id="13" creationId="{0007FE00-9498-4706-B255-6437B0252C02}"/>
+          </ac:spMkLst>
+        </pc:spChg>
+        <pc:spChg chg="add del">
+          <ac:chgData name="Siva Prasanna S" userId="S::sivaprasanna.s@iamneo.ai::3f99ddd6-8f78-41d3-b6e2-fa1d0164a322" providerId="AD" clId="Web-{5C24E4FF-DE3C-409A-89E4-15DD45490F71}" dt="2023-11-12T12:43:45.983" v="112"/>
+          <ac:spMkLst>
+            <pc:docMk/>
+            <pc:sldMk cId="3486926194" sldId="287"/>
+            <ac:spMk id="15" creationId="{0E3596DD-156A-473E-9BB3-C6A29F7574E9}"/>
+          </ac:spMkLst>
+        </pc:spChg>
+        <pc:spChg chg="add del">
+          <ac:chgData name="Siva Prasanna S" userId="S::sivaprasanna.s@iamneo.ai::3f99ddd6-8f78-41d3-b6e2-fa1d0164a322" providerId="AD" clId="Web-{5C24E4FF-DE3C-409A-89E4-15DD45490F71}" dt="2023-11-12T12:43:45.983" v="112"/>
+          <ac:spMkLst>
+            <pc:docMk/>
+            <pc:sldMk cId="3486926194" sldId="287"/>
+            <ac:spMk id="16" creationId="{2C46C4D6-C474-4E92-B52E-944C1118F7B6}"/>
+          </ac:spMkLst>
+        </pc:spChg>
+        <pc:spChg chg="add">
+          <ac:chgData name="Siva Prasanna S" userId="S::sivaprasanna.s@iamneo.ai::3f99ddd6-8f78-41d3-b6e2-fa1d0164a322" providerId="AD" clId="Web-{5C24E4FF-DE3C-409A-89E4-15DD45490F71}" dt="2023-11-12T12:43:45.983" v="113"/>
+          <ac:spMkLst>
+            <pc:docMk/>
+            <pc:sldMk cId="3486926194" sldId="287"/>
+            <ac:spMk id="18" creationId="{6EA86598-DA2C-41D5-BC0C-E877F8818EEB}"/>
+          </ac:spMkLst>
+        </pc:spChg>
+        <pc:spChg chg="add">
+          <ac:chgData name="Siva Prasanna S" userId="S::sivaprasanna.s@iamneo.ai::3f99ddd6-8f78-41d3-b6e2-fa1d0164a322" providerId="AD" clId="Web-{5C24E4FF-DE3C-409A-89E4-15DD45490F71}" dt="2023-11-12T12:43:45.983" v="113"/>
+          <ac:spMkLst>
+            <pc:docMk/>
+            <pc:sldMk cId="3486926194" sldId="287"/>
+            <ac:spMk id="19" creationId="{450D3AD2-FA80-415F-A9CE-54D884561CD7}"/>
+          </ac:spMkLst>
+        </pc:spChg>
+        <pc:spChg chg="add">
+          <ac:chgData name="Siva Prasanna S" userId="S::sivaprasanna.s@iamneo.ai::3f99ddd6-8f78-41d3-b6e2-fa1d0164a322" providerId="AD" clId="Web-{5C24E4FF-DE3C-409A-89E4-15DD45490F71}" dt="2023-11-12T12:43:45.983" v="113"/>
+          <ac:spMkLst>
+            <pc:docMk/>
+            <pc:sldMk cId="3486926194" sldId="287"/>
+            <ac:spMk id="20" creationId="{87F16C5A-0D41-47A9-B0A2-9C2AD7A8CF32}"/>
+          </ac:spMkLst>
+        </pc:spChg>
+        <pc:picChg chg="add mod">
+          <ac:chgData name="Siva Prasanna S" userId="S::sivaprasanna.s@iamneo.ai::3f99ddd6-8f78-41d3-b6e2-fa1d0164a322" providerId="AD" clId="Web-{5C24E4FF-DE3C-409A-89E4-15DD45490F71}" dt="2023-11-12T12:43:45.983" v="113"/>
+          <ac:picMkLst>
+            <pc:docMk/>
+            <pc:sldMk cId="3486926194" sldId="287"/>
+            <ac:picMk id="4" creationId="{2860CD2C-E4D1-F87C-470E-16FC6E598C56}"/>
+          </ac:picMkLst>
+        </pc:picChg>
+        <pc:picChg chg="del">
+          <ac:chgData name="Siva Prasanna S" userId="S::sivaprasanna.s@iamneo.ai::3f99ddd6-8f78-41d3-b6e2-fa1d0164a322" providerId="AD" clId="Web-{5C24E4FF-DE3C-409A-89E4-15DD45490F71}" dt="2023-11-12T12:41:43.262" v="106"/>
+          <ac:picMkLst>
+            <pc:docMk/>
+            <pc:sldMk cId="3486926194" sldId="287"/>
+            <ac:picMk id="6" creationId="{613F53E4-F588-E339-4238-FD6621D61BA8}"/>
+          </ac:picMkLst>
+        </pc:picChg>
+      </pc:sldChg>
+      <pc:sldChg chg="add del">
+        <pc:chgData name="Siva Prasanna S" userId="S::sivaprasanna.s@iamneo.ai::3f99ddd6-8f78-41d3-b6e2-fa1d0164a322" providerId="AD" clId="Web-{5C24E4FF-DE3C-409A-89E4-15DD45490F71}" dt="2023-11-12T12:38:56.555" v="38"/>
+        <pc:sldMkLst>
+          <pc:docMk/>
+          <pc:sldMk cId="3917284609" sldId="287"/>
+        </pc:sldMkLst>
+      </pc:sldChg>
+      <pc:sldChg chg="addSp delSp modSp new del">
+        <pc:chgData name="Siva Prasanna S" userId="S::sivaprasanna.s@iamneo.ai::3f99ddd6-8f78-41d3-b6e2-fa1d0164a322" providerId="AD" clId="Web-{5C24E4FF-DE3C-409A-89E4-15DD45490F71}" dt="2023-11-12T12:40:41.979" v="85"/>
+        <pc:sldMkLst>
+          <pc:docMk/>
+          <pc:sldMk cId="4168084220" sldId="287"/>
+        </pc:sldMkLst>
+        <pc:spChg chg="add del mod">
+          <ac:chgData name="Siva Prasanna S" userId="S::sivaprasanna.s@iamneo.ai::3f99ddd6-8f78-41d3-b6e2-fa1d0164a322" providerId="AD" clId="Web-{5C24E4FF-DE3C-409A-89E4-15DD45490F71}" dt="2023-11-12T12:39:48.166" v="49"/>
+          <ac:spMkLst>
+            <pc:docMk/>
+            <pc:sldMk cId="4168084220" sldId="287"/>
+            <ac:spMk id="2" creationId="{260154EE-E359-3BF5-34CD-28DC39E54BFA}"/>
+          </ac:spMkLst>
+        </pc:spChg>
+        <pc:spChg chg="add del mod">
+          <ac:chgData name="Siva Prasanna S" userId="S::sivaprasanna.s@iamneo.ai::3f99ddd6-8f78-41d3-b6e2-fa1d0164a322" providerId="AD" clId="Web-{5C24E4FF-DE3C-409A-89E4-15DD45490F71}" dt="2023-11-12T12:40:39.042" v="84" actId="20577"/>
+          <ac:spMkLst>
+            <pc:docMk/>
+            <pc:sldMk cId="4168084220" sldId="287"/>
+            <ac:spMk id="3" creationId="{D2BE6E0C-5D63-2939-38E9-EE23998AE37C}"/>
+          </ac:spMkLst>
+        </pc:spChg>
+      </pc:sldChg>
+      <pc:sldChg chg="add del">
+        <pc:chgData name="Siva Prasanna S" userId="S::sivaprasanna.s@iamneo.ai::3f99ddd6-8f78-41d3-b6e2-fa1d0164a322" providerId="AD" clId="Web-{5C24E4FF-DE3C-409A-89E4-15DD45490F71}" dt="2023-11-12T12:47:04.535" v="146"/>
+        <pc:sldMkLst>
+          <pc:docMk/>
+          <pc:sldMk cId="338703875" sldId="288"/>
+        </pc:sldMkLst>
+      </pc:sldChg>
+      <pc:sldChg chg="modSp add">
+        <pc:chgData name="Siva Prasanna S" userId="S::sivaprasanna.s@iamneo.ai::3f99ddd6-8f78-41d3-b6e2-fa1d0164a322" providerId="AD" clId="Web-{5C24E4FF-DE3C-409A-89E4-15DD45490F71}" dt="2023-11-12T12:47:43.223" v="163" actId="14100"/>
+        <pc:sldMkLst>
+          <pc:docMk/>
+          <pc:sldMk cId="386887165" sldId="288"/>
+        </pc:sldMkLst>
+        <pc:spChg chg="mod">
+          <ac:chgData name="Siva Prasanna S" userId="S::sivaprasanna.s@iamneo.ai::3f99ddd6-8f78-41d3-b6e2-fa1d0164a322" providerId="AD" clId="Web-{5C24E4FF-DE3C-409A-89E4-15DD45490F71}" dt="2023-11-12T12:47:29.723" v="159" actId="20577"/>
+          <ac:spMkLst>
+            <pc:docMk/>
+            <pc:sldMk cId="386887165" sldId="288"/>
+            <ac:spMk id="2" creationId="{0833764A-6054-E198-9B9B-D9EBC1F4D245}"/>
+          </ac:spMkLst>
+        </pc:spChg>
+        <pc:spChg chg="mod">
+          <ac:chgData name="Siva Prasanna S" userId="S::sivaprasanna.s@iamneo.ai::3f99ddd6-8f78-41d3-b6e2-fa1d0164a322" providerId="AD" clId="Web-{5C24E4FF-DE3C-409A-89E4-15DD45490F71}" dt="2023-11-12T12:47:43.223" v="163" actId="14100"/>
+          <ac:spMkLst>
+            <pc:docMk/>
+            <pc:sldMk cId="386887165" sldId="288"/>
+            <ac:spMk id="3" creationId="{BF6387C6-3A3A-ED00-D649-6CCE37F720FD}"/>
+          </ac:spMkLst>
+        </pc:spChg>
+      </pc:sldChg>
+      <pc:sldChg chg="addSp delSp modSp add del">
+        <pc:chgData name="Siva Prasanna S" userId="S::sivaprasanna.s@iamneo.ai::3f99ddd6-8f78-41d3-b6e2-fa1d0164a322" providerId="AD" clId="Web-{5C24E4FF-DE3C-409A-89E4-15DD45490F71}" dt="2023-11-12T12:45:48.346" v="137"/>
+        <pc:sldMkLst>
+          <pc:docMk/>
+          <pc:sldMk cId="2115981304" sldId="288"/>
+        </pc:sldMkLst>
+        <pc:spChg chg="del mod">
+          <ac:chgData name="Siva Prasanna S" userId="S::sivaprasanna.s@iamneo.ai::3f99ddd6-8f78-41d3-b6e2-fa1d0164a322" providerId="AD" clId="Web-{5C24E4FF-DE3C-409A-89E4-15DD45490F71}" dt="2023-11-12T12:44:51.781" v="125"/>
+          <ac:spMkLst>
+            <pc:docMk/>
+            <pc:sldMk cId="2115981304" sldId="288"/>
+            <ac:spMk id="2" creationId="{0833764A-6054-E198-9B9B-D9EBC1F4D245}"/>
+          </ac:spMkLst>
+        </pc:spChg>
+        <pc:spChg chg="mod">
+          <ac:chgData name="Siva Prasanna S" userId="S::sivaprasanna.s@iamneo.ai::3f99ddd6-8f78-41d3-b6e2-fa1d0164a322" providerId="AD" clId="Web-{5C24E4FF-DE3C-409A-89E4-15DD45490F71}" dt="2023-11-12T12:45:27.985" v="136" actId="20577"/>
+          <ac:spMkLst>
+            <pc:docMk/>
+            <pc:sldMk cId="2115981304" sldId="288"/>
+            <ac:spMk id="3" creationId="{BF6387C6-3A3A-ED00-D649-6CCE37F720FD}"/>
+          </ac:spMkLst>
+        </pc:spChg>
+        <pc:spChg chg="add del mod">
+          <ac:chgData name="Siva Prasanna S" userId="S::sivaprasanna.s@iamneo.ai::3f99ddd6-8f78-41d3-b6e2-fa1d0164a322" providerId="AD" clId="Web-{5C24E4FF-DE3C-409A-89E4-15DD45490F71}" dt="2023-11-12T12:44:55.938" v="126"/>
+          <ac:spMkLst>
+            <pc:docMk/>
+            <pc:sldMk cId="2115981304" sldId="288"/>
+            <ac:spMk id="6" creationId="{9D0AAEF3-3905-5358-A47F-36ACD780D4C0}"/>
+          </ac:spMkLst>
+        </pc:spChg>
+      </pc:sldChg>
+      <pc:sldChg chg="modSp add">
+        <pc:chgData name="Siva Prasanna S" userId="S::sivaprasanna.s@iamneo.ai::3f99ddd6-8f78-41d3-b6e2-fa1d0164a322" providerId="AD" clId="Web-{5C24E4FF-DE3C-409A-89E4-15DD45490F71}" dt="2023-11-12T12:51:17.868" v="193" actId="1076"/>
+        <pc:sldMkLst>
+          <pc:docMk/>
+          <pc:sldMk cId="296346159" sldId="289"/>
+        </pc:sldMkLst>
+        <pc:spChg chg="mod">
+          <ac:chgData name="Siva Prasanna S" userId="S::sivaprasanna.s@iamneo.ai::3f99ddd6-8f78-41d3-b6e2-fa1d0164a322" providerId="AD" clId="Web-{5C24E4FF-DE3C-409A-89E4-15DD45490F71}" dt="2023-11-12T12:51:17.868" v="193" actId="1076"/>
+          <ac:spMkLst>
+            <pc:docMk/>
+            <pc:sldMk cId="296346159" sldId="289"/>
+            <ac:spMk id="3" creationId="{BF6387C6-3A3A-ED00-D649-6CCE37F720FD}"/>
+          </ac:spMkLst>
+        </pc:spChg>
+      </pc:sldChg>
+      <pc:sldChg chg="add del">
+        <pc:chgData name="Siva Prasanna S" userId="S::sivaprasanna.s@iamneo.ai::3f99ddd6-8f78-41d3-b6e2-fa1d0164a322" providerId="AD" clId="Web-{5C24E4FF-DE3C-409A-89E4-15DD45490F71}" dt="2023-11-12T12:47:51.973" v="165"/>
+        <pc:sldMkLst>
+          <pc:docMk/>
+          <pc:sldMk cId="690649537" sldId="289"/>
+        </pc:sldMkLst>
       </pc:sldChg>
     </pc:docChg>
   </pc:docChgLst>
@@ -2379,7 +2623,7 @@
           <a:p>
             <a:fld id="{846CE7D5-CF57-46EF-B807-FDD0502418D4}" type="datetimeFigureOut">
               <a:rPr lang="en-US" smtClean="0"/>
-              <a:t>11/7/2023</a:t>
+              <a:t>11/12/2023</a:t>
             </a:fld>
             <a:endParaRPr lang="en-US"/>
           </a:p>
@@ -2549,7 +2793,7 @@
           <a:p>
             <a:fld id="{846CE7D5-CF57-46EF-B807-FDD0502418D4}" type="datetimeFigureOut">
               <a:rPr lang="en-US" smtClean="0"/>
-              <a:t>11/7/2023</a:t>
+              <a:t>11/12/2023</a:t>
             </a:fld>
             <a:endParaRPr lang="en-US"/>
           </a:p>
@@ -2729,7 +2973,7 @@
           <a:p>
             <a:fld id="{846CE7D5-CF57-46EF-B807-FDD0502418D4}" type="datetimeFigureOut">
               <a:rPr lang="en-US" smtClean="0"/>
-              <a:t>11/7/2023</a:t>
+              <a:t>11/12/2023</a:t>
             </a:fld>
             <a:endParaRPr lang="en-US"/>
           </a:p>
@@ -2899,7 +3143,7 @@
           <a:p>
             <a:fld id="{846CE7D5-CF57-46EF-B807-FDD0502418D4}" type="datetimeFigureOut">
               <a:rPr lang="en-US" smtClean="0"/>
-              <a:t>11/7/2023</a:t>
+              <a:t>11/12/2023</a:t>
             </a:fld>
             <a:endParaRPr lang="en-US"/>
           </a:p>
@@ -3145,7 +3389,7 @@
           <a:p>
             <a:fld id="{846CE7D5-CF57-46EF-B807-FDD0502418D4}" type="datetimeFigureOut">
               <a:rPr lang="en-US" smtClean="0"/>
-              <a:t>11/7/2023</a:t>
+              <a:t>11/12/2023</a:t>
             </a:fld>
             <a:endParaRPr lang="en-US"/>
           </a:p>
@@ -3377,7 +3621,7 @@
           <a:p>
             <a:fld id="{846CE7D5-CF57-46EF-B807-FDD0502418D4}" type="datetimeFigureOut">
               <a:rPr lang="en-US" smtClean="0"/>
-              <a:t>11/7/2023</a:t>
+              <a:t>11/12/2023</a:t>
             </a:fld>
             <a:endParaRPr lang="en-US"/>
           </a:p>
@@ -3744,7 +3988,7 @@
           <a:p>
             <a:fld id="{846CE7D5-CF57-46EF-B807-FDD0502418D4}" type="datetimeFigureOut">
               <a:rPr lang="en-US" smtClean="0"/>
-              <a:t>11/7/2023</a:t>
+              <a:t>11/12/2023</a:t>
             </a:fld>
             <a:endParaRPr lang="en-US"/>
           </a:p>
@@ -3862,7 +4106,7 @@
           <a:p>
             <a:fld id="{846CE7D5-CF57-46EF-B807-FDD0502418D4}" type="datetimeFigureOut">
               <a:rPr lang="en-US" smtClean="0"/>
-              <a:t>11/7/2023</a:t>
+              <a:t>11/12/2023</a:t>
             </a:fld>
             <a:endParaRPr lang="en-US"/>
           </a:p>
@@ -3957,7 +4201,7 @@
           <a:p>
             <a:fld id="{846CE7D5-CF57-46EF-B807-FDD0502418D4}" type="datetimeFigureOut">
               <a:rPr lang="en-US" smtClean="0"/>
-              <a:t>11/7/2023</a:t>
+              <a:t>11/12/2023</a:t>
             </a:fld>
             <a:endParaRPr lang="en-US"/>
           </a:p>
@@ -4234,7 +4478,7 @@
           <a:p>
             <a:fld id="{846CE7D5-CF57-46EF-B807-FDD0502418D4}" type="datetimeFigureOut">
               <a:rPr lang="en-US" smtClean="0"/>
-              <a:t>11/7/2023</a:t>
+              <a:t>11/12/2023</a:t>
             </a:fld>
             <a:endParaRPr lang="en-US"/>
           </a:p>
@@ -4491,7 +4735,7 @@
           <a:p>
             <a:fld id="{846CE7D5-CF57-46EF-B807-FDD0502418D4}" type="datetimeFigureOut">
               <a:rPr lang="en-US" smtClean="0"/>
-              <a:t>11/7/2023</a:t>
+              <a:t>11/12/2023</a:t>
             </a:fld>
             <a:endParaRPr lang="en-US"/>
           </a:p>
@@ -4704,7 +4948,7 @@
           <a:p>
             <a:fld id="{846CE7D5-CF57-46EF-B807-FDD0502418D4}" type="datetimeFigureOut">
               <a:rPr lang="en-US" smtClean="0"/>
-              <a:t>11/7/2023</a:t>
+              <a:t>11/12/2023</a:t>
             </a:fld>
             <a:endParaRPr lang="en-US"/>
           </a:p>
@@ -16565,7 +16809,7 @@
         <p:spPr>
           <a:xfrm>
             <a:off x="1104900" y="2297526"/>
-            <a:ext cx="4724400" cy="3015849"/>
+            <a:ext cx="4724400" cy="4280444"/>
           </a:xfrm>
         </p:spPr>
         <p:txBody>
@@ -16649,6 +16893,45 @@
                 <a:cs typeface="Calibri"/>
               </a:rPr>
               <a:t>Dynamic Rendering</a:t>
+            </a:r>
+          </a:p>
+          <a:p>
+            <a:r>
+              <a:rPr lang="en-GB" sz="2000" dirty="0">
+                <a:solidFill>
+                  <a:schemeClr val="bg1"/>
+                </a:solidFill>
+                <a:latin typeface="Arial"/>
+                <a:ea typeface="Calibri"/>
+                <a:cs typeface="Calibri"/>
+              </a:rPr>
+              <a:t>CSS style</a:t>
+            </a:r>
+          </a:p>
+          <a:p>
+            <a:r>
+              <a:rPr lang="en-GB" sz="2000" dirty="0">
+                <a:solidFill>
+                  <a:schemeClr val="bg1"/>
+                </a:solidFill>
+                <a:latin typeface="Arial"/>
+                <a:ea typeface="Calibri"/>
+                <a:cs typeface="Calibri"/>
+              </a:rPr>
+              <a:t>Inline style using Radium</a:t>
+            </a:r>
+          </a:p>
+          <a:p>
+            <a:r>
+              <a:rPr lang="en-GB" sz="2000" dirty="0">
+                <a:solidFill>
+                  <a:schemeClr val="bg1"/>
+                </a:solidFill>
+                <a:latin typeface="Arial"/>
+                <a:ea typeface="Calibri"/>
+                <a:cs typeface="Calibri"/>
+              </a:rPr>
+              <a:t>Material UI</a:t>
             </a:r>
           </a:p>
         </p:txBody>
@@ -17186,6 +17469,1227 @@
     <p:extLst>
       <p:ext uri="{BB962C8B-B14F-4D97-AF65-F5344CB8AC3E}">
         <p14:creationId xmlns:p14="http://schemas.microsoft.com/office/powerpoint/2010/main" val="1788450573"/>
+      </p:ext>
+    </p:extLst>
+  </p:cSld>
+  <p:clrMapOvr>
+    <a:masterClrMapping/>
+  </p:clrMapOvr>
+</p:sld>
+</file>
+
+<file path=ppt/slides/slide31.xml><?xml version="1.0" encoding="utf-8"?>
+<p:sld xmlns:a="http://schemas.openxmlformats.org/drawingml/2006/main" xmlns:r="http://schemas.openxmlformats.org/officeDocument/2006/relationships" xmlns:p="http://schemas.openxmlformats.org/presentationml/2006/main">
+  <p:cSld>
+    <p:bg>
+      <p:bgPr>
+        <a:solidFill>
+          <a:schemeClr val="bg1"/>
+        </a:solidFill>
+        <a:effectLst/>
+      </p:bgPr>
+    </p:bg>
+    <p:spTree>
+      <p:nvGrpSpPr>
+        <p:cNvPr id="1" name=""/>
+        <p:cNvGrpSpPr/>
+        <p:nvPr/>
+      </p:nvGrpSpPr>
+      <p:grpSpPr>
+        <a:xfrm>
+          <a:off x="0" y="0"/>
+          <a:ext cx="0" cy="0"/>
+          <a:chOff x="0" y="0"/>
+          <a:chExt cx="0" cy="0"/>
+        </a:xfrm>
+      </p:grpSpPr>
+      <p:sp>
+        <p:nvSpPr>
+          <p:cNvPr id="18" name="Rectangle 17">
+            <a:extLst>
+              <a:ext uri="{FF2B5EF4-FFF2-40B4-BE49-F238E27FC236}">
+                <a16:creationId xmlns:a16="http://schemas.microsoft.com/office/drawing/2014/main" id="{6EA86598-DA2C-41D5-BC0C-E877F8818EEB}"/>
+              </a:ext>
+              <a:ext uri="{C183D7F6-B498-43B3-948B-1728B52AA6E4}">
+                <adec:decorative xmlns:adec="http://schemas.microsoft.com/office/drawing/2017/decorative" val="1"/>
+              </a:ext>
+            </a:extLst>
+          </p:cNvPr>
+          <p:cNvSpPr>
+            <a:spLocks noGrp="1" noRot="1" noChangeAspect="1" noMove="1" noResize="1" noEditPoints="1" noAdjustHandles="1" noChangeArrowheads="1" noChangeShapeType="1" noTextEdit="1"/>
+          </p:cNvSpPr>
+          <p:nvPr>
+            <p:extLst>
+              <p:ext uri="{386F3935-93C4-4BCD-93E2-E3B085C9AB24}">
+                <p16:designElem xmlns:p16="http://schemas.microsoft.com/office/powerpoint/2015/main" val="1"/>
+              </p:ext>
+            </p:extLst>
+          </p:nvPr>
+        </p:nvSpPr>
+        <p:spPr>
+          <a:xfrm>
+            <a:off x="10" y="0"/>
+            <a:ext cx="6095990" cy="6858001"/>
+          </a:xfrm>
+          <a:prstGeom prst="rect">
+            <a:avLst/>
+          </a:prstGeom>
+          <a:solidFill>
+            <a:schemeClr val="tx1">
+              <a:lumMod val="85000"/>
+              <a:lumOff val="15000"/>
+            </a:schemeClr>
+          </a:solidFill>
+          <a:ln>
+            <a:noFill/>
+          </a:ln>
+        </p:spPr>
+        <p:style>
+          <a:lnRef idx="2">
+            <a:schemeClr val="accent1">
+              <a:shade val="50000"/>
+            </a:schemeClr>
+          </a:lnRef>
+          <a:fillRef idx="1">
+            <a:schemeClr val="accent1"/>
+          </a:fillRef>
+          <a:effectRef idx="0">
+            <a:schemeClr val="accent1"/>
+          </a:effectRef>
+          <a:fontRef idx="minor">
+            <a:schemeClr val="lt1"/>
+          </a:fontRef>
+        </p:style>
+        <p:txBody>
+          <a:bodyPr rtlCol="0" anchor="ctr"/>
+          <a:lstStyle/>
+          <a:p>
+            <a:pPr algn="ctr"/>
+            <a:endParaRPr lang="en-US"/>
+          </a:p>
+        </p:txBody>
+      </p:sp>
+      <p:sp>
+        <p:nvSpPr>
+          <p:cNvPr id="2" name="Title 1">
+            <a:extLst>
+              <a:ext uri="{FF2B5EF4-FFF2-40B4-BE49-F238E27FC236}">
+                <a16:creationId xmlns:a16="http://schemas.microsoft.com/office/drawing/2014/main" id="{0833764A-6054-E198-9B9B-D9EBC1F4D245}"/>
+              </a:ext>
+            </a:extLst>
+          </p:cNvPr>
+          <p:cNvSpPr>
+            <a:spLocks noGrp="1"/>
+          </p:cNvSpPr>
+          <p:nvPr>
+            <p:ph type="title"/>
+          </p:nvPr>
+        </p:nvSpPr>
+        <p:spPr>
+          <a:xfrm>
+            <a:off x="1155557" y="637763"/>
+            <a:ext cx="4310698" cy="1627274"/>
+          </a:xfrm>
+        </p:spPr>
+        <p:txBody>
+          <a:bodyPr anchor="t">
+            <a:normAutofit/>
+          </a:bodyPr>
+          <a:lstStyle/>
+          <a:p>
+            <a:r>
+              <a:rPr lang="en-GB" sz="4800">
+                <a:solidFill>
+                  <a:schemeClr val="bg1"/>
+                </a:solidFill>
+                <a:ea typeface="Calibri Light"/>
+                <a:cs typeface="Calibri Light"/>
+              </a:rPr>
+              <a:t>Radium</a:t>
+            </a:r>
+          </a:p>
+        </p:txBody>
+      </p:sp>
+      <p:sp>
+        <p:nvSpPr>
+          <p:cNvPr id="19" name="Rectangle 18">
+            <a:extLst>
+              <a:ext uri="{FF2B5EF4-FFF2-40B4-BE49-F238E27FC236}">
+                <a16:creationId xmlns:a16="http://schemas.microsoft.com/office/drawing/2014/main" id="{450D3AD2-FA80-415F-A9CE-54D884561CD7}"/>
+              </a:ext>
+              <a:ext uri="{C183D7F6-B498-43B3-948B-1728B52AA6E4}">
+                <adec:decorative xmlns:adec="http://schemas.microsoft.com/office/drawing/2017/decorative" val="1"/>
+              </a:ext>
+            </a:extLst>
+          </p:cNvPr>
+          <p:cNvSpPr>
+            <a:spLocks noGrp="1" noRot="1" noChangeAspect="1" noMove="1" noResize="1" noEditPoints="1" noAdjustHandles="1" noChangeArrowheads="1" noChangeShapeType="1" noTextEdit="1"/>
+          </p:cNvSpPr>
+          <p:nvPr>
+            <p:extLst>
+              <p:ext uri="{386F3935-93C4-4BCD-93E2-E3B085C9AB24}">
+                <p16:designElem xmlns:p16="http://schemas.microsoft.com/office/powerpoint/2015/main" val="1"/>
+              </p:ext>
+            </p:extLst>
+          </p:nvPr>
+        </p:nvSpPr>
+        <p:spPr>
+          <a:xfrm>
+            <a:off x="1155556" y="2372156"/>
+            <a:ext cx="457200" cy="45720"/>
+          </a:xfrm>
+          <a:prstGeom prst="rect">
+            <a:avLst/>
+          </a:prstGeom>
+          <a:solidFill>
+            <a:schemeClr val="bg1"/>
+          </a:solidFill>
+          <a:ln>
+            <a:noFill/>
+          </a:ln>
+        </p:spPr>
+        <p:style>
+          <a:lnRef idx="2">
+            <a:schemeClr val="accent1">
+              <a:shade val="50000"/>
+            </a:schemeClr>
+          </a:lnRef>
+          <a:fillRef idx="1">
+            <a:schemeClr val="accent1"/>
+          </a:fillRef>
+          <a:effectRef idx="0">
+            <a:schemeClr val="accent1"/>
+          </a:effectRef>
+          <a:fontRef idx="minor">
+            <a:schemeClr val="lt1"/>
+          </a:fontRef>
+        </p:style>
+        <p:txBody>
+          <a:bodyPr rtlCol="0" anchor="ctr"/>
+          <a:lstStyle/>
+          <a:p>
+            <a:pPr algn="ctr"/>
+            <a:endParaRPr lang="en-US">
+              <a:solidFill>
+                <a:schemeClr val="bg1"/>
+              </a:solidFill>
+            </a:endParaRPr>
+          </a:p>
+        </p:txBody>
+      </p:sp>
+      <p:sp>
+        <p:nvSpPr>
+          <p:cNvPr id="3" name="Content Placeholder 2">
+            <a:extLst>
+              <a:ext uri="{FF2B5EF4-FFF2-40B4-BE49-F238E27FC236}">
+                <a16:creationId xmlns:a16="http://schemas.microsoft.com/office/drawing/2014/main" id="{BF6387C6-3A3A-ED00-D649-6CCE37F720FD}"/>
+              </a:ext>
+            </a:extLst>
+          </p:cNvPr>
+          <p:cNvSpPr>
+            <a:spLocks noGrp="1"/>
+          </p:cNvSpPr>
+          <p:nvPr>
+            <p:ph idx="1"/>
+          </p:nvPr>
+        </p:nvSpPr>
+        <p:spPr>
+          <a:xfrm>
+            <a:off x="1155556" y="2581065"/>
+            <a:ext cx="4284416" cy="3633467"/>
+          </a:xfrm>
+        </p:spPr>
+        <p:txBody>
+          <a:bodyPr vert="horz" lIns="91440" tIns="45720" rIns="91440" bIns="45720" rtlCol="0" anchor="t">
+            <a:normAutofit/>
+          </a:bodyPr>
+          <a:lstStyle/>
+          <a:p>
+            <a:pPr marL="0" indent="0">
+              <a:buNone/>
+            </a:pPr>
+            <a:br>
+              <a:rPr lang="en-US" sz="2000" dirty="0"/>
+            </a:br>
+            <a:r>
+              <a:rPr lang="en-GB" sz="2000" dirty="0">
+                <a:solidFill>
+                  <a:schemeClr val="bg1"/>
+                </a:solidFill>
+                <a:latin typeface="Arial"/>
+                <a:ea typeface="+mn-lt"/>
+                <a:cs typeface="Arial"/>
+              </a:rPr>
+              <a:t>Radium is a popular library for adding inline styles with JavaScript in React applications. It allows you to use inline styles with features like pseudo-classes and media queries.</a:t>
+            </a:r>
+          </a:p>
+          <a:p>
+            <a:pPr marL="0" indent="0">
+              <a:buNone/>
+            </a:pPr>
+            <a:endParaRPr lang="en-GB" sz="2000" dirty="0">
+              <a:solidFill>
+                <a:schemeClr val="bg1"/>
+              </a:solidFill>
+              <a:latin typeface="Arial"/>
+              <a:cs typeface="Arial"/>
+            </a:endParaRPr>
+          </a:p>
+          <a:p>
+            <a:pPr marL="0" indent="0">
+              <a:buNone/>
+            </a:pPr>
+            <a:r>
+              <a:rPr lang="en-GB" sz="2000" dirty="0">
+                <a:solidFill>
+                  <a:schemeClr val="bg1"/>
+                </a:solidFill>
+                <a:latin typeface="Arial"/>
+                <a:ea typeface="+mn-lt"/>
+                <a:cs typeface="Arial"/>
+              </a:rPr>
+              <a:t>To install:</a:t>
+            </a:r>
+          </a:p>
+          <a:p>
+            <a:pPr marL="0" indent="0">
+              <a:buNone/>
+            </a:pPr>
+            <a:r>
+              <a:rPr lang="en-GB" sz="2000" dirty="0" err="1">
+                <a:solidFill>
+                  <a:schemeClr val="bg1"/>
+                </a:solidFill>
+                <a:latin typeface="Arial"/>
+                <a:ea typeface="+mn-lt"/>
+                <a:cs typeface="Arial"/>
+              </a:rPr>
+              <a:t>npm</a:t>
+            </a:r>
+            <a:r>
+              <a:rPr lang="en-GB" sz="2000" dirty="0">
+                <a:solidFill>
+                  <a:schemeClr val="bg1"/>
+                </a:solidFill>
+                <a:latin typeface="Arial"/>
+                <a:ea typeface="+mn-lt"/>
+                <a:cs typeface="Arial"/>
+              </a:rPr>
+              <a:t> install radium</a:t>
+            </a:r>
+            <a:endParaRPr lang="en-GB" dirty="0">
+              <a:solidFill>
+                <a:schemeClr val="bg1"/>
+              </a:solidFill>
+            </a:endParaRPr>
+          </a:p>
+          <a:p>
+            <a:pPr marL="0" indent="0">
+              <a:buNone/>
+            </a:pPr>
+            <a:endParaRPr lang="en-GB" sz="2000" dirty="0">
+              <a:solidFill>
+                <a:schemeClr val="bg1"/>
+              </a:solidFill>
+              <a:latin typeface="Arial"/>
+              <a:cs typeface="Arial"/>
+            </a:endParaRPr>
+          </a:p>
+        </p:txBody>
+      </p:sp>
+      <p:sp>
+        <p:nvSpPr>
+          <p:cNvPr id="20" name="Rectangle 19">
+            <a:extLst>
+              <a:ext uri="{FF2B5EF4-FFF2-40B4-BE49-F238E27FC236}">
+                <a16:creationId xmlns:a16="http://schemas.microsoft.com/office/drawing/2014/main" id="{87F16C5A-0D41-47A9-B0A2-9C2AD7A8CF32}"/>
+              </a:ext>
+              <a:ext uri="{C183D7F6-B498-43B3-948B-1728B52AA6E4}">
+                <adec:decorative xmlns:adec="http://schemas.microsoft.com/office/drawing/2017/decorative" val="1"/>
+              </a:ext>
+            </a:extLst>
+          </p:cNvPr>
+          <p:cNvSpPr>
+            <a:spLocks noGrp="1" noRot="1" noChangeAspect="1" noMove="1" noResize="1" noEditPoints="1" noAdjustHandles="1" noChangeArrowheads="1" noChangeShapeType="1" noTextEdit="1"/>
+          </p:cNvSpPr>
+          <p:nvPr>
+            <p:extLst>
+              <p:ext uri="{386F3935-93C4-4BCD-93E2-E3B085C9AB24}">
+                <p16:designElem xmlns:p16="http://schemas.microsoft.com/office/powerpoint/2015/main" val="1"/>
+              </p:ext>
+            </p:extLst>
+          </p:nvPr>
+        </p:nvSpPr>
+        <p:spPr>
+          <a:xfrm>
+            <a:off x="6096000" y="0"/>
+            <a:ext cx="6095990" cy="6858001"/>
+          </a:xfrm>
+          <a:prstGeom prst="rect">
+            <a:avLst/>
+          </a:prstGeom>
+          <a:solidFill>
+            <a:schemeClr val="bg1">
+              <a:lumMod val="95000"/>
+            </a:schemeClr>
+          </a:solidFill>
+          <a:ln>
+            <a:noFill/>
+          </a:ln>
+        </p:spPr>
+        <p:style>
+          <a:lnRef idx="2">
+            <a:schemeClr val="accent1">
+              <a:shade val="50000"/>
+            </a:schemeClr>
+          </a:lnRef>
+          <a:fillRef idx="1">
+            <a:schemeClr val="accent1"/>
+          </a:fillRef>
+          <a:effectRef idx="0">
+            <a:schemeClr val="accent1"/>
+          </a:effectRef>
+          <a:fontRef idx="minor">
+            <a:schemeClr val="lt1"/>
+          </a:fontRef>
+        </p:style>
+        <p:txBody>
+          <a:bodyPr rtlCol="0" anchor="ctr"/>
+          <a:lstStyle/>
+          <a:p>
+            <a:pPr algn="ctr"/>
+            <a:endParaRPr lang="en-US"/>
+          </a:p>
+        </p:txBody>
+      </p:sp>
+      <p:pic>
+        <p:nvPicPr>
+          <p:cNvPr id="4" name="Picture 3" descr="A cartoon character holding a yellow sign&#10;&#10;Description automatically generated">
+            <a:extLst>
+              <a:ext uri="{FF2B5EF4-FFF2-40B4-BE49-F238E27FC236}">
+                <a16:creationId xmlns:a16="http://schemas.microsoft.com/office/drawing/2014/main" id="{2860CD2C-E4D1-F87C-470E-16FC6E598C56}"/>
+              </a:ext>
+            </a:extLst>
+          </p:cNvPr>
+          <p:cNvPicPr>
+            <a:picLocks noChangeAspect="1"/>
+          </p:cNvPicPr>
+          <p:nvPr/>
+        </p:nvPicPr>
+        <p:blipFill>
+          <a:blip r:embed="rId2"/>
+          <a:stretch>
+            <a:fillRect/>
+          </a:stretch>
+        </p:blipFill>
+        <p:spPr>
+          <a:xfrm>
+            <a:off x="7275147" y="637762"/>
+            <a:ext cx="3234525" cy="5576770"/>
+          </a:xfrm>
+          <a:prstGeom prst="rect">
+            <a:avLst/>
+          </a:prstGeom>
+        </p:spPr>
+      </p:pic>
+    </p:spTree>
+    <p:extLst>
+      <p:ext uri="{BB962C8B-B14F-4D97-AF65-F5344CB8AC3E}">
+        <p14:creationId xmlns:p14="http://schemas.microsoft.com/office/powerpoint/2010/main" val="3486926194"/>
+      </p:ext>
+    </p:extLst>
+  </p:cSld>
+  <p:clrMapOvr>
+    <a:masterClrMapping/>
+  </p:clrMapOvr>
+</p:sld>
+</file>
+
+<file path=ppt/slides/slide32.xml><?xml version="1.0" encoding="utf-8"?>
+<p:sld xmlns:a="http://schemas.openxmlformats.org/drawingml/2006/main" xmlns:r="http://schemas.openxmlformats.org/officeDocument/2006/relationships" xmlns:p="http://schemas.openxmlformats.org/presentationml/2006/main">
+  <p:cSld>
+    <p:bg>
+      <p:bgPr>
+        <a:solidFill>
+          <a:schemeClr val="bg1"/>
+        </a:solidFill>
+        <a:effectLst/>
+      </p:bgPr>
+    </p:bg>
+    <p:spTree>
+      <p:nvGrpSpPr>
+        <p:cNvPr id="1" name=""/>
+        <p:cNvGrpSpPr/>
+        <p:nvPr/>
+      </p:nvGrpSpPr>
+      <p:grpSpPr>
+        <a:xfrm>
+          <a:off x="0" y="0"/>
+          <a:ext cx="0" cy="0"/>
+          <a:chOff x="0" y="0"/>
+          <a:chExt cx="0" cy="0"/>
+        </a:xfrm>
+      </p:grpSpPr>
+      <p:sp>
+        <p:nvSpPr>
+          <p:cNvPr id="18" name="Rectangle 17">
+            <a:extLst>
+              <a:ext uri="{FF2B5EF4-FFF2-40B4-BE49-F238E27FC236}">
+                <a16:creationId xmlns:a16="http://schemas.microsoft.com/office/drawing/2014/main" id="{6EA86598-DA2C-41D5-BC0C-E877F8818EEB}"/>
+              </a:ext>
+              <a:ext uri="{C183D7F6-B498-43B3-948B-1728B52AA6E4}">
+                <adec:decorative xmlns:adec="http://schemas.microsoft.com/office/drawing/2017/decorative" val="1"/>
+              </a:ext>
+            </a:extLst>
+          </p:cNvPr>
+          <p:cNvSpPr>
+            <a:spLocks noGrp="1" noRot="1" noChangeAspect="1" noMove="1" noResize="1" noEditPoints="1" noAdjustHandles="1" noChangeArrowheads="1" noChangeShapeType="1" noTextEdit="1"/>
+          </p:cNvSpPr>
+          <p:nvPr>
+            <p:extLst>
+              <p:ext uri="{386F3935-93C4-4BCD-93E2-E3B085C9AB24}">
+                <p16:designElem xmlns:p16="http://schemas.microsoft.com/office/powerpoint/2015/main" val="1"/>
+              </p:ext>
+            </p:extLst>
+          </p:nvPr>
+        </p:nvSpPr>
+        <p:spPr>
+          <a:xfrm>
+            <a:off x="10" y="0"/>
+            <a:ext cx="6095990" cy="6858001"/>
+          </a:xfrm>
+          <a:prstGeom prst="rect">
+            <a:avLst/>
+          </a:prstGeom>
+          <a:solidFill>
+            <a:schemeClr val="tx1">
+              <a:lumMod val="85000"/>
+              <a:lumOff val="15000"/>
+            </a:schemeClr>
+          </a:solidFill>
+          <a:ln>
+            <a:noFill/>
+          </a:ln>
+        </p:spPr>
+        <p:style>
+          <a:lnRef idx="2">
+            <a:schemeClr val="accent1">
+              <a:shade val="50000"/>
+            </a:schemeClr>
+          </a:lnRef>
+          <a:fillRef idx="1">
+            <a:schemeClr val="accent1"/>
+          </a:fillRef>
+          <a:effectRef idx="0">
+            <a:schemeClr val="accent1"/>
+          </a:effectRef>
+          <a:fontRef idx="minor">
+            <a:schemeClr val="lt1"/>
+          </a:fontRef>
+        </p:style>
+        <p:txBody>
+          <a:bodyPr rtlCol="0" anchor="ctr"/>
+          <a:lstStyle/>
+          <a:p>
+            <a:pPr algn="ctr"/>
+            <a:endParaRPr lang="en-US"/>
+          </a:p>
+        </p:txBody>
+      </p:sp>
+      <p:sp>
+        <p:nvSpPr>
+          <p:cNvPr id="2" name="Title 1">
+            <a:extLst>
+              <a:ext uri="{FF2B5EF4-FFF2-40B4-BE49-F238E27FC236}">
+                <a16:creationId xmlns:a16="http://schemas.microsoft.com/office/drawing/2014/main" id="{0833764A-6054-E198-9B9B-D9EBC1F4D245}"/>
+              </a:ext>
+            </a:extLst>
+          </p:cNvPr>
+          <p:cNvSpPr>
+            <a:spLocks noGrp="1"/>
+          </p:cNvSpPr>
+          <p:nvPr>
+            <p:ph type="title"/>
+          </p:nvPr>
+        </p:nvSpPr>
+        <p:spPr>
+          <a:xfrm>
+            <a:off x="1155557" y="637763"/>
+            <a:ext cx="4310698" cy="1627274"/>
+          </a:xfrm>
+        </p:spPr>
+        <p:txBody>
+          <a:bodyPr anchor="t">
+            <a:normAutofit/>
+          </a:bodyPr>
+          <a:lstStyle/>
+          <a:p>
+            <a:r>
+              <a:rPr lang="en-GB" sz="4800" dirty="0">
+                <a:solidFill>
+                  <a:schemeClr val="bg1"/>
+                </a:solidFill>
+                <a:ea typeface="Calibri Light"/>
+                <a:cs typeface="Calibri Light"/>
+              </a:rPr>
+              <a:t>Material UI</a:t>
+            </a:r>
+          </a:p>
+        </p:txBody>
+      </p:sp>
+      <p:sp>
+        <p:nvSpPr>
+          <p:cNvPr id="19" name="Rectangle 18">
+            <a:extLst>
+              <a:ext uri="{FF2B5EF4-FFF2-40B4-BE49-F238E27FC236}">
+                <a16:creationId xmlns:a16="http://schemas.microsoft.com/office/drawing/2014/main" id="{450D3AD2-FA80-415F-A9CE-54D884561CD7}"/>
+              </a:ext>
+              <a:ext uri="{C183D7F6-B498-43B3-948B-1728B52AA6E4}">
+                <adec:decorative xmlns:adec="http://schemas.microsoft.com/office/drawing/2017/decorative" val="1"/>
+              </a:ext>
+            </a:extLst>
+          </p:cNvPr>
+          <p:cNvSpPr>
+            <a:spLocks noGrp="1" noRot="1" noChangeAspect="1" noMove="1" noResize="1" noEditPoints="1" noAdjustHandles="1" noChangeArrowheads="1" noChangeShapeType="1" noTextEdit="1"/>
+          </p:cNvSpPr>
+          <p:nvPr>
+            <p:extLst>
+              <p:ext uri="{386F3935-93C4-4BCD-93E2-E3B085C9AB24}">
+                <p16:designElem xmlns:p16="http://schemas.microsoft.com/office/powerpoint/2015/main" val="1"/>
+              </p:ext>
+            </p:extLst>
+          </p:nvPr>
+        </p:nvSpPr>
+        <p:spPr>
+          <a:xfrm>
+            <a:off x="1155556" y="2372156"/>
+            <a:ext cx="457200" cy="45720"/>
+          </a:xfrm>
+          <a:prstGeom prst="rect">
+            <a:avLst/>
+          </a:prstGeom>
+          <a:solidFill>
+            <a:schemeClr val="bg1"/>
+          </a:solidFill>
+          <a:ln>
+            <a:noFill/>
+          </a:ln>
+        </p:spPr>
+        <p:style>
+          <a:lnRef idx="2">
+            <a:schemeClr val="accent1">
+              <a:shade val="50000"/>
+            </a:schemeClr>
+          </a:lnRef>
+          <a:fillRef idx="1">
+            <a:schemeClr val="accent1"/>
+          </a:fillRef>
+          <a:effectRef idx="0">
+            <a:schemeClr val="accent1"/>
+          </a:effectRef>
+          <a:fontRef idx="minor">
+            <a:schemeClr val="lt1"/>
+          </a:fontRef>
+        </p:style>
+        <p:txBody>
+          <a:bodyPr rtlCol="0" anchor="ctr"/>
+          <a:lstStyle/>
+          <a:p>
+            <a:pPr algn="ctr"/>
+            <a:endParaRPr lang="en-US">
+              <a:solidFill>
+                <a:schemeClr val="bg1"/>
+              </a:solidFill>
+            </a:endParaRPr>
+          </a:p>
+        </p:txBody>
+      </p:sp>
+      <p:sp>
+        <p:nvSpPr>
+          <p:cNvPr id="3" name="Content Placeholder 2">
+            <a:extLst>
+              <a:ext uri="{FF2B5EF4-FFF2-40B4-BE49-F238E27FC236}">
+                <a16:creationId xmlns:a16="http://schemas.microsoft.com/office/drawing/2014/main" id="{BF6387C6-3A3A-ED00-D649-6CCE37F720FD}"/>
+              </a:ext>
+            </a:extLst>
+          </p:cNvPr>
+          <p:cNvSpPr>
+            <a:spLocks noGrp="1"/>
+          </p:cNvSpPr>
+          <p:nvPr>
+            <p:ph idx="1"/>
+          </p:nvPr>
+        </p:nvSpPr>
+        <p:spPr>
+          <a:xfrm>
+            <a:off x="458408" y="2581065"/>
+            <a:ext cx="4997776" cy="3633467"/>
+          </a:xfrm>
+        </p:spPr>
+        <p:txBody>
+          <a:bodyPr vert="horz" lIns="91440" tIns="45720" rIns="91440" bIns="45720" rtlCol="0" anchor="t">
+            <a:noAutofit/>
+          </a:bodyPr>
+          <a:lstStyle/>
+          <a:p>
+            <a:pPr marL="0" indent="0">
+              <a:buNone/>
+            </a:pPr>
+            <a:r>
+              <a:rPr lang="en-GB" sz="2400" dirty="0">
+                <a:solidFill>
+                  <a:srgbClr val="D1D5DB"/>
+                </a:solidFill>
+                <a:latin typeface="Arial"/>
+                <a:ea typeface="+mn-lt"/>
+                <a:cs typeface="+mn-lt"/>
+              </a:rPr>
+              <a:t>Material-UI is a popular React UI framework that follows Google's Material Design guidelines. It provides a set of pre-designed and customizable React components to help you build consistent and visually appealing user interfaces. Material Design is a design language developed by Google that emphasizes a clean and intuitive user experience.</a:t>
+            </a:r>
+            <a:endParaRPr lang="en-US" sz="2400">
+              <a:solidFill>
+                <a:srgbClr val="D1D5DB"/>
+              </a:solidFill>
+              <a:latin typeface="Arial"/>
+              <a:ea typeface="+mn-lt"/>
+              <a:cs typeface="+mn-lt"/>
+            </a:endParaRPr>
+          </a:p>
+        </p:txBody>
+      </p:sp>
+      <p:sp>
+        <p:nvSpPr>
+          <p:cNvPr id="20" name="Rectangle 19">
+            <a:extLst>
+              <a:ext uri="{FF2B5EF4-FFF2-40B4-BE49-F238E27FC236}">
+                <a16:creationId xmlns:a16="http://schemas.microsoft.com/office/drawing/2014/main" id="{87F16C5A-0D41-47A9-B0A2-9C2AD7A8CF32}"/>
+              </a:ext>
+              <a:ext uri="{C183D7F6-B498-43B3-948B-1728B52AA6E4}">
+                <adec:decorative xmlns:adec="http://schemas.microsoft.com/office/drawing/2017/decorative" val="1"/>
+              </a:ext>
+            </a:extLst>
+          </p:cNvPr>
+          <p:cNvSpPr>
+            <a:spLocks noGrp="1" noRot="1" noChangeAspect="1" noMove="1" noResize="1" noEditPoints="1" noAdjustHandles="1" noChangeArrowheads="1" noChangeShapeType="1" noTextEdit="1"/>
+          </p:cNvSpPr>
+          <p:nvPr>
+            <p:extLst>
+              <p:ext uri="{386F3935-93C4-4BCD-93E2-E3B085C9AB24}">
+                <p16:designElem xmlns:p16="http://schemas.microsoft.com/office/powerpoint/2015/main" val="1"/>
+              </p:ext>
+            </p:extLst>
+          </p:nvPr>
+        </p:nvSpPr>
+        <p:spPr>
+          <a:xfrm>
+            <a:off x="6096000" y="0"/>
+            <a:ext cx="6095990" cy="6858001"/>
+          </a:xfrm>
+          <a:prstGeom prst="rect">
+            <a:avLst/>
+          </a:prstGeom>
+          <a:solidFill>
+            <a:schemeClr val="bg1">
+              <a:lumMod val="95000"/>
+            </a:schemeClr>
+          </a:solidFill>
+          <a:ln>
+            <a:noFill/>
+          </a:ln>
+        </p:spPr>
+        <p:style>
+          <a:lnRef idx="2">
+            <a:schemeClr val="accent1">
+              <a:shade val="50000"/>
+            </a:schemeClr>
+          </a:lnRef>
+          <a:fillRef idx="1">
+            <a:schemeClr val="accent1"/>
+          </a:fillRef>
+          <a:effectRef idx="0">
+            <a:schemeClr val="accent1"/>
+          </a:effectRef>
+          <a:fontRef idx="minor">
+            <a:schemeClr val="lt1"/>
+          </a:fontRef>
+        </p:style>
+        <p:txBody>
+          <a:bodyPr rtlCol="0" anchor="ctr"/>
+          <a:lstStyle/>
+          <a:p>
+            <a:pPr algn="ctr"/>
+            <a:endParaRPr lang="en-US"/>
+          </a:p>
+        </p:txBody>
+      </p:sp>
+      <p:pic>
+        <p:nvPicPr>
+          <p:cNvPr id="4" name="Picture 3" descr="A cartoon character holding a yellow sign&#10;&#10;Description automatically generated">
+            <a:extLst>
+              <a:ext uri="{FF2B5EF4-FFF2-40B4-BE49-F238E27FC236}">
+                <a16:creationId xmlns:a16="http://schemas.microsoft.com/office/drawing/2014/main" id="{2860CD2C-E4D1-F87C-470E-16FC6E598C56}"/>
+              </a:ext>
+            </a:extLst>
+          </p:cNvPr>
+          <p:cNvPicPr>
+            <a:picLocks noChangeAspect="1"/>
+          </p:cNvPicPr>
+          <p:nvPr/>
+        </p:nvPicPr>
+        <p:blipFill>
+          <a:blip r:embed="rId2"/>
+          <a:stretch>
+            <a:fillRect/>
+          </a:stretch>
+        </p:blipFill>
+        <p:spPr>
+          <a:xfrm>
+            <a:off x="7275147" y="637762"/>
+            <a:ext cx="3234525" cy="5576770"/>
+          </a:xfrm>
+          <a:prstGeom prst="rect">
+            <a:avLst/>
+          </a:prstGeom>
+        </p:spPr>
+      </p:pic>
+    </p:spTree>
+    <p:extLst>
+      <p:ext uri="{BB962C8B-B14F-4D97-AF65-F5344CB8AC3E}">
+        <p14:creationId xmlns:p14="http://schemas.microsoft.com/office/powerpoint/2010/main" val="386887165"/>
+      </p:ext>
+    </p:extLst>
+  </p:cSld>
+  <p:clrMapOvr>
+    <a:masterClrMapping/>
+  </p:clrMapOvr>
+</p:sld>
+</file>
+
+<file path=ppt/slides/slide33.xml><?xml version="1.0" encoding="utf-8"?>
+<p:sld xmlns:a="http://schemas.openxmlformats.org/drawingml/2006/main" xmlns:r="http://schemas.openxmlformats.org/officeDocument/2006/relationships" xmlns:p="http://schemas.openxmlformats.org/presentationml/2006/main">
+  <p:cSld>
+    <p:bg>
+      <p:bgPr>
+        <a:solidFill>
+          <a:schemeClr val="bg1"/>
+        </a:solidFill>
+        <a:effectLst/>
+      </p:bgPr>
+    </p:bg>
+    <p:spTree>
+      <p:nvGrpSpPr>
+        <p:cNvPr id="1" name=""/>
+        <p:cNvGrpSpPr/>
+        <p:nvPr/>
+      </p:nvGrpSpPr>
+      <p:grpSpPr>
+        <a:xfrm>
+          <a:off x="0" y="0"/>
+          <a:ext cx="0" cy="0"/>
+          <a:chOff x="0" y="0"/>
+          <a:chExt cx="0" cy="0"/>
+        </a:xfrm>
+      </p:grpSpPr>
+      <p:sp>
+        <p:nvSpPr>
+          <p:cNvPr id="18" name="Rectangle 17">
+            <a:extLst>
+              <a:ext uri="{FF2B5EF4-FFF2-40B4-BE49-F238E27FC236}">
+                <a16:creationId xmlns:a16="http://schemas.microsoft.com/office/drawing/2014/main" id="{6EA86598-DA2C-41D5-BC0C-E877F8818EEB}"/>
+              </a:ext>
+              <a:ext uri="{C183D7F6-B498-43B3-948B-1728B52AA6E4}">
+                <adec:decorative xmlns:adec="http://schemas.microsoft.com/office/drawing/2017/decorative" val="1"/>
+              </a:ext>
+            </a:extLst>
+          </p:cNvPr>
+          <p:cNvSpPr>
+            <a:spLocks noGrp="1" noRot="1" noChangeAspect="1" noMove="1" noResize="1" noEditPoints="1" noAdjustHandles="1" noChangeArrowheads="1" noChangeShapeType="1" noTextEdit="1"/>
+          </p:cNvSpPr>
+          <p:nvPr>
+            <p:extLst>
+              <p:ext uri="{386F3935-93C4-4BCD-93E2-E3B085C9AB24}">
+                <p16:designElem xmlns:p16="http://schemas.microsoft.com/office/powerpoint/2015/main" val="1"/>
+              </p:ext>
+            </p:extLst>
+          </p:nvPr>
+        </p:nvSpPr>
+        <p:spPr>
+          <a:xfrm>
+            <a:off x="10" y="0"/>
+            <a:ext cx="6095990" cy="6858001"/>
+          </a:xfrm>
+          <a:prstGeom prst="rect">
+            <a:avLst/>
+          </a:prstGeom>
+          <a:solidFill>
+            <a:schemeClr val="tx1">
+              <a:lumMod val="85000"/>
+              <a:lumOff val="15000"/>
+            </a:schemeClr>
+          </a:solidFill>
+          <a:ln>
+            <a:noFill/>
+          </a:ln>
+        </p:spPr>
+        <p:style>
+          <a:lnRef idx="2">
+            <a:schemeClr val="accent1">
+              <a:shade val="50000"/>
+            </a:schemeClr>
+          </a:lnRef>
+          <a:fillRef idx="1">
+            <a:schemeClr val="accent1"/>
+          </a:fillRef>
+          <a:effectRef idx="0">
+            <a:schemeClr val="accent1"/>
+          </a:effectRef>
+          <a:fontRef idx="minor">
+            <a:schemeClr val="lt1"/>
+          </a:fontRef>
+        </p:style>
+        <p:txBody>
+          <a:bodyPr rtlCol="0" anchor="ctr"/>
+          <a:lstStyle/>
+          <a:p>
+            <a:pPr algn="ctr"/>
+            <a:endParaRPr lang="en-US"/>
+          </a:p>
+        </p:txBody>
+      </p:sp>
+      <p:sp>
+        <p:nvSpPr>
+          <p:cNvPr id="2" name="Title 1">
+            <a:extLst>
+              <a:ext uri="{FF2B5EF4-FFF2-40B4-BE49-F238E27FC236}">
+                <a16:creationId xmlns:a16="http://schemas.microsoft.com/office/drawing/2014/main" id="{0833764A-6054-E198-9B9B-D9EBC1F4D245}"/>
+              </a:ext>
+            </a:extLst>
+          </p:cNvPr>
+          <p:cNvSpPr>
+            <a:spLocks noGrp="1"/>
+          </p:cNvSpPr>
+          <p:nvPr>
+            <p:ph type="title"/>
+          </p:nvPr>
+        </p:nvSpPr>
+        <p:spPr>
+          <a:xfrm>
+            <a:off x="1155557" y="637763"/>
+            <a:ext cx="4310698" cy="1627274"/>
+          </a:xfrm>
+        </p:spPr>
+        <p:txBody>
+          <a:bodyPr anchor="t">
+            <a:normAutofit/>
+          </a:bodyPr>
+          <a:lstStyle/>
+          <a:p>
+            <a:r>
+              <a:rPr lang="en-GB" sz="4800" dirty="0">
+                <a:solidFill>
+                  <a:schemeClr val="bg1"/>
+                </a:solidFill>
+                <a:ea typeface="Calibri Light"/>
+                <a:cs typeface="Calibri Light"/>
+              </a:rPr>
+              <a:t>Material UI</a:t>
+            </a:r>
+          </a:p>
+        </p:txBody>
+      </p:sp>
+      <p:sp>
+        <p:nvSpPr>
+          <p:cNvPr id="19" name="Rectangle 18">
+            <a:extLst>
+              <a:ext uri="{FF2B5EF4-FFF2-40B4-BE49-F238E27FC236}">
+                <a16:creationId xmlns:a16="http://schemas.microsoft.com/office/drawing/2014/main" id="{450D3AD2-FA80-415F-A9CE-54D884561CD7}"/>
+              </a:ext>
+              <a:ext uri="{C183D7F6-B498-43B3-948B-1728B52AA6E4}">
+                <adec:decorative xmlns:adec="http://schemas.microsoft.com/office/drawing/2017/decorative" val="1"/>
+              </a:ext>
+            </a:extLst>
+          </p:cNvPr>
+          <p:cNvSpPr>
+            <a:spLocks noGrp="1" noRot="1" noChangeAspect="1" noMove="1" noResize="1" noEditPoints="1" noAdjustHandles="1" noChangeArrowheads="1" noChangeShapeType="1" noTextEdit="1"/>
+          </p:cNvSpPr>
+          <p:nvPr>
+            <p:extLst>
+              <p:ext uri="{386F3935-93C4-4BCD-93E2-E3B085C9AB24}">
+                <p16:designElem xmlns:p16="http://schemas.microsoft.com/office/powerpoint/2015/main" val="1"/>
+              </p:ext>
+            </p:extLst>
+          </p:nvPr>
+        </p:nvSpPr>
+        <p:spPr>
+          <a:xfrm>
+            <a:off x="1155556" y="2372156"/>
+            <a:ext cx="457200" cy="45720"/>
+          </a:xfrm>
+          <a:prstGeom prst="rect">
+            <a:avLst/>
+          </a:prstGeom>
+          <a:solidFill>
+            <a:schemeClr val="bg1"/>
+          </a:solidFill>
+          <a:ln>
+            <a:noFill/>
+          </a:ln>
+        </p:spPr>
+        <p:style>
+          <a:lnRef idx="2">
+            <a:schemeClr val="accent1">
+              <a:shade val="50000"/>
+            </a:schemeClr>
+          </a:lnRef>
+          <a:fillRef idx="1">
+            <a:schemeClr val="accent1"/>
+          </a:fillRef>
+          <a:effectRef idx="0">
+            <a:schemeClr val="accent1"/>
+          </a:effectRef>
+          <a:fontRef idx="minor">
+            <a:schemeClr val="lt1"/>
+          </a:fontRef>
+        </p:style>
+        <p:txBody>
+          <a:bodyPr rtlCol="0" anchor="ctr"/>
+          <a:lstStyle/>
+          <a:p>
+            <a:pPr algn="ctr"/>
+            <a:endParaRPr lang="en-US">
+              <a:solidFill>
+                <a:schemeClr val="bg1"/>
+              </a:solidFill>
+            </a:endParaRPr>
+          </a:p>
+        </p:txBody>
+      </p:sp>
+      <p:sp>
+        <p:nvSpPr>
+          <p:cNvPr id="3" name="Content Placeholder 2">
+            <a:extLst>
+              <a:ext uri="{FF2B5EF4-FFF2-40B4-BE49-F238E27FC236}">
+                <a16:creationId xmlns:a16="http://schemas.microsoft.com/office/drawing/2014/main" id="{BF6387C6-3A3A-ED00-D649-6CCE37F720FD}"/>
+              </a:ext>
+            </a:extLst>
+          </p:cNvPr>
+          <p:cNvSpPr>
+            <a:spLocks noGrp="1"/>
+          </p:cNvSpPr>
+          <p:nvPr>
+            <p:ph idx="1"/>
+          </p:nvPr>
+        </p:nvSpPr>
+        <p:spPr>
+          <a:xfrm>
+            <a:off x="475468" y="2660677"/>
+            <a:ext cx="4997776" cy="3633467"/>
+          </a:xfrm>
+        </p:spPr>
+        <p:txBody>
+          <a:bodyPr vert="horz" lIns="91440" tIns="45720" rIns="91440" bIns="45720" rtlCol="0" anchor="t">
+            <a:noAutofit/>
+          </a:bodyPr>
+          <a:lstStyle/>
+          <a:p>
+            <a:pPr marL="0" indent="0">
+              <a:buNone/>
+            </a:pPr>
+            <a:r>
+              <a:rPr lang="en-GB" sz="2400">
+                <a:solidFill>
+                  <a:srgbClr val="D1D5DB"/>
+                </a:solidFill>
+                <a:latin typeface="Arial"/>
+                <a:ea typeface="+mn-lt"/>
+                <a:cs typeface="+mn-lt"/>
+              </a:rPr>
+              <a:t>To install: </a:t>
+            </a:r>
+            <a:endParaRPr lang="en-GB" sz="2400" dirty="0">
+              <a:solidFill>
+                <a:srgbClr val="D1D5DB"/>
+              </a:solidFill>
+              <a:latin typeface="Arial"/>
+              <a:ea typeface="+mn-lt"/>
+              <a:cs typeface="+mn-lt"/>
+            </a:endParaRPr>
+          </a:p>
+          <a:p>
+            <a:pPr marL="0" indent="0">
+              <a:buNone/>
+            </a:pPr>
+            <a:r>
+              <a:rPr lang="en-GB" sz="2400" err="1">
+                <a:solidFill>
+                  <a:srgbClr val="D1D5DB"/>
+                </a:solidFill>
+                <a:latin typeface="Arial"/>
+                <a:ea typeface="+mn-lt"/>
+                <a:cs typeface="Arial"/>
+              </a:rPr>
+              <a:t>npm</a:t>
+            </a:r>
+            <a:r>
+              <a:rPr lang="en-GB" sz="2400" dirty="0">
+                <a:solidFill>
+                  <a:srgbClr val="D1D5DB"/>
+                </a:solidFill>
+                <a:latin typeface="Arial"/>
+                <a:ea typeface="+mn-lt"/>
+                <a:cs typeface="Arial"/>
+              </a:rPr>
+              <a:t> install @mui/material @emotion/react @emotion/styled</a:t>
+            </a:r>
+          </a:p>
+          <a:p>
+            <a:pPr marL="0" indent="0">
+              <a:buNone/>
+            </a:pPr>
+            <a:endParaRPr lang="en-GB" sz="2400" dirty="0">
+              <a:solidFill>
+                <a:srgbClr val="D1D5DB"/>
+              </a:solidFill>
+              <a:latin typeface="Arial"/>
+              <a:cs typeface="Arial"/>
+            </a:endParaRPr>
+          </a:p>
+          <a:p>
+            <a:pPr marL="0" indent="0">
+              <a:buNone/>
+            </a:pPr>
+            <a:r>
+              <a:rPr lang="en-GB" sz="2400" dirty="0">
+                <a:solidFill>
+                  <a:srgbClr val="D1D5DB"/>
+                </a:solidFill>
+                <a:latin typeface="Arial"/>
+                <a:cs typeface="Arial"/>
+              </a:rPr>
+              <a:t>Ref: </a:t>
+            </a:r>
+            <a:r>
+              <a:rPr lang="en-GB" sz="2400" dirty="0">
+                <a:solidFill>
+                  <a:srgbClr val="D1D5DB"/>
+                </a:solidFill>
+                <a:latin typeface="Arial"/>
+                <a:ea typeface="+mn-lt"/>
+                <a:cs typeface="Arial"/>
+                <a:hlinkClick r:id="rId2"/>
+              </a:rPr>
+              <a:t>Material UI</a:t>
+            </a:r>
+            <a:endParaRPr lang="en-GB" sz="2400">
+              <a:solidFill>
+                <a:srgbClr val="D1D5DB"/>
+              </a:solidFill>
+              <a:latin typeface="Arial"/>
+              <a:ea typeface="+mn-lt"/>
+              <a:cs typeface="Arial"/>
+            </a:endParaRPr>
+          </a:p>
+        </p:txBody>
+      </p:sp>
+      <p:sp>
+        <p:nvSpPr>
+          <p:cNvPr id="20" name="Rectangle 19">
+            <a:extLst>
+              <a:ext uri="{FF2B5EF4-FFF2-40B4-BE49-F238E27FC236}">
+                <a16:creationId xmlns:a16="http://schemas.microsoft.com/office/drawing/2014/main" id="{87F16C5A-0D41-47A9-B0A2-9C2AD7A8CF32}"/>
+              </a:ext>
+              <a:ext uri="{C183D7F6-B498-43B3-948B-1728B52AA6E4}">
+                <adec:decorative xmlns:adec="http://schemas.microsoft.com/office/drawing/2017/decorative" val="1"/>
+              </a:ext>
+            </a:extLst>
+          </p:cNvPr>
+          <p:cNvSpPr>
+            <a:spLocks noGrp="1" noRot="1" noChangeAspect="1" noMove="1" noResize="1" noEditPoints="1" noAdjustHandles="1" noChangeArrowheads="1" noChangeShapeType="1" noTextEdit="1"/>
+          </p:cNvSpPr>
+          <p:nvPr>
+            <p:extLst>
+              <p:ext uri="{386F3935-93C4-4BCD-93E2-E3B085C9AB24}">
+                <p16:designElem xmlns:p16="http://schemas.microsoft.com/office/powerpoint/2015/main" val="1"/>
+              </p:ext>
+            </p:extLst>
+          </p:nvPr>
+        </p:nvSpPr>
+        <p:spPr>
+          <a:xfrm>
+            <a:off x="6096000" y="0"/>
+            <a:ext cx="6095990" cy="6858001"/>
+          </a:xfrm>
+          <a:prstGeom prst="rect">
+            <a:avLst/>
+          </a:prstGeom>
+          <a:solidFill>
+            <a:schemeClr val="bg1">
+              <a:lumMod val="95000"/>
+            </a:schemeClr>
+          </a:solidFill>
+          <a:ln>
+            <a:noFill/>
+          </a:ln>
+        </p:spPr>
+        <p:style>
+          <a:lnRef idx="2">
+            <a:schemeClr val="accent1">
+              <a:shade val="50000"/>
+            </a:schemeClr>
+          </a:lnRef>
+          <a:fillRef idx="1">
+            <a:schemeClr val="accent1"/>
+          </a:fillRef>
+          <a:effectRef idx="0">
+            <a:schemeClr val="accent1"/>
+          </a:effectRef>
+          <a:fontRef idx="minor">
+            <a:schemeClr val="lt1"/>
+          </a:fontRef>
+        </p:style>
+        <p:txBody>
+          <a:bodyPr rtlCol="0" anchor="ctr"/>
+          <a:lstStyle/>
+          <a:p>
+            <a:pPr algn="ctr"/>
+            <a:endParaRPr lang="en-US"/>
+          </a:p>
+        </p:txBody>
+      </p:sp>
+      <p:pic>
+        <p:nvPicPr>
+          <p:cNvPr id="4" name="Picture 3" descr="A cartoon character holding a yellow sign&#10;&#10;Description automatically generated">
+            <a:extLst>
+              <a:ext uri="{FF2B5EF4-FFF2-40B4-BE49-F238E27FC236}">
+                <a16:creationId xmlns:a16="http://schemas.microsoft.com/office/drawing/2014/main" id="{2860CD2C-E4D1-F87C-470E-16FC6E598C56}"/>
+              </a:ext>
+            </a:extLst>
+          </p:cNvPr>
+          <p:cNvPicPr>
+            <a:picLocks noChangeAspect="1"/>
+          </p:cNvPicPr>
+          <p:nvPr/>
+        </p:nvPicPr>
+        <p:blipFill>
+          <a:blip r:embed="rId3"/>
+          <a:stretch>
+            <a:fillRect/>
+          </a:stretch>
+        </p:blipFill>
+        <p:spPr>
+          <a:xfrm>
+            <a:off x="7275147" y="637762"/>
+            <a:ext cx="3234525" cy="5576770"/>
+          </a:xfrm>
+          <a:prstGeom prst="rect">
+            <a:avLst/>
+          </a:prstGeom>
+        </p:spPr>
+      </p:pic>
+    </p:spTree>
+    <p:extLst>
+      <p:ext uri="{BB962C8B-B14F-4D97-AF65-F5344CB8AC3E}">
+        <p14:creationId xmlns:p14="http://schemas.microsoft.com/office/powerpoint/2010/main" val="296346159"/>
       </p:ext>
     </p:extLst>
   </p:cSld>

--- a/react/study_materials/React.pptx
+++ b/react/study_materials/React.pptx
@@ -151,6 +151,7 @@
     <p1510:client id="{55428BC7-990C-4BC1-8B64-3DA6EB586F36}" v="540" dt="2023-11-05T16:58:34.041"/>
     <p1510:client id="{5C24E4FF-DE3C-409A-89E4-15DD45490F71}" v="220" dt="2023-11-12T12:51:56.775"/>
     <p1510:client id="{6BD5CC1B-2CFC-4CC5-88E8-F9DE27E94B28}" v="305" dt="2023-11-06T15:50:18.124"/>
+    <p1510:client id="{85DC6BD0-931C-473F-B7B8-B24FA6E31178}" v="93" dt="2023-11-12T14:11:36.988"/>
     <p1510:client id="{869CD75B-EA26-415F-B2E2-EF1B7F9B1CA4}" v="341" dt="2023-11-07T13:49:42.475"/>
   </p1510:revLst>
 </p1510:revInfo>
@@ -158,6 +159,83 @@
 
 <file path=ppt/changesInfos/changesInfo1.xml><?xml version="1.0" encoding="utf-8"?>
 <pc:chgInfo xmlns:a="http://schemas.openxmlformats.org/drawingml/2006/main" xmlns:r="http://schemas.openxmlformats.org/officeDocument/2006/relationships" xmlns:ac="http://schemas.microsoft.com/office/drawing/2013/main/command" xmlns:pc="http://schemas.microsoft.com/office/powerpoint/2013/main/command">
+  <pc:docChgLst>
+    <pc:chgData name="Siva Prasanna S" userId="S::sivaprasanna.s@iamneo.ai::3f99ddd6-8f78-41d3-b6e2-fa1d0164a322" providerId="AD" clId="Web-{85DC6BD0-931C-473F-B7B8-B24FA6E31178}"/>
+    <pc:docChg chg="modSld">
+      <pc:chgData name="Siva Prasanna S" userId="S::sivaprasanna.s@iamneo.ai::3f99ddd6-8f78-41d3-b6e2-fa1d0164a322" providerId="AD" clId="Web-{85DC6BD0-931C-473F-B7B8-B24FA6E31178}" dt="2023-11-12T14:11:36.988" v="89" actId="20577"/>
+      <pc:docMkLst>
+        <pc:docMk/>
+      </pc:docMkLst>
+      <pc:sldChg chg="modSp">
+        <pc:chgData name="Siva Prasanna S" userId="S::sivaprasanna.s@iamneo.ai::3f99ddd6-8f78-41d3-b6e2-fa1d0164a322" providerId="AD" clId="Web-{85DC6BD0-931C-473F-B7B8-B24FA6E31178}" dt="2023-11-12T14:09:32.627" v="27" actId="20577"/>
+        <pc:sldMkLst>
+          <pc:docMk/>
+          <pc:sldMk cId="839395626" sldId="278"/>
+        </pc:sldMkLst>
+        <pc:spChg chg="mod">
+          <ac:chgData name="Siva Prasanna S" userId="S::sivaprasanna.s@iamneo.ai::3f99ddd6-8f78-41d3-b6e2-fa1d0164a322" providerId="AD" clId="Web-{85DC6BD0-931C-473F-B7B8-B24FA6E31178}" dt="2023-11-12T14:09:32.627" v="27" actId="20577"/>
+          <ac:spMkLst>
+            <pc:docMk/>
+            <pc:sldMk cId="839395626" sldId="278"/>
+            <ac:spMk id="3" creationId="{6BC158D1-70BE-32F3-7EAB-1E4704A43B35}"/>
+          </ac:spMkLst>
+        </pc:spChg>
+      </pc:sldChg>
+      <pc:sldChg chg="modSp">
+        <pc:chgData name="Siva Prasanna S" userId="S::sivaprasanna.s@iamneo.ai::3f99ddd6-8f78-41d3-b6e2-fa1d0164a322" providerId="AD" clId="Web-{85DC6BD0-931C-473F-B7B8-B24FA6E31178}" dt="2023-11-12T14:11:03.691" v="85" actId="14100"/>
+        <pc:sldMkLst>
+          <pc:docMk/>
+          <pc:sldMk cId="3486926194" sldId="287"/>
+        </pc:sldMkLst>
+        <pc:spChg chg="mod">
+          <ac:chgData name="Siva Prasanna S" userId="S::sivaprasanna.s@iamneo.ai::3f99ddd6-8f78-41d3-b6e2-fa1d0164a322" providerId="AD" clId="Web-{85DC6BD0-931C-473F-B7B8-B24FA6E31178}" dt="2023-11-12T14:09:51.002" v="37" actId="20577"/>
+          <ac:spMkLst>
+            <pc:docMk/>
+            <pc:sldMk cId="3486926194" sldId="287"/>
+            <ac:spMk id="2" creationId="{0833764A-6054-E198-9B9B-D9EBC1F4D245}"/>
+          </ac:spMkLst>
+        </pc:spChg>
+        <pc:spChg chg="mod">
+          <ac:chgData name="Siva Prasanna S" userId="S::sivaprasanna.s@iamneo.ai::3f99ddd6-8f78-41d3-b6e2-fa1d0164a322" providerId="AD" clId="Web-{85DC6BD0-931C-473F-B7B8-B24FA6E31178}" dt="2023-11-12T14:11:03.691" v="85" actId="14100"/>
+          <ac:spMkLst>
+            <pc:docMk/>
+            <pc:sldMk cId="3486926194" sldId="287"/>
+            <ac:spMk id="3" creationId="{BF6387C6-3A3A-ED00-D649-6CCE37F720FD}"/>
+          </ac:spMkLst>
+        </pc:spChg>
+      </pc:sldChg>
+      <pc:sldChg chg="modSp">
+        <pc:chgData name="Siva Prasanna S" userId="S::sivaprasanna.s@iamneo.ai::3f99ddd6-8f78-41d3-b6e2-fa1d0164a322" providerId="AD" clId="Web-{85DC6BD0-931C-473F-B7B8-B24FA6E31178}" dt="2023-11-12T14:11:36.988" v="89" actId="20577"/>
+        <pc:sldMkLst>
+          <pc:docMk/>
+          <pc:sldMk cId="386887165" sldId="288"/>
+        </pc:sldMkLst>
+        <pc:spChg chg="mod">
+          <ac:chgData name="Siva Prasanna S" userId="S::sivaprasanna.s@iamneo.ai::3f99ddd6-8f78-41d3-b6e2-fa1d0164a322" providerId="AD" clId="Web-{85DC6BD0-931C-473F-B7B8-B24FA6E31178}" dt="2023-11-12T14:11:36.988" v="89" actId="20577"/>
+          <ac:spMkLst>
+            <pc:docMk/>
+            <pc:sldMk cId="386887165" sldId="288"/>
+            <ac:spMk id="3" creationId="{BF6387C6-3A3A-ED00-D649-6CCE37F720FD}"/>
+          </ac:spMkLst>
+        </pc:spChg>
+      </pc:sldChg>
+      <pc:sldChg chg="modSp">
+        <pc:chgData name="Siva Prasanna S" userId="S::sivaprasanna.s@iamneo.ai::3f99ddd6-8f78-41d3-b6e2-fa1d0164a322" providerId="AD" clId="Web-{85DC6BD0-931C-473F-B7B8-B24FA6E31178}" dt="2023-11-12T14:11:18.613" v="88" actId="14100"/>
+        <pc:sldMkLst>
+          <pc:docMk/>
+          <pc:sldMk cId="296346159" sldId="289"/>
+        </pc:sldMkLst>
+        <pc:spChg chg="mod">
+          <ac:chgData name="Siva Prasanna S" userId="S::sivaprasanna.s@iamneo.ai::3f99ddd6-8f78-41d3-b6e2-fa1d0164a322" providerId="AD" clId="Web-{85DC6BD0-931C-473F-B7B8-B24FA6E31178}" dt="2023-11-12T14:11:18.613" v="88" actId="14100"/>
+          <ac:spMkLst>
+            <pc:docMk/>
+            <pc:sldMk cId="296346159" sldId="289"/>
+            <ac:spMk id="3" creationId="{BF6387C6-3A3A-ED00-D649-6CCE37F720FD}"/>
+          </ac:spMkLst>
+        </pc:spChg>
+      </pc:sldChg>
+    </pc:docChg>
+  </pc:docChgLst>
   <pc:docChgLst>
     <pc:chgData name="Siva Prasanna S" userId="S::sivaprasanna.s@iamneo.ai::3f99ddd6-8f78-41d3-b6e2-fa1d0164a322" providerId="AD" clId="Web-{6BD5CC1B-2CFC-4CC5-88E8-F9DE27E94B28}"/>
     <pc:docChg chg="addSld delSld modSld">
@@ -16918,7 +16996,7 @@
                 <a:ea typeface="Calibri"/>
                 <a:cs typeface="Calibri"/>
               </a:rPr>
-              <a:t>Inline style using Radium</a:t>
+              <a:t>Styled Components</a:t>
             </a:r>
           </a:p>
           <a:p>
@@ -17598,14 +17676,14 @@
           <a:lstStyle/>
           <a:p>
             <a:r>
-              <a:rPr lang="en-GB" sz="4800">
+              <a:rPr lang="en-GB" sz="4800" dirty="0">
                 <a:solidFill>
                   <a:schemeClr val="bg1"/>
                 </a:solidFill>
                 <a:ea typeface="Calibri Light"/>
                 <a:cs typeface="Calibri Light"/>
               </a:rPr>
-              <a:t>Radium</a:t>
+              <a:t>Styled Components</a:t>
             </a:r>
           </a:p>
         </p:txBody>
@@ -17695,8 +17773,8 @@
         </p:nvSpPr>
         <p:spPr>
           <a:xfrm>
-            <a:off x="1155556" y="2581065"/>
-            <a:ext cx="4284416" cy="3633467"/>
+            <a:off x="1041825" y="2581065"/>
+            <a:ext cx="4409520" cy="3633467"/>
           </a:xfrm>
         </p:spPr>
         <p:txBody>
@@ -17708,19 +17786,16 @@
             <a:pPr marL="0" indent="0">
               <a:buNone/>
             </a:pPr>
-            <a:br>
-              <a:rPr lang="en-US" sz="2000" dirty="0"/>
-            </a:br>
             <a:r>
               <a:rPr lang="en-GB" sz="2000" dirty="0">
                 <a:solidFill>
-                  <a:schemeClr val="bg1"/>
+                  <a:srgbClr val="FFFFFF"/>
                 </a:solidFill>
                 <a:latin typeface="Arial"/>
                 <a:ea typeface="+mn-lt"/>
                 <a:cs typeface="Arial"/>
               </a:rPr>
-              <a:t>Radium is a popular library for adding inline styles with JavaScript in React applications. It allows you to use inline styles with features like pseudo-classes and media queries.</a:t>
+              <a:t>Styled Components is a popular library for styling React components using tagged template literals. It allows you to write CSS in your JavaScript code, scoped to a particular component, making it easy to manage styles in a component-based architecture.</a:t>
             </a:r>
           </a:p>
           <a:p>
@@ -17729,7 +17804,7 @@
             </a:pPr>
             <a:endParaRPr lang="en-GB" sz="2000" dirty="0">
               <a:solidFill>
-                <a:schemeClr val="bg1"/>
+                <a:srgbClr val="FFFFFF"/>
               </a:solidFill>
               <a:latin typeface="Arial"/>
               <a:cs typeface="Arial"/>
@@ -17742,13 +17817,12 @@
             <a:r>
               <a:rPr lang="en-GB" sz="2000" dirty="0">
                 <a:solidFill>
-                  <a:schemeClr val="bg1"/>
-                </a:solidFill>
-                <a:latin typeface="Arial"/>
-                <a:ea typeface="+mn-lt"/>
+                  <a:srgbClr val="FFFFFF"/>
+                </a:solidFill>
+                <a:latin typeface="Arial"/>
                 <a:cs typeface="Arial"/>
               </a:rPr>
-              <a:t>To install:</a:t>
+              <a:t>To install: </a:t>
             </a:r>
           </a:p>
           <a:p>
@@ -17758,10 +17832,9 @@
             <a:r>
               <a:rPr lang="en-GB" sz="2000" dirty="0" err="1">
                 <a:solidFill>
-                  <a:schemeClr val="bg1"/>
-                </a:solidFill>
-                <a:latin typeface="Arial"/>
-                <a:ea typeface="+mn-lt"/>
+                  <a:srgbClr val="FFFFFF"/>
+                </a:solidFill>
+                <a:latin typeface="Arial"/>
                 <a:cs typeface="Arial"/>
               </a:rPr>
               <a:t>npm</a:t>
@@ -17769,31 +17842,14 @@
             <a:r>
               <a:rPr lang="en-GB" sz="2000" dirty="0">
                 <a:solidFill>
-                  <a:schemeClr val="bg1"/>
-                </a:solidFill>
-                <a:latin typeface="Arial"/>
-                <a:ea typeface="+mn-lt"/>
+                  <a:srgbClr val="FFFFFF"/>
+                </a:solidFill>
+                <a:latin typeface="Arial"/>
                 <a:cs typeface="Arial"/>
               </a:rPr>
-              <a:t> install radium</a:t>
-            </a:r>
-            <a:endParaRPr lang="en-GB" dirty="0">
-              <a:solidFill>
-                <a:schemeClr val="bg1"/>
-              </a:solidFill>
-            </a:endParaRPr>
-          </a:p>
-          <a:p>
-            <a:pPr marL="0" indent="0">
-              <a:buNone/>
-            </a:pPr>
-            <a:endParaRPr lang="en-GB" sz="2000" dirty="0">
-              <a:solidFill>
-                <a:schemeClr val="bg1"/>
-              </a:solidFill>
-              <a:latin typeface="Arial"/>
-              <a:cs typeface="Arial"/>
-            </a:endParaRPr>
+              <a:t> install styled-components</a:t>
+            </a:r>
+            <a:endParaRPr lang="en-GB" dirty="0"/>
           </a:p>
         </p:txBody>
       </p:sp>
@@ -18122,8 +18178,8 @@
         </p:nvSpPr>
         <p:spPr>
           <a:xfrm>
-            <a:off x="458408" y="2581065"/>
-            <a:ext cx="4997776" cy="3633467"/>
+            <a:off x="1049810" y="2581065"/>
+            <a:ext cx="4412060" cy="3633467"/>
           </a:xfrm>
         </p:spPr>
         <p:txBody>
@@ -18136,7 +18192,7 @@
               <a:buNone/>
             </a:pPr>
             <a:r>
-              <a:rPr lang="en-GB" sz="2400" dirty="0">
+              <a:rPr lang="en-GB" sz="2300" dirty="0">
                 <a:solidFill>
                   <a:srgbClr val="D1D5DB"/>
                 </a:solidFill>
@@ -18146,7 +18202,7 @@
               </a:rPr>
               <a:t>Material-UI is a popular React UI framework that follows Google's Material Design guidelines. It provides a set of pre-designed and customizable React components to help you build consistent and visually appealing user interfaces. Material Design is a design language developed by Google that emphasizes a clean and intuitive user experience.</a:t>
             </a:r>
-            <a:endParaRPr lang="en-US" sz="2400">
+            <a:endParaRPr lang="en-US" sz="2300">
               <a:solidFill>
                 <a:srgbClr val="D1D5DB"/>
               </a:solidFill>
@@ -18482,8 +18538,8 @@
         </p:nvSpPr>
         <p:spPr>
           <a:xfrm>
-            <a:off x="475468" y="2660677"/>
-            <a:ext cx="4997776" cy="3633467"/>
+            <a:off x="1100990" y="2660677"/>
+            <a:ext cx="4736194" cy="3633467"/>
           </a:xfrm>
         </p:spPr>
         <p:txBody>

--- a/react/study_materials/React.pptx
+++ b/react/study_materials/React.pptx
@@ -38,6 +38,16 @@
     <p:sldId id="287" r:id="rId32"/>
     <p:sldId id="288" r:id="rId33"/>
     <p:sldId id="289" r:id="rId34"/>
+    <p:sldId id="296" r:id="rId35"/>
+    <p:sldId id="297" r:id="rId36"/>
+    <p:sldId id="298" r:id="rId37"/>
+    <p:sldId id="299" r:id="rId38"/>
+    <p:sldId id="290" r:id="rId39"/>
+    <p:sldId id="291" r:id="rId40"/>
+    <p:sldId id="292" r:id="rId41"/>
+    <p:sldId id="293" r:id="rId42"/>
+    <p:sldId id="294" r:id="rId43"/>
+    <p:sldId id="295" r:id="rId44"/>
   </p:sldIdLst>
   <p:sldSz cx="12192000" cy="6858000"/>
   <p:notesSz cx="6858000" cy="9144000"/>
@@ -150,6 +160,7 @@
     <p1510:client id="{22ABDAFC-7C43-42EF-B8FA-22C02C265143}" v="178" dt="2023-11-06T16:28:16.470"/>
     <p1510:client id="{55428BC7-990C-4BC1-8B64-3DA6EB586F36}" v="540" dt="2023-11-05T16:58:34.041"/>
     <p1510:client id="{5C24E4FF-DE3C-409A-89E4-15DD45490F71}" v="220" dt="2023-11-12T12:51:56.775"/>
+    <p1510:client id="{674EA7B0-DEA6-4C26-A8F4-F1727A51BE80}" v="197" dt="2023-11-15T16:25:26.097"/>
     <p1510:client id="{6BD5CC1B-2CFC-4CC5-88E8-F9DE27E94B28}" v="305" dt="2023-11-06T15:50:18.124"/>
     <p1510:client id="{85DC6BD0-931C-473F-B7B8-B24FA6E31178}" v="93" dt="2023-11-12T14:11:36.988"/>
     <p1510:client id="{869CD75B-EA26-415F-B2E2-EF1B7F9B1CA4}" v="341" dt="2023-11-07T13:49:42.475"/>
@@ -2567,6 +2578,380 @@
       </pc:sldChg>
     </pc:docChg>
   </pc:docChgLst>
+  <pc:docChgLst>
+    <pc:chgData name="Siva Prasanna S" userId="S::sivaprasanna.s@iamneo.ai::3f99ddd6-8f78-41d3-b6e2-fa1d0164a322" providerId="AD" clId="Web-{674EA7B0-DEA6-4C26-A8F4-F1727A51BE80}"/>
+    <pc:docChg chg="addSld delSld modSld sldOrd">
+      <pc:chgData name="Siva Prasanna S" userId="S::sivaprasanna.s@iamneo.ai::3f99ddd6-8f78-41d3-b6e2-fa1d0164a322" providerId="AD" clId="Web-{674EA7B0-DEA6-4C26-A8F4-F1727A51BE80}" dt="2023-11-15T16:25:25.175" v="185" actId="20577"/>
+      <pc:docMkLst>
+        <pc:docMk/>
+      </pc:docMkLst>
+      <pc:sldChg chg="add del">
+        <pc:chgData name="Siva Prasanna S" userId="S::sivaprasanna.s@iamneo.ai::3f99ddd6-8f78-41d3-b6e2-fa1d0164a322" providerId="AD" clId="Web-{674EA7B0-DEA6-4C26-A8F4-F1727A51BE80}" dt="2023-11-15T16:04:18.820" v="1"/>
+        <pc:sldMkLst>
+          <pc:docMk/>
+          <pc:sldMk cId="2951546810" sldId="290"/>
+        </pc:sldMkLst>
+      </pc:sldChg>
+      <pc:sldChg chg="modSp add">
+        <pc:chgData name="Siva Prasanna S" userId="S::sivaprasanna.s@iamneo.ai::3f99ddd6-8f78-41d3-b6e2-fa1d0164a322" providerId="AD" clId="Web-{674EA7B0-DEA6-4C26-A8F4-F1727A51BE80}" dt="2023-11-15T16:05:19.633" v="18" actId="20577"/>
+        <pc:sldMkLst>
+          <pc:docMk/>
+          <pc:sldMk cId="4056337793" sldId="290"/>
+        </pc:sldMkLst>
+        <pc:spChg chg="mod">
+          <ac:chgData name="Siva Prasanna S" userId="S::sivaprasanna.s@iamneo.ai::3f99ddd6-8f78-41d3-b6e2-fa1d0164a322" providerId="AD" clId="Web-{674EA7B0-DEA6-4C26-A8F4-F1727A51BE80}" dt="2023-11-15T16:04:36.570" v="5" actId="20577"/>
+          <ac:spMkLst>
+            <pc:docMk/>
+            <pc:sldMk cId="4056337793" sldId="290"/>
+            <ac:spMk id="2" creationId="{0833764A-6054-E198-9B9B-D9EBC1F4D245}"/>
+          </ac:spMkLst>
+        </pc:spChg>
+        <pc:spChg chg="mod">
+          <ac:chgData name="Siva Prasanna S" userId="S::sivaprasanna.s@iamneo.ai::3f99ddd6-8f78-41d3-b6e2-fa1d0164a322" providerId="AD" clId="Web-{674EA7B0-DEA6-4C26-A8F4-F1727A51BE80}" dt="2023-11-15T16:05:19.633" v="18" actId="20577"/>
+          <ac:spMkLst>
+            <pc:docMk/>
+            <pc:sldMk cId="4056337793" sldId="290"/>
+            <ac:spMk id="3" creationId="{BF6387C6-3A3A-ED00-D649-6CCE37F720FD}"/>
+          </ac:spMkLst>
+        </pc:spChg>
+      </pc:sldChg>
+      <pc:sldChg chg="add del">
+        <pc:chgData name="Siva Prasanna S" userId="S::sivaprasanna.s@iamneo.ai::3f99ddd6-8f78-41d3-b6e2-fa1d0164a322" providerId="AD" clId="Web-{674EA7B0-DEA6-4C26-A8F4-F1727A51BE80}" dt="2023-11-15T16:05:31.648" v="20"/>
+        <pc:sldMkLst>
+          <pc:docMk/>
+          <pc:sldMk cId="295077856" sldId="291"/>
+        </pc:sldMkLst>
+      </pc:sldChg>
+      <pc:sldChg chg="modSp add">
+        <pc:chgData name="Siva Prasanna S" userId="S::sivaprasanna.s@iamneo.ai::3f99ddd6-8f78-41d3-b6e2-fa1d0164a322" providerId="AD" clId="Web-{674EA7B0-DEA6-4C26-A8F4-F1727A51BE80}" dt="2023-11-15T16:06:18.274" v="35" actId="20577"/>
+        <pc:sldMkLst>
+          <pc:docMk/>
+          <pc:sldMk cId="1835628614" sldId="291"/>
+        </pc:sldMkLst>
+        <pc:spChg chg="mod">
+          <ac:chgData name="Siva Prasanna S" userId="S::sivaprasanna.s@iamneo.ai::3f99ddd6-8f78-41d3-b6e2-fa1d0164a322" providerId="AD" clId="Web-{674EA7B0-DEA6-4C26-A8F4-F1727A51BE80}" dt="2023-11-15T16:05:42.211" v="25" actId="20577"/>
+          <ac:spMkLst>
+            <pc:docMk/>
+            <pc:sldMk cId="1835628614" sldId="291"/>
+            <ac:spMk id="2" creationId="{0833764A-6054-E198-9B9B-D9EBC1F4D245}"/>
+          </ac:spMkLst>
+        </pc:spChg>
+        <pc:spChg chg="mod">
+          <ac:chgData name="Siva Prasanna S" userId="S::sivaprasanna.s@iamneo.ai::3f99ddd6-8f78-41d3-b6e2-fa1d0164a322" providerId="AD" clId="Web-{674EA7B0-DEA6-4C26-A8F4-F1727A51BE80}" dt="2023-11-15T16:06:18.274" v="35" actId="20577"/>
+          <ac:spMkLst>
+            <pc:docMk/>
+            <pc:sldMk cId="1835628614" sldId="291"/>
+            <ac:spMk id="3" creationId="{BF6387C6-3A3A-ED00-D649-6CCE37F720FD}"/>
+          </ac:spMkLst>
+        </pc:spChg>
+      </pc:sldChg>
+      <pc:sldChg chg="add del">
+        <pc:chgData name="Siva Prasanna S" userId="S::sivaprasanna.s@iamneo.ai::3f99ddd6-8f78-41d3-b6e2-fa1d0164a322" providerId="AD" clId="Web-{674EA7B0-DEA6-4C26-A8F4-F1727A51BE80}" dt="2023-11-15T16:06:44.508" v="37"/>
+        <pc:sldMkLst>
+          <pc:docMk/>
+          <pc:sldMk cId="1647665821" sldId="292"/>
+        </pc:sldMkLst>
+      </pc:sldChg>
+      <pc:sldChg chg="modSp add">
+        <pc:chgData name="Siva Prasanna S" userId="S::sivaprasanna.s@iamneo.ai::3f99ddd6-8f78-41d3-b6e2-fa1d0164a322" providerId="AD" clId="Web-{674EA7B0-DEA6-4C26-A8F4-F1727A51BE80}" dt="2023-11-15T16:07:09.977" v="46" actId="20577"/>
+        <pc:sldMkLst>
+          <pc:docMk/>
+          <pc:sldMk cId="4024484856" sldId="292"/>
+        </pc:sldMkLst>
+        <pc:spChg chg="mod">
+          <ac:chgData name="Siva Prasanna S" userId="S::sivaprasanna.s@iamneo.ai::3f99ddd6-8f78-41d3-b6e2-fa1d0164a322" providerId="AD" clId="Web-{674EA7B0-DEA6-4C26-A8F4-F1727A51BE80}" dt="2023-11-15T16:06:54.587" v="41" actId="20577"/>
+          <ac:spMkLst>
+            <pc:docMk/>
+            <pc:sldMk cId="4024484856" sldId="292"/>
+            <ac:spMk id="2" creationId="{0833764A-6054-E198-9B9B-D9EBC1F4D245}"/>
+          </ac:spMkLst>
+        </pc:spChg>
+        <pc:spChg chg="mod">
+          <ac:chgData name="Siva Prasanna S" userId="S::sivaprasanna.s@iamneo.ai::3f99ddd6-8f78-41d3-b6e2-fa1d0164a322" providerId="AD" clId="Web-{674EA7B0-DEA6-4C26-A8F4-F1727A51BE80}" dt="2023-11-15T16:07:09.977" v="46" actId="20577"/>
+          <ac:spMkLst>
+            <pc:docMk/>
+            <pc:sldMk cId="4024484856" sldId="292"/>
+            <ac:spMk id="3" creationId="{BF6387C6-3A3A-ED00-D649-6CCE37F720FD}"/>
+          </ac:spMkLst>
+        </pc:spChg>
+      </pc:sldChg>
+      <pc:sldChg chg="modSp add">
+        <pc:chgData name="Siva Prasanna S" userId="S::sivaprasanna.s@iamneo.ai::3f99ddd6-8f78-41d3-b6e2-fa1d0164a322" providerId="AD" clId="Web-{674EA7B0-DEA6-4C26-A8F4-F1727A51BE80}" dt="2023-11-15T16:09:36.151" v="61" actId="20577"/>
+        <pc:sldMkLst>
+          <pc:docMk/>
+          <pc:sldMk cId="1932436429" sldId="293"/>
+        </pc:sldMkLst>
+        <pc:spChg chg="mod">
+          <ac:chgData name="Siva Prasanna S" userId="S::sivaprasanna.s@iamneo.ai::3f99ddd6-8f78-41d3-b6e2-fa1d0164a322" providerId="AD" clId="Web-{674EA7B0-DEA6-4C26-A8F4-F1727A51BE80}" dt="2023-11-15T16:09:14.385" v="52" actId="20577"/>
+          <ac:spMkLst>
+            <pc:docMk/>
+            <pc:sldMk cId="1932436429" sldId="293"/>
+            <ac:spMk id="2" creationId="{0833764A-6054-E198-9B9B-D9EBC1F4D245}"/>
+          </ac:spMkLst>
+        </pc:spChg>
+        <pc:spChg chg="mod">
+          <ac:chgData name="Siva Prasanna S" userId="S::sivaprasanna.s@iamneo.ai::3f99ddd6-8f78-41d3-b6e2-fa1d0164a322" providerId="AD" clId="Web-{674EA7B0-DEA6-4C26-A8F4-F1727A51BE80}" dt="2023-11-15T16:09:36.151" v="61" actId="20577"/>
+          <ac:spMkLst>
+            <pc:docMk/>
+            <pc:sldMk cId="1932436429" sldId="293"/>
+            <ac:spMk id="3" creationId="{BF6387C6-3A3A-ED00-D649-6CCE37F720FD}"/>
+          </ac:spMkLst>
+        </pc:spChg>
+      </pc:sldChg>
+      <pc:sldChg chg="add del">
+        <pc:chgData name="Siva Prasanna S" userId="S::sivaprasanna.s@iamneo.ai::3f99ddd6-8f78-41d3-b6e2-fa1d0164a322" providerId="AD" clId="Web-{674EA7B0-DEA6-4C26-A8F4-F1727A51BE80}" dt="2023-11-15T16:07:40.712" v="48"/>
+        <pc:sldMkLst>
+          <pc:docMk/>
+          <pc:sldMk cId="2468445542" sldId="293"/>
+        </pc:sldMkLst>
+      </pc:sldChg>
+      <pc:sldChg chg="add del">
+        <pc:chgData name="Siva Prasanna S" userId="S::sivaprasanna.s@iamneo.ai::3f99ddd6-8f78-41d3-b6e2-fa1d0164a322" providerId="AD" clId="Web-{674EA7B0-DEA6-4C26-A8F4-F1727A51BE80}" dt="2023-11-15T16:09:46.823" v="63"/>
+        <pc:sldMkLst>
+          <pc:docMk/>
+          <pc:sldMk cId="2876184670" sldId="294"/>
+        </pc:sldMkLst>
+      </pc:sldChg>
+      <pc:sldChg chg="modSp add">
+        <pc:chgData name="Siva Prasanna S" userId="S::sivaprasanna.s@iamneo.ai::3f99ddd6-8f78-41d3-b6e2-fa1d0164a322" providerId="AD" clId="Web-{674EA7B0-DEA6-4C26-A8F4-F1727A51BE80}" dt="2023-11-15T16:10:28.354" v="71" actId="20577"/>
+        <pc:sldMkLst>
+          <pc:docMk/>
+          <pc:sldMk cId="3783559260" sldId="294"/>
+        </pc:sldMkLst>
+        <pc:spChg chg="mod">
+          <ac:chgData name="Siva Prasanna S" userId="S::sivaprasanna.s@iamneo.ai::3f99ddd6-8f78-41d3-b6e2-fa1d0164a322" providerId="AD" clId="Web-{674EA7B0-DEA6-4C26-A8F4-F1727A51BE80}" dt="2023-11-15T16:10:06.948" v="67" actId="20577"/>
+          <ac:spMkLst>
+            <pc:docMk/>
+            <pc:sldMk cId="3783559260" sldId="294"/>
+            <ac:spMk id="2" creationId="{0833764A-6054-E198-9B9B-D9EBC1F4D245}"/>
+          </ac:spMkLst>
+        </pc:spChg>
+        <pc:spChg chg="mod">
+          <ac:chgData name="Siva Prasanna S" userId="S::sivaprasanna.s@iamneo.ai::3f99ddd6-8f78-41d3-b6e2-fa1d0164a322" providerId="AD" clId="Web-{674EA7B0-DEA6-4C26-A8F4-F1727A51BE80}" dt="2023-11-15T16:10:28.354" v="71" actId="20577"/>
+          <ac:spMkLst>
+            <pc:docMk/>
+            <pc:sldMk cId="3783559260" sldId="294"/>
+            <ac:spMk id="3" creationId="{BF6387C6-3A3A-ED00-D649-6CCE37F720FD}"/>
+          </ac:spMkLst>
+        </pc:spChg>
+      </pc:sldChg>
+      <pc:sldChg chg="addSp delSp modSp new mod setBg">
+        <pc:chgData name="Siva Prasanna S" userId="S::sivaprasanna.s@iamneo.ai::3f99ddd6-8f78-41d3-b6e2-fa1d0164a322" providerId="AD" clId="Web-{674EA7B0-DEA6-4C26-A8F4-F1727A51BE80}" dt="2023-11-15T16:13:32.575" v="85"/>
+        <pc:sldMkLst>
+          <pc:docMk/>
+          <pc:sldMk cId="1256372734" sldId="295"/>
+        </pc:sldMkLst>
+        <pc:spChg chg="del">
+          <ac:chgData name="Siva Prasanna S" userId="S::sivaprasanna.s@iamneo.ai::3f99ddd6-8f78-41d3-b6e2-fa1d0164a322" providerId="AD" clId="Web-{674EA7B0-DEA6-4C26-A8F4-F1727A51BE80}" dt="2023-11-15T16:12:05.511" v="74"/>
+          <ac:spMkLst>
+            <pc:docMk/>
+            <pc:sldMk cId="1256372734" sldId="295"/>
+            <ac:spMk id="2" creationId="{08B3EB8E-ADF2-2DF4-0C93-4416E594EFE3}"/>
+          </ac:spMkLst>
+        </pc:spChg>
+        <pc:spChg chg="del">
+          <ac:chgData name="Siva Prasanna S" userId="S::sivaprasanna.s@iamneo.ai::3f99ddd6-8f78-41d3-b6e2-fa1d0164a322" providerId="AD" clId="Web-{674EA7B0-DEA6-4C26-A8F4-F1727A51BE80}" dt="2023-11-15T16:12:05.511" v="73"/>
+          <ac:spMkLst>
+            <pc:docMk/>
+            <pc:sldMk cId="1256372734" sldId="295"/>
+            <ac:spMk id="3" creationId="{BC2C84AD-AC4B-4C89-8448-2EE285FFE4E3}"/>
+          </ac:spMkLst>
+        </pc:spChg>
+        <pc:spChg chg="add mod">
+          <ac:chgData name="Siva Prasanna S" userId="S::sivaprasanna.s@iamneo.ai::3f99ddd6-8f78-41d3-b6e2-fa1d0164a322" providerId="AD" clId="Web-{674EA7B0-DEA6-4C26-A8F4-F1727A51BE80}" dt="2023-11-15T16:13:32.575" v="85"/>
+          <ac:spMkLst>
+            <pc:docMk/>
+            <pc:sldMk cId="1256372734" sldId="295"/>
+            <ac:spMk id="4" creationId="{E35E5EF3-BD40-3089-78A4-EC5682014E91}"/>
+          </ac:spMkLst>
+        </pc:spChg>
+        <pc:spChg chg="add del">
+          <ac:chgData name="Siva Prasanna S" userId="S::sivaprasanna.s@iamneo.ai::3f99ddd6-8f78-41d3-b6e2-fa1d0164a322" providerId="AD" clId="Web-{674EA7B0-DEA6-4C26-A8F4-F1727A51BE80}" dt="2023-11-15T16:13:32.575" v="85"/>
+          <ac:spMkLst>
+            <pc:docMk/>
+            <pc:sldMk cId="1256372734" sldId="295"/>
+            <ac:spMk id="11" creationId="{E8A8EAB8-D2FF-444D-B34B-7D32F106AD0E}"/>
+          </ac:spMkLst>
+        </pc:spChg>
+        <pc:picChg chg="add mod">
+          <ac:chgData name="Siva Prasanna S" userId="S::sivaprasanna.s@iamneo.ai::3f99ddd6-8f78-41d3-b6e2-fa1d0164a322" providerId="AD" clId="Web-{674EA7B0-DEA6-4C26-A8F4-F1727A51BE80}" dt="2023-11-15T16:13:32.575" v="85"/>
+          <ac:picMkLst>
+            <pc:docMk/>
+            <pc:sldMk cId="1256372734" sldId="295"/>
+            <ac:picMk id="6" creationId="{B5C2B916-C6B8-2F60-D6CC-B0FD45202A0D}"/>
+          </ac:picMkLst>
+        </pc:picChg>
+        <pc:cxnChg chg="add del">
+          <ac:chgData name="Siva Prasanna S" userId="S::sivaprasanna.s@iamneo.ai::3f99ddd6-8f78-41d3-b6e2-fa1d0164a322" providerId="AD" clId="Web-{674EA7B0-DEA6-4C26-A8F4-F1727A51BE80}" dt="2023-11-15T16:13:32.575" v="85"/>
+          <ac:cxnSpMkLst>
+            <pc:docMk/>
+            <pc:sldMk cId="1256372734" sldId="295"/>
+            <ac:cxnSpMk id="13" creationId="{EEA38897-7BA3-4408-8083-3235339C4A60}"/>
+          </ac:cxnSpMkLst>
+        </pc:cxnChg>
+        <pc:cxnChg chg="add del">
+          <ac:chgData name="Siva Prasanna S" userId="S::sivaprasanna.s@iamneo.ai::3f99ddd6-8f78-41d3-b6e2-fa1d0164a322" providerId="AD" clId="Web-{674EA7B0-DEA6-4C26-A8F4-F1727A51BE80}" dt="2023-11-15T16:13:32.575" v="85"/>
+          <ac:cxnSpMkLst>
+            <pc:docMk/>
+            <pc:sldMk cId="1256372734" sldId="295"/>
+            <ac:cxnSpMk id="15" creationId="{F11AD06B-AB20-4097-8606-5DA00DBACE88}"/>
+          </ac:cxnSpMkLst>
+        </pc:cxnChg>
+      </pc:sldChg>
+      <pc:sldChg chg="addSp delSp modSp add">
+        <pc:chgData name="Siva Prasanna S" userId="S::sivaprasanna.s@iamneo.ai::3f99ddd6-8f78-41d3-b6e2-fa1d0164a322" providerId="AD" clId="Web-{674EA7B0-DEA6-4C26-A8F4-F1727A51BE80}" dt="2023-11-15T16:24:25.440" v="165" actId="20577"/>
+        <pc:sldMkLst>
+          <pc:docMk/>
+          <pc:sldMk cId="11481694" sldId="296"/>
+        </pc:sldMkLst>
+        <pc:spChg chg="mod">
+          <ac:chgData name="Siva Prasanna S" userId="S::sivaprasanna.s@iamneo.ai::3f99ddd6-8f78-41d3-b6e2-fa1d0164a322" providerId="AD" clId="Web-{674EA7B0-DEA6-4C26-A8F4-F1727A51BE80}" dt="2023-11-15T16:24:25.440" v="165" actId="20577"/>
+          <ac:spMkLst>
+            <pc:docMk/>
+            <pc:sldMk cId="11481694" sldId="296"/>
+            <ac:spMk id="2" creationId="{0833764A-6054-E198-9B9B-D9EBC1F4D245}"/>
+          </ac:spMkLst>
+        </pc:spChg>
+        <pc:spChg chg="mod">
+          <ac:chgData name="Siva Prasanna S" userId="S::sivaprasanna.s@iamneo.ai::3f99ddd6-8f78-41d3-b6e2-fa1d0164a322" providerId="AD" clId="Web-{674EA7B0-DEA6-4C26-A8F4-F1727A51BE80}" dt="2023-11-15T16:17:33.811" v="119" actId="20577"/>
+          <ac:spMkLst>
+            <pc:docMk/>
+            <pc:sldMk cId="11481694" sldId="296"/>
+            <ac:spMk id="3" creationId="{BF6387C6-3A3A-ED00-D649-6CCE37F720FD}"/>
+          </ac:spMkLst>
+        </pc:spChg>
+        <pc:spChg chg="add del mod">
+          <ac:chgData name="Siva Prasanna S" userId="S::sivaprasanna.s@iamneo.ai::3f99ddd6-8f78-41d3-b6e2-fa1d0164a322" providerId="AD" clId="Web-{674EA7B0-DEA6-4C26-A8F4-F1727A51BE80}" dt="2023-11-15T16:17:46.280" v="123"/>
+          <ac:spMkLst>
+            <pc:docMk/>
+            <pc:sldMk cId="11481694" sldId="296"/>
+            <ac:spMk id="5" creationId="{8216EF68-E7E6-44B7-99A5-67167A1B9959}"/>
+          </ac:spMkLst>
+        </pc:spChg>
+        <pc:spChg chg="add del mod">
+          <ac:chgData name="Siva Prasanna S" userId="S::sivaprasanna.s@iamneo.ai::3f99ddd6-8f78-41d3-b6e2-fa1d0164a322" providerId="AD" clId="Web-{674EA7B0-DEA6-4C26-A8F4-F1727A51BE80}" dt="2023-11-15T16:18:08.327" v="127"/>
+          <ac:spMkLst>
+            <pc:docMk/>
+            <pc:sldMk cId="11481694" sldId="296"/>
+            <ac:spMk id="6" creationId="{63BF972F-BA74-8340-4114-2BE313B73A2B}"/>
+          </ac:spMkLst>
+        </pc:spChg>
+      </pc:sldChg>
+      <pc:sldChg chg="add del">
+        <pc:chgData name="Siva Prasanna S" userId="S::sivaprasanna.s@iamneo.ai::3f99ddd6-8f78-41d3-b6e2-fa1d0164a322" providerId="AD" clId="Web-{674EA7B0-DEA6-4C26-A8F4-F1727A51BE80}" dt="2023-11-15T16:14:06.981" v="87"/>
+        <pc:sldMkLst>
+          <pc:docMk/>
+          <pc:sldMk cId="2708703692" sldId="296"/>
+        </pc:sldMkLst>
+      </pc:sldChg>
+      <pc:sldChg chg="addSp modSp add mod ord setBg">
+        <pc:chgData name="Siva Prasanna S" userId="S::sivaprasanna.s@iamneo.ai::3f99ddd6-8f78-41d3-b6e2-fa1d0164a322" providerId="AD" clId="Web-{674EA7B0-DEA6-4C26-A8F4-F1727A51BE80}" dt="2023-11-15T16:23:51.377" v="155" actId="14100"/>
+        <pc:sldMkLst>
+          <pc:docMk/>
+          <pc:sldMk cId="367080879" sldId="297"/>
+        </pc:sldMkLst>
+        <pc:spChg chg="mod ord">
+          <ac:chgData name="Siva Prasanna S" userId="S::sivaprasanna.s@iamneo.ai::3f99ddd6-8f78-41d3-b6e2-fa1d0164a322" providerId="AD" clId="Web-{674EA7B0-DEA6-4C26-A8F4-F1727A51BE80}" dt="2023-11-15T16:23:51.377" v="155" actId="14100"/>
+          <ac:spMkLst>
+            <pc:docMk/>
+            <pc:sldMk cId="367080879" sldId="297"/>
+            <ac:spMk id="4" creationId="{E35E5EF3-BD40-3089-78A4-EC5682014E91}"/>
+          </ac:spMkLst>
+        </pc:spChg>
+        <pc:spChg chg="add">
+          <ac:chgData name="Siva Prasanna S" userId="S::sivaprasanna.s@iamneo.ai::3f99ddd6-8f78-41d3-b6e2-fa1d0164a322" providerId="AD" clId="Web-{674EA7B0-DEA6-4C26-A8F4-F1727A51BE80}" dt="2023-11-15T16:23:10.674" v="134"/>
+          <ac:spMkLst>
+            <pc:docMk/>
+            <pc:sldMk cId="367080879" sldId="297"/>
+            <ac:spMk id="11" creationId="{2EB492CD-616E-47F8-933B-5E2D952A0593}"/>
+          </ac:spMkLst>
+        </pc:spChg>
+        <pc:spChg chg="add">
+          <ac:chgData name="Siva Prasanna S" userId="S::sivaprasanna.s@iamneo.ai::3f99ddd6-8f78-41d3-b6e2-fa1d0164a322" providerId="AD" clId="Web-{674EA7B0-DEA6-4C26-A8F4-F1727A51BE80}" dt="2023-11-15T16:23:10.674" v="134"/>
+          <ac:spMkLst>
+            <pc:docMk/>
+            <pc:sldMk cId="367080879" sldId="297"/>
+            <ac:spMk id="13" creationId="{59383CF9-23B5-4335-9B21-1791C4CF1C75}"/>
+          </ac:spMkLst>
+        </pc:spChg>
+        <pc:spChg chg="add">
+          <ac:chgData name="Siva Prasanna S" userId="S::sivaprasanna.s@iamneo.ai::3f99ddd6-8f78-41d3-b6e2-fa1d0164a322" providerId="AD" clId="Web-{674EA7B0-DEA6-4C26-A8F4-F1727A51BE80}" dt="2023-11-15T16:23:10.674" v="134"/>
+          <ac:spMkLst>
+            <pc:docMk/>
+            <pc:sldMk cId="367080879" sldId="297"/>
+            <ac:spMk id="15" creationId="{0007FE00-9498-4706-B255-6437B0252C02}"/>
+          </ac:spMkLst>
+        </pc:spChg>
+        <pc:picChg chg="mod">
+          <ac:chgData name="Siva Prasanna S" userId="S::sivaprasanna.s@iamneo.ai::3f99ddd6-8f78-41d3-b6e2-fa1d0164a322" providerId="AD" clId="Web-{674EA7B0-DEA6-4C26-A8F4-F1727A51BE80}" dt="2023-11-15T16:23:10.674" v="134"/>
+          <ac:picMkLst>
+            <pc:docMk/>
+            <pc:sldMk cId="367080879" sldId="297"/>
+            <ac:picMk id="6" creationId="{B5C2B916-C6B8-2F60-D6CC-B0FD45202A0D}"/>
+          </ac:picMkLst>
+        </pc:picChg>
+      </pc:sldChg>
+      <pc:sldChg chg="add del">
+        <pc:chgData name="Siva Prasanna S" userId="S::sivaprasanna.s@iamneo.ai::3f99ddd6-8f78-41d3-b6e2-fa1d0164a322" providerId="AD" clId="Web-{674EA7B0-DEA6-4C26-A8F4-F1727A51BE80}" dt="2023-11-15T16:24:01.471" v="157"/>
+        <pc:sldMkLst>
+          <pc:docMk/>
+          <pc:sldMk cId="1405477241" sldId="298"/>
+        </pc:sldMkLst>
+      </pc:sldChg>
+      <pc:sldChg chg="modSp add ord">
+        <pc:chgData name="Siva Prasanna S" userId="S::sivaprasanna.s@iamneo.ai::3f99ddd6-8f78-41d3-b6e2-fa1d0164a322" providerId="AD" clId="Web-{674EA7B0-DEA6-4C26-A8F4-F1727A51BE80}" dt="2023-11-15T16:24:57.768" v="177"/>
+        <pc:sldMkLst>
+          <pc:docMk/>
+          <pc:sldMk cId="2731792910" sldId="298"/>
+        </pc:sldMkLst>
+        <pc:spChg chg="mod">
+          <ac:chgData name="Siva Prasanna S" userId="S::sivaprasanna.s@iamneo.ai::3f99ddd6-8f78-41d3-b6e2-fa1d0164a322" providerId="AD" clId="Web-{674EA7B0-DEA6-4C26-A8F4-F1727A51BE80}" dt="2023-11-15T16:24:30.143" v="169" actId="20577"/>
+          <ac:spMkLst>
+            <pc:docMk/>
+            <pc:sldMk cId="2731792910" sldId="298"/>
+            <ac:spMk id="2" creationId="{0833764A-6054-E198-9B9B-D9EBC1F4D245}"/>
+          </ac:spMkLst>
+        </pc:spChg>
+        <pc:spChg chg="mod">
+          <ac:chgData name="Siva Prasanna S" userId="S::sivaprasanna.s@iamneo.ai::3f99ddd6-8f78-41d3-b6e2-fa1d0164a322" providerId="AD" clId="Web-{674EA7B0-DEA6-4C26-A8F4-F1727A51BE80}" dt="2023-11-15T16:24:47.721" v="175" actId="20577"/>
+          <ac:spMkLst>
+            <pc:docMk/>
+            <pc:sldMk cId="2731792910" sldId="298"/>
+            <ac:spMk id="3" creationId="{BF6387C6-3A3A-ED00-D649-6CCE37F720FD}"/>
+          </ac:spMkLst>
+        </pc:spChg>
+      </pc:sldChg>
+      <pc:sldChg chg="add del">
+        <pc:chgData name="Siva Prasanna S" userId="S::sivaprasanna.s@iamneo.ai::3f99ddd6-8f78-41d3-b6e2-fa1d0164a322" providerId="AD" clId="Web-{674EA7B0-DEA6-4C26-A8F4-F1727A51BE80}" dt="2023-11-15T16:25:06.815" v="178"/>
+        <pc:sldMkLst>
+          <pc:docMk/>
+          <pc:sldMk cId="302504115" sldId="299"/>
+        </pc:sldMkLst>
+      </pc:sldChg>
+      <pc:sldChg chg="modSp add ord">
+        <pc:chgData name="Siva Prasanna S" userId="S::sivaprasanna.s@iamneo.ai::3f99ddd6-8f78-41d3-b6e2-fa1d0164a322" providerId="AD" clId="Web-{674EA7B0-DEA6-4C26-A8F4-F1727A51BE80}" dt="2023-11-15T16:25:25.175" v="185" actId="20577"/>
+        <pc:sldMkLst>
+          <pc:docMk/>
+          <pc:sldMk cId="309698563" sldId="299"/>
+        </pc:sldMkLst>
+        <pc:spChg chg="mod">
+          <ac:chgData name="Siva Prasanna S" userId="S::sivaprasanna.s@iamneo.ai::3f99ddd6-8f78-41d3-b6e2-fa1d0164a322" providerId="AD" clId="Web-{674EA7B0-DEA6-4C26-A8F4-F1727A51BE80}" dt="2023-11-15T16:25:25.175" v="185" actId="20577"/>
+          <ac:spMkLst>
+            <pc:docMk/>
+            <pc:sldMk cId="309698563" sldId="299"/>
+            <ac:spMk id="4" creationId="{E35E5EF3-BD40-3089-78A4-EC5682014E91}"/>
+          </ac:spMkLst>
+        </pc:spChg>
+      </pc:sldChg>
+      <pc:sldChg chg="add del">
+        <pc:chgData name="Siva Prasanna S" userId="S::sivaprasanna.s@iamneo.ai::3f99ddd6-8f78-41d3-b6e2-fa1d0164a322" providerId="AD" clId="Web-{674EA7B0-DEA6-4C26-A8F4-F1727A51BE80}" dt="2023-11-15T16:25:10.909" v="180"/>
+        <pc:sldMkLst>
+          <pc:docMk/>
+          <pc:sldMk cId="4204295193" sldId="299"/>
+        </pc:sldMkLst>
+      </pc:sldChg>
+    </pc:docChg>
+  </pc:docChgLst>
 </pc:chgInfo>
 </file>
 
@@ -2701,7 +3086,7 @@
           <a:p>
             <a:fld id="{846CE7D5-CF57-46EF-B807-FDD0502418D4}" type="datetimeFigureOut">
               <a:rPr lang="en-US" smtClean="0"/>
-              <a:t>11/12/2023</a:t>
+              <a:t>11/15/2023</a:t>
             </a:fld>
             <a:endParaRPr lang="en-US"/>
           </a:p>
@@ -2871,7 +3256,7 @@
           <a:p>
             <a:fld id="{846CE7D5-CF57-46EF-B807-FDD0502418D4}" type="datetimeFigureOut">
               <a:rPr lang="en-US" smtClean="0"/>
-              <a:t>11/12/2023</a:t>
+              <a:t>11/15/2023</a:t>
             </a:fld>
             <a:endParaRPr lang="en-US"/>
           </a:p>
@@ -3051,7 +3436,7 @@
           <a:p>
             <a:fld id="{846CE7D5-CF57-46EF-B807-FDD0502418D4}" type="datetimeFigureOut">
               <a:rPr lang="en-US" smtClean="0"/>
-              <a:t>11/12/2023</a:t>
+              <a:t>11/15/2023</a:t>
             </a:fld>
             <a:endParaRPr lang="en-US"/>
           </a:p>
@@ -3221,7 +3606,7 @@
           <a:p>
             <a:fld id="{846CE7D5-CF57-46EF-B807-FDD0502418D4}" type="datetimeFigureOut">
               <a:rPr lang="en-US" smtClean="0"/>
-              <a:t>11/12/2023</a:t>
+              <a:t>11/15/2023</a:t>
             </a:fld>
             <a:endParaRPr lang="en-US"/>
           </a:p>
@@ -3467,7 +3852,7 @@
           <a:p>
             <a:fld id="{846CE7D5-CF57-46EF-B807-FDD0502418D4}" type="datetimeFigureOut">
               <a:rPr lang="en-US" smtClean="0"/>
-              <a:t>11/12/2023</a:t>
+              <a:t>11/15/2023</a:t>
             </a:fld>
             <a:endParaRPr lang="en-US"/>
           </a:p>
@@ -3699,7 +4084,7 @@
           <a:p>
             <a:fld id="{846CE7D5-CF57-46EF-B807-FDD0502418D4}" type="datetimeFigureOut">
               <a:rPr lang="en-US" smtClean="0"/>
-              <a:t>11/12/2023</a:t>
+              <a:t>11/15/2023</a:t>
             </a:fld>
             <a:endParaRPr lang="en-US"/>
           </a:p>
@@ -4066,7 +4451,7 @@
           <a:p>
             <a:fld id="{846CE7D5-CF57-46EF-B807-FDD0502418D4}" type="datetimeFigureOut">
               <a:rPr lang="en-US" smtClean="0"/>
-              <a:t>11/12/2023</a:t>
+              <a:t>11/15/2023</a:t>
             </a:fld>
             <a:endParaRPr lang="en-US"/>
           </a:p>
@@ -4184,7 +4569,7 @@
           <a:p>
             <a:fld id="{846CE7D5-CF57-46EF-B807-FDD0502418D4}" type="datetimeFigureOut">
               <a:rPr lang="en-US" smtClean="0"/>
-              <a:t>11/12/2023</a:t>
+              <a:t>11/15/2023</a:t>
             </a:fld>
             <a:endParaRPr lang="en-US"/>
           </a:p>
@@ -4279,7 +4664,7 @@
           <a:p>
             <a:fld id="{846CE7D5-CF57-46EF-B807-FDD0502418D4}" type="datetimeFigureOut">
               <a:rPr lang="en-US" smtClean="0"/>
-              <a:t>11/12/2023</a:t>
+              <a:t>11/15/2023</a:t>
             </a:fld>
             <a:endParaRPr lang="en-US"/>
           </a:p>
@@ -4556,7 +4941,7 @@
           <a:p>
             <a:fld id="{846CE7D5-CF57-46EF-B807-FDD0502418D4}" type="datetimeFigureOut">
               <a:rPr lang="en-US" smtClean="0"/>
-              <a:t>11/12/2023</a:t>
+              <a:t>11/15/2023</a:t>
             </a:fld>
             <a:endParaRPr lang="en-US"/>
           </a:p>
@@ -4813,7 +5198,7 @@
           <a:p>
             <a:fld id="{846CE7D5-CF57-46EF-B807-FDD0502418D4}" type="datetimeFigureOut">
               <a:rPr lang="en-US" smtClean="0"/>
-              <a:t>11/12/2023</a:t>
+              <a:t>11/15/2023</a:t>
             </a:fld>
             <a:endParaRPr lang="en-US"/>
           </a:p>
@@ -5026,7 +5411,7 @@
           <a:p>
             <a:fld id="{846CE7D5-CF57-46EF-B807-FDD0502418D4}" type="datetimeFigureOut">
               <a:rPr lang="en-US" smtClean="0"/>
-              <a:t>11/12/2023</a:t>
+              <a:t>11/15/2023</a:t>
             </a:fld>
             <a:endParaRPr lang="en-US"/>
           </a:p>
@@ -18755,6 +19140,3071 @@
 </p:sld>
 </file>
 
+<file path=ppt/slides/slide34.xml><?xml version="1.0" encoding="utf-8"?>
+<p:sld xmlns:a="http://schemas.openxmlformats.org/drawingml/2006/main" xmlns:r="http://schemas.openxmlformats.org/officeDocument/2006/relationships" xmlns:p="http://schemas.openxmlformats.org/presentationml/2006/main">
+  <p:cSld>
+    <p:bg>
+      <p:bgPr>
+        <a:solidFill>
+          <a:schemeClr val="bg1"/>
+        </a:solidFill>
+        <a:effectLst/>
+      </p:bgPr>
+    </p:bg>
+    <p:spTree>
+      <p:nvGrpSpPr>
+        <p:cNvPr id="1" name=""/>
+        <p:cNvGrpSpPr/>
+        <p:nvPr/>
+      </p:nvGrpSpPr>
+      <p:grpSpPr>
+        <a:xfrm>
+          <a:off x="0" y="0"/>
+          <a:ext cx="0" cy="0"/>
+          <a:chOff x="0" y="0"/>
+          <a:chExt cx="0" cy="0"/>
+        </a:xfrm>
+      </p:grpSpPr>
+      <p:sp>
+        <p:nvSpPr>
+          <p:cNvPr id="18" name="Rectangle 17">
+            <a:extLst>
+              <a:ext uri="{FF2B5EF4-FFF2-40B4-BE49-F238E27FC236}">
+                <a16:creationId xmlns:a16="http://schemas.microsoft.com/office/drawing/2014/main" id="{6EA86598-DA2C-41D5-BC0C-E877F8818EEB}"/>
+              </a:ext>
+              <a:ext uri="{C183D7F6-B498-43B3-948B-1728B52AA6E4}">
+                <adec:decorative xmlns:adec="http://schemas.microsoft.com/office/drawing/2017/decorative" val="1"/>
+              </a:ext>
+            </a:extLst>
+          </p:cNvPr>
+          <p:cNvSpPr>
+            <a:spLocks noGrp="1" noRot="1" noChangeAspect="1" noMove="1" noResize="1" noEditPoints="1" noAdjustHandles="1" noChangeArrowheads="1" noChangeShapeType="1" noTextEdit="1"/>
+          </p:cNvSpPr>
+          <p:nvPr>
+            <p:extLst>
+              <p:ext uri="{386F3935-93C4-4BCD-93E2-E3B085C9AB24}">
+                <p16:designElem xmlns:p16="http://schemas.microsoft.com/office/powerpoint/2015/main" val="1"/>
+              </p:ext>
+            </p:extLst>
+          </p:nvPr>
+        </p:nvSpPr>
+        <p:spPr>
+          <a:xfrm>
+            <a:off x="10" y="0"/>
+            <a:ext cx="6095990" cy="6858001"/>
+          </a:xfrm>
+          <a:prstGeom prst="rect">
+            <a:avLst/>
+          </a:prstGeom>
+          <a:solidFill>
+            <a:schemeClr val="tx1">
+              <a:lumMod val="85000"/>
+              <a:lumOff val="15000"/>
+            </a:schemeClr>
+          </a:solidFill>
+          <a:ln>
+            <a:noFill/>
+          </a:ln>
+        </p:spPr>
+        <p:style>
+          <a:lnRef idx="2">
+            <a:schemeClr val="accent1">
+              <a:shade val="50000"/>
+            </a:schemeClr>
+          </a:lnRef>
+          <a:fillRef idx="1">
+            <a:schemeClr val="accent1"/>
+          </a:fillRef>
+          <a:effectRef idx="0">
+            <a:schemeClr val="accent1"/>
+          </a:effectRef>
+          <a:fontRef idx="minor">
+            <a:schemeClr val="lt1"/>
+          </a:fontRef>
+        </p:style>
+        <p:txBody>
+          <a:bodyPr rtlCol="0" anchor="ctr"/>
+          <a:lstStyle/>
+          <a:p>
+            <a:pPr algn="ctr"/>
+            <a:endParaRPr lang="en-US"/>
+          </a:p>
+        </p:txBody>
+      </p:sp>
+      <p:sp>
+        <p:nvSpPr>
+          <p:cNvPr id="2" name="Title 1">
+            <a:extLst>
+              <a:ext uri="{FF2B5EF4-FFF2-40B4-BE49-F238E27FC236}">
+                <a16:creationId xmlns:a16="http://schemas.microsoft.com/office/drawing/2014/main" id="{0833764A-6054-E198-9B9B-D9EBC1F4D245}"/>
+              </a:ext>
+            </a:extLst>
+          </p:cNvPr>
+          <p:cNvSpPr>
+            <a:spLocks noGrp="1"/>
+          </p:cNvSpPr>
+          <p:nvPr>
+            <p:ph type="title"/>
+          </p:nvPr>
+        </p:nvSpPr>
+        <p:spPr>
+          <a:xfrm>
+            <a:off x="1155557" y="637763"/>
+            <a:ext cx="4310698" cy="1627274"/>
+          </a:xfrm>
+        </p:spPr>
+        <p:txBody>
+          <a:bodyPr anchor="t">
+            <a:normAutofit/>
+          </a:bodyPr>
+          <a:lstStyle/>
+          <a:p>
+            <a:r>
+              <a:rPr lang="en-GB" sz="4800" dirty="0">
+                <a:solidFill>
+                  <a:schemeClr val="bg1"/>
+                </a:solidFill>
+                <a:ea typeface="Calibri Light"/>
+                <a:cs typeface="Calibri Light"/>
+              </a:rPr>
+              <a:t>Pure Component</a:t>
+            </a:r>
+          </a:p>
+        </p:txBody>
+      </p:sp>
+      <p:sp>
+        <p:nvSpPr>
+          <p:cNvPr id="19" name="Rectangle 18">
+            <a:extLst>
+              <a:ext uri="{FF2B5EF4-FFF2-40B4-BE49-F238E27FC236}">
+                <a16:creationId xmlns:a16="http://schemas.microsoft.com/office/drawing/2014/main" id="{450D3AD2-FA80-415F-A9CE-54D884561CD7}"/>
+              </a:ext>
+              <a:ext uri="{C183D7F6-B498-43B3-948B-1728B52AA6E4}">
+                <adec:decorative xmlns:adec="http://schemas.microsoft.com/office/drawing/2017/decorative" val="1"/>
+              </a:ext>
+            </a:extLst>
+          </p:cNvPr>
+          <p:cNvSpPr>
+            <a:spLocks noGrp="1" noRot="1" noChangeAspect="1" noMove="1" noResize="1" noEditPoints="1" noAdjustHandles="1" noChangeArrowheads="1" noChangeShapeType="1" noTextEdit="1"/>
+          </p:cNvSpPr>
+          <p:nvPr>
+            <p:extLst>
+              <p:ext uri="{386F3935-93C4-4BCD-93E2-E3B085C9AB24}">
+                <p16:designElem xmlns:p16="http://schemas.microsoft.com/office/powerpoint/2015/main" val="1"/>
+              </p:ext>
+            </p:extLst>
+          </p:nvPr>
+        </p:nvSpPr>
+        <p:spPr>
+          <a:xfrm>
+            <a:off x="1155556" y="2372156"/>
+            <a:ext cx="457200" cy="45720"/>
+          </a:xfrm>
+          <a:prstGeom prst="rect">
+            <a:avLst/>
+          </a:prstGeom>
+          <a:solidFill>
+            <a:schemeClr val="bg1"/>
+          </a:solidFill>
+          <a:ln>
+            <a:noFill/>
+          </a:ln>
+        </p:spPr>
+        <p:style>
+          <a:lnRef idx="2">
+            <a:schemeClr val="accent1">
+              <a:shade val="50000"/>
+            </a:schemeClr>
+          </a:lnRef>
+          <a:fillRef idx="1">
+            <a:schemeClr val="accent1"/>
+          </a:fillRef>
+          <a:effectRef idx="0">
+            <a:schemeClr val="accent1"/>
+          </a:effectRef>
+          <a:fontRef idx="minor">
+            <a:schemeClr val="lt1"/>
+          </a:fontRef>
+        </p:style>
+        <p:txBody>
+          <a:bodyPr rtlCol="0" anchor="ctr"/>
+          <a:lstStyle/>
+          <a:p>
+            <a:pPr algn="ctr"/>
+            <a:endParaRPr lang="en-US">
+              <a:solidFill>
+                <a:schemeClr val="bg1"/>
+              </a:solidFill>
+            </a:endParaRPr>
+          </a:p>
+        </p:txBody>
+      </p:sp>
+      <p:sp>
+        <p:nvSpPr>
+          <p:cNvPr id="3" name="Content Placeholder 2">
+            <a:extLst>
+              <a:ext uri="{FF2B5EF4-FFF2-40B4-BE49-F238E27FC236}">
+                <a16:creationId xmlns:a16="http://schemas.microsoft.com/office/drawing/2014/main" id="{BF6387C6-3A3A-ED00-D649-6CCE37F720FD}"/>
+              </a:ext>
+            </a:extLst>
+          </p:cNvPr>
+          <p:cNvSpPr>
+            <a:spLocks noGrp="1"/>
+          </p:cNvSpPr>
+          <p:nvPr>
+            <p:ph idx="1"/>
+          </p:nvPr>
+        </p:nvSpPr>
+        <p:spPr>
+          <a:xfrm>
+            <a:off x="191140" y="2660677"/>
+            <a:ext cx="5646044" cy="3633467"/>
+          </a:xfrm>
+        </p:spPr>
+        <p:txBody>
+          <a:bodyPr vert="horz" lIns="91440" tIns="45720" rIns="91440" bIns="45720" rtlCol="0" anchor="t">
+            <a:noAutofit/>
+          </a:bodyPr>
+          <a:lstStyle/>
+          <a:p>
+            <a:pPr marL="342900" indent="-342900"/>
+            <a:r>
+              <a:rPr lang="en-GB" sz="2400" dirty="0">
+                <a:solidFill>
+                  <a:srgbClr val="D1D5DB"/>
+                </a:solidFill>
+                <a:latin typeface="Arial"/>
+                <a:ea typeface="+mn-lt"/>
+                <a:cs typeface="Arial"/>
+              </a:rPr>
+              <a:t>A pure function is a function whose output is determined solely by its input, without observable side effects.</a:t>
+            </a:r>
+            <a:endParaRPr lang="en-GB" dirty="0">
+              <a:cs typeface="Calibri" panose="020F0502020204030204"/>
+            </a:endParaRPr>
+          </a:p>
+          <a:p>
+            <a:pPr marL="342900" indent="-342900"/>
+            <a:r>
+              <a:rPr lang="en-GB" sz="2400" dirty="0">
+                <a:solidFill>
+                  <a:srgbClr val="D1D5DB"/>
+                </a:solidFill>
+                <a:latin typeface="Arial"/>
+                <a:ea typeface="+mn-lt"/>
+                <a:cs typeface="Arial"/>
+              </a:rPr>
+              <a:t>Given the same input, a pure function will always return the same output.</a:t>
+            </a:r>
+            <a:endParaRPr lang="en-GB" dirty="0">
+              <a:cs typeface="Calibri" panose="020F0502020204030204"/>
+            </a:endParaRPr>
+          </a:p>
+          <a:p>
+            <a:pPr marL="342900" indent="-342900"/>
+            <a:r>
+              <a:rPr lang="en-GB" sz="2400" dirty="0">
+                <a:solidFill>
+                  <a:srgbClr val="D1D5DB"/>
+                </a:solidFill>
+                <a:latin typeface="Arial"/>
+                <a:cs typeface="Arial"/>
+              </a:rPr>
+              <a:t>Pure functions do not modify external state or </a:t>
+            </a:r>
+            <a:r>
+              <a:rPr lang="en-GB" sz="2400" dirty="0">
+                <a:solidFill>
+                  <a:srgbClr val="D1D5DB"/>
+                </a:solidFill>
+                <a:latin typeface="Arial"/>
+                <a:ea typeface="+mn-lt"/>
+                <a:cs typeface="Arial"/>
+              </a:rPr>
+              <a:t>have side effects.</a:t>
+            </a:r>
+            <a:endParaRPr lang="en-GB" dirty="0">
+              <a:cs typeface="Calibri" panose="020F0502020204030204"/>
+            </a:endParaRPr>
+          </a:p>
+          <a:p>
+            <a:pPr marL="0" indent="0">
+              <a:buNone/>
+            </a:pPr>
+            <a:endParaRPr lang="en-GB" sz="2400" dirty="0">
+              <a:solidFill>
+                <a:srgbClr val="D1D5DB"/>
+              </a:solidFill>
+              <a:latin typeface="Arial"/>
+              <a:ea typeface="+mn-lt"/>
+              <a:cs typeface="Calibri"/>
+            </a:endParaRPr>
+          </a:p>
+        </p:txBody>
+      </p:sp>
+      <p:sp>
+        <p:nvSpPr>
+          <p:cNvPr id="20" name="Rectangle 19">
+            <a:extLst>
+              <a:ext uri="{FF2B5EF4-FFF2-40B4-BE49-F238E27FC236}">
+                <a16:creationId xmlns:a16="http://schemas.microsoft.com/office/drawing/2014/main" id="{87F16C5A-0D41-47A9-B0A2-9C2AD7A8CF32}"/>
+              </a:ext>
+              <a:ext uri="{C183D7F6-B498-43B3-948B-1728B52AA6E4}">
+                <adec:decorative xmlns:adec="http://schemas.microsoft.com/office/drawing/2017/decorative" val="1"/>
+              </a:ext>
+            </a:extLst>
+          </p:cNvPr>
+          <p:cNvSpPr>
+            <a:spLocks noGrp="1" noRot="1" noChangeAspect="1" noMove="1" noResize="1" noEditPoints="1" noAdjustHandles="1" noChangeArrowheads="1" noChangeShapeType="1" noTextEdit="1"/>
+          </p:cNvSpPr>
+          <p:nvPr>
+            <p:extLst>
+              <p:ext uri="{386F3935-93C4-4BCD-93E2-E3B085C9AB24}">
+                <p16:designElem xmlns:p16="http://schemas.microsoft.com/office/powerpoint/2015/main" val="1"/>
+              </p:ext>
+            </p:extLst>
+          </p:nvPr>
+        </p:nvSpPr>
+        <p:spPr>
+          <a:xfrm>
+            <a:off x="6096000" y="0"/>
+            <a:ext cx="6095990" cy="6858001"/>
+          </a:xfrm>
+          <a:prstGeom prst="rect">
+            <a:avLst/>
+          </a:prstGeom>
+          <a:solidFill>
+            <a:schemeClr val="bg1">
+              <a:lumMod val="95000"/>
+            </a:schemeClr>
+          </a:solidFill>
+          <a:ln>
+            <a:noFill/>
+          </a:ln>
+        </p:spPr>
+        <p:style>
+          <a:lnRef idx="2">
+            <a:schemeClr val="accent1">
+              <a:shade val="50000"/>
+            </a:schemeClr>
+          </a:lnRef>
+          <a:fillRef idx="1">
+            <a:schemeClr val="accent1"/>
+          </a:fillRef>
+          <a:effectRef idx="0">
+            <a:schemeClr val="accent1"/>
+          </a:effectRef>
+          <a:fontRef idx="minor">
+            <a:schemeClr val="lt1"/>
+          </a:fontRef>
+        </p:style>
+        <p:txBody>
+          <a:bodyPr rtlCol="0" anchor="ctr"/>
+          <a:lstStyle/>
+          <a:p>
+            <a:pPr algn="ctr"/>
+            <a:endParaRPr lang="en-US"/>
+          </a:p>
+        </p:txBody>
+      </p:sp>
+      <p:pic>
+        <p:nvPicPr>
+          <p:cNvPr id="4" name="Picture 3" descr="A cartoon character holding a yellow sign&#10;&#10;Description automatically generated">
+            <a:extLst>
+              <a:ext uri="{FF2B5EF4-FFF2-40B4-BE49-F238E27FC236}">
+                <a16:creationId xmlns:a16="http://schemas.microsoft.com/office/drawing/2014/main" id="{2860CD2C-E4D1-F87C-470E-16FC6E598C56}"/>
+              </a:ext>
+            </a:extLst>
+          </p:cNvPr>
+          <p:cNvPicPr>
+            <a:picLocks noChangeAspect="1"/>
+          </p:cNvPicPr>
+          <p:nvPr/>
+        </p:nvPicPr>
+        <p:blipFill>
+          <a:blip r:embed="rId2"/>
+          <a:stretch>
+            <a:fillRect/>
+          </a:stretch>
+        </p:blipFill>
+        <p:spPr>
+          <a:xfrm>
+            <a:off x="7275147" y="637762"/>
+            <a:ext cx="3234525" cy="5576770"/>
+          </a:xfrm>
+          <a:prstGeom prst="rect">
+            <a:avLst/>
+          </a:prstGeom>
+        </p:spPr>
+      </p:pic>
+    </p:spTree>
+    <p:extLst>
+      <p:ext uri="{BB962C8B-B14F-4D97-AF65-F5344CB8AC3E}">
+        <p14:creationId xmlns:p14="http://schemas.microsoft.com/office/powerpoint/2010/main" val="11481694"/>
+      </p:ext>
+    </p:extLst>
+  </p:cSld>
+  <p:clrMapOvr>
+    <a:masterClrMapping/>
+  </p:clrMapOvr>
+</p:sld>
+</file>
+
+<file path=ppt/slides/slide35.xml><?xml version="1.0" encoding="utf-8"?>
+<p:sld xmlns:a="http://schemas.openxmlformats.org/drawingml/2006/main" xmlns:r="http://schemas.openxmlformats.org/officeDocument/2006/relationships" xmlns:p="http://schemas.openxmlformats.org/presentationml/2006/main">
+  <p:cSld>
+    <p:bg>
+      <p:bgPr>
+        <a:solidFill>
+          <a:schemeClr val="bg1"/>
+        </a:solidFill>
+        <a:effectLst/>
+      </p:bgPr>
+    </p:bg>
+    <p:spTree>
+      <p:nvGrpSpPr>
+        <p:cNvPr id="1" name=""/>
+        <p:cNvGrpSpPr/>
+        <p:nvPr/>
+      </p:nvGrpSpPr>
+      <p:grpSpPr>
+        <a:xfrm>
+          <a:off x="0" y="0"/>
+          <a:ext cx="0" cy="0"/>
+          <a:chOff x="0" y="0"/>
+          <a:chExt cx="0" cy="0"/>
+        </a:xfrm>
+      </p:grpSpPr>
+      <p:sp useBgFill="1">
+        <p:nvSpPr>
+          <p:cNvPr id="11" name="Rectangle 10">
+            <a:extLst>
+              <a:ext uri="{FF2B5EF4-FFF2-40B4-BE49-F238E27FC236}">
+                <a16:creationId xmlns:a16="http://schemas.microsoft.com/office/drawing/2014/main" id="{2EB492CD-616E-47F8-933B-5E2D952A0593}"/>
+              </a:ext>
+              <a:ext uri="{C183D7F6-B498-43B3-948B-1728B52AA6E4}">
+                <adec:decorative xmlns:adec="http://schemas.microsoft.com/office/drawing/2017/decorative" val="1"/>
+              </a:ext>
+            </a:extLst>
+          </p:cNvPr>
+          <p:cNvSpPr>
+            <a:spLocks noGrp="1" noRot="1" noChangeAspect="1" noMove="1" noResize="1" noEditPoints="1" noAdjustHandles="1" noChangeArrowheads="1" noChangeShapeType="1" noTextEdit="1"/>
+          </p:cNvSpPr>
+          <p:nvPr>
+            <p:extLst>
+              <p:ext uri="{386F3935-93C4-4BCD-93E2-E3B085C9AB24}">
+                <p16:designElem xmlns:p16="http://schemas.microsoft.com/office/powerpoint/2015/main" val="1"/>
+              </p:ext>
+            </p:extLst>
+          </p:nvPr>
+        </p:nvSpPr>
+        <p:spPr bwMode="white">
+          <a:xfrm>
+            <a:off x="0" y="0"/>
+            <a:ext cx="12192000" cy="6858000"/>
+          </a:xfrm>
+          <a:prstGeom prst="rect">
+            <a:avLst/>
+          </a:prstGeom>
+          <a:ln>
+            <a:noFill/>
+          </a:ln>
+        </p:spPr>
+        <p:style>
+          <a:lnRef idx="2">
+            <a:schemeClr val="accent1">
+              <a:shade val="50000"/>
+            </a:schemeClr>
+          </a:lnRef>
+          <a:fillRef idx="1">
+            <a:schemeClr val="accent1"/>
+          </a:fillRef>
+          <a:effectRef idx="0">
+            <a:schemeClr val="accent1"/>
+          </a:effectRef>
+          <a:fontRef idx="minor">
+            <a:schemeClr val="lt1"/>
+          </a:fontRef>
+        </p:style>
+        <p:txBody>
+          <a:bodyPr rtlCol="0" anchor="ctr"/>
+          <a:lstStyle>
+            <a:defPPr>
+              <a:defRPr lang="en-US"/>
+            </a:defPPr>
+            <a:lvl1pPr marL="0" algn="l" defTabSz="914400" rtl="0" eaLnBrk="1" latinLnBrk="0" hangingPunct="1">
+              <a:defRPr sz="1800" kern="1200">
+                <a:solidFill>
+                  <a:schemeClr val="lt1"/>
+                </a:solidFill>
+                <a:latin typeface="+mn-lt"/>
+                <a:ea typeface="+mn-ea"/>
+                <a:cs typeface="+mn-cs"/>
+              </a:defRPr>
+            </a:lvl1pPr>
+            <a:lvl2pPr marL="457200" algn="l" defTabSz="914400" rtl="0" eaLnBrk="1" latinLnBrk="0" hangingPunct="1">
+              <a:defRPr sz="1800" kern="1200">
+                <a:solidFill>
+                  <a:schemeClr val="lt1"/>
+                </a:solidFill>
+                <a:latin typeface="+mn-lt"/>
+                <a:ea typeface="+mn-ea"/>
+                <a:cs typeface="+mn-cs"/>
+              </a:defRPr>
+            </a:lvl2pPr>
+            <a:lvl3pPr marL="914400" algn="l" defTabSz="914400" rtl="0" eaLnBrk="1" latinLnBrk="0" hangingPunct="1">
+              <a:defRPr sz="1800" kern="1200">
+                <a:solidFill>
+                  <a:schemeClr val="lt1"/>
+                </a:solidFill>
+                <a:latin typeface="+mn-lt"/>
+                <a:ea typeface="+mn-ea"/>
+                <a:cs typeface="+mn-cs"/>
+              </a:defRPr>
+            </a:lvl3pPr>
+            <a:lvl4pPr marL="1371600" algn="l" defTabSz="914400" rtl="0" eaLnBrk="1" latinLnBrk="0" hangingPunct="1">
+              <a:defRPr sz="1800" kern="1200">
+                <a:solidFill>
+                  <a:schemeClr val="lt1"/>
+                </a:solidFill>
+                <a:latin typeface="+mn-lt"/>
+                <a:ea typeface="+mn-ea"/>
+                <a:cs typeface="+mn-cs"/>
+              </a:defRPr>
+            </a:lvl4pPr>
+            <a:lvl5pPr marL="1828800" algn="l" defTabSz="914400" rtl="0" eaLnBrk="1" latinLnBrk="0" hangingPunct="1">
+              <a:defRPr sz="1800" kern="1200">
+                <a:solidFill>
+                  <a:schemeClr val="lt1"/>
+                </a:solidFill>
+                <a:latin typeface="+mn-lt"/>
+                <a:ea typeface="+mn-ea"/>
+                <a:cs typeface="+mn-cs"/>
+              </a:defRPr>
+            </a:lvl5pPr>
+            <a:lvl6pPr marL="2286000" algn="l" defTabSz="914400" rtl="0" eaLnBrk="1" latinLnBrk="0" hangingPunct="1">
+              <a:defRPr sz="1800" kern="1200">
+                <a:solidFill>
+                  <a:schemeClr val="lt1"/>
+                </a:solidFill>
+                <a:latin typeface="+mn-lt"/>
+                <a:ea typeface="+mn-ea"/>
+                <a:cs typeface="+mn-cs"/>
+              </a:defRPr>
+            </a:lvl6pPr>
+            <a:lvl7pPr marL="2743200" algn="l" defTabSz="914400" rtl="0" eaLnBrk="1" latinLnBrk="0" hangingPunct="1">
+              <a:defRPr sz="1800" kern="1200">
+                <a:solidFill>
+                  <a:schemeClr val="lt1"/>
+                </a:solidFill>
+                <a:latin typeface="+mn-lt"/>
+                <a:ea typeface="+mn-ea"/>
+                <a:cs typeface="+mn-cs"/>
+              </a:defRPr>
+            </a:lvl7pPr>
+            <a:lvl8pPr marL="3200400" algn="l" defTabSz="914400" rtl="0" eaLnBrk="1" latinLnBrk="0" hangingPunct="1">
+              <a:defRPr sz="1800" kern="1200">
+                <a:solidFill>
+                  <a:schemeClr val="lt1"/>
+                </a:solidFill>
+                <a:latin typeface="+mn-lt"/>
+                <a:ea typeface="+mn-ea"/>
+                <a:cs typeface="+mn-cs"/>
+              </a:defRPr>
+            </a:lvl8pPr>
+            <a:lvl9pPr marL="3657600" algn="l" defTabSz="914400" rtl="0" eaLnBrk="1" latinLnBrk="0" hangingPunct="1">
+              <a:defRPr sz="1800" kern="1200">
+                <a:solidFill>
+                  <a:schemeClr val="lt1"/>
+                </a:solidFill>
+                <a:latin typeface="+mn-lt"/>
+                <a:ea typeface="+mn-ea"/>
+                <a:cs typeface="+mn-cs"/>
+              </a:defRPr>
+            </a:lvl9pPr>
+          </a:lstStyle>
+          <a:p>
+            <a:pPr algn="ctr"/>
+            <a:endParaRPr lang="en-US"/>
+          </a:p>
+        </p:txBody>
+      </p:sp>
+      <p:sp>
+        <p:nvSpPr>
+          <p:cNvPr id="13" name="Arc 12">
+            <a:extLst>
+              <a:ext uri="{FF2B5EF4-FFF2-40B4-BE49-F238E27FC236}">
+                <a16:creationId xmlns:a16="http://schemas.microsoft.com/office/drawing/2014/main" id="{59383CF9-23B5-4335-9B21-1791C4CF1C75}"/>
+              </a:ext>
+              <a:ext uri="{C183D7F6-B498-43B3-948B-1728B52AA6E4}">
+                <adec:decorative xmlns:adec="http://schemas.microsoft.com/office/drawing/2017/decorative" val="1"/>
+              </a:ext>
+            </a:extLst>
+          </p:cNvPr>
+          <p:cNvSpPr>
+            <a:spLocks noGrp="1" noRot="1" noChangeAspect="1" noMove="1" noResize="1" noEditPoints="1" noAdjustHandles="1" noChangeArrowheads="1" noChangeShapeType="1" noTextEdit="1"/>
+          </p:cNvSpPr>
+          <p:nvPr>
+            <p:extLst>
+              <p:ext uri="{386F3935-93C4-4BCD-93E2-E3B085C9AB24}">
+                <p16:designElem xmlns:p16="http://schemas.microsoft.com/office/powerpoint/2015/main" val="1"/>
+              </p:ext>
+            </p:extLst>
+          </p:nvPr>
+        </p:nvSpPr>
+        <p:spPr>
+          <a:xfrm rot="3967198" flipH="1">
+            <a:off x="8631348" y="490493"/>
+            <a:ext cx="2987899" cy="2987899"/>
+          </a:xfrm>
+          <a:prstGeom prst="arc">
+            <a:avLst>
+              <a:gd name="adj1" fmla="val 14441841"/>
+              <a:gd name="adj2" fmla="val 0"/>
+            </a:avLst>
+          </a:prstGeom>
+          <a:ln w="127000" cap="rnd">
+            <a:solidFill>
+              <a:schemeClr val="accent4"/>
+            </a:solidFill>
+            <a:prstDash val="dash"/>
+            <a:miter lim="800000"/>
+          </a:ln>
+        </p:spPr>
+        <p:style>
+          <a:lnRef idx="1">
+            <a:schemeClr val="accent1"/>
+          </a:lnRef>
+          <a:fillRef idx="0">
+            <a:schemeClr val="accent1"/>
+          </a:fillRef>
+          <a:effectRef idx="0">
+            <a:schemeClr val="accent1"/>
+          </a:effectRef>
+          <a:fontRef idx="minor">
+            <a:schemeClr val="tx1"/>
+          </a:fontRef>
+        </p:style>
+        <p:txBody>
+          <a:bodyPr rtlCol="0" anchor="ctr"/>
+          <a:lstStyle/>
+          <a:p>
+            <a:pPr marL="0" marR="0" lvl="0" indent="0" algn="ctr" defTabSz="914400" rtl="0" eaLnBrk="1" fontAlgn="auto" latinLnBrk="0" hangingPunct="1">
+              <a:lnSpc>
+                <a:spcPct val="100000"/>
+              </a:lnSpc>
+              <a:spcBef>
+                <a:spcPts val="0"/>
+              </a:spcBef>
+              <a:spcAft>
+                <a:spcPts val="0"/>
+              </a:spcAft>
+              <a:buClrTx/>
+              <a:buSzTx/>
+              <a:buFontTx/>
+              <a:buNone/>
+              <a:tabLst/>
+              <a:defRPr/>
+            </a:pPr>
+            <a:endParaRPr kumimoji="0" lang="en-US" sz="1800" b="0" i="0" u="none" strike="noStrike" kern="1200" cap="none" spc="0" normalizeH="0" baseline="0" noProof="0">
+              <a:ln>
+                <a:noFill/>
+              </a:ln>
+              <a:solidFill>
+                <a:srgbClr val="000000"/>
+              </a:solidFill>
+              <a:effectLst/>
+              <a:uLnTx/>
+              <a:uFillTx/>
+              <a:latin typeface="Calibri" panose="020F0502020204030204"/>
+              <a:ea typeface="+mn-ea"/>
+              <a:cs typeface="+mn-cs"/>
+            </a:endParaRPr>
+          </a:p>
+        </p:txBody>
+      </p:sp>
+      <p:sp>
+        <p:nvSpPr>
+          <p:cNvPr id="15" name="Freeform: Shape 14">
+            <a:extLst>
+              <a:ext uri="{FF2B5EF4-FFF2-40B4-BE49-F238E27FC236}">
+                <a16:creationId xmlns:a16="http://schemas.microsoft.com/office/drawing/2014/main" id="{0007FE00-9498-4706-B255-6437B0252C02}"/>
+              </a:ext>
+              <a:ext uri="{C183D7F6-B498-43B3-948B-1728B52AA6E4}">
+                <adec:decorative xmlns:adec="http://schemas.microsoft.com/office/drawing/2017/decorative" val="1"/>
+              </a:ext>
+            </a:extLst>
+          </p:cNvPr>
+          <p:cNvSpPr>
+            <a:spLocks noGrp="1" noRot="1" noChangeAspect="1" noMove="1" noResize="1" noEditPoints="1" noAdjustHandles="1" noChangeArrowheads="1" noChangeShapeType="1" noTextEdit="1"/>
+          </p:cNvSpPr>
+          <p:nvPr>
+            <p:extLst>
+              <p:ext uri="{386F3935-93C4-4BCD-93E2-E3B085C9AB24}">
+                <p16:designElem xmlns:p16="http://schemas.microsoft.com/office/powerpoint/2015/main" val="1"/>
+              </p:ext>
+            </p:extLst>
+          </p:nvPr>
+        </p:nvSpPr>
+        <p:spPr>
+          <a:xfrm flipH="1">
+            <a:off x="0" y="5486400"/>
+            <a:ext cx="2672863" cy="1371600"/>
+          </a:xfrm>
+          <a:custGeom>
+            <a:avLst/>
+            <a:gdLst>
+              <a:gd name="connsiteX0" fmla="*/ 1721734 w 2672863"/>
+              <a:gd name="connsiteY0" fmla="*/ 0 h 1371600"/>
+              <a:gd name="connsiteX1" fmla="*/ 2564444 w 2672863"/>
+              <a:gd name="connsiteY1" fmla="*/ 213382 h 1371600"/>
+              <a:gd name="connsiteX2" fmla="*/ 2672863 w 2672863"/>
+              <a:gd name="connsiteY2" fmla="*/ 279248 h 1371600"/>
+              <a:gd name="connsiteX3" fmla="*/ 2672863 w 2672863"/>
+              <a:gd name="connsiteY3" fmla="*/ 1371600 h 1371600"/>
+              <a:gd name="connsiteX4" fmla="*/ 0 w 2672863"/>
+              <a:gd name="connsiteY4" fmla="*/ 1371600 h 1371600"/>
+              <a:gd name="connsiteX5" fmla="*/ 33268 w 2672863"/>
+              <a:gd name="connsiteY5" fmla="*/ 1242216 h 1371600"/>
+              <a:gd name="connsiteX6" fmla="*/ 1721734 w 2672863"/>
+              <a:gd name="connsiteY6" fmla="*/ 0 h 1371600"/>
+            </a:gdLst>
+            <a:ahLst/>
+            <a:cxnLst>
+              <a:cxn ang="0">
+                <a:pos x="connsiteX0" y="connsiteY0"/>
+              </a:cxn>
+              <a:cxn ang="0">
+                <a:pos x="connsiteX1" y="connsiteY1"/>
+              </a:cxn>
+              <a:cxn ang="0">
+                <a:pos x="connsiteX2" y="connsiteY2"/>
+              </a:cxn>
+              <a:cxn ang="0">
+                <a:pos x="connsiteX3" y="connsiteY3"/>
+              </a:cxn>
+              <a:cxn ang="0">
+                <a:pos x="connsiteX4" y="connsiteY4"/>
+              </a:cxn>
+              <a:cxn ang="0">
+                <a:pos x="connsiteX5" y="connsiteY5"/>
+              </a:cxn>
+              <a:cxn ang="0">
+                <a:pos x="connsiteX6" y="connsiteY6"/>
+              </a:cxn>
+            </a:cxnLst>
+            <a:rect l="l" t="t" r="r" b="b"/>
+            <a:pathLst>
+              <a:path w="2672863" h="1371600">
+                <a:moveTo>
+                  <a:pt x="1721734" y="0"/>
+                </a:moveTo>
+                <a:cubicBezTo>
+                  <a:pt x="2026863" y="0"/>
+                  <a:pt x="2313937" y="77299"/>
+                  <a:pt x="2564444" y="213382"/>
+                </a:cubicBezTo>
+                <a:lnTo>
+                  <a:pt x="2672863" y="279248"/>
+                </a:lnTo>
+                <a:lnTo>
+                  <a:pt x="2672863" y="1371600"/>
+                </a:lnTo>
+                <a:lnTo>
+                  <a:pt x="0" y="1371600"/>
+                </a:lnTo>
+                <a:lnTo>
+                  <a:pt x="33268" y="1242216"/>
+                </a:lnTo>
+                <a:cubicBezTo>
+                  <a:pt x="257110" y="522539"/>
+                  <a:pt x="928399" y="0"/>
+                  <a:pt x="1721734" y="0"/>
+                </a:cubicBezTo>
+                <a:close/>
+              </a:path>
+            </a:pathLst>
+          </a:custGeom>
+          <a:solidFill>
+            <a:schemeClr val="accent4"/>
+          </a:solidFill>
+          <a:ln>
+            <a:noFill/>
+          </a:ln>
+        </p:spPr>
+        <p:style>
+          <a:lnRef idx="2">
+            <a:schemeClr val="accent1">
+              <a:shade val="50000"/>
+            </a:schemeClr>
+          </a:lnRef>
+          <a:fillRef idx="1">
+            <a:schemeClr val="accent1"/>
+          </a:fillRef>
+          <a:effectRef idx="0">
+            <a:schemeClr val="accent1"/>
+          </a:effectRef>
+          <a:fontRef idx="minor">
+            <a:schemeClr val="lt1"/>
+          </a:fontRef>
+        </p:style>
+        <p:txBody>
+          <a:bodyPr wrap="square" rtlCol="0" anchor="ctr">
+            <a:noAutofit/>
+          </a:bodyPr>
+          <a:lstStyle/>
+          <a:p>
+            <a:pPr algn="ctr"/>
+            <a:endParaRPr lang="en-US"/>
+          </a:p>
+        </p:txBody>
+      </p:sp>
+      <p:pic>
+        <p:nvPicPr>
+          <p:cNvPr id="6" name="Picture 5" descr="A cartoon character holding a yellow sign&#10;&#10;Description automatically generated">
+            <a:extLst>
+              <a:ext uri="{FF2B5EF4-FFF2-40B4-BE49-F238E27FC236}">
+                <a16:creationId xmlns:a16="http://schemas.microsoft.com/office/drawing/2014/main" id="{B5C2B916-C6B8-2F60-D6CC-B0FD45202A0D}"/>
+              </a:ext>
+            </a:extLst>
+          </p:cNvPr>
+          <p:cNvPicPr>
+            <a:picLocks noChangeAspect="1"/>
+          </p:cNvPicPr>
+          <p:nvPr/>
+        </p:nvPicPr>
+        <p:blipFill>
+          <a:blip r:embed="rId2"/>
+          <a:stretch>
+            <a:fillRect/>
+          </a:stretch>
+        </p:blipFill>
+        <p:spPr>
+          <a:xfrm>
+            <a:off x="1448829" y="511293"/>
+            <a:ext cx="3286087" cy="5665670"/>
+          </a:xfrm>
+          <a:custGeom>
+            <a:avLst/>
+            <a:gdLst/>
+            <a:ahLst/>
+            <a:cxnLst/>
+            <a:rect l="l" t="t" r="r" b="b"/>
+            <a:pathLst>
+              <a:path w="4777381" h="5643794">
+                <a:moveTo>
+                  <a:pt x="143704" y="0"/>
+                </a:moveTo>
+                <a:lnTo>
+                  <a:pt x="4633677" y="0"/>
+                </a:lnTo>
+                <a:cubicBezTo>
+                  <a:pt x="4713043" y="0"/>
+                  <a:pt x="4777381" y="64338"/>
+                  <a:pt x="4777381" y="143704"/>
+                </a:cubicBezTo>
+                <a:lnTo>
+                  <a:pt x="4777381" y="5500090"/>
+                </a:lnTo>
+                <a:cubicBezTo>
+                  <a:pt x="4777381" y="5579456"/>
+                  <a:pt x="4713043" y="5643794"/>
+                  <a:pt x="4633677" y="5643794"/>
+                </a:cubicBezTo>
+                <a:lnTo>
+                  <a:pt x="143704" y="5643794"/>
+                </a:lnTo>
+                <a:cubicBezTo>
+                  <a:pt x="64338" y="5643794"/>
+                  <a:pt x="0" y="5579456"/>
+                  <a:pt x="0" y="5500090"/>
+                </a:cubicBezTo>
+                <a:lnTo>
+                  <a:pt x="0" y="143704"/>
+                </a:lnTo>
+                <a:cubicBezTo>
+                  <a:pt x="0" y="64338"/>
+                  <a:pt x="64338" y="0"/>
+                  <a:pt x="143704" y="0"/>
+                </a:cubicBezTo>
+                <a:close/>
+              </a:path>
+            </a:pathLst>
+          </a:custGeom>
+        </p:spPr>
+      </p:pic>
+      <p:sp>
+        <p:nvSpPr>
+          <p:cNvPr id="4" name="TextBox 3">
+            <a:extLst>
+              <a:ext uri="{FF2B5EF4-FFF2-40B4-BE49-F238E27FC236}">
+                <a16:creationId xmlns:a16="http://schemas.microsoft.com/office/drawing/2014/main" id="{E35E5EF3-BD40-3089-78A4-EC5682014E91}"/>
+              </a:ext>
+            </a:extLst>
+          </p:cNvPr>
+          <p:cNvSpPr txBox="1"/>
+          <p:nvPr/>
+        </p:nvSpPr>
+        <p:spPr>
+          <a:xfrm>
+            <a:off x="5278877" y="1984443"/>
+            <a:ext cx="6464029" cy="4192520"/>
+          </a:xfrm>
+          <a:prstGeom prst="rect">
+            <a:avLst/>
+          </a:prstGeom>
+        </p:spPr>
+        <p:txBody>
+          <a:bodyPr rot="0" spcFirstLastPara="0" vertOverflow="overflow" horzOverflow="overflow" vert="horz" lIns="91440" tIns="45720" rIns="91440" bIns="45720" numCol="1" spcCol="0" rtlCol="0" fromWordArt="0" anchor="t" anchorCtr="0" forceAA="0" compatLnSpc="1">
+            <a:prstTxWarp prst="textNoShape">
+              <a:avLst/>
+            </a:prstTxWarp>
+            <a:normAutofit/>
+          </a:bodyPr>
+          <a:lstStyle/>
+          <a:p>
+            <a:pPr>
+              <a:lnSpc>
+                <a:spcPct val="90000"/>
+              </a:lnSpc>
+              <a:spcAft>
+                <a:spcPts val="600"/>
+              </a:spcAft>
+            </a:pPr>
+            <a:r>
+              <a:rPr lang="en-US" sz="2400" dirty="0">
+                <a:latin typeface="Arial"/>
+                <a:cs typeface="Arial"/>
+              </a:rPr>
+              <a:t>const </a:t>
+            </a:r>
+            <a:r>
+              <a:rPr lang="en-US" sz="2400" dirty="0" err="1">
+                <a:latin typeface="Arial"/>
+                <a:cs typeface="Arial"/>
+              </a:rPr>
+              <a:t>PureFunctionComponent</a:t>
+            </a:r>
+            <a:r>
+              <a:rPr lang="en-US" sz="2400" dirty="0">
+                <a:latin typeface="Arial"/>
+                <a:cs typeface="Arial"/>
+              </a:rPr>
+              <a:t> = ({ value }) =&gt; {</a:t>
+            </a:r>
+          </a:p>
+          <a:p>
+            <a:pPr>
+              <a:lnSpc>
+                <a:spcPct val="90000"/>
+              </a:lnSpc>
+              <a:spcAft>
+                <a:spcPts val="600"/>
+              </a:spcAft>
+            </a:pPr>
+            <a:r>
+              <a:rPr lang="en-US" sz="2400" dirty="0">
+                <a:latin typeface="Arial"/>
+                <a:cs typeface="Arial"/>
+              </a:rPr>
+              <a:t>    const </a:t>
+            </a:r>
+            <a:r>
+              <a:rPr lang="en-US" sz="2400" dirty="0" err="1">
+                <a:latin typeface="Arial"/>
+                <a:cs typeface="Arial"/>
+              </a:rPr>
+              <a:t>doubledValue</a:t>
+            </a:r>
+            <a:r>
+              <a:rPr lang="en-US" sz="2400" dirty="0">
+                <a:latin typeface="Arial"/>
+                <a:cs typeface="Arial"/>
+              </a:rPr>
+              <a:t> = value * 2;</a:t>
+            </a:r>
+          </a:p>
+          <a:p>
+            <a:pPr>
+              <a:lnSpc>
+                <a:spcPct val="90000"/>
+              </a:lnSpc>
+              <a:spcAft>
+                <a:spcPts val="600"/>
+              </a:spcAft>
+            </a:pPr>
+            <a:r>
+              <a:rPr lang="en-US" sz="2400" dirty="0">
+                <a:latin typeface="Arial"/>
+                <a:cs typeface="Arial"/>
+              </a:rPr>
+              <a:t>    return &lt;div&gt;{</a:t>
+            </a:r>
+            <a:r>
+              <a:rPr lang="en-US" sz="2400" dirty="0" err="1">
+                <a:latin typeface="Arial"/>
+                <a:cs typeface="Arial"/>
+              </a:rPr>
+              <a:t>doubledValue</a:t>
+            </a:r>
+            <a:r>
+              <a:rPr lang="en-US" sz="2400" dirty="0">
+                <a:latin typeface="Arial"/>
+                <a:cs typeface="Arial"/>
+              </a:rPr>
+              <a:t>}&lt;/div&gt;;</a:t>
+            </a:r>
+            <a:endParaRPr lang="en-US" sz="2400">
+              <a:latin typeface="Arial"/>
+              <a:cs typeface="Calibri"/>
+            </a:endParaRPr>
+          </a:p>
+          <a:p>
+            <a:pPr>
+              <a:lnSpc>
+                <a:spcPct val="90000"/>
+              </a:lnSpc>
+              <a:spcAft>
+                <a:spcPts val="600"/>
+              </a:spcAft>
+            </a:pPr>
+            <a:r>
+              <a:rPr lang="en-US" sz="2400" dirty="0">
+                <a:latin typeface="Arial"/>
+                <a:cs typeface="Arial"/>
+              </a:rPr>
+              <a:t>};</a:t>
+            </a:r>
+            <a:endParaRPr lang="en-US" sz="2400" dirty="0">
+              <a:latin typeface="Arial"/>
+              <a:cs typeface="Calibri"/>
+            </a:endParaRPr>
+          </a:p>
+          <a:p>
+            <a:pPr indent="-228600">
+              <a:lnSpc>
+                <a:spcPct val="90000"/>
+              </a:lnSpc>
+              <a:spcAft>
+                <a:spcPts val="600"/>
+              </a:spcAft>
+              <a:buFont typeface="Arial" panose="020B0604020202020204" pitchFamily="34" charset="0"/>
+              <a:buChar char="•"/>
+            </a:pPr>
+            <a:endParaRPr lang="en-US" sz="2400" dirty="0">
+              <a:latin typeface="Arial"/>
+              <a:cs typeface="Arial"/>
+            </a:endParaRPr>
+          </a:p>
+          <a:p>
+            <a:pPr indent="-228600">
+              <a:lnSpc>
+                <a:spcPct val="90000"/>
+              </a:lnSpc>
+              <a:spcAft>
+                <a:spcPts val="600"/>
+              </a:spcAft>
+              <a:buFont typeface="Arial" panose="020B0604020202020204" pitchFamily="34" charset="0"/>
+              <a:buChar char="•"/>
+            </a:pPr>
+            <a:endParaRPr lang="en-US" sz="2400" dirty="0">
+              <a:latin typeface="Arial"/>
+              <a:cs typeface="Arial"/>
+            </a:endParaRPr>
+          </a:p>
+        </p:txBody>
+      </p:sp>
+    </p:spTree>
+    <p:extLst>
+      <p:ext uri="{BB962C8B-B14F-4D97-AF65-F5344CB8AC3E}">
+        <p14:creationId xmlns:p14="http://schemas.microsoft.com/office/powerpoint/2010/main" val="367080879"/>
+      </p:ext>
+    </p:extLst>
+  </p:cSld>
+  <p:clrMapOvr>
+    <a:masterClrMapping/>
+  </p:clrMapOvr>
+</p:sld>
+</file>
+
+<file path=ppt/slides/slide36.xml><?xml version="1.0" encoding="utf-8"?>
+<p:sld xmlns:a="http://schemas.openxmlformats.org/drawingml/2006/main" xmlns:r="http://schemas.openxmlformats.org/officeDocument/2006/relationships" xmlns:p="http://schemas.openxmlformats.org/presentationml/2006/main">
+  <p:cSld>
+    <p:bg>
+      <p:bgPr>
+        <a:solidFill>
+          <a:schemeClr val="bg1"/>
+        </a:solidFill>
+        <a:effectLst/>
+      </p:bgPr>
+    </p:bg>
+    <p:spTree>
+      <p:nvGrpSpPr>
+        <p:cNvPr id="1" name=""/>
+        <p:cNvGrpSpPr/>
+        <p:nvPr/>
+      </p:nvGrpSpPr>
+      <p:grpSpPr>
+        <a:xfrm>
+          <a:off x="0" y="0"/>
+          <a:ext cx="0" cy="0"/>
+          <a:chOff x="0" y="0"/>
+          <a:chExt cx="0" cy="0"/>
+        </a:xfrm>
+      </p:grpSpPr>
+      <p:sp>
+        <p:nvSpPr>
+          <p:cNvPr id="18" name="Rectangle 17">
+            <a:extLst>
+              <a:ext uri="{FF2B5EF4-FFF2-40B4-BE49-F238E27FC236}">
+                <a16:creationId xmlns:a16="http://schemas.microsoft.com/office/drawing/2014/main" id="{6EA86598-DA2C-41D5-BC0C-E877F8818EEB}"/>
+              </a:ext>
+              <a:ext uri="{C183D7F6-B498-43B3-948B-1728B52AA6E4}">
+                <adec:decorative xmlns:adec="http://schemas.microsoft.com/office/drawing/2017/decorative" val="1"/>
+              </a:ext>
+            </a:extLst>
+          </p:cNvPr>
+          <p:cNvSpPr>
+            <a:spLocks noGrp="1" noRot="1" noChangeAspect="1" noMove="1" noResize="1" noEditPoints="1" noAdjustHandles="1" noChangeArrowheads="1" noChangeShapeType="1" noTextEdit="1"/>
+          </p:cNvSpPr>
+          <p:nvPr>
+            <p:extLst>
+              <p:ext uri="{386F3935-93C4-4BCD-93E2-E3B085C9AB24}">
+                <p16:designElem xmlns:p16="http://schemas.microsoft.com/office/powerpoint/2015/main" val="1"/>
+              </p:ext>
+            </p:extLst>
+          </p:nvPr>
+        </p:nvSpPr>
+        <p:spPr>
+          <a:xfrm>
+            <a:off x="10" y="0"/>
+            <a:ext cx="6095990" cy="6858001"/>
+          </a:xfrm>
+          <a:prstGeom prst="rect">
+            <a:avLst/>
+          </a:prstGeom>
+          <a:solidFill>
+            <a:schemeClr val="tx1">
+              <a:lumMod val="85000"/>
+              <a:lumOff val="15000"/>
+            </a:schemeClr>
+          </a:solidFill>
+          <a:ln>
+            <a:noFill/>
+          </a:ln>
+        </p:spPr>
+        <p:style>
+          <a:lnRef idx="2">
+            <a:schemeClr val="accent1">
+              <a:shade val="50000"/>
+            </a:schemeClr>
+          </a:lnRef>
+          <a:fillRef idx="1">
+            <a:schemeClr val="accent1"/>
+          </a:fillRef>
+          <a:effectRef idx="0">
+            <a:schemeClr val="accent1"/>
+          </a:effectRef>
+          <a:fontRef idx="minor">
+            <a:schemeClr val="lt1"/>
+          </a:fontRef>
+        </p:style>
+        <p:txBody>
+          <a:bodyPr rtlCol="0" anchor="ctr"/>
+          <a:lstStyle/>
+          <a:p>
+            <a:pPr algn="ctr"/>
+            <a:endParaRPr lang="en-US"/>
+          </a:p>
+        </p:txBody>
+      </p:sp>
+      <p:sp>
+        <p:nvSpPr>
+          <p:cNvPr id="2" name="Title 1">
+            <a:extLst>
+              <a:ext uri="{FF2B5EF4-FFF2-40B4-BE49-F238E27FC236}">
+                <a16:creationId xmlns:a16="http://schemas.microsoft.com/office/drawing/2014/main" id="{0833764A-6054-E198-9B9B-D9EBC1F4D245}"/>
+              </a:ext>
+            </a:extLst>
+          </p:cNvPr>
+          <p:cNvSpPr>
+            <a:spLocks noGrp="1"/>
+          </p:cNvSpPr>
+          <p:nvPr>
+            <p:ph type="title"/>
+          </p:nvPr>
+        </p:nvSpPr>
+        <p:spPr>
+          <a:xfrm>
+            <a:off x="1155557" y="637763"/>
+            <a:ext cx="4310698" cy="1627274"/>
+          </a:xfrm>
+        </p:spPr>
+        <p:txBody>
+          <a:bodyPr anchor="t">
+            <a:normAutofit/>
+          </a:bodyPr>
+          <a:lstStyle/>
+          <a:p>
+            <a:r>
+              <a:rPr lang="en-GB" sz="4800" dirty="0">
+                <a:solidFill>
+                  <a:schemeClr val="bg1"/>
+                </a:solidFill>
+                <a:ea typeface="+mj-lt"/>
+                <a:cs typeface="+mj-lt"/>
+              </a:rPr>
+              <a:t>Impure Component</a:t>
+            </a:r>
+            <a:endParaRPr lang="en-US" dirty="0"/>
+          </a:p>
+        </p:txBody>
+      </p:sp>
+      <p:sp>
+        <p:nvSpPr>
+          <p:cNvPr id="19" name="Rectangle 18">
+            <a:extLst>
+              <a:ext uri="{FF2B5EF4-FFF2-40B4-BE49-F238E27FC236}">
+                <a16:creationId xmlns:a16="http://schemas.microsoft.com/office/drawing/2014/main" id="{450D3AD2-FA80-415F-A9CE-54D884561CD7}"/>
+              </a:ext>
+              <a:ext uri="{C183D7F6-B498-43B3-948B-1728B52AA6E4}">
+                <adec:decorative xmlns:adec="http://schemas.microsoft.com/office/drawing/2017/decorative" val="1"/>
+              </a:ext>
+            </a:extLst>
+          </p:cNvPr>
+          <p:cNvSpPr>
+            <a:spLocks noGrp="1" noRot="1" noChangeAspect="1" noMove="1" noResize="1" noEditPoints="1" noAdjustHandles="1" noChangeArrowheads="1" noChangeShapeType="1" noTextEdit="1"/>
+          </p:cNvSpPr>
+          <p:nvPr>
+            <p:extLst>
+              <p:ext uri="{386F3935-93C4-4BCD-93E2-E3B085C9AB24}">
+                <p16:designElem xmlns:p16="http://schemas.microsoft.com/office/powerpoint/2015/main" val="1"/>
+              </p:ext>
+            </p:extLst>
+          </p:nvPr>
+        </p:nvSpPr>
+        <p:spPr>
+          <a:xfrm>
+            <a:off x="1155556" y="2372156"/>
+            <a:ext cx="457200" cy="45720"/>
+          </a:xfrm>
+          <a:prstGeom prst="rect">
+            <a:avLst/>
+          </a:prstGeom>
+          <a:solidFill>
+            <a:schemeClr val="bg1"/>
+          </a:solidFill>
+          <a:ln>
+            <a:noFill/>
+          </a:ln>
+        </p:spPr>
+        <p:style>
+          <a:lnRef idx="2">
+            <a:schemeClr val="accent1">
+              <a:shade val="50000"/>
+            </a:schemeClr>
+          </a:lnRef>
+          <a:fillRef idx="1">
+            <a:schemeClr val="accent1"/>
+          </a:fillRef>
+          <a:effectRef idx="0">
+            <a:schemeClr val="accent1"/>
+          </a:effectRef>
+          <a:fontRef idx="minor">
+            <a:schemeClr val="lt1"/>
+          </a:fontRef>
+        </p:style>
+        <p:txBody>
+          <a:bodyPr rtlCol="0" anchor="ctr"/>
+          <a:lstStyle/>
+          <a:p>
+            <a:pPr algn="ctr"/>
+            <a:endParaRPr lang="en-US">
+              <a:solidFill>
+                <a:schemeClr val="bg1"/>
+              </a:solidFill>
+            </a:endParaRPr>
+          </a:p>
+        </p:txBody>
+      </p:sp>
+      <p:sp>
+        <p:nvSpPr>
+          <p:cNvPr id="3" name="Content Placeholder 2">
+            <a:extLst>
+              <a:ext uri="{FF2B5EF4-FFF2-40B4-BE49-F238E27FC236}">
+                <a16:creationId xmlns:a16="http://schemas.microsoft.com/office/drawing/2014/main" id="{BF6387C6-3A3A-ED00-D649-6CCE37F720FD}"/>
+              </a:ext>
+            </a:extLst>
+          </p:cNvPr>
+          <p:cNvSpPr>
+            <a:spLocks noGrp="1"/>
+          </p:cNvSpPr>
+          <p:nvPr>
+            <p:ph idx="1"/>
+          </p:nvPr>
+        </p:nvSpPr>
+        <p:spPr>
+          <a:xfrm>
+            <a:off x="191140" y="2660677"/>
+            <a:ext cx="5646044" cy="3633467"/>
+          </a:xfrm>
+        </p:spPr>
+        <p:txBody>
+          <a:bodyPr vert="horz" lIns="91440" tIns="45720" rIns="91440" bIns="45720" rtlCol="0" anchor="t">
+            <a:noAutofit/>
+          </a:bodyPr>
+          <a:lstStyle/>
+          <a:p>
+            <a:pPr marL="342900" indent="-342900"/>
+            <a:r>
+              <a:rPr lang="en-GB" sz="2400" dirty="0">
+                <a:solidFill>
+                  <a:srgbClr val="D1D5DB"/>
+                </a:solidFill>
+                <a:latin typeface="Arial"/>
+                <a:ea typeface="+mn-lt"/>
+                <a:cs typeface="Arial"/>
+              </a:rPr>
+              <a:t>An impure function may have side effects or depend on external state, and its output may not solely depend on its input.</a:t>
+            </a:r>
+            <a:endParaRPr lang="en-GB" dirty="0">
+              <a:latin typeface="Calibri"/>
+              <a:ea typeface="+mn-lt"/>
+              <a:cs typeface="Calibri"/>
+            </a:endParaRPr>
+          </a:p>
+          <a:p>
+            <a:pPr marL="342900" indent="-342900"/>
+            <a:r>
+              <a:rPr lang="en-GB" sz="2400" dirty="0">
+                <a:solidFill>
+                  <a:srgbClr val="D1D5DB"/>
+                </a:solidFill>
+                <a:latin typeface="Arial"/>
+                <a:ea typeface="+mn-lt"/>
+                <a:cs typeface="Arial"/>
+              </a:rPr>
+              <a:t>Impure functions can modify external state, perform asynchronous operations, or have other side effects.</a:t>
+            </a:r>
+            <a:endParaRPr lang="en-GB" dirty="0"/>
+          </a:p>
+        </p:txBody>
+      </p:sp>
+      <p:sp>
+        <p:nvSpPr>
+          <p:cNvPr id="20" name="Rectangle 19">
+            <a:extLst>
+              <a:ext uri="{FF2B5EF4-FFF2-40B4-BE49-F238E27FC236}">
+                <a16:creationId xmlns:a16="http://schemas.microsoft.com/office/drawing/2014/main" id="{87F16C5A-0D41-47A9-B0A2-9C2AD7A8CF32}"/>
+              </a:ext>
+              <a:ext uri="{C183D7F6-B498-43B3-948B-1728B52AA6E4}">
+                <adec:decorative xmlns:adec="http://schemas.microsoft.com/office/drawing/2017/decorative" val="1"/>
+              </a:ext>
+            </a:extLst>
+          </p:cNvPr>
+          <p:cNvSpPr>
+            <a:spLocks noGrp="1" noRot="1" noChangeAspect="1" noMove="1" noResize="1" noEditPoints="1" noAdjustHandles="1" noChangeArrowheads="1" noChangeShapeType="1" noTextEdit="1"/>
+          </p:cNvSpPr>
+          <p:nvPr>
+            <p:extLst>
+              <p:ext uri="{386F3935-93C4-4BCD-93E2-E3B085C9AB24}">
+                <p16:designElem xmlns:p16="http://schemas.microsoft.com/office/powerpoint/2015/main" val="1"/>
+              </p:ext>
+            </p:extLst>
+          </p:nvPr>
+        </p:nvSpPr>
+        <p:spPr>
+          <a:xfrm>
+            <a:off x="6096000" y="0"/>
+            <a:ext cx="6095990" cy="6858001"/>
+          </a:xfrm>
+          <a:prstGeom prst="rect">
+            <a:avLst/>
+          </a:prstGeom>
+          <a:solidFill>
+            <a:schemeClr val="bg1">
+              <a:lumMod val="95000"/>
+            </a:schemeClr>
+          </a:solidFill>
+          <a:ln>
+            <a:noFill/>
+          </a:ln>
+        </p:spPr>
+        <p:style>
+          <a:lnRef idx="2">
+            <a:schemeClr val="accent1">
+              <a:shade val="50000"/>
+            </a:schemeClr>
+          </a:lnRef>
+          <a:fillRef idx="1">
+            <a:schemeClr val="accent1"/>
+          </a:fillRef>
+          <a:effectRef idx="0">
+            <a:schemeClr val="accent1"/>
+          </a:effectRef>
+          <a:fontRef idx="minor">
+            <a:schemeClr val="lt1"/>
+          </a:fontRef>
+        </p:style>
+        <p:txBody>
+          <a:bodyPr rtlCol="0" anchor="ctr"/>
+          <a:lstStyle/>
+          <a:p>
+            <a:pPr algn="ctr"/>
+            <a:endParaRPr lang="en-US"/>
+          </a:p>
+        </p:txBody>
+      </p:sp>
+      <p:pic>
+        <p:nvPicPr>
+          <p:cNvPr id="4" name="Picture 3" descr="A cartoon character holding a yellow sign&#10;&#10;Description automatically generated">
+            <a:extLst>
+              <a:ext uri="{FF2B5EF4-FFF2-40B4-BE49-F238E27FC236}">
+                <a16:creationId xmlns:a16="http://schemas.microsoft.com/office/drawing/2014/main" id="{2860CD2C-E4D1-F87C-470E-16FC6E598C56}"/>
+              </a:ext>
+            </a:extLst>
+          </p:cNvPr>
+          <p:cNvPicPr>
+            <a:picLocks noChangeAspect="1"/>
+          </p:cNvPicPr>
+          <p:nvPr/>
+        </p:nvPicPr>
+        <p:blipFill>
+          <a:blip r:embed="rId2"/>
+          <a:stretch>
+            <a:fillRect/>
+          </a:stretch>
+        </p:blipFill>
+        <p:spPr>
+          <a:xfrm>
+            <a:off x="7275147" y="637762"/>
+            <a:ext cx="3234525" cy="5576770"/>
+          </a:xfrm>
+          <a:prstGeom prst="rect">
+            <a:avLst/>
+          </a:prstGeom>
+        </p:spPr>
+      </p:pic>
+    </p:spTree>
+    <p:extLst>
+      <p:ext uri="{BB962C8B-B14F-4D97-AF65-F5344CB8AC3E}">
+        <p14:creationId xmlns:p14="http://schemas.microsoft.com/office/powerpoint/2010/main" val="2731792910"/>
+      </p:ext>
+    </p:extLst>
+  </p:cSld>
+  <p:clrMapOvr>
+    <a:masterClrMapping/>
+  </p:clrMapOvr>
+</p:sld>
+</file>
+
+<file path=ppt/slides/slide37.xml><?xml version="1.0" encoding="utf-8"?>
+<p:sld xmlns:a="http://schemas.openxmlformats.org/drawingml/2006/main" xmlns:r="http://schemas.openxmlformats.org/officeDocument/2006/relationships" xmlns:p="http://schemas.openxmlformats.org/presentationml/2006/main">
+  <p:cSld>
+    <p:bg>
+      <p:bgPr>
+        <a:solidFill>
+          <a:schemeClr val="bg1"/>
+        </a:solidFill>
+        <a:effectLst/>
+      </p:bgPr>
+    </p:bg>
+    <p:spTree>
+      <p:nvGrpSpPr>
+        <p:cNvPr id="1" name=""/>
+        <p:cNvGrpSpPr/>
+        <p:nvPr/>
+      </p:nvGrpSpPr>
+      <p:grpSpPr>
+        <a:xfrm>
+          <a:off x="0" y="0"/>
+          <a:ext cx="0" cy="0"/>
+          <a:chOff x="0" y="0"/>
+          <a:chExt cx="0" cy="0"/>
+        </a:xfrm>
+      </p:grpSpPr>
+      <p:sp useBgFill="1">
+        <p:nvSpPr>
+          <p:cNvPr id="11" name="Rectangle 10">
+            <a:extLst>
+              <a:ext uri="{FF2B5EF4-FFF2-40B4-BE49-F238E27FC236}">
+                <a16:creationId xmlns:a16="http://schemas.microsoft.com/office/drawing/2014/main" id="{2EB492CD-616E-47F8-933B-5E2D952A0593}"/>
+              </a:ext>
+              <a:ext uri="{C183D7F6-B498-43B3-948B-1728B52AA6E4}">
+                <adec:decorative xmlns:adec="http://schemas.microsoft.com/office/drawing/2017/decorative" val="1"/>
+              </a:ext>
+            </a:extLst>
+          </p:cNvPr>
+          <p:cNvSpPr>
+            <a:spLocks noGrp="1" noRot="1" noChangeAspect="1" noMove="1" noResize="1" noEditPoints="1" noAdjustHandles="1" noChangeArrowheads="1" noChangeShapeType="1" noTextEdit="1"/>
+          </p:cNvSpPr>
+          <p:nvPr>
+            <p:extLst>
+              <p:ext uri="{386F3935-93C4-4BCD-93E2-E3B085C9AB24}">
+                <p16:designElem xmlns:p16="http://schemas.microsoft.com/office/powerpoint/2015/main" val="1"/>
+              </p:ext>
+            </p:extLst>
+          </p:nvPr>
+        </p:nvSpPr>
+        <p:spPr bwMode="white">
+          <a:xfrm>
+            <a:off x="0" y="0"/>
+            <a:ext cx="12192000" cy="6858000"/>
+          </a:xfrm>
+          <a:prstGeom prst="rect">
+            <a:avLst/>
+          </a:prstGeom>
+          <a:ln>
+            <a:noFill/>
+          </a:ln>
+        </p:spPr>
+        <p:style>
+          <a:lnRef idx="2">
+            <a:schemeClr val="accent1">
+              <a:shade val="50000"/>
+            </a:schemeClr>
+          </a:lnRef>
+          <a:fillRef idx="1">
+            <a:schemeClr val="accent1"/>
+          </a:fillRef>
+          <a:effectRef idx="0">
+            <a:schemeClr val="accent1"/>
+          </a:effectRef>
+          <a:fontRef idx="minor">
+            <a:schemeClr val="lt1"/>
+          </a:fontRef>
+        </p:style>
+        <p:txBody>
+          <a:bodyPr rtlCol="0" anchor="ctr"/>
+          <a:lstStyle>
+            <a:defPPr>
+              <a:defRPr lang="en-US"/>
+            </a:defPPr>
+            <a:lvl1pPr marL="0" algn="l" defTabSz="914400" rtl="0" eaLnBrk="1" latinLnBrk="0" hangingPunct="1">
+              <a:defRPr sz="1800" kern="1200">
+                <a:solidFill>
+                  <a:schemeClr val="lt1"/>
+                </a:solidFill>
+                <a:latin typeface="+mn-lt"/>
+                <a:ea typeface="+mn-ea"/>
+                <a:cs typeface="+mn-cs"/>
+              </a:defRPr>
+            </a:lvl1pPr>
+            <a:lvl2pPr marL="457200" algn="l" defTabSz="914400" rtl="0" eaLnBrk="1" latinLnBrk="0" hangingPunct="1">
+              <a:defRPr sz="1800" kern="1200">
+                <a:solidFill>
+                  <a:schemeClr val="lt1"/>
+                </a:solidFill>
+                <a:latin typeface="+mn-lt"/>
+                <a:ea typeface="+mn-ea"/>
+                <a:cs typeface="+mn-cs"/>
+              </a:defRPr>
+            </a:lvl2pPr>
+            <a:lvl3pPr marL="914400" algn="l" defTabSz="914400" rtl="0" eaLnBrk="1" latinLnBrk="0" hangingPunct="1">
+              <a:defRPr sz="1800" kern="1200">
+                <a:solidFill>
+                  <a:schemeClr val="lt1"/>
+                </a:solidFill>
+                <a:latin typeface="+mn-lt"/>
+                <a:ea typeface="+mn-ea"/>
+                <a:cs typeface="+mn-cs"/>
+              </a:defRPr>
+            </a:lvl3pPr>
+            <a:lvl4pPr marL="1371600" algn="l" defTabSz="914400" rtl="0" eaLnBrk="1" latinLnBrk="0" hangingPunct="1">
+              <a:defRPr sz="1800" kern="1200">
+                <a:solidFill>
+                  <a:schemeClr val="lt1"/>
+                </a:solidFill>
+                <a:latin typeface="+mn-lt"/>
+                <a:ea typeface="+mn-ea"/>
+                <a:cs typeface="+mn-cs"/>
+              </a:defRPr>
+            </a:lvl4pPr>
+            <a:lvl5pPr marL="1828800" algn="l" defTabSz="914400" rtl="0" eaLnBrk="1" latinLnBrk="0" hangingPunct="1">
+              <a:defRPr sz="1800" kern="1200">
+                <a:solidFill>
+                  <a:schemeClr val="lt1"/>
+                </a:solidFill>
+                <a:latin typeface="+mn-lt"/>
+                <a:ea typeface="+mn-ea"/>
+                <a:cs typeface="+mn-cs"/>
+              </a:defRPr>
+            </a:lvl5pPr>
+            <a:lvl6pPr marL="2286000" algn="l" defTabSz="914400" rtl="0" eaLnBrk="1" latinLnBrk="0" hangingPunct="1">
+              <a:defRPr sz="1800" kern="1200">
+                <a:solidFill>
+                  <a:schemeClr val="lt1"/>
+                </a:solidFill>
+                <a:latin typeface="+mn-lt"/>
+                <a:ea typeface="+mn-ea"/>
+                <a:cs typeface="+mn-cs"/>
+              </a:defRPr>
+            </a:lvl6pPr>
+            <a:lvl7pPr marL="2743200" algn="l" defTabSz="914400" rtl="0" eaLnBrk="1" latinLnBrk="0" hangingPunct="1">
+              <a:defRPr sz="1800" kern="1200">
+                <a:solidFill>
+                  <a:schemeClr val="lt1"/>
+                </a:solidFill>
+                <a:latin typeface="+mn-lt"/>
+                <a:ea typeface="+mn-ea"/>
+                <a:cs typeface="+mn-cs"/>
+              </a:defRPr>
+            </a:lvl7pPr>
+            <a:lvl8pPr marL="3200400" algn="l" defTabSz="914400" rtl="0" eaLnBrk="1" latinLnBrk="0" hangingPunct="1">
+              <a:defRPr sz="1800" kern="1200">
+                <a:solidFill>
+                  <a:schemeClr val="lt1"/>
+                </a:solidFill>
+                <a:latin typeface="+mn-lt"/>
+                <a:ea typeface="+mn-ea"/>
+                <a:cs typeface="+mn-cs"/>
+              </a:defRPr>
+            </a:lvl8pPr>
+            <a:lvl9pPr marL="3657600" algn="l" defTabSz="914400" rtl="0" eaLnBrk="1" latinLnBrk="0" hangingPunct="1">
+              <a:defRPr sz="1800" kern="1200">
+                <a:solidFill>
+                  <a:schemeClr val="lt1"/>
+                </a:solidFill>
+                <a:latin typeface="+mn-lt"/>
+                <a:ea typeface="+mn-ea"/>
+                <a:cs typeface="+mn-cs"/>
+              </a:defRPr>
+            </a:lvl9pPr>
+          </a:lstStyle>
+          <a:p>
+            <a:pPr algn="ctr"/>
+            <a:endParaRPr lang="en-US"/>
+          </a:p>
+        </p:txBody>
+      </p:sp>
+      <p:sp>
+        <p:nvSpPr>
+          <p:cNvPr id="13" name="Arc 12">
+            <a:extLst>
+              <a:ext uri="{FF2B5EF4-FFF2-40B4-BE49-F238E27FC236}">
+                <a16:creationId xmlns:a16="http://schemas.microsoft.com/office/drawing/2014/main" id="{59383CF9-23B5-4335-9B21-1791C4CF1C75}"/>
+              </a:ext>
+              <a:ext uri="{C183D7F6-B498-43B3-948B-1728B52AA6E4}">
+                <adec:decorative xmlns:adec="http://schemas.microsoft.com/office/drawing/2017/decorative" val="1"/>
+              </a:ext>
+            </a:extLst>
+          </p:cNvPr>
+          <p:cNvSpPr>
+            <a:spLocks noGrp="1" noRot="1" noChangeAspect="1" noMove="1" noResize="1" noEditPoints="1" noAdjustHandles="1" noChangeArrowheads="1" noChangeShapeType="1" noTextEdit="1"/>
+          </p:cNvSpPr>
+          <p:nvPr>
+            <p:extLst>
+              <p:ext uri="{386F3935-93C4-4BCD-93E2-E3B085C9AB24}">
+                <p16:designElem xmlns:p16="http://schemas.microsoft.com/office/powerpoint/2015/main" val="1"/>
+              </p:ext>
+            </p:extLst>
+          </p:nvPr>
+        </p:nvSpPr>
+        <p:spPr>
+          <a:xfrm rot="3967198" flipH="1">
+            <a:off x="8631348" y="490493"/>
+            <a:ext cx="2987899" cy="2987899"/>
+          </a:xfrm>
+          <a:prstGeom prst="arc">
+            <a:avLst>
+              <a:gd name="adj1" fmla="val 14441841"/>
+              <a:gd name="adj2" fmla="val 0"/>
+            </a:avLst>
+          </a:prstGeom>
+          <a:ln w="127000" cap="rnd">
+            <a:solidFill>
+              <a:schemeClr val="accent4"/>
+            </a:solidFill>
+            <a:prstDash val="dash"/>
+            <a:miter lim="800000"/>
+          </a:ln>
+        </p:spPr>
+        <p:style>
+          <a:lnRef idx="1">
+            <a:schemeClr val="accent1"/>
+          </a:lnRef>
+          <a:fillRef idx="0">
+            <a:schemeClr val="accent1"/>
+          </a:fillRef>
+          <a:effectRef idx="0">
+            <a:schemeClr val="accent1"/>
+          </a:effectRef>
+          <a:fontRef idx="minor">
+            <a:schemeClr val="tx1"/>
+          </a:fontRef>
+        </p:style>
+        <p:txBody>
+          <a:bodyPr rtlCol="0" anchor="ctr"/>
+          <a:lstStyle/>
+          <a:p>
+            <a:pPr marL="0" marR="0" lvl="0" indent="0" algn="ctr" defTabSz="914400" rtl="0" eaLnBrk="1" fontAlgn="auto" latinLnBrk="0" hangingPunct="1">
+              <a:lnSpc>
+                <a:spcPct val="100000"/>
+              </a:lnSpc>
+              <a:spcBef>
+                <a:spcPts val="0"/>
+              </a:spcBef>
+              <a:spcAft>
+                <a:spcPts val="0"/>
+              </a:spcAft>
+              <a:buClrTx/>
+              <a:buSzTx/>
+              <a:buFontTx/>
+              <a:buNone/>
+              <a:tabLst/>
+              <a:defRPr/>
+            </a:pPr>
+            <a:endParaRPr kumimoji="0" lang="en-US" sz="1800" b="0" i="0" u="none" strike="noStrike" kern="1200" cap="none" spc="0" normalizeH="0" baseline="0" noProof="0">
+              <a:ln>
+                <a:noFill/>
+              </a:ln>
+              <a:solidFill>
+                <a:srgbClr val="000000"/>
+              </a:solidFill>
+              <a:effectLst/>
+              <a:uLnTx/>
+              <a:uFillTx/>
+              <a:latin typeface="Calibri" panose="020F0502020204030204"/>
+              <a:ea typeface="+mn-ea"/>
+              <a:cs typeface="+mn-cs"/>
+            </a:endParaRPr>
+          </a:p>
+        </p:txBody>
+      </p:sp>
+      <p:sp>
+        <p:nvSpPr>
+          <p:cNvPr id="15" name="Freeform: Shape 14">
+            <a:extLst>
+              <a:ext uri="{FF2B5EF4-FFF2-40B4-BE49-F238E27FC236}">
+                <a16:creationId xmlns:a16="http://schemas.microsoft.com/office/drawing/2014/main" id="{0007FE00-9498-4706-B255-6437B0252C02}"/>
+              </a:ext>
+              <a:ext uri="{C183D7F6-B498-43B3-948B-1728B52AA6E4}">
+                <adec:decorative xmlns:adec="http://schemas.microsoft.com/office/drawing/2017/decorative" val="1"/>
+              </a:ext>
+            </a:extLst>
+          </p:cNvPr>
+          <p:cNvSpPr>
+            <a:spLocks noGrp="1" noRot="1" noChangeAspect="1" noMove="1" noResize="1" noEditPoints="1" noAdjustHandles="1" noChangeArrowheads="1" noChangeShapeType="1" noTextEdit="1"/>
+          </p:cNvSpPr>
+          <p:nvPr>
+            <p:extLst>
+              <p:ext uri="{386F3935-93C4-4BCD-93E2-E3B085C9AB24}">
+                <p16:designElem xmlns:p16="http://schemas.microsoft.com/office/powerpoint/2015/main" val="1"/>
+              </p:ext>
+            </p:extLst>
+          </p:nvPr>
+        </p:nvSpPr>
+        <p:spPr>
+          <a:xfrm flipH="1">
+            <a:off x="0" y="5486400"/>
+            <a:ext cx="2672863" cy="1371600"/>
+          </a:xfrm>
+          <a:custGeom>
+            <a:avLst/>
+            <a:gdLst>
+              <a:gd name="connsiteX0" fmla="*/ 1721734 w 2672863"/>
+              <a:gd name="connsiteY0" fmla="*/ 0 h 1371600"/>
+              <a:gd name="connsiteX1" fmla="*/ 2564444 w 2672863"/>
+              <a:gd name="connsiteY1" fmla="*/ 213382 h 1371600"/>
+              <a:gd name="connsiteX2" fmla="*/ 2672863 w 2672863"/>
+              <a:gd name="connsiteY2" fmla="*/ 279248 h 1371600"/>
+              <a:gd name="connsiteX3" fmla="*/ 2672863 w 2672863"/>
+              <a:gd name="connsiteY3" fmla="*/ 1371600 h 1371600"/>
+              <a:gd name="connsiteX4" fmla="*/ 0 w 2672863"/>
+              <a:gd name="connsiteY4" fmla="*/ 1371600 h 1371600"/>
+              <a:gd name="connsiteX5" fmla="*/ 33268 w 2672863"/>
+              <a:gd name="connsiteY5" fmla="*/ 1242216 h 1371600"/>
+              <a:gd name="connsiteX6" fmla="*/ 1721734 w 2672863"/>
+              <a:gd name="connsiteY6" fmla="*/ 0 h 1371600"/>
+            </a:gdLst>
+            <a:ahLst/>
+            <a:cxnLst>
+              <a:cxn ang="0">
+                <a:pos x="connsiteX0" y="connsiteY0"/>
+              </a:cxn>
+              <a:cxn ang="0">
+                <a:pos x="connsiteX1" y="connsiteY1"/>
+              </a:cxn>
+              <a:cxn ang="0">
+                <a:pos x="connsiteX2" y="connsiteY2"/>
+              </a:cxn>
+              <a:cxn ang="0">
+                <a:pos x="connsiteX3" y="connsiteY3"/>
+              </a:cxn>
+              <a:cxn ang="0">
+                <a:pos x="connsiteX4" y="connsiteY4"/>
+              </a:cxn>
+              <a:cxn ang="0">
+                <a:pos x="connsiteX5" y="connsiteY5"/>
+              </a:cxn>
+              <a:cxn ang="0">
+                <a:pos x="connsiteX6" y="connsiteY6"/>
+              </a:cxn>
+            </a:cxnLst>
+            <a:rect l="l" t="t" r="r" b="b"/>
+            <a:pathLst>
+              <a:path w="2672863" h="1371600">
+                <a:moveTo>
+                  <a:pt x="1721734" y="0"/>
+                </a:moveTo>
+                <a:cubicBezTo>
+                  <a:pt x="2026863" y="0"/>
+                  <a:pt x="2313937" y="77299"/>
+                  <a:pt x="2564444" y="213382"/>
+                </a:cubicBezTo>
+                <a:lnTo>
+                  <a:pt x="2672863" y="279248"/>
+                </a:lnTo>
+                <a:lnTo>
+                  <a:pt x="2672863" y="1371600"/>
+                </a:lnTo>
+                <a:lnTo>
+                  <a:pt x="0" y="1371600"/>
+                </a:lnTo>
+                <a:lnTo>
+                  <a:pt x="33268" y="1242216"/>
+                </a:lnTo>
+                <a:cubicBezTo>
+                  <a:pt x="257110" y="522539"/>
+                  <a:pt x="928399" y="0"/>
+                  <a:pt x="1721734" y="0"/>
+                </a:cubicBezTo>
+                <a:close/>
+              </a:path>
+            </a:pathLst>
+          </a:custGeom>
+          <a:solidFill>
+            <a:schemeClr val="accent4"/>
+          </a:solidFill>
+          <a:ln>
+            <a:noFill/>
+          </a:ln>
+        </p:spPr>
+        <p:style>
+          <a:lnRef idx="2">
+            <a:schemeClr val="accent1">
+              <a:shade val="50000"/>
+            </a:schemeClr>
+          </a:lnRef>
+          <a:fillRef idx="1">
+            <a:schemeClr val="accent1"/>
+          </a:fillRef>
+          <a:effectRef idx="0">
+            <a:schemeClr val="accent1"/>
+          </a:effectRef>
+          <a:fontRef idx="minor">
+            <a:schemeClr val="lt1"/>
+          </a:fontRef>
+        </p:style>
+        <p:txBody>
+          <a:bodyPr wrap="square" rtlCol="0" anchor="ctr">
+            <a:noAutofit/>
+          </a:bodyPr>
+          <a:lstStyle/>
+          <a:p>
+            <a:pPr algn="ctr"/>
+            <a:endParaRPr lang="en-US"/>
+          </a:p>
+        </p:txBody>
+      </p:sp>
+      <p:pic>
+        <p:nvPicPr>
+          <p:cNvPr id="6" name="Picture 5" descr="A cartoon character holding a yellow sign&#10;&#10;Description automatically generated">
+            <a:extLst>
+              <a:ext uri="{FF2B5EF4-FFF2-40B4-BE49-F238E27FC236}">
+                <a16:creationId xmlns:a16="http://schemas.microsoft.com/office/drawing/2014/main" id="{B5C2B916-C6B8-2F60-D6CC-B0FD45202A0D}"/>
+              </a:ext>
+            </a:extLst>
+          </p:cNvPr>
+          <p:cNvPicPr>
+            <a:picLocks noChangeAspect="1"/>
+          </p:cNvPicPr>
+          <p:nvPr/>
+        </p:nvPicPr>
+        <p:blipFill>
+          <a:blip r:embed="rId2"/>
+          <a:stretch>
+            <a:fillRect/>
+          </a:stretch>
+        </p:blipFill>
+        <p:spPr>
+          <a:xfrm>
+            <a:off x="1448829" y="511293"/>
+            <a:ext cx="3286087" cy="5665670"/>
+          </a:xfrm>
+          <a:custGeom>
+            <a:avLst/>
+            <a:gdLst/>
+            <a:ahLst/>
+            <a:cxnLst/>
+            <a:rect l="l" t="t" r="r" b="b"/>
+            <a:pathLst>
+              <a:path w="4777381" h="5643794">
+                <a:moveTo>
+                  <a:pt x="143704" y="0"/>
+                </a:moveTo>
+                <a:lnTo>
+                  <a:pt x="4633677" y="0"/>
+                </a:lnTo>
+                <a:cubicBezTo>
+                  <a:pt x="4713043" y="0"/>
+                  <a:pt x="4777381" y="64338"/>
+                  <a:pt x="4777381" y="143704"/>
+                </a:cubicBezTo>
+                <a:lnTo>
+                  <a:pt x="4777381" y="5500090"/>
+                </a:lnTo>
+                <a:cubicBezTo>
+                  <a:pt x="4777381" y="5579456"/>
+                  <a:pt x="4713043" y="5643794"/>
+                  <a:pt x="4633677" y="5643794"/>
+                </a:cubicBezTo>
+                <a:lnTo>
+                  <a:pt x="143704" y="5643794"/>
+                </a:lnTo>
+                <a:cubicBezTo>
+                  <a:pt x="64338" y="5643794"/>
+                  <a:pt x="0" y="5579456"/>
+                  <a:pt x="0" y="5500090"/>
+                </a:cubicBezTo>
+                <a:lnTo>
+                  <a:pt x="0" y="143704"/>
+                </a:lnTo>
+                <a:cubicBezTo>
+                  <a:pt x="0" y="64338"/>
+                  <a:pt x="64338" y="0"/>
+                  <a:pt x="143704" y="0"/>
+                </a:cubicBezTo>
+                <a:close/>
+              </a:path>
+            </a:pathLst>
+          </a:custGeom>
+        </p:spPr>
+      </p:pic>
+      <p:sp>
+        <p:nvSpPr>
+          <p:cNvPr id="4" name="TextBox 3">
+            <a:extLst>
+              <a:ext uri="{FF2B5EF4-FFF2-40B4-BE49-F238E27FC236}">
+                <a16:creationId xmlns:a16="http://schemas.microsoft.com/office/drawing/2014/main" id="{E35E5EF3-BD40-3089-78A4-EC5682014E91}"/>
+              </a:ext>
+            </a:extLst>
+          </p:cNvPr>
+          <p:cNvSpPr txBox="1"/>
+          <p:nvPr/>
+        </p:nvSpPr>
+        <p:spPr>
+          <a:xfrm>
+            <a:off x="5278877" y="1984443"/>
+            <a:ext cx="6464029" cy="4192520"/>
+          </a:xfrm>
+          <a:prstGeom prst="rect">
+            <a:avLst/>
+          </a:prstGeom>
+        </p:spPr>
+        <p:txBody>
+          <a:bodyPr rot="0" spcFirstLastPara="0" vertOverflow="overflow" horzOverflow="overflow" vert="horz" lIns="91440" tIns="45720" rIns="91440" bIns="45720" numCol="1" spcCol="0" rtlCol="0" fromWordArt="0" anchor="t" anchorCtr="0" forceAA="0" compatLnSpc="1">
+            <a:prstTxWarp prst="textNoShape">
+              <a:avLst/>
+            </a:prstTxWarp>
+            <a:normAutofit lnSpcReduction="10000"/>
+          </a:bodyPr>
+          <a:lstStyle/>
+          <a:p>
+            <a:r>
+              <a:rPr lang="en-US" sz="2400" dirty="0">
+                <a:ea typeface="+mn-lt"/>
+                <a:cs typeface="+mn-lt"/>
+              </a:rPr>
+              <a:t>import { </a:t>
+            </a:r>
+            <a:r>
+              <a:rPr lang="en-US" sz="2400" dirty="0" err="1">
+                <a:ea typeface="+mn-lt"/>
+                <a:cs typeface="+mn-lt"/>
+              </a:rPr>
+              <a:t>useState</a:t>
+            </a:r>
+            <a:r>
+              <a:rPr lang="en-US" sz="2400" dirty="0">
+                <a:ea typeface="+mn-lt"/>
+                <a:cs typeface="+mn-lt"/>
+              </a:rPr>
+              <a:t>, </a:t>
+            </a:r>
+            <a:r>
+              <a:rPr lang="en-US" sz="2400" dirty="0" err="1">
+                <a:ea typeface="+mn-lt"/>
+                <a:cs typeface="+mn-lt"/>
+              </a:rPr>
+              <a:t>useEffect</a:t>
+            </a:r>
+            <a:r>
+              <a:rPr lang="en-US" sz="2400" dirty="0">
+                <a:ea typeface="+mn-lt"/>
+                <a:cs typeface="+mn-lt"/>
+              </a:rPr>
+              <a:t> } from 'react';</a:t>
+            </a:r>
+            <a:endParaRPr lang="en-US" dirty="0"/>
+          </a:p>
+          <a:p>
+            <a:endParaRPr lang="en-US"/>
+          </a:p>
+          <a:p>
+            <a:r>
+              <a:rPr lang="en-US" sz="2400" dirty="0">
+                <a:ea typeface="+mn-lt"/>
+                <a:cs typeface="+mn-lt"/>
+              </a:rPr>
+              <a:t>const </a:t>
+            </a:r>
+            <a:r>
+              <a:rPr lang="en-US" sz="2400" dirty="0" err="1">
+                <a:ea typeface="+mn-lt"/>
+                <a:cs typeface="+mn-lt"/>
+              </a:rPr>
+              <a:t>ImpureFunctionComponent</a:t>
+            </a:r>
+            <a:r>
+              <a:rPr lang="en-US" sz="2400" dirty="0">
+                <a:ea typeface="+mn-lt"/>
+                <a:cs typeface="+mn-lt"/>
+              </a:rPr>
+              <a:t> = ({ </a:t>
+            </a:r>
+            <a:r>
+              <a:rPr lang="en-US" sz="2400" dirty="0" err="1">
+                <a:ea typeface="+mn-lt"/>
+                <a:cs typeface="+mn-lt"/>
+              </a:rPr>
+              <a:t>initialValue</a:t>
+            </a:r>
+            <a:r>
+              <a:rPr lang="en-US" sz="2400" dirty="0">
+                <a:ea typeface="+mn-lt"/>
+                <a:cs typeface="+mn-lt"/>
+              </a:rPr>
+              <a:t> }) =&gt; {</a:t>
+            </a:r>
+            <a:endParaRPr lang="en-US" dirty="0">
+              <a:ea typeface="+mn-lt"/>
+              <a:cs typeface="+mn-lt"/>
+            </a:endParaRPr>
+          </a:p>
+          <a:p>
+            <a:r>
+              <a:rPr lang="en-US" sz="2400" dirty="0">
+                <a:ea typeface="+mn-lt"/>
+                <a:cs typeface="+mn-lt"/>
+              </a:rPr>
+              <a:t>  const [value, </a:t>
+            </a:r>
+            <a:r>
+              <a:rPr lang="en-US" sz="2400" dirty="0" err="1">
+                <a:ea typeface="+mn-lt"/>
+                <a:cs typeface="+mn-lt"/>
+              </a:rPr>
+              <a:t>setValue</a:t>
+            </a:r>
+            <a:r>
+              <a:rPr lang="en-US" sz="2400" dirty="0">
+                <a:ea typeface="+mn-lt"/>
+                <a:cs typeface="+mn-lt"/>
+              </a:rPr>
+              <a:t>] = </a:t>
+            </a:r>
+            <a:r>
+              <a:rPr lang="en-US" sz="2400" dirty="0" err="1">
+                <a:ea typeface="+mn-lt"/>
+                <a:cs typeface="+mn-lt"/>
+              </a:rPr>
+              <a:t>useState</a:t>
+            </a:r>
+            <a:r>
+              <a:rPr lang="en-US" sz="2400" dirty="0">
+                <a:ea typeface="+mn-lt"/>
+                <a:cs typeface="+mn-lt"/>
+              </a:rPr>
+              <a:t>(</a:t>
+            </a:r>
+            <a:r>
+              <a:rPr lang="en-US" sz="2400" dirty="0" err="1">
+                <a:ea typeface="+mn-lt"/>
+                <a:cs typeface="+mn-lt"/>
+              </a:rPr>
+              <a:t>initialValue</a:t>
+            </a:r>
+            <a:r>
+              <a:rPr lang="en-US" sz="2400" dirty="0">
+                <a:ea typeface="+mn-lt"/>
+                <a:cs typeface="+mn-lt"/>
+              </a:rPr>
+              <a:t>);</a:t>
+            </a:r>
+            <a:endParaRPr lang="en-US" dirty="0"/>
+          </a:p>
+          <a:p>
+            <a:endParaRPr lang="en-US"/>
+          </a:p>
+          <a:p>
+            <a:r>
+              <a:rPr lang="en-US" sz="2400" dirty="0">
+                <a:ea typeface="+mn-lt"/>
+                <a:cs typeface="+mn-lt"/>
+              </a:rPr>
+              <a:t>  </a:t>
+            </a:r>
+            <a:r>
+              <a:rPr lang="en-US" sz="2400" dirty="0" err="1">
+                <a:ea typeface="+mn-lt"/>
+                <a:cs typeface="+mn-lt"/>
+              </a:rPr>
+              <a:t>useEffect</a:t>
+            </a:r>
+            <a:r>
+              <a:rPr lang="en-US" sz="2400" dirty="0">
+                <a:ea typeface="+mn-lt"/>
+                <a:cs typeface="+mn-lt"/>
+              </a:rPr>
+              <a:t>(() =&gt; {</a:t>
+            </a:r>
+            <a:endParaRPr lang="en-US" dirty="0"/>
+          </a:p>
+          <a:p>
+            <a:r>
+              <a:rPr lang="en-US" sz="2400" dirty="0">
+                <a:ea typeface="+mn-lt"/>
+                <a:cs typeface="+mn-lt"/>
+              </a:rPr>
+              <a:t>    // Impure: Modifying external state (side effect)</a:t>
+            </a:r>
+            <a:endParaRPr lang="en-US" dirty="0"/>
+          </a:p>
+          <a:p>
+            <a:r>
+              <a:rPr lang="en-US" sz="2400" dirty="0">
+                <a:ea typeface="+mn-lt"/>
+                <a:cs typeface="+mn-lt"/>
+              </a:rPr>
+              <a:t>    </a:t>
+            </a:r>
+            <a:r>
+              <a:rPr lang="en-US" sz="2400" dirty="0" err="1">
+                <a:ea typeface="+mn-lt"/>
+                <a:cs typeface="+mn-lt"/>
+              </a:rPr>
+              <a:t>setValue</a:t>
+            </a:r>
+            <a:r>
+              <a:rPr lang="en-US" sz="2400" dirty="0">
+                <a:ea typeface="+mn-lt"/>
+                <a:cs typeface="+mn-lt"/>
+              </a:rPr>
+              <a:t>(</a:t>
+            </a:r>
+            <a:r>
+              <a:rPr lang="en-US" sz="2400" dirty="0" err="1">
+                <a:ea typeface="+mn-lt"/>
+                <a:cs typeface="+mn-lt"/>
+              </a:rPr>
+              <a:t>initialValue</a:t>
+            </a:r>
+            <a:r>
+              <a:rPr lang="en-US" sz="2400" dirty="0">
+                <a:ea typeface="+mn-lt"/>
+                <a:cs typeface="+mn-lt"/>
+              </a:rPr>
+              <a:t> * 2);</a:t>
+            </a:r>
+            <a:endParaRPr lang="en-US" dirty="0"/>
+          </a:p>
+          <a:p>
+            <a:r>
+              <a:rPr lang="en-US" sz="2400" dirty="0">
+                <a:ea typeface="+mn-lt"/>
+                <a:cs typeface="+mn-lt"/>
+              </a:rPr>
+              <a:t>  }, [</a:t>
+            </a:r>
+            <a:r>
+              <a:rPr lang="en-US" sz="2400" dirty="0" err="1">
+                <a:ea typeface="+mn-lt"/>
+                <a:cs typeface="+mn-lt"/>
+              </a:rPr>
+              <a:t>initialValue</a:t>
+            </a:r>
+            <a:r>
+              <a:rPr lang="en-US" sz="2400" dirty="0">
+                <a:ea typeface="+mn-lt"/>
+                <a:cs typeface="+mn-lt"/>
+              </a:rPr>
+              <a:t>]);</a:t>
+            </a:r>
+            <a:endParaRPr lang="en-US" dirty="0"/>
+          </a:p>
+          <a:p>
+            <a:endParaRPr lang="en-US"/>
+          </a:p>
+          <a:p>
+            <a:r>
+              <a:rPr lang="en-US" sz="2400" dirty="0">
+                <a:ea typeface="+mn-lt"/>
+                <a:cs typeface="+mn-lt"/>
+              </a:rPr>
+              <a:t>  return &lt;div&gt;{value}&lt;/div&gt;;</a:t>
+            </a:r>
+            <a:endParaRPr lang="en-US" dirty="0">
+              <a:ea typeface="+mn-lt"/>
+              <a:cs typeface="+mn-lt"/>
+            </a:endParaRPr>
+          </a:p>
+          <a:p>
+            <a:r>
+              <a:rPr lang="en-US" sz="2400" dirty="0">
+                <a:ea typeface="+mn-lt"/>
+                <a:cs typeface="+mn-lt"/>
+              </a:rPr>
+              <a:t>};</a:t>
+            </a:r>
+            <a:endParaRPr lang="en-US" dirty="0">
+              <a:ea typeface="+mn-lt"/>
+              <a:cs typeface="+mn-lt"/>
+            </a:endParaRPr>
+          </a:p>
+          <a:p>
+            <a:pPr>
+              <a:lnSpc>
+                <a:spcPct val="90000"/>
+              </a:lnSpc>
+              <a:spcAft>
+                <a:spcPts val="600"/>
+              </a:spcAft>
+            </a:pPr>
+            <a:endParaRPr lang="en-US" sz="2400" dirty="0">
+              <a:latin typeface="Arial"/>
+              <a:cs typeface="Arial"/>
+            </a:endParaRPr>
+          </a:p>
+        </p:txBody>
+      </p:sp>
+    </p:spTree>
+    <p:extLst>
+      <p:ext uri="{BB962C8B-B14F-4D97-AF65-F5344CB8AC3E}">
+        <p14:creationId xmlns:p14="http://schemas.microsoft.com/office/powerpoint/2010/main" val="309698563"/>
+      </p:ext>
+    </p:extLst>
+  </p:cSld>
+  <p:clrMapOvr>
+    <a:masterClrMapping/>
+  </p:clrMapOvr>
+</p:sld>
+</file>
+
+<file path=ppt/slides/slide38.xml><?xml version="1.0" encoding="utf-8"?>
+<p:sld xmlns:a="http://schemas.openxmlformats.org/drawingml/2006/main" xmlns:r="http://schemas.openxmlformats.org/officeDocument/2006/relationships" xmlns:p="http://schemas.openxmlformats.org/presentationml/2006/main">
+  <p:cSld>
+    <p:bg>
+      <p:bgPr>
+        <a:solidFill>
+          <a:schemeClr val="bg1"/>
+        </a:solidFill>
+        <a:effectLst/>
+      </p:bgPr>
+    </p:bg>
+    <p:spTree>
+      <p:nvGrpSpPr>
+        <p:cNvPr id="1" name=""/>
+        <p:cNvGrpSpPr/>
+        <p:nvPr/>
+      </p:nvGrpSpPr>
+      <p:grpSpPr>
+        <a:xfrm>
+          <a:off x="0" y="0"/>
+          <a:ext cx="0" cy="0"/>
+          <a:chOff x="0" y="0"/>
+          <a:chExt cx="0" cy="0"/>
+        </a:xfrm>
+      </p:grpSpPr>
+      <p:sp>
+        <p:nvSpPr>
+          <p:cNvPr id="18" name="Rectangle 17">
+            <a:extLst>
+              <a:ext uri="{FF2B5EF4-FFF2-40B4-BE49-F238E27FC236}">
+                <a16:creationId xmlns:a16="http://schemas.microsoft.com/office/drawing/2014/main" id="{6EA86598-DA2C-41D5-BC0C-E877F8818EEB}"/>
+              </a:ext>
+              <a:ext uri="{C183D7F6-B498-43B3-948B-1728B52AA6E4}">
+                <adec:decorative xmlns:adec="http://schemas.microsoft.com/office/drawing/2017/decorative" val="1"/>
+              </a:ext>
+            </a:extLst>
+          </p:cNvPr>
+          <p:cNvSpPr>
+            <a:spLocks noGrp="1" noRot="1" noChangeAspect="1" noMove="1" noResize="1" noEditPoints="1" noAdjustHandles="1" noChangeArrowheads="1" noChangeShapeType="1" noTextEdit="1"/>
+          </p:cNvSpPr>
+          <p:nvPr>
+            <p:extLst>
+              <p:ext uri="{386F3935-93C4-4BCD-93E2-E3B085C9AB24}">
+                <p16:designElem xmlns:p16="http://schemas.microsoft.com/office/powerpoint/2015/main" val="1"/>
+              </p:ext>
+            </p:extLst>
+          </p:nvPr>
+        </p:nvSpPr>
+        <p:spPr>
+          <a:xfrm>
+            <a:off x="10" y="0"/>
+            <a:ext cx="6095990" cy="6858001"/>
+          </a:xfrm>
+          <a:prstGeom prst="rect">
+            <a:avLst/>
+          </a:prstGeom>
+          <a:solidFill>
+            <a:schemeClr val="tx1">
+              <a:lumMod val="85000"/>
+              <a:lumOff val="15000"/>
+            </a:schemeClr>
+          </a:solidFill>
+          <a:ln>
+            <a:noFill/>
+          </a:ln>
+        </p:spPr>
+        <p:style>
+          <a:lnRef idx="2">
+            <a:schemeClr val="accent1">
+              <a:shade val="50000"/>
+            </a:schemeClr>
+          </a:lnRef>
+          <a:fillRef idx="1">
+            <a:schemeClr val="accent1"/>
+          </a:fillRef>
+          <a:effectRef idx="0">
+            <a:schemeClr val="accent1"/>
+          </a:effectRef>
+          <a:fontRef idx="minor">
+            <a:schemeClr val="lt1"/>
+          </a:fontRef>
+        </p:style>
+        <p:txBody>
+          <a:bodyPr rtlCol="0" anchor="ctr"/>
+          <a:lstStyle/>
+          <a:p>
+            <a:pPr algn="ctr"/>
+            <a:endParaRPr lang="en-US"/>
+          </a:p>
+        </p:txBody>
+      </p:sp>
+      <p:sp>
+        <p:nvSpPr>
+          <p:cNvPr id="2" name="Title 1">
+            <a:extLst>
+              <a:ext uri="{FF2B5EF4-FFF2-40B4-BE49-F238E27FC236}">
+                <a16:creationId xmlns:a16="http://schemas.microsoft.com/office/drawing/2014/main" id="{0833764A-6054-E198-9B9B-D9EBC1F4D245}"/>
+              </a:ext>
+            </a:extLst>
+          </p:cNvPr>
+          <p:cNvSpPr>
+            <a:spLocks noGrp="1"/>
+          </p:cNvSpPr>
+          <p:nvPr>
+            <p:ph type="title"/>
+          </p:nvPr>
+        </p:nvSpPr>
+        <p:spPr>
+          <a:xfrm>
+            <a:off x="1155557" y="637763"/>
+            <a:ext cx="4310698" cy="1627274"/>
+          </a:xfrm>
+        </p:spPr>
+        <p:txBody>
+          <a:bodyPr anchor="t">
+            <a:normAutofit/>
+          </a:bodyPr>
+          <a:lstStyle/>
+          <a:p>
+            <a:r>
+              <a:rPr lang="en-GB" sz="4800" dirty="0">
+                <a:solidFill>
+                  <a:srgbClr val="FFFFFF"/>
+                </a:solidFill>
+                <a:ea typeface="+mj-lt"/>
+                <a:cs typeface="+mj-lt"/>
+              </a:rPr>
+              <a:t>Error handling</a:t>
+            </a:r>
+            <a:endParaRPr lang="en-US" dirty="0"/>
+          </a:p>
+        </p:txBody>
+      </p:sp>
+      <p:sp>
+        <p:nvSpPr>
+          <p:cNvPr id="19" name="Rectangle 18">
+            <a:extLst>
+              <a:ext uri="{FF2B5EF4-FFF2-40B4-BE49-F238E27FC236}">
+                <a16:creationId xmlns:a16="http://schemas.microsoft.com/office/drawing/2014/main" id="{450D3AD2-FA80-415F-A9CE-54D884561CD7}"/>
+              </a:ext>
+              <a:ext uri="{C183D7F6-B498-43B3-948B-1728B52AA6E4}">
+                <adec:decorative xmlns:adec="http://schemas.microsoft.com/office/drawing/2017/decorative" val="1"/>
+              </a:ext>
+            </a:extLst>
+          </p:cNvPr>
+          <p:cNvSpPr>
+            <a:spLocks noGrp="1" noRot="1" noChangeAspect="1" noMove="1" noResize="1" noEditPoints="1" noAdjustHandles="1" noChangeArrowheads="1" noChangeShapeType="1" noTextEdit="1"/>
+          </p:cNvSpPr>
+          <p:nvPr>
+            <p:extLst>
+              <p:ext uri="{386F3935-93C4-4BCD-93E2-E3B085C9AB24}">
+                <p16:designElem xmlns:p16="http://schemas.microsoft.com/office/powerpoint/2015/main" val="1"/>
+              </p:ext>
+            </p:extLst>
+          </p:nvPr>
+        </p:nvSpPr>
+        <p:spPr>
+          <a:xfrm>
+            <a:off x="1155556" y="2372156"/>
+            <a:ext cx="457200" cy="45720"/>
+          </a:xfrm>
+          <a:prstGeom prst="rect">
+            <a:avLst/>
+          </a:prstGeom>
+          <a:solidFill>
+            <a:schemeClr val="bg1"/>
+          </a:solidFill>
+          <a:ln>
+            <a:noFill/>
+          </a:ln>
+        </p:spPr>
+        <p:style>
+          <a:lnRef idx="2">
+            <a:schemeClr val="accent1">
+              <a:shade val="50000"/>
+            </a:schemeClr>
+          </a:lnRef>
+          <a:fillRef idx="1">
+            <a:schemeClr val="accent1"/>
+          </a:fillRef>
+          <a:effectRef idx="0">
+            <a:schemeClr val="accent1"/>
+          </a:effectRef>
+          <a:fontRef idx="minor">
+            <a:schemeClr val="lt1"/>
+          </a:fontRef>
+        </p:style>
+        <p:txBody>
+          <a:bodyPr rtlCol="0" anchor="ctr"/>
+          <a:lstStyle/>
+          <a:p>
+            <a:pPr algn="ctr"/>
+            <a:endParaRPr lang="en-US">
+              <a:solidFill>
+                <a:schemeClr val="bg1"/>
+              </a:solidFill>
+            </a:endParaRPr>
+          </a:p>
+        </p:txBody>
+      </p:sp>
+      <p:sp>
+        <p:nvSpPr>
+          <p:cNvPr id="3" name="Content Placeholder 2">
+            <a:extLst>
+              <a:ext uri="{FF2B5EF4-FFF2-40B4-BE49-F238E27FC236}">
+                <a16:creationId xmlns:a16="http://schemas.microsoft.com/office/drawing/2014/main" id="{BF6387C6-3A3A-ED00-D649-6CCE37F720FD}"/>
+              </a:ext>
+            </a:extLst>
+          </p:cNvPr>
+          <p:cNvSpPr>
+            <a:spLocks noGrp="1"/>
+          </p:cNvSpPr>
+          <p:nvPr>
+            <p:ph idx="1"/>
+          </p:nvPr>
+        </p:nvSpPr>
+        <p:spPr>
+          <a:xfrm>
+            <a:off x="316244" y="2660677"/>
+            <a:ext cx="5520940" cy="3633467"/>
+          </a:xfrm>
+        </p:spPr>
+        <p:txBody>
+          <a:bodyPr vert="horz" lIns="91440" tIns="45720" rIns="91440" bIns="45720" rtlCol="0" anchor="t">
+            <a:noAutofit/>
+          </a:bodyPr>
+          <a:lstStyle/>
+          <a:p>
+            <a:pPr marL="0" indent="0">
+              <a:buNone/>
+            </a:pPr>
+            <a:r>
+              <a:rPr lang="en-GB" sz="2400" dirty="0">
+                <a:solidFill>
+                  <a:srgbClr val="D1D5DB"/>
+                </a:solidFill>
+                <a:latin typeface="Arial"/>
+                <a:ea typeface="+mn-lt"/>
+                <a:cs typeface="Arial"/>
+              </a:rPr>
+              <a:t>Handling logical errors in a React application involves identifying and addressing issues in the application's logic that result in unexpected </a:t>
+            </a:r>
+            <a:r>
+              <a:rPr lang="en-GB" sz="2400" dirty="0" err="1">
+                <a:solidFill>
+                  <a:srgbClr val="D1D5DB"/>
+                </a:solidFill>
+                <a:latin typeface="Arial"/>
+                <a:ea typeface="+mn-lt"/>
+                <a:cs typeface="Arial"/>
+              </a:rPr>
+              <a:t>behavior</a:t>
+            </a:r>
+            <a:r>
+              <a:rPr lang="en-GB" sz="2400" dirty="0">
+                <a:solidFill>
+                  <a:srgbClr val="D1D5DB"/>
+                </a:solidFill>
+                <a:latin typeface="Arial"/>
+                <a:ea typeface="+mn-lt"/>
+                <a:cs typeface="Arial"/>
+              </a:rPr>
+              <a:t> or incorrect outcomes.</a:t>
+            </a:r>
+            <a:endParaRPr lang="en-US" dirty="0">
+              <a:solidFill>
+                <a:srgbClr val="000000"/>
+              </a:solidFill>
+              <a:latin typeface="Calibri" panose="020F0502020204030204"/>
+              <a:ea typeface="+mn-lt"/>
+              <a:cs typeface="Calibri" panose="020F0502020204030204"/>
+            </a:endParaRPr>
+          </a:p>
+          <a:p>
+            <a:pPr marL="0" indent="0">
+              <a:buNone/>
+            </a:pPr>
+            <a:r>
+              <a:rPr lang="en-GB" sz="2400" dirty="0">
+                <a:solidFill>
+                  <a:srgbClr val="D1D5DB"/>
+                </a:solidFill>
+                <a:latin typeface="Arial"/>
+                <a:ea typeface="+mn-lt"/>
+                <a:cs typeface="Arial"/>
+              </a:rPr>
+              <a:t>Unlike runtime errors that can be caught using try-catch blocks, logical errors are often related to the design or flow of your application and may not throw explicit errors. </a:t>
+            </a:r>
+            <a:br>
+              <a:rPr lang="en-GB" sz="2400" dirty="0">
+                <a:solidFill>
+                  <a:srgbClr val="D1D5DB"/>
+                </a:solidFill>
+                <a:latin typeface="Arial"/>
+                <a:ea typeface="+mn-lt"/>
+                <a:cs typeface="Arial"/>
+              </a:rPr>
+            </a:br>
+            <a:endParaRPr lang="en-US">
+              <a:cs typeface="Calibri"/>
+            </a:endParaRPr>
+          </a:p>
+        </p:txBody>
+      </p:sp>
+      <p:sp>
+        <p:nvSpPr>
+          <p:cNvPr id="20" name="Rectangle 19">
+            <a:extLst>
+              <a:ext uri="{FF2B5EF4-FFF2-40B4-BE49-F238E27FC236}">
+                <a16:creationId xmlns:a16="http://schemas.microsoft.com/office/drawing/2014/main" id="{87F16C5A-0D41-47A9-B0A2-9C2AD7A8CF32}"/>
+              </a:ext>
+              <a:ext uri="{C183D7F6-B498-43B3-948B-1728B52AA6E4}">
+                <adec:decorative xmlns:adec="http://schemas.microsoft.com/office/drawing/2017/decorative" val="1"/>
+              </a:ext>
+            </a:extLst>
+          </p:cNvPr>
+          <p:cNvSpPr>
+            <a:spLocks noGrp="1" noRot="1" noChangeAspect="1" noMove="1" noResize="1" noEditPoints="1" noAdjustHandles="1" noChangeArrowheads="1" noChangeShapeType="1" noTextEdit="1"/>
+          </p:cNvSpPr>
+          <p:nvPr>
+            <p:extLst>
+              <p:ext uri="{386F3935-93C4-4BCD-93E2-E3B085C9AB24}">
+                <p16:designElem xmlns:p16="http://schemas.microsoft.com/office/powerpoint/2015/main" val="1"/>
+              </p:ext>
+            </p:extLst>
+          </p:nvPr>
+        </p:nvSpPr>
+        <p:spPr>
+          <a:xfrm>
+            <a:off x="6096000" y="0"/>
+            <a:ext cx="6095990" cy="6858001"/>
+          </a:xfrm>
+          <a:prstGeom prst="rect">
+            <a:avLst/>
+          </a:prstGeom>
+          <a:solidFill>
+            <a:schemeClr val="bg1">
+              <a:lumMod val="95000"/>
+            </a:schemeClr>
+          </a:solidFill>
+          <a:ln>
+            <a:noFill/>
+          </a:ln>
+        </p:spPr>
+        <p:style>
+          <a:lnRef idx="2">
+            <a:schemeClr val="accent1">
+              <a:shade val="50000"/>
+            </a:schemeClr>
+          </a:lnRef>
+          <a:fillRef idx="1">
+            <a:schemeClr val="accent1"/>
+          </a:fillRef>
+          <a:effectRef idx="0">
+            <a:schemeClr val="accent1"/>
+          </a:effectRef>
+          <a:fontRef idx="minor">
+            <a:schemeClr val="lt1"/>
+          </a:fontRef>
+        </p:style>
+        <p:txBody>
+          <a:bodyPr rtlCol="0" anchor="ctr"/>
+          <a:lstStyle/>
+          <a:p>
+            <a:pPr algn="ctr"/>
+            <a:endParaRPr lang="en-US"/>
+          </a:p>
+        </p:txBody>
+      </p:sp>
+      <p:pic>
+        <p:nvPicPr>
+          <p:cNvPr id="4" name="Picture 3" descr="A cartoon character holding a yellow sign&#10;&#10;Description automatically generated">
+            <a:extLst>
+              <a:ext uri="{FF2B5EF4-FFF2-40B4-BE49-F238E27FC236}">
+                <a16:creationId xmlns:a16="http://schemas.microsoft.com/office/drawing/2014/main" id="{2860CD2C-E4D1-F87C-470E-16FC6E598C56}"/>
+              </a:ext>
+            </a:extLst>
+          </p:cNvPr>
+          <p:cNvPicPr>
+            <a:picLocks noChangeAspect="1"/>
+          </p:cNvPicPr>
+          <p:nvPr/>
+        </p:nvPicPr>
+        <p:blipFill>
+          <a:blip r:embed="rId2"/>
+          <a:stretch>
+            <a:fillRect/>
+          </a:stretch>
+        </p:blipFill>
+        <p:spPr>
+          <a:xfrm>
+            <a:off x="7275147" y="637762"/>
+            <a:ext cx="3234525" cy="5576770"/>
+          </a:xfrm>
+          <a:prstGeom prst="rect">
+            <a:avLst/>
+          </a:prstGeom>
+        </p:spPr>
+      </p:pic>
+    </p:spTree>
+    <p:extLst>
+      <p:ext uri="{BB962C8B-B14F-4D97-AF65-F5344CB8AC3E}">
+        <p14:creationId xmlns:p14="http://schemas.microsoft.com/office/powerpoint/2010/main" val="4056337793"/>
+      </p:ext>
+    </p:extLst>
+  </p:cSld>
+  <p:clrMapOvr>
+    <a:masterClrMapping/>
+  </p:clrMapOvr>
+</p:sld>
+</file>
+
+<file path=ppt/slides/slide39.xml><?xml version="1.0" encoding="utf-8"?>
+<p:sld xmlns:a="http://schemas.openxmlformats.org/drawingml/2006/main" xmlns:r="http://schemas.openxmlformats.org/officeDocument/2006/relationships" xmlns:p="http://schemas.openxmlformats.org/presentationml/2006/main">
+  <p:cSld>
+    <p:bg>
+      <p:bgPr>
+        <a:solidFill>
+          <a:schemeClr val="bg1"/>
+        </a:solidFill>
+        <a:effectLst/>
+      </p:bgPr>
+    </p:bg>
+    <p:spTree>
+      <p:nvGrpSpPr>
+        <p:cNvPr id="1" name=""/>
+        <p:cNvGrpSpPr/>
+        <p:nvPr/>
+      </p:nvGrpSpPr>
+      <p:grpSpPr>
+        <a:xfrm>
+          <a:off x="0" y="0"/>
+          <a:ext cx="0" cy="0"/>
+          <a:chOff x="0" y="0"/>
+          <a:chExt cx="0" cy="0"/>
+        </a:xfrm>
+      </p:grpSpPr>
+      <p:sp>
+        <p:nvSpPr>
+          <p:cNvPr id="18" name="Rectangle 17">
+            <a:extLst>
+              <a:ext uri="{FF2B5EF4-FFF2-40B4-BE49-F238E27FC236}">
+                <a16:creationId xmlns:a16="http://schemas.microsoft.com/office/drawing/2014/main" id="{6EA86598-DA2C-41D5-BC0C-E877F8818EEB}"/>
+              </a:ext>
+              <a:ext uri="{C183D7F6-B498-43B3-948B-1728B52AA6E4}">
+                <adec:decorative xmlns:adec="http://schemas.microsoft.com/office/drawing/2017/decorative" val="1"/>
+              </a:ext>
+            </a:extLst>
+          </p:cNvPr>
+          <p:cNvSpPr>
+            <a:spLocks noGrp="1" noRot="1" noChangeAspect="1" noMove="1" noResize="1" noEditPoints="1" noAdjustHandles="1" noChangeArrowheads="1" noChangeShapeType="1" noTextEdit="1"/>
+          </p:cNvSpPr>
+          <p:nvPr>
+            <p:extLst>
+              <p:ext uri="{386F3935-93C4-4BCD-93E2-E3B085C9AB24}">
+                <p16:designElem xmlns:p16="http://schemas.microsoft.com/office/powerpoint/2015/main" val="1"/>
+              </p:ext>
+            </p:extLst>
+          </p:nvPr>
+        </p:nvSpPr>
+        <p:spPr>
+          <a:xfrm>
+            <a:off x="10" y="0"/>
+            <a:ext cx="6095990" cy="6858001"/>
+          </a:xfrm>
+          <a:prstGeom prst="rect">
+            <a:avLst/>
+          </a:prstGeom>
+          <a:solidFill>
+            <a:schemeClr val="tx1">
+              <a:lumMod val="85000"/>
+              <a:lumOff val="15000"/>
+            </a:schemeClr>
+          </a:solidFill>
+          <a:ln>
+            <a:noFill/>
+          </a:ln>
+        </p:spPr>
+        <p:style>
+          <a:lnRef idx="2">
+            <a:schemeClr val="accent1">
+              <a:shade val="50000"/>
+            </a:schemeClr>
+          </a:lnRef>
+          <a:fillRef idx="1">
+            <a:schemeClr val="accent1"/>
+          </a:fillRef>
+          <a:effectRef idx="0">
+            <a:schemeClr val="accent1"/>
+          </a:effectRef>
+          <a:fontRef idx="minor">
+            <a:schemeClr val="lt1"/>
+          </a:fontRef>
+        </p:style>
+        <p:txBody>
+          <a:bodyPr rtlCol="0" anchor="ctr"/>
+          <a:lstStyle/>
+          <a:p>
+            <a:pPr algn="ctr"/>
+            <a:endParaRPr lang="en-US"/>
+          </a:p>
+        </p:txBody>
+      </p:sp>
+      <p:sp>
+        <p:nvSpPr>
+          <p:cNvPr id="2" name="Title 1">
+            <a:extLst>
+              <a:ext uri="{FF2B5EF4-FFF2-40B4-BE49-F238E27FC236}">
+                <a16:creationId xmlns:a16="http://schemas.microsoft.com/office/drawing/2014/main" id="{0833764A-6054-E198-9B9B-D9EBC1F4D245}"/>
+              </a:ext>
+            </a:extLst>
+          </p:cNvPr>
+          <p:cNvSpPr>
+            <a:spLocks noGrp="1"/>
+          </p:cNvSpPr>
+          <p:nvPr>
+            <p:ph type="title"/>
+          </p:nvPr>
+        </p:nvSpPr>
+        <p:spPr>
+          <a:xfrm>
+            <a:off x="1155557" y="637763"/>
+            <a:ext cx="4310698" cy="1627274"/>
+          </a:xfrm>
+        </p:spPr>
+        <p:txBody>
+          <a:bodyPr anchor="t">
+            <a:normAutofit/>
+          </a:bodyPr>
+          <a:lstStyle/>
+          <a:p>
+            <a:r>
+              <a:rPr lang="en-GB" sz="4800" dirty="0">
+                <a:solidFill>
+                  <a:srgbClr val="FFFFFF"/>
+                </a:solidFill>
+                <a:ea typeface="+mj-lt"/>
+                <a:cs typeface="+mj-lt"/>
+              </a:rPr>
+              <a:t>Debugging Tools</a:t>
+            </a:r>
+            <a:endParaRPr lang="en-US" dirty="0"/>
+          </a:p>
+        </p:txBody>
+      </p:sp>
+      <p:sp>
+        <p:nvSpPr>
+          <p:cNvPr id="19" name="Rectangle 18">
+            <a:extLst>
+              <a:ext uri="{FF2B5EF4-FFF2-40B4-BE49-F238E27FC236}">
+                <a16:creationId xmlns:a16="http://schemas.microsoft.com/office/drawing/2014/main" id="{450D3AD2-FA80-415F-A9CE-54D884561CD7}"/>
+              </a:ext>
+              <a:ext uri="{C183D7F6-B498-43B3-948B-1728B52AA6E4}">
+                <adec:decorative xmlns:adec="http://schemas.microsoft.com/office/drawing/2017/decorative" val="1"/>
+              </a:ext>
+            </a:extLst>
+          </p:cNvPr>
+          <p:cNvSpPr>
+            <a:spLocks noGrp="1" noRot="1" noChangeAspect="1" noMove="1" noResize="1" noEditPoints="1" noAdjustHandles="1" noChangeArrowheads="1" noChangeShapeType="1" noTextEdit="1"/>
+          </p:cNvSpPr>
+          <p:nvPr>
+            <p:extLst>
+              <p:ext uri="{386F3935-93C4-4BCD-93E2-E3B085C9AB24}">
+                <p16:designElem xmlns:p16="http://schemas.microsoft.com/office/powerpoint/2015/main" val="1"/>
+              </p:ext>
+            </p:extLst>
+          </p:nvPr>
+        </p:nvSpPr>
+        <p:spPr>
+          <a:xfrm>
+            <a:off x="1155556" y="2372156"/>
+            <a:ext cx="457200" cy="45720"/>
+          </a:xfrm>
+          <a:prstGeom prst="rect">
+            <a:avLst/>
+          </a:prstGeom>
+          <a:solidFill>
+            <a:schemeClr val="bg1"/>
+          </a:solidFill>
+          <a:ln>
+            <a:noFill/>
+          </a:ln>
+        </p:spPr>
+        <p:style>
+          <a:lnRef idx="2">
+            <a:schemeClr val="accent1">
+              <a:shade val="50000"/>
+            </a:schemeClr>
+          </a:lnRef>
+          <a:fillRef idx="1">
+            <a:schemeClr val="accent1"/>
+          </a:fillRef>
+          <a:effectRef idx="0">
+            <a:schemeClr val="accent1"/>
+          </a:effectRef>
+          <a:fontRef idx="minor">
+            <a:schemeClr val="lt1"/>
+          </a:fontRef>
+        </p:style>
+        <p:txBody>
+          <a:bodyPr rtlCol="0" anchor="ctr"/>
+          <a:lstStyle/>
+          <a:p>
+            <a:pPr algn="ctr"/>
+            <a:endParaRPr lang="en-US">
+              <a:solidFill>
+                <a:schemeClr val="bg1"/>
+              </a:solidFill>
+            </a:endParaRPr>
+          </a:p>
+        </p:txBody>
+      </p:sp>
+      <p:sp>
+        <p:nvSpPr>
+          <p:cNvPr id="3" name="Content Placeholder 2">
+            <a:extLst>
+              <a:ext uri="{FF2B5EF4-FFF2-40B4-BE49-F238E27FC236}">
+                <a16:creationId xmlns:a16="http://schemas.microsoft.com/office/drawing/2014/main" id="{BF6387C6-3A3A-ED00-D649-6CCE37F720FD}"/>
+              </a:ext>
+            </a:extLst>
+          </p:cNvPr>
+          <p:cNvSpPr>
+            <a:spLocks noGrp="1"/>
+          </p:cNvSpPr>
+          <p:nvPr>
+            <p:ph idx="1"/>
+          </p:nvPr>
+        </p:nvSpPr>
+        <p:spPr>
+          <a:xfrm>
+            <a:off x="316244" y="2660677"/>
+            <a:ext cx="5520940" cy="3633467"/>
+          </a:xfrm>
+        </p:spPr>
+        <p:txBody>
+          <a:bodyPr vert="horz" lIns="91440" tIns="45720" rIns="91440" bIns="45720" rtlCol="0" anchor="t">
+            <a:noAutofit/>
+          </a:bodyPr>
+          <a:lstStyle/>
+          <a:p>
+            <a:pPr>
+              <a:buFont typeface="Arial"/>
+              <a:buChar char="•"/>
+            </a:pPr>
+            <a:r>
+              <a:rPr lang="en-GB" sz="2400">
+                <a:solidFill>
+                  <a:srgbClr val="D1D5DB"/>
+                </a:solidFill>
+                <a:latin typeface="Arial"/>
+                <a:ea typeface="+mn-lt"/>
+                <a:cs typeface="+mn-lt"/>
+              </a:rPr>
+              <a:t>Use browser developer tools to inspect the application state, props, and component hierarchy during runtime. This can help identify any unexpected behavior.</a:t>
+            </a:r>
+            <a:endParaRPr lang="en-US" sz="2400">
+              <a:latin typeface="Arial"/>
+              <a:ea typeface="+mn-lt"/>
+              <a:cs typeface="+mn-lt"/>
+            </a:endParaRPr>
+          </a:p>
+          <a:p>
+            <a:pPr>
+              <a:buFont typeface="Arial"/>
+              <a:buChar char="•"/>
+            </a:pPr>
+            <a:r>
+              <a:rPr lang="en-GB" sz="2400">
+                <a:solidFill>
+                  <a:srgbClr val="D1D5DB"/>
+                </a:solidFill>
+                <a:latin typeface="Arial"/>
+                <a:ea typeface="+mn-lt"/>
+                <a:cs typeface="+mn-lt"/>
+              </a:rPr>
+              <a:t>Utilize logging statements (e.g., console.log) strategically to output information about the application's state and flow.</a:t>
+            </a:r>
+            <a:endParaRPr lang="en-GB" sz="2400">
+              <a:latin typeface="Arial"/>
+            </a:endParaRPr>
+          </a:p>
+          <a:p>
+            <a:pPr>
+              <a:buFont typeface="Arial"/>
+              <a:buChar char="•"/>
+            </a:pPr>
+            <a:endParaRPr lang="en-GB" sz="1200" dirty="0">
+              <a:solidFill>
+                <a:srgbClr val="D1D5DB"/>
+              </a:solidFill>
+              <a:latin typeface="Calibri"/>
+              <a:cs typeface="Calibri"/>
+            </a:endParaRPr>
+          </a:p>
+        </p:txBody>
+      </p:sp>
+      <p:sp>
+        <p:nvSpPr>
+          <p:cNvPr id="20" name="Rectangle 19">
+            <a:extLst>
+              <a:ext uri="{FF2B5EF4-FFF2-40B4-BE49-F238E27FC236}">
+                <a16:creationId xmlns:a16="http://schemas.microsoft.com/office/drawing/2014/main" id="{87F16C5A-0D41-47A9-B0A2-9C2AD7A8CF32}"/>
+              </a:ext>
+              <a:ext uri="{C183D7F6-B498-43B3-948B-1728B52AA6E4}">
+                <adec:decorative xmlns:adec="http://schemas.microsoft.com/office/drawing/2017/decorative" val="1"/>
+              </a:ext>
+            </a:extLst>
+          </p:cNvPr>
+          <p:cNvSpPr>
+            <a:spLocks noGrp="1" noRot="1" noChangeAspect="1" noMove="1" noResize="1" noEditPoints="1" noAdjustHandles="1" noChangeArrowheads="1" noChangeShapeType="1" noTextEdit="1"/>
+          </p:cNvSpPr>
+          <p:nvPr>
+            <p:extLst>
+              <p:ext uri="{386F3935-93C4-4BCD-93E2-E3B085C9AB24}">
+                <p16:designElem xmlns:p16="http://schemas.microsoft.com/office/powerpoint/2015/main" val="1"/>
+              </p:ext>
+            </p:extLst>
+          </p:nvPr>
+        </p:nvSpPr>
+        <p:spPr>
+          <a:xfrm>
+            <a:off x="6096000" y="0"/>
+            <a:ext cx="6095990" cy="6858001"/>
+          </a:xfrm>
+          <a:prstGeom prst="rect">
+            <a:avLst/>
+          </a:prstGeom>
+          <a:solidFill>
+            <a:schemeClr val="bg1">
+              <a:lumMod val="95000"/>
+            </a:schemeClr>
+          </a:solidFill>
+          <a:ln>
+            <a:noFill/>
+          </a:ln>
+        </p:spPr>
+        <p:style>
+          <a:lnRef idx="2">
+            <a:schemeClr val="accent1">
+              <a:shade val="50000"/>
+            </a:schemeClr>
+          </a:lnRef>
+          <a:fillRef idx="1">
+            <a:schemeClr val="accent1"/>
+          </a:fillRef>
+          <a:effectRef idx="0">
+            <a:schemeClr val="accent1"/>
+          </a:effectRef>
+          <a:fontRef idx="minor">
+            <a:schemeClr val="lt1"/>
+          </a:fontRef>
+        </p:style>
+        <p:txBody>
+          <a:bodyPr rtlCol="0" anchor="ctr"/>
+          <a:lstStyle/>
+          <a:p>
+            <a:pPr algn="ctr"/>
+            <a:endParaRPr lang="en-US"/>
+          </a:p>
+        </p:txBody>
+      </p:sp>
+      <p:pic>
+        <p:nvPicPr>
+          <p:cNvPr id="4" name="Picture 3" descr="A cartoon character holding a yellow sign&#10;&#10;Description automatically generated">
+            <a:extLst>
+              <a:ext uri="{FF2B5EF4-FFF2-40B4-BE49-F238E27FC236}">
+                <a16:creationId xmlns:a16="http://schemas.microsoft.com/office/drawing/2014/main" id="{2860CD2C-E4D1-F87C-470E-16FC6E598C56}"/>
+              </a:ext>
+            </a:extLst>
+          </p:cNvPr>
+          <p:cNvPicPr>
+            <a:picLocks noChangeAspect="1"/>
+          </p:cNvPicPr>
+          <p:nvPr/>
+        </p:nvPicPr>
+        <p:blipFill>
+          <a:blip r:embed="rId2"/>
+          <a:stretch>
+            <a:fillRect/>
+          </a:stretch>
+        </p:blipFill>
+        <p:spPr>
+          <a:xfrm>
+            <a:off x="7275147" y="637762"/>
+            <a:ext cx="3234525" cy="5576770"/>
+          </a:xfrm>
+          <a:prstGeom prst="rect">
+            <a:avLst/>
+          </a:prstGeom>
+        </p:spPr>
+      </p:pic>
+    </p:spTree>
+    <p:extLst>
+      <p:ext uri="{BB962C8B-B14F-4D97-AF65-F5344CB8AC3E}">
+        <p14:creationId xmlns:p14="http://schemas.microsoft.com/office/powerpoint/2010/main" val="1835628614"/>
+      </p:ext>
+    </p:extLst>
+  </p:cSld>
+  <p:clrMapOvr>
+    <a:masterClrMapping/>
+  </p:clrMapOvr>
+</p:sld>
+</file>
+
 <file path=ppt/slides/slide4.xml><?xml version="1.0" encoding="utf-8"?>
 <p:sld xmlns:a="http://schemas.openxmlformats.org/drawingml/2006/main" xmlns:r="http://schemas.openxmlformats.org/officeDocument/2006/relationships" xmlns:p="http://schemas.openxmlformats.org/presentationml/2006/main">
   <p:cSld>
@@ -19534,6 +22984,1707 @@
     <p:extLst>
       <p:ext uri="{BB962C8B-B14F-4D97-AF65-F5344CB8AC3E}">
         <p14:creationId xmlns:p14="http://schemas.microsoft.com/office/powerpoint/2010/main" val="627601979"/>
+      </p:ext>
+    </p:extLst>
+  </p:cSld>
+  <p:clrMapOvr>
+    <a:masterClrMapping/>
+  </p:clrMapOvr>
+</p:sld>
+</file>
+
+<file path=ppt/slides/slide40.xml><?xml version="1.0" encoding="utf-8"?>
+<p:sld xmlns:a="http://schemas.openxmlformats.org/drawingml/2006/main" xmlns:r="http://schemas.openxmlformats.org/officeDocument/2006/relationships" xmlns:p="http://schemas.openxmlformats.org/presentationml/2006/main">
+  <p:cSld>
+    <p:bg>
+      <p:bgPr>
+        <a:solidFill>
+          <a:schemeClr val="bg1"/>
+        </a:solidFill>
+        <a:effectLst/>
+      </p:bgPr>
+    </p:bg>
+    <p:spTree>
+      <p:nvGrpSpPr>
+        <p:cNvPr id="1" name=""/>
+        <p:cNvGrpSpPr/>
+        <p:nvPr/>
+      </p:nvGrpSpPr>
+      <p:grpSpPr>
+        <a:xfrm>
+          <a:off x="0" y="0"/>
+          <a:ext cx="0" cy="0"/>
+          <a:chOff x="0" y="0"/>
+          <a:chExt cx="0" cy="0"/>
+        </a:xfrm>
+      </p:grpSpPr>
+      <p:sp>
+        <p:nvSpPr>
+          <p:cNvPr id="18" name="Rectangle 17">
+            <a:extLst>
+              <a:ext uri="{FF2B5EF4-FFF2-40B4-BE49-F238E27FC236}">
+                <a16:creationId xmlns:a16="http://schemas.microsoft.com/office/drawing/2014/main" id="{6EA86598-DA2C-41D5-BC0C-E877F8818EEB}"/>
+              </a:ext>
+              <a:ext uri="{C183D7F6-B498-43B3-948B-1728B52AA6E4}">
+                <adec:decorative xmlns:adec="http://schemas.microsoft.com/office/drawing/2017/decorative" val="1"/>
+              </a:ext>
+            </a:extLst>
+          </p:cNvPr>
+          <p:cNvSpPr>
+            <a:spLocks noGrp="1" noRot="1" noChangeAspect="1" noMove="1" noResize="1" noEditPoints="1" noAdjustHandles="1" noChangeArrowheads="1" noChangeShapeType="1" noTextEdit="1"/>
+          </p:cNvSpPr>
+          <p:nvPr>
+            <p:extLst>
+              <p:ext uri="{386F3935-93C4-4BCD-93E2-E3B085C9AB24}">
+                <p16:designElem xmlns:p16="http://schemas.microsoft.com/office/powerpoint/2015/main" val="1"/>
+              </p:ext>
+            </p:extLst>
+          </p:nvPr>
+        </p:nvSpPr>
+        <p:spPr>
+          <a:xfrm>
+            <a:off x="10" y="0"/>
+            <a:ext cx="6095990" cy="6858001"/>
+          </a:xfrm>
+          <a:prstGeom prst="rect">
+            <a:avLst/>
+          </a:prstGeom>
+          <a:solidFill>
+            <a:schemeClr val="tx1">
+              <a:lumMod val="85000"/>
+              <a:lumOff val="15000"/>
+            </a:schemeClr>
+          </a:solidFill>
+          <a:ln>
+            <a:noFill/>
+          </a:ln>
+        </p:spPr>
+        <p:style>
+          <a:lnRef idx="2">
+            <a:schemeClr val="accent1">
+              <a:shade val="50000"/>
+            </a:schemeClr>
+          </a:lnRef>
+          <a:fillRef idx="1">
+            <a:schemeClr val="accent1"/>
+          </a:fillRef>
+          <a:effectRef idx="0">
+            <a:schemeClr val="accent1"/>
+          </a:effectRef>
+          <a:fontRef idx="minor">
+            <a:schemeClr val="lt1"/>
+          </a:fontRef>
+        </p:style>
+        <p:txBody>
+          <a:bodyPr rtlCol="0" anchor="ctr"/>
+          <a:lstStyle/>
+          <a:p>
+            <a:pPr algn="ctr"/>
+            <a:endParaRPr lang="en-US"/>
+          </a:p>
+        </p:txBody>
+      </p:sp>
+      <p:sp>
+        <p:nvSpPr>
+          <p:cNvPr id="2" name="Title 1">
+            <a:extLst>
+              <a:ext uri="{FF2B5EF4-FFF2-40B4-BE49-F238E27FC236}">
+                <a16:creationId xmlns:a16="http://schemas.microsoft.com/office/drawing/2014/main" id="{0833764A-6054-E198-9B9B-D9EBC1F4D245}"/>
+              </a:ext>
+            </a:extLst>
+          </p:cNvPr>
+          <p:cNvSpPr>
+            <a:spLocks noGrp="1"/>
+          </p:cNvSpPr>
+          <p:nvPr>
+            <p:ph type="title"/>
+          </p:nvPr>
+        </p:nvSpPr>
+        <p:spPr>
+          <a:xfrm>
+            <a:off x="1155557" y="637763"/>
+            <a:ext cx="4310698" cy="1627274"/>
+          </a:xfrm>
+        </p:spPr>
+        <p:txBody>
+          <a:bodyPr anchor="t">
+            <a:normAutofit/>
+          </a:bodyPr>
+          <a:lstStyle/>
+          <a:p>
+            <a:r>
+              <a:rPr lang="en-GB" sz="4800" dirty="0">
+                <a:solidFill>
+                  <a:srgbClr val="FFFFFF"/>
+                </a:solidFill>
+                <a:ea typeface="+mj-lt"/>
+                <a:cs typeface="+mj-lt"/>
+              </a:rPr>
+              <a:t>Testing</a:t>
+            </a:r>
+            <a:endParaRPr lang="en-US" dirty="0"/>
+          </a:p>
+        </p:txBody>
+      </p:sp>
+      <p:sp>
+        <p:nvSpPr>
+          <p:cNvPr id="19" name="Rectangle 18">
+            <a:extLst>
+              <a:ext uri="{FF2B5EF4-FFF2-40B4-BE49-F238E27FC236}">
+                <a16:creationId xmlns:a16="http://schemas.microsoft.com/office/drawing/2014/main" id="{450D3AD2-FA80-415F-A9CE-54D884561CD7}"/>
+              </a:ext>
+              <a:ext uri="{C183D7F6-B498-43B3-948B-1728B52AA6E4}">
+                <adec:decorative xmlns:adec="http://schemas.microsoft.com/office/drawing/2017/decorative" val="1"/>
+              </a:ext>
+            </a:extLst>
+          </p:cNvPr>
+          <p:cNvSpPr>
+            <a:spLocks noGrp="1" noRot="1" noChangeAspect="1" noMove="1" noResize="1" noEditPoints="1" noAdjustHandles="1" noChangeArrowheads="1" noChangeShapeType="1" noTextEdit="1"/>
+          </p:cNvSpPr>
+          <p:nvPr>
+            <p:extLst>
+              <p:ext uri="{386F3935-93C4-4BCD-93E2-E3B085C9AB24}">
+                <p16:designElem xmlns:p16="http://schemas.microsoft.com/office/powerpoint/2015/main" val="1"/>
+              </p:ext>
+            </p:extLst>
+          </p:nvPr>
+        </p:nvSpPr>
+        <p:spPr>
+          <a:xfrm>
+            <a:off x="1155556" y="2372156"/>
+            <a:ext cx="457200" cy="45720"/>
+          </a:xfrm>
+          <a:prstGeom prst="rect">
+            <a:avLst/>
+          </a:prstGeom>
+          <a:solidFill>
+            <a:schemeClr val="bg1"/>
+          </a:solidFill>
+          <a:ln>
+            <a:noFill/>
+          </a:ln>
+        </p:spPr>
+        <p:style>
+          <a:lnRef idx="2">
+            <a:schemeClr val="accent1">
+              <a:shade val="50000"/>
+            </a:schemeClr>
+          </a:lnRef>
+          <a:fillRef idx="1">
+            <a:schemeClr val="accent1"/>
+          </a:fillRef>
+          <a:effectRef idx="0">
+            <a:schemeClr val="accent1"/>
+          </a:effectRef>
+          <a:fontRef idx="minor">
+            <a:schemeClr val="lt1"/>
+          </a:fontRef>
+        </p:style>
+        <p:txBody>
+          <a:bodyPr rtlCol="0" anchor="ctr"/>
+          <a:lstStyle/>
+          <a:p>
+            <a:pPr algn="ctr"/>
+            <a:endParaRPr lang="en-US">
+              <a:solidFill>
+                <a:schemeClr val="bg1"/>
+              </a:solidFill>
+            </a:endParaRPr>
+          </a:p>
+        </p:txBody>
+      </p:sp>
+      <p:sp>
+        <p:nvSpPr>
+          <p:cNvPr id="3" name="Content Placeholder 2">
+            <a:extLst>
+              <a:ext uri="{FF2B5EF4-FFF2-40B4-BE49-F238E27FC236}">
+                <a16:creationId xmlns:a16="http://schemas.microsoft.com/office/drawing/2014/main" id="{BF6387C6-3A3A-ED00-D649-6CCE37F720FD}"/>
+              </a:ext>
+            </a:extLst>
+          </p:cNvPr>
+          <p:cNvSpPr>
+            <a:spLocks noGrp="1"/>
+          </p:cNvSpPr>
+          <p:nvPr>
+            <p:ph idx="1"/>
+          </p:nvPr>
+        </p:nvSpPr>
+        <p:spPr>
+          <a:xfrm>
+            <a:off x="316244" y="2660677"/>
+            <a:ext cx="5520940" cy="3633467"/>
+          </a:xfrm>
+        </p:spPr>
+        <p:txBody>
+          <a:bodyPr vert="horz" lIns="91440" tIns="45720" rIns="91440" bIns="45720" rtlCol="0" anchor="t">
+            <a:noAutofit/>
+          </a:bodyPr>
+          <a:lstStyle/>
+          <a:p>
+            <a:pPr>
+              <a:buFont typeface="Arial"/>
+              <a:buChar char="•"/>
+            </a:pPr>
+            <a:r>
+              <a:rPr lang="en-GB" sz="2400" dirty="0">
+                <a:solidFill>
+                  <a:srgbClr val="D1D5DB"/>
+                </a:solidFill>
+                <a:latin typeface="Arial"/>
+                <a:ea typeface="+mn-lt"/>
+                <a:cs typeface="+mn-lt"/>
+              </a:rPr>
+              <a:t>Implement unit tests and integration tests for your components and application logic. Testing frameworks like Jest and testing utilities like React Testing Library can help catch logical errors during development.</a:t>
+            </a:r>
+            <a:endParaRPr lang="en-US" sz="2400" dirty="0">
+              <a:latin typeface="Arial"/>
+              <a:ea typeface="+mn-lt"/>
+              <a:cs typeface="+mn-lt"/>
+            </a:endParaRPr>
+          </a:p>
+          <a:p>
+            <a:pPr>
+              <a:buFont typeface="Arial"/>
+              <a:buChar char="•"/>
+            </a:pPr>
+            <a:r>
+              <a:rPr lang="en-GB" sz="2400" dirty="0">
+                <a:solidFill>
+                  <a:srgbClr val="D1D5DB"/>
+                </a:solidFill>
+                <a:latin typeface="Arial"/>
+                <a:ea typeface="+mn-lt"/>
+                <a:cs typeface="Arial"/>
+              </a:rPr>
+              <a:t>Regularly run automated tests to catch regressions and ensure that your application behaves as expected.</a:t>
+            </a:r>
+            <a:endParaRPr lang="en-GB" dirty="0"/>
+          </a:p>
+          <a:p>
+            <a:pPr>
+              <a:buFont typeface="Arial"/>
+              <a:buChar char="•"/>
+            </a:pPr>
+            <a:endParaRPr lang="en-GB" sz="2400" dirty="0">
+              <a:solidFill>
+                <a:srgbClr val="D1D5DB"/>
+              </a:solidFill>
+              <a:latin typeface="Arial"/>
+              <a:cs typeface="Calibri"/>
+            </a:endParaRPr>
+          </a:p>
+        </p:txBody>
+      </p:sp>
+      <p:sp>
+        <p:nvSpPr>
+          <p:cNvPr id="20" name="Rectangle 19">
+            <a:extLst>
+              <a:ext uri="{FF2B5EF4-FFF2-40B4-BE49-F238E27FC236}">
+                <a16:creationId xmlns:a16="http://schemas.microsoft.com/office/drawing/2014/main" id="{87F16C5A-0D41-47A9-B0A2-9C2AD7A8CF32}"/>
+              </a:ext>
+              <a:ext uri="{C183D7F6-B498-43B3-948B-1728B52AA6E4}">
+                <adec:decorative xmlns:adec="http://schemas.microsoft.com/office/drawing/2017/decorative" val="1"/>
+              </a:ext>
+            </a:extLst>
+          </p:cNvPr>
+          <p:cNvSpPr>
+            <a:spLocks noGrp="1" noRot="1" noChangeAspect="1" noMove="1" noResize="1" noEditPoints="1" noAdjustHandles="1" noChangeArrowheads="1" noChangeShapeType="1" noTextEdit="1"/>
+          </p:cNvSpPr>
+          <p:nvPr>
+            <p:extLst>
+              <p:ext uri="{386F3935-93C4-4BCD-93E2-E3B085C9AB24}">
+                <p16:designElem xmlns:p16="http://schemas.microsoft.com/office/powerpoint/2015/main" val="1"/>
+              </p:ext>
+            </p:extLst>
+          </p:nvPr>
+        </p:nvSpPr>
+        <p:spPr>
+          <a:xfrm>
+            <a:off x="6096000" y="0"/>
+            <a:ext cx="6095990" cy="6858001"/>
+          </a:xfrm>
+          <a:prstGeom prst="rect">
+            <a:avLst/>
+          </a:prstGeom>
+          <a:solidFill>
+            <a:schemeClr val="bg1">
+              <a:lumMod val="95000"/>
+            </a:schemeClr>
+          </a:solidFill>
+          <a:ln>
+            <a:noFill/>
+          </a:ln>
+        </p:spPr>
+        <p:style>
+          <a:lnRef idx="2">
+            <a:schemeClr val="accent1">
+              <a:shade val="50000"/>
+            </a:schemeClr>
+          </a:lnRef>
+          <a:fillRef idx="1">
+            <a:schemeClr val="accent1"/>
+          </a:fillRef>
+          <a:effectRef idx="0">
+            <a:schemeClr val="accent1"/>
+          </a:effectRef>
+          <a:fontRef idx="minor">
+            <a:schemeClr val="lt1"/>
+          </a:fontRef>
+        </p:style>
+        <p:txBody>
+          <a:bodyPr rtlCol="0" anchor="ctr"/>
+          <a:lstStyle/>
+          <a:p>
+            <a:pPr algn="ctr"/>
+            <a:endParaRPr lang="en-US"/>
+          </a:p>
+        </p:txBody>
+      </p:sp>
+      <p:pic>
+        <p:nvPicPr>
+          <p:cNvPr id="4" name="Picture 3" descr="A cartoon character holding a yellow sign&#10;&#10;Description automatically generated">
+            <a:extLst>
+              <a:ext uri="{FF2B5EF4-FFF2-40B4-BE49-F238E27FC236}">
+                <a16:creationId xmlns:a16="http://schemas.microsoft.com/office/drawing/2014/main" id="{2860CD2C-E4D1-F87C-470E-16FC6E598C56}"/>
+              </a:ext>
+            </a:extLst>
+          </p:cNvPr>
+          <p:cNvPicPr>
+            <a:picLocks noChangeAspect="1"/>
+          </p:cNvPicPr>
+          <p:nvPr/>
+        </p:nvPicPr>
+        <p:blipFill>
+          <a:blip r:embed="rId2"/>
+          <a:stretch>
+            <a:fillRect/>
+          </a:stretch>
+        </p:blipFill>
+        <p:spPr>
+          <a:xfrm>
+            <a:off x="7275147" y="637762"/>
+            <a:ext cx="3234525" cy="5576770"/>
+          </a:xfrm>
+          <a:prstGeom prst="rect">
+            <a:avLst/>
+          </a:prstGeom>
+        </p:spPr>
+      </p:pic>
+    </p:spTree>
+    <p:extLst>
+      <p:ext uri="{BB962C8B-B14F-4D97-AF65-F5344CB8AC3E}">
+        <p14:creationId xmlns:p14="http://schemas.microsoft.com/office/powerpoint/2010/main" val="4024484856"/>
+      </p:ext>
+    </p:extLst>
+  </p:cSld>
+  <p:clrMapOvr>
+    <a:masterClrMapping/>
+  </p:clrMapOvr>
+</p:sld>
+</file>
+
+<file path=ppt/slides/slide41.xml><?xml version="1.0" encoding="utf-8"?>
+<p:sld xmlns:a="http://schemas.openxmlformats.org/drawingml/2006/main" xmlns:r="http://schemas.openxmlformats.org/officeDocument/2006/relationships" xmlns:p="http://schemas.openxmlformats.org/presentationml/2006/main">
+  <p:cSld>
+    <p:bg>
+      <p:bgPr>
+        <a:solidFill>
+          <a:schemeClr val="bg1"/>
+        </a:solidFill>
+        <a:effectLst/>
+      </p:bgPr>
+    </p:bg>
+    <p:spTree>
+      <p:nvGrpSpPr>
+        <p:cNvPr id="1" name=""/>
+        <p:cNvGrpSpPr/>
+        <p:nvPr/>
+      </p:nvGrpSpPr>
+      <p:grpSpPr>
+        <a:xfrm>
+          <a:off x="0" y="0"/>
+          <a:ext cx="0" cy="0"/>
+          <a:chOff x="0" y="0"/>
+          <a:chExt cx="0" cy="0"/>
+        </a:xfrm>
+      </p:grpSpPr>
+      <p:sp>
+        <p:nvSpPr>
+          <p:cNvPr id="18" name="Rectangle 17">
+            <a:extLst>
+              <a:ext uri="{FF2B5EF4-FFF2-40B4-BE49-F238E27FC236}">
+                <a16:creationId xmlns:a16="http://schemas.microsoft.com/office/drawing/2014/main" id="{6EA86598-DA2C-41D5-BC0C-E877F8818EEB}"/>
+              </a:ext>
+              <a:ext uri="{C183D7F6-B498-43B3-948B-1728B52AA6E4}">
+                <adec:decorative xmlns:adec="http://schemas.microsoft.com/office/drawing/2017/decorative" val="1"/>
+              </a:ext>
+            </a:extLst>
+          </p:cNvPr>
+          <p:cNvSpPr>
+            <a:spLocks noGrp="1" noRot="1" noChangeAspect="1" noMove="1" noResize="1" noEditPoints="1" noAdjustHandles="1" noChangeArrowheads="1" noChangeShapeType="1" noTextEdit="1"/>
+          </p:cNvSpPr>
+          <p:nvPr>
+            <p:extLst>
+              <p:ext uri="{386F3935-93C4-4BCD-93E2-E3B085C9AB24}">
+                <p16:designElem xmlns:p16="http://schemas.microsoft.com/office/powerpoint/2015/main" val="1"/>
+              </p:ext>
+            </p:extLst>
+          </p:nvPr>
+        </p:nvSpPr>
+        <p:spPr>
+          <a:xfrm>
+            <a:off x="10" y="0"/>
+            <a:ext cx="6095990" cy="6858001"/>
+          </a:xfrm>
+          <a:prstGeom prst="rect">
+            <a:avLst/>
+          </a:prstGeom>
+          <a:solidFill>
+            <a:schemeClr val="tx1">
+              <a:lumMod val="85000"/>
+              <a:lumOff val="15000"/>
+            </a:schemeClr>
+          </a:solidFill>
+          <a:ln>
+            <a:noFill/>
+          </a:ln>
+        </p:spPr>
+        <p:style>
+          <a:lnRef idx="2">
+            <a:schemeClr val="accent1">
+              <a:shade val="50000"/>
+            </a:schemeClr>
+          </a:lnRef>
+          <a:fillRef idx="1">
+            <a:schemeClr val="accent1"/>
+          </a:fillRef>
+          <a:effectRef idx="0">
+            <a:schemeClr val="accent1"/>
+          </a:effectRef>
+          <a:fontRef idx="minor">
+            <a:schemeClr val="lt1"/>
+          </a:fontRef>
+        </p:style>
+        <p:txBody>
+          <a:bodyPr rtlCol="0" anchor="ctr"/>
+          <a:lstStyle/>
+          <a:p>
+            <a:pPr algn="ctr"/>
+            <a:endParaRPr lang="en-US"/>
+          </a:p>
+        </p:txBody>
+      </p:sp>
+      <p:sp>
+        <p:nvSpPr>
+          <p:cNvPr id="2" name="Title 1">
+            <a:extLst>
+              <a:ext uri="{FF2B5EF4-FFF2-40B4-BE49-F238E27FC236}">
+                <a16:creationId xmlns:a16="http://schemas.microsoft.com/office/drawing/2014/main" id="{0833764A-6054-E198-9B9B-D9EBC1F4D245}"/>
+              </a:ext>
+            </a:extLst>
+          </p:cNvPr>
+          <p:cNvSpPr>
+            <a:spLocks noGrp="1"/>
+          </p:cNvSpPr>
+          <p:nvPr>
+            <p:ph type="title"/>
+          </p:nvPr>
+        </p:nvSpPr>
+        <p:spPr>
+          <a:xfrm>
+            <a:off x="1155557" y="637763"/>
+            <a:ext cx="4310698" cy="1627274"/>
+          </a:xfrm>
+        </p:spPr>
+        <p:txBody>
+          <a:bodyPr anchor="t">
+            <a:normAutofit/>
+          </a:bodyPr>
+          <a:lstStyle/>
+          <a:p>
+            <a:r>
+              <a:rPr lang="en-GB" sz="4800" dirty="0">
+                <a:solidFill>
+                  <a:srgbClr val="FFFFFF"/>
+                </a:solidFill>
+                <a:ea typeface="+mj-lt"/>
+                <a:cs typeface="+mj-lt"/>
+              </a:rPr>
+              <a:t>Code Reviews</a:t>
+            </a:r>
+            <a:endParaRPr lang="en-US" dirty="0"/>
+          </a:p>
+        </p:txBody>
+      </p:sp>
+      <p:sp>
+        <p:nvSpPr>
+          <p:cNvPr id="19" name="Rectangle 18">
+            <a:extLst>
+              <a:ext uri="{FF2B5EF4-FFF2-40B4-BE49-F238E27FC236}">
+                <a16:creationId xmlns:a16="http://schemas.microsoft.com/office/drawing/2014/main" id="{450D3AD2-FA80-415F-A9CE-54D884561CD7}"/>
+              </a:ext>
+              <a:ext uri="{C183D7F6-B498-43B3-948B-1728B52AA6E4}">
+                <adec:decorative xmlns:adec="http://schemas.microsoft.com/office/drawing/2017/decorative" val="1"/>
+              </a:ext>
+            </a:extLst>
+          </p:cNvPr>
+          <p:cNvSpPr>
+            <a:spLocks noGrp="1" noRot="1" noChangeAspect="1" noMove="1" noResize="1" noEditPoints="1" noAdjustHandles="1" noChangeArrowheads="1" noChangeShapeType="1" noTextEdit="1"/>
+          </p:cNvSpPr>
+          <p:nvPr>
+            <p:extLst>
+              <p:ext uri="{386F3935-93C4-4BCD-93E2-E3B085C9AB24}">
+                <p16:designElem xmlns:p16="http://schemas.microsoft.com/office/powerpoint/2015/main" val="1"/>
+              </p:ext>
+            </p:extLst>
+          </p:nvPr>
+        </p:nvSpPr>
+        <p:spPr>
+          <a:xfrm>
+            <a:off x="1155556" y="2372156"/>
+            <a:ext cx="457200" cy="45720"/>
+          </a:xfrm>
+          <a:prstGeom prst="rect">
+            <a:avLst/>
+          </a:prstGeom>
+          <a:solidFill>
+            <a:schemeClr val="bg1"/>
+          </a:solidFill>
+          <a:ln>
+            <a:noFill/>
+          </a:ln>
+        </p:spPr>
+        <p:style>
+          <a:lnRef idx="2">
+            <a:schemeClr val="accent1">
+              <a:shade val="50000"/>
+            </a:schemeClr>
+          </a:lnRef>
+          <a:fillRef idx="1">
+            <a:schemeClr val="accent1"/>
+          </a:fillRef>
+          <a:effectRef idx="0">
+            <a:schemeClr val="accent1"/>
+          </a:effectRef>
+          <a:fontRef idx="minor">
+            <a:schemeClr val="lt1"/>
+          </a:fontRef>
+        </p:style>
+        <p:txBody>
+          <a:bodyPr rtlCol="0" anchor="ctr"/>
+          <a:lstStyle/>
+          <a:p>
+            <a:pPr algn="ctr"/>
+            <a:endParaRPr lang="en-US">
+              <a:solidFill>
+                <a:schemeClr val="bg1"/>
+              </a:solidFill>
+            </a:endParaRPr>
+          </a:p>
+        </p:txBody>
+      </p:sp>
+      <p:sp>
+        <p:nvSpPr>
+          <p:cNvPr id="3" name="Content Placeholder 2">
+            <a:extLst>
+              <a:ext uri="{FF2B5EF4-FFF2-40B4-BE49-F238E27FC236}">
+                <a16:creationId xmlns:a16="http://schemas.microsoft.com/office/drawing/2014/main" id="{BF6387C6-3A3A-ED00-D649-6CCE37F720FD}"/>
+              </a:ext>
+            </a:extLst>
+          </p:cNvPr>
+          <p:cNvSpPr>
+            <a:spLocks noGrp="1"/>
+          </p:cNvSpPr>
+          <p:nvPr>
+            <p:ph idx="1"/>
+          </p:nvPr>
+        </p:nvSpPr>
+        <p:spPr>
+          <a:xfrm>
+            <a:off x="316244" y="2660677"/>
+            <a:ext cx="5520940" cy="3633467"/>
+          </a:xfrm>
+        </p:spPr>
+        <p:txBody>
+          <a:bodyPr vert="horz" lIns="91440" tIns="45720" rIns="91440" bIns="45720" rtlCol="0" anchor="t">
+            <a:noAutofit/>
+          </a:bodyPr>
+          <a:lstStyle/>
+          <a:p>
+            <a:pPr>
+              <a:buFont typeface="Arial"/>
+              <a:buChar char="•"/>
+            </a:pPr>
+            <a:r>
+              <a:rPr lang="en-GB" sz="2400" dirty="0">
+                <a:solidFill>
+                  <a:srgbClr val="D1D5DB"/>
+                </a:solidFill>
+                <a:latin typeface="Arial"/>
+                <a:ea typeface="+mn-lt"/>
+                <a:cs typeface="+mn-lt"/>
+              </a:rPr>
+              <a:t>Conduct thorough code reviews with your team. Another set of eyes can often catch logical errors that might be overlooked during individual development.</a:t>
+            </a:r>
+            <a:endParaRPr lang="en-US" sz="2400" dirty="0">
+              <a:latin typeface="Arial"/>
+              <a:ea typeface="+mn-lt"/>
+              <a:cs typeface="+mn-lt"/>
+            </a:endParaRPr>
+          </a:p>
+          <a:p>
+            <a:pPr>
+              <a:buFont typeface="Arial"/>
+              <a:buChar char="•"/>
+            </a:pPr>
+            <a:r>
+              <a:rPr lang="en-GB" sz="2400" dirty="0">
+                <a:solidFill>
+                  <a:srgbClr val="D1D5DB"/>
+                </a:solidFill>
+                <a:latin typeface="Arial"/>
+                <a:ea typeface="+mn-lt"/>
+                <a:cs typeface="Arial"/>
+              </a:rPr>
+              <a:t>Discuss the code and its intended </a:t>
+            </a:r>
+            <a:r>
+              <a:rPr lang="en-GB" sz="2400" dirty="0" err="1">
+                <a:solidFill>
+                  <a:srgbClr val="D1D5DB"/>
+                </a:solidFill>
+                <a:latin typeface="Arial"/>
+                <a:ea typeface="+mn-lt"/>
+                <a:cs typeface="Arial"/>
+              </a:rPr>
+              <a:t>behavior</a:t>
+            </a:r>
+            <a:r>
+              <a:rPr lang="en-GB" sz="2400" dirty="0">
+                <a:solidFill>
+                  <a:srgbClr val="D1D5DB"/>
+                </a:solidFill>
+                <a:latin typeface="Arial"/>
+                <a:ea typeface="+mn-lt"/>
+                <a:cs typeface="Arial"/>
+              </a:rPr>
+              <a:t> with your team members to ensure everyone has a clear understanding.</a:t>
+            </a:r>
+            <a:endParaRPr lang="en-GB" dirty="0"/>
+          </a:p>
+          <a:p>
+            <a:pPr>
+              <a:buFont typeface="Arial"/>
+              <a:buChar char="•"/>
+            </a:pPr>
+            <a:endParaRPr lang="en-GB" sz="2400" dirty="0">
+              <a:solidFill>
+                <a:srgbClr val="D1D5DB"/>
+              </a:solidFill>
+              <a:latin typeface="Arial"/>
+              <a:cs typeface="Calibri"/>
+            </a:endParaRPr>
+          </a:p>
+        </p:txBody>
+      </p:sp>
+      <p:sp>
+        <p:nvSpPr>
+          <p:cNvPr id="20" name="Rectangle 19">
+            <a:extLst>
+              <a:ext uri="{FF2B5EF4-FFF2-40B4-BE49-F238E27FC236}">
+                <a16:creationId xmlns:a16="http://schemas.microsoft.com/office/drawing/2014/main" id="{87F16C5A-0D41-47A9-B0A2-9C2AD7A8CF32}"/>
+              </a:ext>
+              <a:ext uri="{C183D7F6-B498-43B3-948B-1728B52AA6E4}">
+                <adec:decorative xmlns:adec="http://schemas.microsoft.com/office/drawing/2017/decorative" val="1"/>
+              </a:ext>
+            </a:extLst>
+          </p:cNvPr>
+          <p:cNvSpPr>
+            <a:spLocks noGrp="1" noRot="1" noChangeAspect="1" noMove="1" noResize="1" noEditPoints="1" noAdjustHandles="1" noChangeArrowheads="1" noChangeShapeType="1" noTextEdit="1"/>
+          </p:cNvSpPr>
+          <p:nvPr>
+            <p:extLst>
+              <p:ext uri="{386F3935-93C4-4BCD-93E2-E3B085C9AB24}">
+                <p16:designElem xmlns:p16="http://schemas.microsoft.com/office/powerpoint/2015/main" val="1"/>
+              </p:ext>
+            </p:extLst>
+          </p:nvPr>
+        </p:nvSpPr>
+        <p:spPr>
+          <a:xfrm>
+            <a:off x="6096000" y="0"/>
+            <a:ext cx="6095990" cy="6858001"/>
+          </a:xfrm>
+          <a:prstGeom prst="rect">
+            <a:avLst/>
+          </a:prstGeom>
+          <a:solidFill>
+            <a:schemeClr val="bg1">
+              <a:lumMod val="95000"/>
+            </a:schemeClr>
+          </a:solidFill>
+          <a:ln>
+            <a:noFill/>
+          </a:ln>
+        </p:spPr>
+        <p:style>
+          <a:lnRef idx="2">
+            <a:schemeClr val="accent1">
+              <a:shade val="50000"/>
+            </a:schemeClr>
+          </a:lnRef>
+          <a:fillRef idx="1">
+            <a:schemeClr val="accent1"/>
+          </a:fillRef>
+          <a:effectRef idx="0">
+            <a:schemeClr val="accent1"/>
+          </a:effectRef>
+          <a:fontRef idx="minor">
+            <a:schemeClr val="lt1"/>
+          </a:fontRef>
+        </p:style>
+        <p:txBody>
+          <a:bodyPr rtlCol="0" anchor="ctr"/>
+          <a:lstStyle/>
+          <a:p>
+            <a:pPr algn="ctr"/>
+            <a:endParaRPr lang="en-US"/>
+          </a:p>
+        </p:txBody>
+      </p:sp>
+      <p:pic>
+        <p:nvPicPr>
+          <p:cNvPr id="4" name="Picture 3" descr="A cartoon character holding a yellow sign&#10;&#10;Description automatically generated">
+            <a:extLst>
+              <a:ext uri="{FF2B5EF4-FFF2-40B4-BE49-F238E27FC236}">
+                <a16:creationId xmlns:a16="http://schemas.microsoft.com/office/drawing/2014/main" id="{2860CD2C-E4D1-F87C-470E-16FC6E598C56}"/>
+              </a:ext>
+            </a:extLst>
+          </p:cNvPr>
+          <p:cNvPicPr>
+            <a:picLocks noChangeAspect="1"/>
+          </p:cNvPicPr>
+          <p:nvPr/>
+        </p:nvPicPr>
+        <p:blipFill>
+          <a:blip r:embed="rId2"/>
+          <a:stretch>
+            <a:fillRect/>
+          </a:stretch>
+        </p:blipFill>
+        <p:spPr>
+          <a:xfrm>
+            <a:off x="7275147" y="637762"/>
+            <a:ext cx="3234525" cy="5576770"/>
+          </a:xfrm>
+          <a:prstGeom prst="rect">
+            <a:avLst/>
+          </a:prstGeom>
+        </p:spPr>
+      </p:pic>
+    </p:spTree>
+    <p:extLst>
+      <p:ext uri="{BB962C8B-B14F-4D97-AF65-F5344CB8AC3E}">
+        <p14:creationId xmlns:p14="http://schemas.microsoft.com/office/powerpoint/2010/main" val="1932436429"/>
+      </p:ext>
+    </p:extLst>
+  </p:cSld>
+  <p:clrMapOvr>
+    <a:masterClrMapping/>
+  </p:clrMapOvr>
+</p:sld>
+</file>
+
+<file path=ppt/slides/slide42.xml><?xml version="1.0" encoding="utf-8"?>
+<p:sld xmlns:a="http://schemas.openxmlformats.org/drawingml/2006/main" xmlns:r="http://schemas.openxmlformats.org/officeDocument/2006/relationships" xmlns:p="http://schemas.openxmlformats.org/presentationml/2006/main">
+  <p:cSld>
+    <p:bg>
+      <p:bgPr>
+        <a:solidFill>
+          <a:schemeClr val="bg1"/>
+        </a:solidFill>
+        <a:effectLst/>
+      </p:bgPr>
+    </p:bg>
+    <p:spTree>
+      <p:nvGrpSpPr>
+        <p:cNvPr id="1" name=""/>
+        <p:cNvGrpSpPr/>
+        <p:nvPr/>
+      </p:nvGrpSpPr>
+      <p:grpSpPr>
+        <a:xfrm>
+          <a:off x="0" y="0"/>
+          <a:ext cx="0" cy="0"/>
+          <a:chOff x="0" y="0"/>
+          <a:chExt cx="0" cy="0"/>
+        </a:xfrm>
+      </p:grpSpPr>
+      <p:sp>
+        <p:nvSpPr>
+          <p:cNvPr id="18" name="Rectangle 17">
+            <a:extLst>
+              <a:ext uri="{FF2B5EF4-FFF2-40B4-BE49-F238E27FC236}">
+                <a16:creationId xmlns:a16="http://schemas.microsoft.com/office/drawing/2014/main" id="{6EA86598-DA2C-41D5-BC0C-E877F8818EEB}"/>
+              </a:ext>
+              <a:ext uri="{C183D7F6-B498-43B3-948B-1728B52AA6E4}">
+                <adec:decorative xmlns:adec="http://schemas.microsoft.com/office/drawing/2017/decorative" val="1"/>
+              </a:ext>
+            </a:extLst>
+          </p:cNvPr>
+          <p:cNvSpPr>
+            <a:spLocks noGrp="1" noRot="1" noChangeAspect="1" noMove="1" noResize="1" noEditPoints="1" noAdjustHandles="1" noChangeArrowheads="1" noChangeShapeType="1" noTextEdit="1"/>
+          </p:cNvSpPr>
+          <p:nvPr>
+            <p:extLst>
+              <p:ext uri="{386F3935-93C4-4BCD-93E2-E3B085C9AB24}">
+                <p16:designElem xmlns:p16="http://schemas.microsoft.com/office/powerpoint/2015/main" val="1"/>
+              </p:ext>
+            </p:extLst>
+          </p:nvPr>
+        </p:nvSpPr>
+        <p:spPr>
+          <a:xfrm>
+            <a:off x="10" y="0"/>
+            <a:ext cx="6095990" cy="6858001"/>
+          </a:xfrm>
+          <a:prstGeom prst="rect">
+            <a:avLst/>
+          </a:prstGeom>
+          <a:solidFill>
+            <a:schemeClr val="tx1">
+              <a:lumMod val="85000"/>
+              <a:lumOff val="15000"/>
+            </a:schemeClr>
+          </a:solidFill>
+          <a:ln>
+            <a:noFill/>
+          </a:ln>
+        </p:spPr>
+        <p:style>
+          <a:lnRef idx="2">
+            <a:schemeClr val="accent1">
+              <a:shade val="50000"/>
+            </a:schemeClr>
+          </a:lnRef>
+          <a:fillRef idx="1">
+            <a:schemeClr val="accent1"/>
+          </a:fillRef>
+          <a:effectRef idx="0">
+            <a:schemeClr val="accent1"/>
+          </a:effectRef>
+          <a:fontRef idx="minor">
+            <a:schemeClr val="lt1"/>
+          </a:fontRef>
+        </p:style>
+        <p:txBody>
+          <a:bodyPr rtlCol="0" anchor="ctr"/>
+          <a:lstStyle/>
+          <a:p>
+            <a:pPr algn="ctr"/>
+            <a:endParaRPr lang="en-US"/>
+          </a:p>
+        </p:txBody>
+      </p:sp>
+      <p:sp>
+        <p:nvSpPr>
+          <p:cNvPr id="2" name="Title 1">
+            <a:extLst>
+              <a:ext uri="{FF2B5EF4-FFF2-40B4-BE49-F238E27FC236}">
+                <a16:creationId xmlns:a16="http://schemas.microsoft.com/office/drawing/2014/main" id="{0833764A-6054-E198-9B9B-D9EBC1F4D245}"/>
+              </a:ext>
+            </a:extLst>
+          </p:cNvPr>
+          <p:cNvSpPr>
+            <a:spLocks noGrp="1"/>
+          </p:cNvSpPr>
+          <p:nvPr>
+            <p:ph type="title"/>
+          </p:nvPr>
+        </p:nvSpPr>
+        <p:spPr>
+          <a:xfrm>
+            <a:off x="1155557" y="637763"/>
+            <a:ext cx="4310698" cy="1627274"/>
+          </a:xfrm>
+        </p:spPr>
+        <p:txBody>
+          <a:bodyPr anchor="t">
+            <a:normAutofit/>
+          </a:bodyPr>
+          <a:lstStyle/>
+          <a:p>
+            <a:r>
+              <a:rPr lang="en-GB" sz="4800" dirty="0">
+                <a:solidFill>
+                  <a:srgbClr val="FFFFFF"/>
+                </a:solidFill>
+                <a:ea typeface="+mj-lt"/>
+                <a:cs typeface="+mj-lt"/>
+              </a:rPr>
+              <a:t>Error Boundaries</a:t>
+            </a:r>
+            <a:endParaRPr lang="en-US" dirty="0"/>
+          </a:p>
+        </p:txBody>
+      </p:sp>
+      <p:sp>
+        <p:nvSpPr>
+          <p:cNvPr id="19" name="Rectangle 18">
+            <a:extLst>
+              <a:ext uri="{FF2B5EF4-FFF2-40B4-BE49-F238E27FC236}">
+                <a16:creationId xmlns:a16="http://schemas.microsoft.com/office/drawing/2014/main" id="{450D3AD2-FA80-415F-A9CE-54D884561CD7}"/>
+              </a:ext>
+              <a:ext uri="{C183D7F6-B498-43B3-948B-1728B52AA6E4}">
+                <adec:decorative xmlns:adec="http://schemas.microsoft.com/office/drawing/2017/decorative" val="1"/>
+              </a:ext>
+            </a:extLst>
+          </p:cNvPr>
+          <p:cNvSpPr>
+            <a:spLocks noGrp="1" noRot="1" noChangeAspect="1" noMove="1" noResize="1" noEditPoints="1" noAdjustHandles="1" noChangeArrowheads="1" noChangeShapeType="1" noTextEdit="1"/>
+          </p:cNvSpPr>
+          <p:nvPr>
+            <p:extLst>
+              <p:ext uri="{386F3935-93C4-4BCD-93E2-E3B085C9AB24}">
+                <p16:designElem xmlns:p16="http://schemas.microsoft.com/office/powerpoint/2015/main" val="1"/>
+              </p:ext>
+            </p:extLst>
+          </p:nvPr>
+        </p:nvSpPr>
+        <p:spPr>
+          <a:xfrm>
+            <a:off x="1155556" y="2372156"/>
+            <a:ext cx="457200" cy="45720"/>
+          </a:xfrm>
+          <a:prstGeom prst="rect">
+            <a:avLst/>
+          </a:prstGeom>
+          <a:solidFill>
+            <a:schemeClr val="bg1"/>
+          </a:solidFill>
+          <a:ln>
+            <a:noFill/>
+          </a:ln>
+        </p:spPr>
+        <p:style>
+          <a:lnRef idx="2">
+            <a:schemeClr val="accent1">
+              <a:shade val="50000"/>
+            </a:schemeClr>
+          </a:lnRef>
+          <a:fillRef idx="1">
+            <a:schemeClr val="accent1"/>
+          </a:fillRef>
+          <a:effectRef idx="0">
+            <a:schemeClr val="accent1"/>
+          </a:effectRef>
+          <a:fontRef idx="minor">
+            <a:schemeClr val="lt1"/>
+          </a:fontRef>
+        </p:style>
+        <p:txBody>
+          <a:bodyPr rtlCol="0" anchor="ctr"/>
+          <a:lstStyle/>
+          <a:p>
+            <a:pPr algn="ctr"/>
+            <a:endParaRPr lang="en-US">
+              <a:solidFill>
+                <a:schemeClr val="bg1"/>
+              </a:solidFill>
+            </a:endParaRPr>
+          </a:p>
+        </p:txBody>
+      </p:sp>
+      <p:sp>
+        <p:nvSpPr>
+          <p:cNvPr id="3" name="Content Placeholder 2">
+            <a:extLst>
+              <a:ext uri="{FF2B5EF4-FFF2-40B4-BE49-F238E27FC236}">
+                <a16:creationId xmlns:a16="http://schemas.microsoft.com/office/drawing/2014/main" id="{BF6387C6-3A3A-ED00-D649-6CCE37F720FD}"/>
+              </a:ext>
+            </a:extLst>
+          </p:cNvPr>
+          <p:cNvSpPr>
+            <a:spLocks noGrp="1"/>
+          </p:cNvSpPr>
+          <p:nvPr>
+            <p:ph idx="1"/>
+          </p:nvPr>
+        </p:nvSpPr>
+        <p:spPr>
+          <a:xfrm>
+            <a:off x="316244" y="2660677"/>
+            <a:ext cx="5520940" cy="3633467"/>
+          </a:xfrm>
+        </p:spPr>
+        <p:txBody>
+          <a:bodyPr vert="horz" lIns="91440" tIns="45720" rIns="91440" bIns="45720" rtlCol="0" anchor="t">
+            <a:noAutofit/>
+          </a:bodyPr>
+          <a:lstStyle/>
+          <a:p>
+            <a:pPr marL="0" indent="0">
+              <a:buNone/>
+            </a:pPr>
+            <a:r>
+              <a:rPr lang="en-GB" sz="2400" dirty="0">
+                <a:solidFill>
+                  <a:srgbClr val="D1D5DB"/>
+                </a:solidFill>
+                <a:latin typeface="Arial"/>
+                <a:ea typeface="+mn-lt"/>
+                <a:cs typeface="+mn-lt"/>
+              </a:rPr>
+              <a:t>React provides a feature called error boundaries that allows you to catch JavaScript errors anywhere in a component tree and log those errors, display a fallback UI, or take other actions as needed. This can help in identifying and handling unexpected errors.</a:t>
+            </a:r>
+            <a:endParaRPr lang="en-US" sz="2400" dirty="0">
+              <a:solidFill>
+                <a:srgbClr val="000000"/>
+              </a:solidFill>
+              <a:latin typeface="Arial"/>
+              <a:ea typeface="+mn-lt"/>
+              <a:cs typeface="+mn-lt"/>
+            </a:endParaRPr>
+          </a:p>
+        </p:txBody>
+      </p:sp>
+      <p:sp>
+        <p:nvSpPr>
+          <p:cNvPr id="20" name="Rectangle 19">
+            <a:extLst>
+              <a:ext uri="{FF2B5EF4-FFF2-40B4-BE49-F238E27FC236}">
+                <a16:creationId xmlns:a16="http://schemas.microsoft.com/office/drawing/2014/main" id="{87F16C5A-0D41-47A9-B0A2-9C2AD7A8CF32}"/>
+              </a:ext>
+              <a:ext uri="{C183D7F6-B498-43B3-948B-1728B52AA6E4}">
+                <adec:decorative xmlns:adec="http://schemas.microsoft.com/office/drawing/2017/decorative" val="1"/>
+              </a:ext>
+            </a:extLst>
+          </p:cNvPr>
+          <p:cNvSpPr>
+            <a:spLocks noGrp="1" noRot="1" noChangeAspect="1" noMove="1" noResize="1" noEditPoints="1" noAdjustHandles="1" noChangeArrowheads="1" noChangeShapeType="1" noTextEdit="1"/>
+          </p:cNvSpPr>
+          <p:nvPr>
+            <p:extLst>
+              <p:ext uri="{386F3935-93C4-4BCD-93E2-E3B085C9AB24}">
+                <p16:designElem xmlns:p16="http://schemas.microsoft.com/office/powerpoint/2015/main" val="1"/>
+              </p:ext>
+            </p:extLst>
+          </p:nvPr>
+        </p:nvSpPr>
+        <p:spPr>
+          <a:xfrm>
+            <a:off x="6096000" y="0"/>
+            <a:ext cx="6095990" cy="6858001"/>
+          </a:xfrm>
+          <a:prstGeom prst="rect">
+            <a:avLst/>
+          </a:prstGeom>
+          <a:solidFill>
+            <a:schemeClr val="bg1">
+              <a:lumMod val="95000"/>
+            </a:schemeClr>
+          </a:solidFill>
+          <a:ln>
+            <a:noFill/>
+          </a:ln>
+        </p:spPr>
+        <p:style>
+          <a:lnRef idx="2">
+            <a:schemeClr val="accent1">
+              <a:shade val="50000"/>
+            </a:schemeClr>
+          </a:lnRef>
+          <a:fillRef idx="1">
+            <a:schemeClr val="accent1"/>
+          </a:fillRef>
+          <a:effectRef idx="0">
+            <a:schemeClr val="accent1"/>
+          </a:effectRef>
+          <a:fontRef idx="minor">
+            <a:schemeClr val="lt1"/>
+          </a:fontRef>
+        </p:style>
+        <p:txBody>
+          <a:bodyPr rtlCol="0" anchor="ctr"/>
+          <a:lstStyle/>
+          <a:p>
+            <a:pPr algn="ctr"/>
+            <a:endParaRPr lang="en-US"/>
+          </a:p>
+        </p:txBody>
+      </p:sp>
+      <p:pic>
+        <p:nvPicPr>
+          <p:cNvPr id="4" name="Picture 3" descr="A cartoon character holding a yellow sign&#10;&#10;Description automatically generated">
+            <a:extLst>
+              <a:ext uri="{FF2B5EF4-FFF2-40B4-BE49-F238E27FC236}">
+                <a16:creationId xmlns:a16="http://schemas.microsoft.com/office/drawing/2014/main" id="{2860CD2C-E4D1-F87C-470E-16FC6E598C56}"/>
+              </a:ext>
+            </a:extLst>
+          </p:cNvPr>
+          <p:cNvPicPr>
+            <a:picLocks noChangeAspect="1"/>
+          </p:cNvPicPr>
+          <p:nvPr/>
+        </p:nvPicPr>
+        <p:blipFill>
+          <a:blip r:embed="rId2"/>
+          <a:stretch>
+            <a:fillRect/>
+          </a:stretch>
+        </p:blipFill>
+        <p:spPr>
+          <a:xfrm>
+            <a:off x="7275147" y="637762"/>
+            <a:ext cx="3234525" cy="5576770"/>
+          </a:xfrm>
+          <a:prstGeom prst="rect">
+            <a:avLst/>
+          </a:prstGeom>
+        </p:spPr>
+      </p:pic>
+    </p:spTree>
+    <p:extLst>
+      <p:ext uri="{BB962C8B-B14F-4D97-AF65-F5344CB8AC3E}">
+        <p14:creationId xmlns:p14="http://schemas.microsoft.com/office/powerpoint/2010/main" val="3783559260"/>
+      </p:ext>
+    </p:extLst>
+  </p:cSld>
+  <p:clrMapOvr>
+    <a:masterClrMapping/>
+  </p:clrMapOvr>
+</p:sld>
+</file>
+
+<file path=ppt/slides/slide43.xml><?xml version="1.0" encoding="utf-8"?>
+<p:sld xmlns:a="http://schemas.openxmlformats.org/drawingml/2006/main" xmlns:r="http://schemas.openxmlformats.org/officeDocument/2006/relationships" xmlns:p="http://schemas.openxmlformats.org/presentationml/2006/main">
+  <p:cSld>
+    <p:spTree>
+      <p:nvGrpSpPr>
+        <p:cNvPr id="1" name=""/>
+        <p:cNvGrpSpPr/>
+        <p:nvPr/>
+      </p:nvGrpSpPr>
+      <p:grpSpPr>
+        <a:xfrm>
+          <a:off x="0" y="0"/>
+          <a:ext cx="0" cy="0"/>
+          <a:chOff x="0" y="0"/>
+          <a:chExt cx="0" cy="0"/>
+        </a:xfrm>
+      </p:grpSpPr>
+      <p:sp>
+        <p:nvSpPr>
+          <p:cNvPr id="4" name="TextBox 3">
+            <a:extLst>
+              <a:ext uri="{FF2B5EF4-FFF2-40B4-BE49-F238E27FC236}">
+                <a16:creationId xmlns:a16="http://schemas.microsoft.com/office/drawing/2014/main" id="{E35E5EF3-BD40-3089-78A4-EC5682014E91}"/>
+              </a:ext>
+            </a:extLst>
+          </p:cNvPr>
+          <p:cNvSpPr txBox="1"/>
+          <p:nvPr/>
+        </p:nvSpPr>
+        <p:spPr>
+          <a:xfrm>
+            <a:off x="136477" y="102357"/>
+            <a:ext cx="11862179" cy="6740307"/>
+          </a:xfrm>
+          <a:prstGeom prst="rect">
+            <a:avLst/>
+          </a:prstGeom>
+          <a:noFill/>
+        </p:spPr>
+        <p:txBody>
+          <a:bodyPr rot="0" spcFirstLastPara="0" vertOverflow="overflow" horzOverflow="overflow" vert="horz" wrap="square" lIns="91440" tIns="45720" rIns="91440" bIns="45720" numCol="1" spcCol="0" rtlCol="0" fromWordArt="0" anchor="t" anchorCtr="0" forceAA="0" compatLnSpc="1">
+            <a:prstTxWarp prst="textNoShape">
+              <a:avLst/>
+            </a:prstTxWarp>
+            <a:spAutoFit/>
+          </a:bodyPr>
+          <a:lstStyle/>
+          <a:p>
+            <a:r>
+              <a:rPr lang="en-GB" dirty="0">
+                <a:ea typeface="+mn-lt"/>
+                <a:cs typeface="+mn-lt"/>
+              </a:rPr>
+              <a:t>import React, { </a:t>
+            </a:r>
+            <a:r>
+              <a:rPr lang="en-GB" dirty="0" err="1">
+                <a:ea typeface="+mn-lt"/>
+                <a:cs typeface="+mn-lt"/>
+              </a:rPr>
+              <a:t>useState</a:t>
+            </a:r>
+            <a:r>
+              <a:rPr lang="en-GB" dirty="0">
+                <a:ea typeface="+mn-lt"/>
+                <a:cs typeface="+mn-lt"/>
+              </a:rPr>
+              <a:t>, </a:t>
+            </a:r>
+            <a:r>
+              <a:rPr lang="en-GB" dirty="0" err="1">
+                <a:ea typeface="+mn-lt"/>
+                <a:cs typeface="+mn-lt"/>
+              </a:rPr>
+              <a:t>useEffect</a:t>
+            </a:r>
+            <a:r>
+              <a:rPr lang="en-GB" dirty="0">
+                <a:ea typeface="+mn-lt"/>
+                <a:cs typeface="+mn-lt"/>
+              </a:rPr>
+              <a:t> } from 'react';</a:t>
+            </a:r>
+            <a:endParaRPr lang="en-US" dirty="0"/>
+          </a:p>
+          <a:p>
+            <a:endParaRPr lang="en-GB"/>
+          </a:p>
+          <a:p>
+            <a:r>
+              <a:rPr lang="en-GB" dirty="0" err="1">
+                <a:ea typeface="+mn-lt"/>
+                <a:cs typeface="+mn-lt"/>
+              </a:rPr>
+              <a:t>const</a:t>
+            </a:r>
+            <a:r>
+              <a:rPr lang="en-GB" dirty="0">
+                <a:ea typeface="+mn-lt"/>
+                <a:cs typeface="+mn-lt"/>
+              </a:rPr>
+              <a:t> </a:t>
+            </a:r>
+            <a:r>
+              <a:rPr lang="en-GB" dirty="0" err="1">
+                <a:ea typeface="+mn-lt"/>
+                <a:cs typeface="+mn-lt"/>
+              </a:rPr>
+              <a:t>ErrorBoundary</a:t>
+            </a:r>
+            <a:r>
+              <a:rPr lang="en-GB" dirty="0">
+                <a:ea typeface="+mn-lt"/>
+                <a:cs typeface="+mn-lt"/>
+              </a:rPr>
+              <a:t> = ({ children }) =&gt; {</a:t>
+            </a:r>
+            <a:endParaRPr lang="en-GB"/>
+          </a:p>
+          <a:p>
+            <a:r>
+              <a:rPr lang="en-GB" dirty="0">
+                <a:ea typeface="+mn-lt"/>
+                <a:cs typeface="+mn-lt"/>
+              </a:rPr>
+              <a:t>  </a:t>
+            </a:r>
+            <a:r>
+              <a:rPr lang="en-GB" dirty="0" err="1">
+                <a:ea typeface="+mn-lt"/>
+                <a:cs typeface="+mn-lt"/>
+              </a:rPr>
+              <a:t>const</a:t>
+            </a:r>
+            <a:r>
+              <a:rPr lang="en-GB" dirty="0">
+                <a:ea typeface="+mn-lt"/>
+                <a:cs typeface="+mn-lt"/>
+              </a:rPr>
+              <a:t> [error, </a:t>
+            </a:r>
+            <a:r>
+              <a:rPr lang="en-GB" dirty="0" err="1">
+                <a:ea typeface="+mn-lt"/>
+                <a:cs typeface="+mn-lt"/>
+              </a:rPr>
+              <a:t>setError</a:t>
+            </a:r>
+            <a:r>
+              <a:rPr lang="en-GB" dirty="0">
+                <a:ea typeface="+mn-lt"/>
+                <a:cs typeface="+mn-lt"/>
+              </a:rPr>
+              <a:t>] = </a:t>
+            </a:r>
+            <a:r>
+              <a:rPr lang="en-GB" dirty="0" err="1">
+                <a:ea typeface="+mn-lt"/>
+                <a:cs typeface="+mn-lt"/>
+              </a:rPr>
+              <a:t>useState</a:t>
+            </a:r>
+            <a:r>
+              <a:rPr lang="en-GB" dirty="0">
+                <a:ea typeface="+mn-lt"/>
+                <a:cs typeface="+mn-lt"/>
+              </a:rPr>
+              <a:t>(null);</a:t>
+            </a:r>
+            <a:endParaRPr lang="en-GB"/>
+          </a:p>
+          <a:p>
+            <a:endParaRPr lang="en-GB"/>
+          </a:p>
+          <a:p>
+            <a:r>
+              <a:rPr lang="en-GB" dirty="0">
+                <a:ea typeface="+mn-lt"/>
+                <a:cs typeface="+mn-lt"/>
+              </a:rPr>
+              <a:t>  </a:t>
+            </a:r>
+            <a:r>
+              <a:rPr lang="en-GB" dirty="0" err="1">
+                <a:ea typeface="+mn-lt"/>
+                <a:cs typeface="+mn-lt"/>
+              </a:rPr>
+              <a:t>useEffect</a:t>
+            </a:r>
+            <a:r>
+              <a:rPr lang="en-GB" dirty="0">
+                <a:ea typeface="+mn-lt"/>
+                <a:cs typeface="+mn-lt"/>
+              </a:rPr>
+              <a:t>(() =&gt; {</a:t>
+            </a:r>
+            <a:endParaRPr lang="en-GB"/>
+          </a:p>
+          <a:p>
+            <a:r>
+              <a:rPr lang="en-GB" dirty="0">
+                <a:ea typeface="+mn-lt"/>
+                <a:cs typeface="+mn-lt"/>
+              </a:rPr>
+              <a:t>    </a:t>
+            </a:r>
+            <a:r>
+              <a:rPr lang="en-GB" dirty="0" err="1">
+                <a:ea typeface="+mn-lt"/>
+                <a:cs typeface="+mn-lt"/>
+              </a:rPr>
+              <a:t>const</a:t>
+            </a:r>
+            <a:r>
+              <a:rPr lang="en-GB" dirty="0">
+                <a:ea typeface="+mn-lt"/>
+                <a:cs typeface="+mn-lt"/>
+              </a:rPr>
+              <a:t> </a:t>
+            </a:r>
+            <a:r>
+              <a:rPr lang="en-GB" dirty="0" err="1">
+                <a:ea typeface="+mn-lt"/>
+                <a:cs typeface="+mn-lt"/>
+              </a:rPr>
+              <a:t>errorListener</a:t>
+            </a:r>
+            <a:r>
+              <a:rPr lang="en-GB" dirty="0">
+                <a:ea typeface="+mn-lt"/>
+                <a:cs typeface="+mn-lt"/>
+              </a:rPr>
+              <a:t> = (event) =&gt; {</a:t>
+            </a:r>
+            <a:endParaRPr lang="en-GB"/>
+          </a:p>
+          <a:p>
+            <a:r>
+              <a:rPr lang="en-GB" dirty="0">
+                <a:ea typeface="+mn-lt"/>
+                <a:cs typeface="+mn-lt"/>
+              </a:rPr>
+              <a:t>      </a:t>
+            </a:r>
+            <a:r>
+              <a:rPr lang="en-GB" dirty="0" err="1">
+                <a:ea typeface="+mn-lt"/>
+                <a:cs typeface="+mn-lt"/>
+              </a:rPr>
+              <a:t>setError</a:t>
+            </a:r>
+            <a:r>
+              <a:rPr lang="en-GB" dirty="0">
+                <a:ea typeface="+mn-lt"/>
+                <a:cs typeface="+mn-lt"/>
+              </a:rPr>
+              <a:t>(</a:t>
+            </a:r>
+            <a:r>
+              <a:rPr lang="en-GB" dirty="0" err="1">
+                <a:ea typeface="+mn-lt"/>
+                <a:cs typeface="+mn-lt"/>
+              </a:rPr>
+              <a:t>event.error</a:t>
+            </a:r>
+            <a:r>
+              <a:rPr lang="en-GB" dirty="0">
+                <a:ea typeface="+mn-lt"/>
+                <a:cs typeface="+mn-lt"/>
+              </a:rPr>
+              <a:t> || new Error('Unknown error'));</a:t>
+            </a:r>
+            <a:endParaRPr lang="en-GB"/>
+          </a:p>
+          <a:p>
+            <a:r>
+              <a:rPr lang="en-GB" dirty="0">
+                <a:ea typeface="+mn-lt"/>
+                <a:cs typeface="+mn-lt"/>
+              </a:rPr>
+              <a:t>    };</a:t>
+            </a:r>
+            <a:endParaRPr lang="en-GB" dirty="0"/>
+          </a:p>
+          <a:p>
+            <a:r>
+              <a:rPr lang="en-GB" dirty="0">
+                <a:ea typeface="+mn-lt"/>
+                <a:cs typeface="+mn-lt"/>
+              </a:rPr>
+              <a:t>    </a:t>
+            </a:r>
+            <a:r>
+              <a:rPr lang="en-GB" dirty="0" err="1">
+                <a:ea typeface="+mn-lt"/>
+                <a:cs typeface="+mn-lt"/>
+              </a:rPr>
+              <a:t>window.addEventListener</a:t>
+            </a:r>
+            <a:r>
+              <a:rPr lang="en-GB" dirty="0">
+                <a:ea typeface="+mn-lt"/>
+                <a:cs typeface="+mn-lt"/>
+              </a:rPr>
+              <a:t>('error', </a:t>
+            </a:r>
+            <a:r>
+              <a:rPr lang="en-GB" dirty="0" err="1">
+                <a:ea typeface="+mn-lt"/>
+                <a:cs typeface="+mn-lt"/>
+              </a:rPr>
+              <a:t>errorListener</a:t>
+            </a:r>
+            <a:r>
+              <a:rPr lang="en-GB" dirty="0">
+                <a:ea typeface="+mn-lt"/>
+                <a:cs typeface="+mn-lt"/>
+              </a:rPr>
+              <a:t>);</a:t>
+            </a:r>
+            <a:endParaRPr lang="en-GB"/>
+          </a:p>
+          <a:p>
+            <a:r>
+              <a:rPr lang="en-GB" dirty="0">
+                <a:ea typeface="+mn-lt"/>
+                <a:cs typeface="+mn-lt"/>
+              </a:rPr>
+              <a:t>    return () =&gt; {</a:t>
+            </a:r>
+            <a:endParaRPr lang="en-GB"/>
+          </a:p>
+          <a:p>
+            <a:r>
+              <a:rPr lang="en-GB" dirty="0">
+                <a:ea typeface="+mn-lt"/>
+                <a:cs typeface="+mn-lt"/>
+              </a:rPr>
+              <a:t>      </a:t>
+            </a:r>
+            <a:r>
+              <a:rPr lang="en-GB" dirty="0" err="1">
+                <a:ea typeface="+mn-lt"/>
+                <a:cs typeface="+mn-lt"/>
+              </a:rPr>
+              <a:t>window.removeEventListener</a:t>
+            </a:r>
+            <a:r>
+              <a:rPr lang="en-GB" dirty="0">
+                <a:ea typeface="+mn-lt"/>
+                <a:cs typeface="+mn-lt"/>
+              </a:rPr>
+              <a:t>('error', </a:t>
+            </a:r>
+            <a:r>
+              <a:rPr lang="en-GB" dirty="0" err="1">
+                <a:ea typeface="+mn-lt"/>
+                <a:cs typeface="+mn-lt"/>
+              </a:rPr>
+              <a:t>errorListener</a:t>
+            </a:r>
+            <a:r>
+              <a:rPr lang="en-GB" dirty="0">
+                <a:ea typeface="+mn-lt"/>
+                <a:cs typeface="+mn-lt"/>
+              </a:rPr>
+              <a:t>);</a:t>
+            </a:r>
+            <a:endParaRPr lang="en-GB"/>
+          </a:p>
+          <a:p>
+            <a:r>
+              <a:rPr lang="en-GB" dirty="0">
+                <a:ea typeface="+mn-lt"/>
+                <a:cs typeface="+mn-lt"/>
+              </a:rPr>
+              <a:t>    };</a:t>
+            </a:r>
+            <a:endParaRPr lang="en-GB"/>
+          </a:p>
+          <a:p>
+            <a:r>
+              <a:rPr lang="en-GB" dirty="0">
+                <a:ea typeface="+mn-lt"/>
+                <a:cs typeface="+mn-lt"/>
+              </a:rPr>
+              <a:t>  }, []);</a:t>
+            </a:r>
+            <a:endParaRPr lang="en-GB"/>
+          </a:p>
+          <a:p>
+            <a:endParaRPr lang="en-GB"/>
+          </a:p>
+          <a:p>
+            <a:r>
+              <a:rPr lang="en-GB" dirty="0">
+                <a:ea typeface="+mn-lt"/>
+                <a:cs typeface="+mn-lt"/>
+              </a:rPr>
+              <a:t>  if (error) {</a:t>
+            </a:r>
+            <a:endParaRPr lang="en-GB"/>
+          </a:p>
+          <a:p>
+            <a:r>
+              <a:rPr lang="en-GB" dirty="0">
+                <a:ea typeface="+mn-lt"/>
+                <a:cs typeface="+mn-lt"/>
+              </a:rPr>
+              <a:t>    return &lt;div&gt;Something went wrong: {</a:t>
+            </a:r>
+            <a:r>
+              <a:rPr lang="en-GB" dirty="0" err="1">
+                <a:ea typeface="+mn-lt"/>
+                <a:cs typeface="+mn-lt"/>
+              </a:rPr>
+              <a:t>error.message</a:t>
+            </a:r>
+            <a:r>
+              <a:rPr lang="en-GB" dirty="0">
+                <a:ea typeface="+mn-lt"/>
+                <a:cs typeface="+mn-lt"/>
+              </a:rPr>
+              <a:t>}&lt;/div&gt;;</a:t>
+            </a:r>
+            <a:endParaRPr lang="en-GB"/>
+          </a:p>
+          <a:p>
+            <a:r>
+              <a:rPr lang="en-GB" dirty="0">
+                <a:ea typeface="+mn-lt"/>
+                <a:cs typeface="+mn-lt"/>
+              </a:rPr>
+              <a:t>  }</a:t>
+            </a:r>
+            <a:endParaRPr lang="en-GB"/>
+          </a:p>
+          <a:p>
+            <a:endParaRPr lang="en-GB"/>
+          </a:p>
+          <a:p>
+            <a:r>
+              <a:rPr lang="en-GB" dirty="0">
+                <a:ea typeface="+mn-lt"/>
+                <a:cs typeface="+mn-lt"/>
+              </a:rPr>
+              <a:t>  return children;</a:t>
+            </a:r>
+            <a:endParaRPr lang="en-GB"/>
+          </a:p>
+          <a:p>
+            <a:r>
+              <a:rPr lang="en-GB" dirty="0">
+                <a:ea typeface="+mn-lt"/>
+                <a:cs typeface="+mn-lt"/>
+              </a:rPr>
+              <a:t>};</a:t>
+            </a:r>
+            <a:endParaRPr lang="en-GB"/>
+          </a:p>
+          <a:p>
+            <a:endParaRPr lang="en-GB"/>
+          </a:p>
+          <a:p>
+            <a:r>
+              <a:rPr lang="en-GB" dirty="0">
+                <a:ea typeface="+mn-lt"/>
+                <a:cs typeface="+mn-lt"/>
+              </a:rPr>
+              <a:t>export default </a:t>
+            </a:r>
+            <a:r>
+              <a:rPr lang="en-GB" dirty="0" err="1">
+                <a:ea typeface="+mn-lt"/>
+                <a:cs typeface="+mn-lt"/>
+              </a:rPr>
+              <a:t>ErrorBoundary</a:t>
+            </a:r>
+            <a:r>
+              <a:rPr lang="en-GB" dirty="0">
+                <a:ea typeface="+mn-lt"/>
+                <a:cs typeface="+mn-lt"/>
+              </a:rPr>
+              <a:t>;</a:t>
+            </a:r>
+            <a:endParaRPr lang="en-GB"/>
+          </a:p>
+          <a:p>
+            <a:pPr algn="l"/>
+            <a:endParaRPr lang="en-GB" dirty="0">
+              <a:cs typeface="Calibri"/>
+            </a:endParaRPr>
+          </a:p>
+        </p:txBody>
+      </p:sp>
+      <p:pic>
+        <p:nvPicPr>
+          <p:cNvPr id="6" name="Picture 5" descr="A cartoon character holding a yellow sign&#10;&#10;Description automatically generated">
+            <a:extLst>
+              <a:ext uri="{FF2B5EF4-FFF2-40B4-BE49-F238E27FC236}">
+                <a16:creationId xmlns:a16="http://schemas.microsoft.com/office/drawing/2014/main" id="{B5C2B916-C6B8-2F60-D6CC-B0FD45202A0D}"/>
+              </a:ext>
+            </a:extLst>
+          </p:cNvPr>
+          <p:cNvPicPr>
+            <a:picLocks noChangeAspect="1"/>
+          </p:cNvPicPr>
+          <p:nvPr/>
+        </p:nvPicPr>
+        <p:blipFill>
+          <a:blip r:embed="rId2"/>
+          <a:stretch>
+            <a:fillRect/>
+          </a:stretch>
+        </p:blipFill>
+        <p:spPr>
+          <a:xfrm>
+            <a:off x="7275147" y="637762"/>
+            <a:ext cx="3234525" cy="5576770"/>
+          </a:xfrm>
+          <a:prstGeom prst="rect">
+            <a:avLst/>
+          </a:prstGeom>
+        </p:spPr>
+      </p:pic>
+    </p:spTree>
+    <p:extLst>
+      <p:ext uri="{BB962C8B-B14F-4D97-AF65-F5344CB8AC3E}">
+        <p14:creationId xmlns:p14="http://schemas.microsoft.com/office/powerpoint/2010/main" val="1256372734"/>
       </p:ext>
     </p:extLst>
   </p:cSld>
